--- a/Presentation/PresentazioneDispositivi.pptx
+++ b/Presentation/PresentazioneDispositivi.pptx
@@ -11,10 +11,12 @@
     <p:sldId id="259" r:id="rId5"/>
     <p:sldId id="260" r:id="rId6"/>
     <p:sldId id="265" r:id="rId7"/>
-    <p:sldId id="261" r:id="rId8"/>
-    <p:sldId id="262" r:id="rId9"/>
+    <p:sldId id="267" r:id="rId8"/>
+    <p:sldId id="261" r:id="rId9"/>
     <p:sldId id="263" r:id="rId10"/>
-    <p:sldId id="264" r:id="rId11"/>
+    <p:sldId id="266" r:id="rId11"/>
+    <p:sldId id="262" r:id="rId12"/>
+    <p:sldId id="264" r:id="rId13"/>
   </p:sldIdLst>
   <p:sldSz cx="12192000" cy="6858000"/>
   <p:notesSz cx="6858000" cy="9144000"/>
@@ -113,6 +115,11 @@
       </a:defRPr>
     </a:lvl9pPr>
   </p:defaultTextStyle>
+  <p:extLst>
+    <p:ext uri="{EFAFB233-063F-42B5-8137-9DF3F51BA10A}">
+      <p15:sldGuideLst xmlns:p15="http://schemas.microsoft.com/office/powerpoint/2012/main"/>
+    </p:ext>
+  </p:extLst>
 </p:presentation>
 </file>
 
@@ -174,7 +181,7 @@
           <a:noFill/>
           <a:extLst>
             <a:ext uri="{909E8E84-426E-40dd-AFC4-6F175D3DCCD1}">
-              <a14:hiddenFill xmlns:a14="http://schemas.microsoft.com/office/drawing/2010/main" xmlns="">
+              <a14:hiddenFill xmlns="" xmlns:a14="http://schemas.microsoft.com/office/drawing/2010/main">
                 <a:solidFill>
                   <a:srgbClr val="FFFFFF"/>
                 </a:solidFill>
@@ -234,7 +241,7 @@
             </a:ln>
             <a:extLst>
               <a:ext uri="{91240B29-F687-4f45-9708-019B960494DF}">
-                <a14:hiddenLine xmlns:a14="http://schemas.microsoft.com/office/drawing/2010/main" xmlns="" w="9525">
+                <a14:hiddenLine xmlns="" xmlns:a14="http://schemas.microsoft.com/office/drawing/2010/main" w="9525">
                   <a:solidFill>
                     <a:srgbClr val="000000"/>
                   </a:solidFill>
@@ -324,7 +331,7 @@
             </a:ln>
             <a:extLst>
               <a:ext uri="{91240B29-F687-4f45-9708-019B960494DF}">
-                <a14:hiddenLine xmlns:a14="http://schemas.microsoft.com/office/drawing/2010/main" xmlns="" w="9525">
+                <a14:hiddenLine xmlns="" xmlns:a14="http://schemas.microsoft.com/office/drawing/2010/main" w="9525">
                   <a:solidFill>
                     <a:srgbClr val="000000"/>
                   </a:solidFill>
@@ -414,7 +421,7 @@
             </a:ln>
             <a:extLst>
               <a:ext uri="{91240B29-F687-4f45-9708-019B960494DF}">
-                <a14:hiddenLine xmlns:a14="http://schemas.microsoft.com/office/drawing/2010/main" xmlns="" w="9525">
+                <a14:hiddenLine xmlns="" xmlns:a14="http://schemas.microsoft.com/office/drawing/2010/main" w="9525">
                   <a:solidFill>
                     <a:srgbClr val="000000"/>
                   </a:solidFill>
@@ -448,7 +455,7 @@
             </a:ln>
             <a:extLst>
               <a:ext uri="{91240B29-F687-4f45-9708-019B960494DF}">
-                <a14:hiddenLine xmlns:a14="http://schemas.microsoft.com/office/drawing/2010/main" xmlns="" w="9525">
+                <a14:hiddenLine xmlns="" xmlns:a14="http://schemas.microsoft.com/office/drawing/2010/main" w="9525">
                   <a:solidFill>
                     <a:srgbClr val="000000"/>
                   </a:solidFill>
@@ -538,7 +545,7 @@
             </a:ln>
             <a:extLst>
               <a:ext uri="{91240B29-F687-4f45-9708-019B960494DF}">
-                <a14:hiddenLine xmlns:a14="http://schemas.microsoft.com/office/drawing/2010/main" xmlns="" w="9525">
+                <a14:hiddenLine xmlns="" xmlns:a14="http://schemas.microsoft.com/office/drawing/2010/main" w="9525">
                   <a:solidFill>
                     <a:srgbClr val="000000"/>
                   </a:solidFill>
@@ -600,7 +607,7 @@
             </a:ln>
             <a:extLst>
               <a:ext uri="{91240B29-F687-4f45-9708-019B960494DF}">
-                <a14:hiddenLine xmlns:a14="http://schemas.microsoft.com/office/drawing/2010/main" xmlns="" w="9525">
+                <a14:hiddenLine xmlns="" xmlns:a14="http://schemas.microsoft.com/office/drawing/2010/main" w="9525">
                   <a:solidFill>
                     <a:srgbClr val="000000"/>
                   </a:solidFill>
@@ -662,7 +669,7 @@
             </a:ln>
             <a:extLst>
               <a:ext uri="{91240B29-F687-4f45-9708-019B960494DF}">
-                <a14:hiddenLine xmlns:a14="http://schemas.microsoft.com/office/drawing/2010/main" xmlns="" w="9525">
+                <a14:hiddenLine xmlns="" xmlns:a14="http://schemas.microsoft.com/office/drawing/2010/main" w="9525">
                   <a:solidFill>
                     <a:srgbClr val="000000"/>
                   </a:solidFill>
@@ -752,7 +759,7 @@
             </a:ln>
             <a:extLst>
               <a:ext uri="{91240B29-F687-4f45-9708-019B960494DF}">
-                <a14:hiddenLine xmlns:a14="http://schemas.microsoft.com/office/drawing/2010/main" xmlns="" w="9525">
+                <a14:hiddenLine xmlns="" xmlns:a14="http://schemas.microsoft.com/office/drawing/2010/main" w="9525">
                   <a:solidFill>
                     <a:srgbClr val="000000"/>
                   </a:solidFill>
@@ -814,7 +821,7 @@
             </a:ln>
             <a:extLst>
               <a:ext uri="{91240B29-F687-4f45-9708-019B960494DF}">
-                <a14:hiddenLine xmlns:a14="http://schemas.microsoft.com/office/drawing/2010/main" xmlns="" w="9525">
+                <a14:hiddenLine xmlns="" xmlns:a14="http://schemas.microsoft.com/office/drawing/2010/main" w="9525">
                   <a:solidFill>
                     <a:srgbClr val="000000"/>
                   </a:solidFill>
@@ -876,7 +883,7 @@
             </a:ln>
             <a:extLst>
               <a:ext uri="{91240B29-F687-4f45-9708-019B960494DF}">
-                <a14:hiddenLine xmlns:a14="http://schemas.microsoft.com/office/drawing/2010/main" xmlns="" w="9525">
+                <a14:hiddenLine xmlns="" xmlns:a14="http://schemas.microsoft.com/office/drawing/2010/main" w="9525">
                   <a:solidFill>
                     <a:srgbClr val="000000"/>
                   </a:solidFill>
@@ -966,7 +973,7 @@
             </a:ln>
             <a:extLst>
               <a:ext uri="{91240B29-F687-4f45-9708-019B960494DF}">
-                <a14:hiddenLine xmlns:a14="http://schemas.microsoft.com/office/drawing/2010/main" xmlns="" w="9525">
+                <a14:hiddenLine xmlns="" xmlns:a14="http://schemas.microsoft.com/office/drawing/2010/main" w="9525">
                   <a:solidFill>
                     <a:srgbClr val="000000"/>
                   </a:solidFill>
@@ -1056,7 +1063,7 @@
             </a:ln>
             <a:extLst>
               <a:ext uri="{91240B29-F687-4f45-9708-019B960494DF}">
-                <a14:hiddenLine xmlns:a14="http://schemas.microsoft.com/office/drawing/2010/main" xmlns="" w="9525">
+                <a14:hiddenLine xmlns="" xmlns:a14="http://schemas.microsoft.com/office/drawing/2010/main" w="9525">
                   <a:solidFill>
                     <a:srgbClr val="000000"/>
                   </a:solidFill>
@@ -1118,7 +1125,7 @@
             </a:ln>
             <a:extLst>
               <a:ext uri="{91240B29-F687-4f45-9708-019B960494DF}">
-                <a14:hiddenLine xmlns:a14="http://schemas.microsoft.com/office/drawing/2010/main" xmlns="" w="9525">
+                <a14:hiddenLine xmlns="" xmlns:a14="http://schemas.microsoft.com/office/drawing/2010/main" w="9525">
                   <a:solidFill>
                     <a:srgbClr val="000000"/>
                   </a:solidFill>
@@ -1228,7 +1235,7 @@
             </a:ln>
             <a:extLst>
               <a:ext uri="{91240B29-F687-4f45-9708-019B960494DF}">
-                <a14:hiddenLine xmlns:a14="http://schemas.microsoft.com/office/drawing/2010/main" xmlns="" w="9525">
+                <a14:hiddenLine xmlns="" xmlns:a14="http://schemas.microsoft.com/office/drawing/2010/main" w="9525">
                   <a:solidFill>
                     <a:srgbClr val="000000"/>
                   </a:solidFill>
@@ -1290,7 +1297,7 @@
             </a:ln>
             <a:extLst>
               <a:ext uri="{91240B29-F687-4f45-9708-019B960494DF}">
-                <a14:hiddenLine xmlns:a14="http://schemas.microsoft.com/office/drawing/2010/main" xmlns="" w="9525">
+                <a14:hiddenLine xmlns="" xmlns:a14="http://schemas.microsoft.com/office/drawing/2010/main" w="9525">
                   <a:solidFill>
                     <a:srgbClr val="000000"/>
                   </a:solidFill>
@@ -1380,7 +1387,7 @@
             </a:ln>
             <a:extLst>
               <a:ext uri="{91240B29-F687-4f45-9708-019B960494DF}">
-                <a14:hiddenLine xmlns:a14="http://schemas.microsoft.com/office/drawing/2010/main" xmlns="" w="9525">
+                <a14:hiddenLine xmlns="" xmlns:a14="http://schemas.microsoft.com/office/drawing/2010/main" w="9525">
                   <a:solidFill>
                     <a:srgbClr val="000000"/>
                   </a:solidFill>
@@ -1470,7 +1477,7 @@
             </a:ln>
             <a:extLst>
               <a:ext uri="{91240B29-F687-4f45-9708-019B960494DF}">
-                <a14:hiddenLine xmlns:a14="http://schemas.microsoft.com/office/drawing/2010/main" xmlns="" w="9525">
+                <a14:hiddenLine xmlns="" xmlns:a14="http://schemas.microsoft.com/office/drawing/2010/main" w="9525">
                   <a:solidFill>
                     <a:srgbClr val="000000"/>
                   </a:solidFill>
@@ -1532,7 +1539,7 @@
             </a:ln>
             <a:extLst>
               <a:ext uri="{91240B29-F687-4f45-9708-019B960494DF}">
-                <a14:hiddenLine xmlns:a14="http://schemas.microsoft.com/office/drawing/2010/main" xmlns="" w="9525">
+                <a14:hiddenLine xmlns="" xmlns:a14="http://schemas.microsoft.com/office/drawing/2010/main" w="9525">
                   <a:solidFill>
                     <a:srgbClr val="000000"/>
                   </a:solidFill>
@@ -1622,7 +1629,7 @@
             </a:ln>
             <a:extLst>
               <a:ext uri="{91240B29-F687-4f45-9708-019B960494DF}">
-                <a14:hiddenLine xmlns:a14="http://schemas.microsoft.com/office/drawing/2010/main" xmlns="" w="9525">
+                <a14:hiddenLine xmlns="" xmlns:a14="http://schemas.microsoft.com/office/drawing/2010/main" w="9525">
                   <a:solidFill>
                     <a:srgbClr val="000000"/>
                   </a:solidFill>
@@ -1712,7 +1719,7 @@
             </a:ln>
             <a:extLst>
               <a:ext uri="{91240B29-F687-4f45-9708-019B960494DF}">
-                <a14:hiddenLine xmlns:a14="http://schemas.microsoft.com/office/drawing/2010/main" xmlns="" w="9525">
+                <a14:hiddenLine xmlns="" xmlns:a14="http://schemas.microsoft.com/office/drawing/2010/main" w="9525">
                   <a:solidFill>
                     <a:srgbClr val="000000"/>
                   </a:solidFill>
@@ -1768,7 +1775,7 @@
             </a:ln>
             <a:extLst>
               <a:ext uri="{91240B29-F687-4f45-9708-019B960494DF}">
-                <a14:hiddenLine xmlns:a14="http://schemas.microsoft.com/office/drawing/2010/main" xmlns="" w="9525">
+                <a14:hiddenLine xmlns="" xmlns:a14="http://schemas.microsoft.com/office/drawing/2010/main" w="9525">
                   <a:solidFill>
                     <a:srgbClr val="000000"/>
                   </a:solidFill>
@@ -1858,7 +1865,7 @@
             </a:ln>
             <a:extLst>
               <a:ext uri="{91240B29-F687-4f45-9708-019B960494DF}">
-                <a14:hiddenLine xmlns:a14="http://schemas.microsoft.com/office/drawing/2010/main" xmlns="" w="9525">
+                <a14:hiddenLine xmlns="" xmlns:a14="http://schemas.microsoft.com/office/drawing/2010/main" w="9525">
                   <a:solidFill>
                     <a:srgbClr val="000000"/>
                   </a:solidFill>
@@ -1914,7 +1921,7 @@
             </a:ln>
             <a:extLst>
               <a:ext uri="{91240B29-F687-4f45-9708-019B960494DF}">
-                <a14:hiddenLine xmlns:a14="http://schemas.microsoft.com/office/drawing/2010/main" xmlns="" w="9525">
+                <a14:hiddenLine xmlns="" xmlns:a14="http://schemas.microsoft.com/office/drawing/2010/main" w="9525">
                   <a:solidFill>
                     <a:srgbClr val="000000"/>
                   </a:solidFill>
@@ -2004,7 +2011,7 @@
             </a:ln>
             <a:extLst>
               <a:ext uri="{91240B29-F687-4f45-9708-019B960494DF}">
-                <a14:hiddenLine xmlns:a14="http://schemas.microsoft.com/office/drawing/2010/main" xmlns="" w="9525">
+                <a14:hiddenLine xmlns="" xmlns:a14="http://schemas.microsoft.com/office/drawing/2010/main" w="9525">
                   <a:solidFill>
                     <a:srgbClr val="000000"/>
                   </a:solidFill>
@@ -2072,7 +2079,7 @@
             </a:ln>
             <a:extLst>
               <a:ext uri="{91240B29-F687-4f45-9708-019B960494DF}">
-                <a14:hiddenLine xmlns:a14="http://schemas.microsoft.com/office/drawing/2010/main" xmlns="" w="9525">
+                <a14:hiddenLine xmlns="" xmlns:a14="http://schemas.microsoft.com/office/drawing/2010/main" w="9525">
                   <a:solidFill>
                     <a:srgbClr val="000000"/>
                   </a:solidFill>
@@ -2162,7 +2169,7 @@
             </a:ln>
             <a:extLst>
               <a:ext uri="{91240B29-F687-4f45-9708-019B960494DF}">
-                <a14:hiddenLine xmlns:a14="http://schemas.microsoft.com/office/drawing/2010/main" xmlns="" w="9525">
+                <a14:hiddenLine xmlns="" xmlns:a14="http://schemas.microsoft.com/office/drawing/2010/main" w="9525">
                   <a:solidFill>
                     <a:srgbClr val="000000"/>
                   </a:solidFill>
@@ -2230,7 +2237,7 @@
             </a:ln>
             <a:extLst>
               <a:ext uri="{91240B29-F687-4f45-9708-019B960494DF}">
-                <a14:hiddenLine xmlns:a14="http://schemas.microsoft.com/office/drawing/2010/main" xmlns="" w="9525">
+                <a14:hiddenLine xmlns="" xmlns:a14="http://schemas.microsoft.com/office/drawing/2010/main" w="9525">
                   <a:solidFill>
                     <a:srgbClr val="000000"/>
                   </a:solidFill>
@@ -2320,7 +2327,7 @@
             </a:ln>
             <a:extLst>
               <a:ext uri="{91240B29-F687-4f45-9708-019B960494DF}">
-                <a14:hiddenLine xmlns:a14="http://schemas.microsoft.com/office/drawing/2010/main" xmlns="" w="9525">
+                <a14:hiddenLine xmlns="" xmlns:a14="http://schemas.microsoft.com/office/drawing/2010/main" w="9525">
                   <a:solidFill>
                     <a:srgbClr val="000000"/>
                   </a:solidFill>
@@ -2354,7 +2361,7 @@
             </a:ln>
             <a:extLst>
               <a:ext uri="{91240B29-F687-4f45-9708-019B960494DF}">
-                <a14:hiddenLine xmlns:a14="http://schemas.microsoft.com/office/drawing/2010/main" xmlns="" w="9525">
+                <a14:hiddenLine xmlns="" xmlns:a14="http://schemas.microsoft.com/office/drawing/2010/main" w="9525">
                   <a:solidFill>
                     <a:srgbClr val="000000"/>
                   </a:solidFill>
@@ -2444,7 +2451,7 @@
             </a:ln>
             <a:extLst>
               <a:ext uri="{91240B29-F687-4f45-9708-019B960494DF}">
-                <a14:hiddenLine xmlns:a14="http://schemas.microsoft.com/office/drawing/2010/main" xmlns="" w="9525">
+                <a14:hiddenLine xmlns="" xmlns:a14="http://schemas.microsoft.com/office/drawing/2010/main" w="9525">
                   <a:solidFill>
                     <a:srgbClr val="000000"/>
                   </a:solidFill>
@@ -2506,7 +2513,7 @@
             </a:ln>
             <a:extLst>
               <a:ext uri="{91240B29-F687-4f45-9708-019B960494DF}">
-                <a14:hiddenLine xmlns:a14="http://schemas.microsoft.com/office/drawing/2010/main" xmlns="" w="9525">
+                <a14:hiddenLine xmlns="" xmlns:a14="http://schemas.microsoft.com/office/drawing/2010/main" w="9525">
                   <a:solidFill>
                     <a:srgbClr val="000000"/>
                   </a:solidFill>
@@ -2568,7 +2575,7 @@
             </a:ln>
             <a:extLst>
               <a:ext uri="{91240B29-F687-4f45-9708-019B960494DF}">
-                <a14:hiddenLine xmlns:a14="http://schemas.microsoft.com/office/drawing/2010/main" xmlns="" w="9525">
+                <a14:hiddenLine xmlns="" xmlns:a14="http://schemas.microsoft.com/office/drawing/2010/main" w="9525">
                   <a:solidFill>
                     <a:srgbClr val="000000"/>
                   </a:solidFill>
@@ -2658,7 +2665,7 @@
             </a:ln>
             <a:extLst>
               <a:ext uri="{91240B29-F687-4f45-9708-019B960494DF}">
-                <a14:hiddenLine xmlns:a14="http://schemas.microsoft.com/office/drawing/2010/main" xmlns="" w="9525">
+                <a14:hiddenLine xmlns="" xmlns:a14="http://schemas.microsoft.com/office/drawing/2010/main" w="9525">
                   <a:solidFill>
                     <a:srgbClr val="000000"/>
                   </a:solidFill>
@@ -2726,7 +2733,7 @@
             </a:ln>
             <a:extLst>
               <a:ext uri="{91240B29-F687-4f45-9708-019B960494DF}">
-                <a14:hiddenLine xmlns:a14="http://schemas.microsoft.com/office/drawing/2010/main" xmlns="" w="9525">
+                <a14:hiddenLine xmlns="" xmlns:a14="http://schemas.microsoft.com/office/drawing/2010/main" w="9525">
                   <a:solidFill>
                     <a:srgbClr val="000000"/>
                   </a:solidFill>
@@ -2788,7 +2795,7 @@
             </a:ln>
             <a:extLst>
               <a:ext uri="{91240B29-F687-4f45-9708-019B960494DF}">
-                <a14:hiddenLine xmlns:a14="http://schemas.microsoft.com/office/drawing/2010/main" xmlns="" w="9525">
+                <a14:hiddenLine xmlns="" xmlns:a14="http://schemas.microsoft.com/office/drawing/2010/main" w="9525">
                   <a:solidFill>
                     <a:srgbClr val="000000"/>
                   </a:solidFill>
@@ -2878,7 +2885,7 @@
             </a:ln>
             <a:extLst>
               <a:ext uri="{91240B29-F687-4f45-9708-019B960494DF}">
-                <a14:hiddenLine xmlns:a14="http://schemas.microsoft.com/office/drawing/2010/main" xmlns="" w="9525">
+                <a14:hiddenLine xmlns="" xmlns:a14="http://schemas.microsoft.com/office/drawing/2010/main" w="9525">
                   <a:solidFill>
                     <a:srgbClr val="000000"/>
                   </a:solidFill>
@@ -2940,7 +2947,7 @@
             </a:ln>
             <a:extLst>
               <a:ext uri="{91240B29-F687-4f45-9708-019B960494DF}">
-                <a14:hiddenLine xmlns:a14="http://schemas.microsoft.com/office/drawing/2010/main" xmlns="" w="9525">
+                <a14:hiddenLine xmlns="" xmlns:a14="http://schemas.microsoft.com/office/drawing/2010/main" w="9525">
                   <a:solidFill>
                     <a:srgbClr val="000000"/>
                   </a:solidFill>
@@ -3030,7 +3037,7 @@
             </a:ln>
             <a:extLst>
               <a:ext uri="{91240B29-F687-4f45-9708-019B960494DF}">
-                <a14:hiddenLine xmlns:a14="http://schemas.microsoft.com/office/drawing/2010/main" xmlns="" w="9525">
+                <a14:hiddenLine xmlns="" xmlns:a14="http://schemas.microsoft.com/office/drawing/2010/main" w="9525">
                   <a:solidFill>
                     <a:srgbClr val="000000"/>
                   </a:solidFill>
@@ -3092,7 +3099,7 @@
             </a:ln>
             <a:extLst>
               <a:ext uri="{91240B29-F687-4f45-9708-019B960494DF}">
-                <a14:hiddenLine xmlns:a14="http://schemas.microsoft.com/office/drawing/2010/main" xmlns="" w="9525">
+                <a14:hiddenLine xmlns="" xmlns:a14="http://schemas.microsoft.com/office/drawing/2010/main" w="9525">
                   <a:solidFill>
                     <a:srgbClr val="000000"/>
                   </a:solidFill>
@@ -3182,7 +3189,7 @@
             </a:ln>
             <a:extLst>
               <a:ext uri="{91240B29-F687-4f45-9708-019B960494DF}">
-                <a14:hiddenLine xmlns:a14="http://schemas.microsoft.com/office/drawing/2010/main" xmlns="" w="9525">
+                <a14:hiddenLine xmlns="" xmlns:a14="http://schemas.microsoft.com/office/drawing/2010/main" w="9525">
                   <a:solidFill>
                     <a:srgbClr val="000000"/>
                   </a:solidFill>
@@ -3216,7 +3223,7 @@
             </a:ln>
             <a:extLst>
               <a:ext uri="{91240B29-F687-4f45-9708-019B960494DF}">
-                <a14:hiddenLine xmlns:a14="http://schemas.microsoft.com/office/drawing/2010/main" xmlns="" w="9525">
+                <a14:hiddenLine xmlns="" xmlns:a14="http://schemas.microsoft.com/office/drawing/2010/main" w="9525">
                   <a:solidFill>
                     <a:srgbClr val="000000"/>
                   </a:solidFill>
@@ -3281,7 +3288,7 @@
             </a:ln>
             <a:extLst>
               <a:ext uri="{91240B29-F687-4f45-9708-019B960494DF}">
-                <a14:hiddenLine xmlns:a14="http://schemas.microsoft.com/office/drawing/2010/main" xmlns="" w="9525">
+                <a14:hiddenLine xmlns="" xmlns:a14="http://schemas.microsoft.com/office/drawing/2010/main" w="9525">
                   <a:solidFill>
                     <a:srgbClr val="000000"/>
                   </a:solidFill>
@@ -3371,7 +3378,7 @@
             </a:ln>
             <a:extLst>
               <a:ext uri="{91240B29-F687-4f45-9708-019B960494DF}">
-                <a14:hiddenLine xmlns:a14="http://schemas.microsoft.com/office/drawing/2010/main" xmlns="" w="9525">
+                <a14:hiddenLine xmlns="" xmlns:a14="http://schemas.microsoft.com/office/drawing/2010/main" w="9525">
                   <a:solidFill>
                     <a:srgbClr val="000000"/>
                   </a:solidFill>
@@ -3433,7 +3440,7 @@
             </a:ln>
             <a:extLst>
               <a:ext uri="{91240B29-F687-4f45-9708-019B960494DF}">
-                <a14:hiddenLine xmlns:a14="http://schemas.microsoft.com/office/drawing/2010/main" xmlns="" w="9525">
+                <a14:hiddenLine xmlns="" xmlns:a14="http://schemas.microsoft.com/office/drawing/2010/main" w="9525">
                   <a:solidFill>
                     <a:srgbClr val="000000"/>
                   </a:solidFill>
@@ -3523,7 +3530,7 @@
             </a:ln>
             <a:extLst>
               <a:ext uri="{91240B29-F687-4f45-9708-019B960494DF}">
-                <a14:hiddenLine xmlns:a14="http://schemas.microsoft.com/office/drawing/2010/main" xmlns="" w="9525">
+                <a14:hiddenLine xmlns="" xmlns:a14="http://schemas.microsoft.com/office/drawing/2010/main" w="9525">
                   <a:solidFill>
                     <a:srgbClr val="000000"/>
                   </a:solidFill>
@@ -3613,7 +3620,7 @@
             </a:ln>
             <a:extLst>
               <a:ext uri="{91240B29-F687-4f45-9708-019B960494DF}">
-                <a14:hiddenLine xmlns:a14="http://schemas.microsoft.com/office/drawing/2010/main" xmlns="" w="9525">
+                <a14:hiddenLine xmlns="" xmlns:a14="http://schemas.microsoft.com/office/drawing/2010/main" w="9525">
                   <a:solidFill>
                     <a:srgbClr val="000000"/>
                   </a:solidFill>
@@ -3678,7 +3685,7 @@
             </a:ln>
             <a:extLst>
               <a:ext uri="{91240B29-F687-4f45-9708-019B960494DF}">
-                <a14:hiddenLine xmlns:a14="http://schemas.microsoft.com/office/drawing/2010/main" xmlns="" w="9525">
+                <a14:hiddenLine xmlns="" xmlns:a14="http://schemas.microsoft.com/office/drawing/2010/main" w="9525">
                   <a:solidFill>
                     <a:srgbClr val="000000"/>
                   </a:solidFill>
@@ -3740,7 +3747,7 @@
             </a:ln>
             <a:extLst>
               <a:ext uri="{91240B29-F687-4f45-9708-019B960494DF}">
-                <a14:hiddenLine xmlns:a14="http://schemas.microsoft.com/office/drawing/2010/main" xmlns="" w="9525">
+                <a14:hiddenLine xmlns="" xmlns:a14="http://schemas.microsoft.com/office/drawing/2010/main" w="9525">
                   <a:solidFill>
                     <a:srgbClr val="000000"/>
                   </a:solidFill>
@@ -3830,7 +3837,7 @@
             </a:ln>
             <a:extLst>
               <a:ext uri="{91240B29-F687-4f45-9708-019B960494DF}">
-                <a14:hiddenLine xmlns:a14="http://schemas.microsoft.com/office/drawing/2010/main" xmlns="" w="9525">
+                <a14:hiddenLine xmlns="" xmlns:a14="http://schemas.microsoft.com/office/drawing/2010/main" w="9525">
                   <a:solidFill>
                     <a:srgbClr val="000000"/>
                   </a:solidFill>
@@ -3920,7 +3927,7 @@
             </a:ln>
             <a:extLst>
               <a:ext uri="{91240B29-F687-4f45-9708-019B960494DF}">
-                <a14:hiddenLine xmlns:a14="http://schemas.microsoft.com/office/drawing/2010/main" xmlns="" w="9525">
+                <a14:hiddenLine xmlns="" xmlns:a14="http://schemas.microsoft.com/office/drawing/2010/main" w="9525">
                   <a:solidFill>
                     <a:srgbClr val="000000"/>
                   </a:solidFill>
@@ -3982,7 +3989,7 @@
             </a:ln>
             <a:extLst>
               <a:ext uri="{91240B29-F687-4f45-9708-019B960494DF}">
-                <a14:hiddenLine xmlns:a14="http://schemas.microsoft.com/office/drawing/2010/main" xmlns="" w="9525">
+                <a14:hiddenLine xmlns="" xmlns:a14="http://schemas.microsoft.com/office/drawing/2010/main" w="9525">
                   <a:solidFill>
                     <a:srgbClr val="000000"/>
                   </a:solidFill>
@@ -4102,7 +4109,7 @@
             </a:ln>
             <a:extLst>
               <a:ext uri="{91240B29-F687-4f45-9708-019B960494DF}">
-                <a14:hiddenLine xmlns:a14="http://schemas.microsoft.com/office/drawing/2010/main" xmlns="" w="9525">
+                <a14:hiddenLine xmlns="" xmlns:a14="http://schemas.microsoft.com/office/drawing/2010/main" w="9525">
                   <a:solidFill>
                     <a:srgbClr val="000000"/>
                   </a:solidFill>
@@ -4170,7 +4177,7 @@
             </a:ln>
             <a:extLst>
               <a:ext uri="{91240B29-F687-4f45-9708-019B960494DF}">
-                <a14:hiddenLine xmlns:a14="http://schemas.microsoft.com/office/drawing/2010/main" xmlns="" w="9525">
+                <a14:hiddenLine xmlns="" xmlns:a14="http://schemas.microsoft.com/office/drawing/2010/main" w="9525">
                   <a:solidFill>
                     <a:srgbClr val="000000"/>
                   </a:solidFill>
@@ -4260,7 +4267,7 @@
             </a:ln>
             <a:extLst>
               <a:ext uri="{91240B29-F687-4f45-9708-019B960494DF}">
-                <a14:hiddenLine xmlns:a14="http://schemas.microsoft.com/office/drawing/2010/main" xmlns="" w="9525">
+                <a14:hiddenLine xmlns="" xmlns:a14="http://schemas.microsoft.com/office/drawing/2010/main" w="9525">
                   <a:solidFill>
                     <a:srgbClr val="000000"/>
                   </a:solidFill>
@@ -4400,7 +4407,7 @@
           <a:p>
             <a:fld id="{7FDBF50C-4ABB-48C4-BC36-F12119FAB571}" type="datetimeFigureOut">
               <a:rPr lang="it-IT" smtClean="0"/>
-              <a:t>03/06/2021</a:t>
+              <a:t>07/06/2021</a:t>
             </a:fld>
             <a:endParaRPr lang="it-IT"/>
           </a:p>
@@ -4667,7 +4674,7 @@
           <a:p>
             <a:fld id="{7FDBF50C-4ABB-48C4-BC36-F12119FAB571}" type="datetimeFigureOut">
               <a:rPr lang="it-IT" smtClean="0"/>
-              <a:t>03/06/2021</a:t>
+              <a:t>07/06/2021</a:t>
             </a:fld>
             <a:endParaRPr lang="it-IT"/>
           </a:p>
@@ -4863,7 +4870,7 @@
           <a:p>
             <a:fld id="{7FDBF50C-4ABB-48C4-BC36-F12119FAB571}" type="datetimeFigureOut">
               <a:rPr lang="it-IT" smtClean="0"/>
-              <a:t>03/06/2021</a:t>
+              <a:t>07/06/2021</a:t>
             </a:fld>
             <a:endParaRPr lang="it-IT"/>
           </a:p>
@@ -5126,7 +5133,7 @@
           <a:p>
             <a:fld id="{7FDBF50C-4ABB-48C4-BC36-F12119FAB571}" type="datetimeFigureOut">
               <a:rPr lang="it-IT" smtClean="0"/>
-              <a:t>03/06/2021</a:t>
+              <a:t>07/06/2021</a:t>
             </a:fld>
             <a:endParaRPr lang="it-IT"/>
           </a:p>
@@ -5560,7 +5567,7 @@
           <a:p>
             <a:fld id="{7FDBF50C-4ABB-48C4-BC36-F12119FAB571}" type="datetimeFigureOut">
               <a:rPr lang="it-IT" smtClean="0"/>
-              <a:t>03/06/2021</a:t>
+              <a:t>07/06/2021</a:t>
             </a:fld>
             <a:endParaRPr lang="it-IT"/>
           </a:p>
@@ -6106,7 +6113,7 @@
           <a:p>
             <a:fld id="{7FDBF50C-4ABB-48C4-BC36-F12119FAB571}" type="datetimeFigureOut">
               <a:rPr lang="it-IT" smtClean="0"/>
-              <a:t>03/06/2021</a:t>
+              <a:t>07/06/2021</a:t>
             </a:fld>
             <a:endParaRPr lang="it-IT"/>
           </a:p>
@@ -6826,7 +6833,7 @@
           <a:p>
             <a:fld id="{7FDBF50C-4ABB-48C4-BC36-F12119FAB571}" type="datetimeFigureOut">
               <a:rPr lang="it-IT" smtClean="0"/>
-              <a:t>03/06/2021</a:t>
+              <a:t>07/06/2021</a:t>
             </a:fld>
             <a:endParaRPr lang="it-IT"/>
           </a:p>
@@ -6996,7 +7003,7 @@
           <a:p>
             <a:fld id="{7FDBF50C-4ABB-48C4-BC36-F12119FAB571}" type="datetimeFigureOut">
               <a:rPr lang="it-IT" smtClean="0"/>
-              <a:t>03/06/2021</a:t>
+              <a:t>07/06/2021</a:t>
             </a:fld>
             <a:endParaRPr lang="it-IT"/>
           </a:p>
@@ -7176,7 +7183,7 @@
           <a:p>
             <a:fld id="{7FDBF50C-4ABB-48C4-BC36-F12119FAB571}" type="datetimeFigureOut">
               <a:rPr lang="it-IT" smtClean="0"/>
-              <a:t>03/06/2021</a:t>
+              <a:t>07/06/2021</a:t>
             </a:fld>
             <a:endParaRPr lang="it-IT"/>
           </a:p>
@@ -7346,7 +7353,7 @@
           <a:p>
             <a:fld id="{7FDBF50C-4ABB-48C4-BC36-F12119FAB571}" type="datetimeFigureOut">
               <a:rPr lang="it-IT" smtClean="0"/>
-              <a:t>03/06/2021</a:t>
+              <a:t>07/06/2021</a:t>
             </a:fld>
             <a:endParaRPr lang="it-IT"/>
           </a:p>
@@ -7596,7 +7603,7 @@
           <a:p>
             <a:fld id="{7FDBF50C-4ABB-48C4-BC36-F12119FAB571}" type="datetimeFigureOut">
               <a:rPr lang="it-IT" smtClean="0"/>
-              <a:t>03/06/2021</a:t>
+              <a:t>07/06/2021</a:t>
             </a:fld>
             <a:endParaRPr lang="it-IT"/>
           </a:p>
@@ -7828,7 +7835,7 @@
           <a:p>
             <a:fld id="{7FDBF50C-4ABB-48C4-BC36-F12119FAB571}" type="datetimeFigureOut">
               <a:rPr lang="it-IT" smtClean="0"/>
-              <a:t>03/06/2021</a:t>
+              <a:t>07/06/2021</a:t>
             </a:fld>
             <a:endParaRPr lang="it-IT"/>
           </a:p>
@@ -8209,7 +8216,7 @@
           <a:p>
             <a:fld id="{7FDBF50C-4ABB-48C4-BC36-F12119FAB571}" type="datetimeFigureOut">
               <a:rPr lang="it-IT" smtClean="0"/>
-              <a:t>03/06/2021</a:t>
+              <a:t>07/06/2021</a:t>
             </a:fld>
             <a:endParaRPr lang="it-IT"/>
           </a:p>
@@ -8327,7 +8334,7 @@
           <a:p>
             <a:fld id="{7FDBF50C-4ABB-48C4-BC36-F12119FAB571}" type="datetimeFigureOut">
               <a:rPr lang="it-IT" smtClean="0"/>
-              <a:t>03/06/2021</a:t>
+              <a:t>07/06/2021</a:t>
             </a:fld>
             <a:endParaRPr lang="it-IT"/>
           </a:p>
@@ -8422,7 +8429,7 @@
           <a:p>
             <a:fld id="{7FDBF50C-4ABB-48C4-BC36-F12119FAB571}" type="datetimeFigureOut">
               <a:rPr lang="it-IT" smtClean="0"/>
-              <a:t>03/06/2021</a:t>
+              <a:t>07/06/2021</a:t>
             </a:fld>
             <a:endParaRPr lang="it-IT"/>
           </a:p>
@@ -8671,7 +8678,7 @@
           <a:p>
             <a:fld id="{7FDBF50C-4ABB-48C4-BC36-F12119FAB571}" type="datetimeFigureOut">
               <a:rPr lang="it-IT" smtClean="0"/>
-              <a:t>03/06/2021</a:t>
+              <a:t>07/06/2021</a:t>
             </a:fld>
             <a:endParaRPr lang="it-IT"/>
           </a:p>
@@ -8951,7 +8958,7 @@
           <a:p>
             <a:fld id="{7FDBF50C-4ABB-48C4-BC36-F12119FAB571}" type="datetimeFigureOut">
               <a:rPr lang="it-IT" smtClean="0"/>
-              <a:t>03/06/2021</a:t>
+              <a:t>07/06/2021</a:t>
             </a:fld>
             <a:endParaRPr lang="it-IT"/>
           </a:p>
@@ -9067,7 +9074,7 @@
           <a:noFill/>
           <a:extLst>
             <a:ext uri="{909E8E84-426E-40dd-AFC4-6F175D3DCCD1}">
-              <a14:hiddenFill xmlns:a14="http://schemas.microsoft.com/office/drawing/2010/main" xmlns="">
+              <a14:hiddenFill xmlns="" xmlns:a14="http://schemas.microsoft.com/office/drawing/2010/main">
                 <a:solidFill>
                   <a:srgbClr val="FFFFFF"/>
                 </a:solidFill>
@@ -9141,7 +9148,7 @@
               </a:ln>
               <a:extLst>
                 <a:ext uri="{91240B29-F687-4f45-9708-019B960494DF}">
-                  <a14:hiddenLine xmlns:a14="http://schemas.microsoft.com/office/drawing/2010/main" xmlns="" w="9525">
+                  <a14:hiddenLine xmlns="" xmlns:a14="http://schemas.microsoft.com/office/drawing/2010/main" w="9525">
                     <a:solidFill>
                       <a:srgbClr val="000000"/>
                     </a:solidFill>
@@ -9231,7 +9238,7 @@
               </a:ln>
               <a:extLst>
                 <a:ext uri="{91240B29-F687-4f45-9708-019B960494DF}">
-                  <a14:hiddenLine xmlns:a14="http://schemas.microsoft.com/office/drawing/2010/main" xmlns="" w="9525">
+                  <a14:hiddenLine xmlns="" xmlns:a14="http://schemas.microsoft.com/office/drawing/2010/main" w="9525">
                     <a:solidFill>
                       <a:srgbClr val="000000"/>
                     </a:solidFill>
@@ -9321,7 +9328,7 @@
               </a:ln>
               <a:extLst>
                 <a:ext uri="{91240B29-F687-4f45-9708-019B960494DF}">
-                  <a14:hiddenLine xmlns:a14="http://schemas.microsoft.com/office/drawing/2010/main" xmlns="" w="9525">
+                  <a14:hiddenLine xmlns="" xmlns:a14="http://schemas.microsoft.com/office/drawing/2010/main" w="9525">
                     <a:solidFill>
                       <a:srgbClr val="000000"/>
                     </a:solidFill>
@@ -9383,7 +9390,7 @@
               </a:ln>
               <a:extLst>
                 <a:ext uri="{91240B29-F687-4f45-9708-019B960494DF}">
-                  <a14:hiddenLine xmlns:a14="http://schemas.microsoft.com/office/drawing/2010/main" xmlns="" w="9525">
+                  <a14:hiddenLine xmlns="" xmlns:a14="http://schemas.microsoft.com/office/drawing/2010/main" w="9525">
                     <a:solidFill>
                       <a:srgbClr val="000000"/>
                     </a:solidFill>
@@ -9473,7 +9480,7 @@
               </a:ln>
               <a:extLst>
                 <a:ext uri="{91240B29-F687-4f45-9708-019B960494DF}">
-                  <a14:hiddenLine xmlns:a14="http://schemas.microsoft.com/office/drawing/2010/main" xmlns="" w="9525">
+                  <a14:hiddenLine xmlns="" xmlns:a14="http://schemas.microsoft.com/office/drawing/2010/main" w="9525">
                     <a:solidFill>
                       <a:srgbClr val="000000"/>
                     </a:solidFill>
@@ -9535,7 +9542,7 @@
               </a:ln>
               <a:extLst>
                 <a:ext uri="{91240B29-F687-4f45-9708-019B960494DF}">
-                  <a14:hiddenLine xmlns:a14="http://schemas.microsoft.com/office/drawing/2010/main" xmlns="" w="9525">
+                  <a14:hiddenLine xmlns="" xmlns:a14="http://schemas.microsoft.com/office/drawing/2010/main" w="9525">
                     <a:solidFill>
                       <a:srgbClr val="000000"/>
                     </a:solidFill>
@@ -9597,7 +9604,7 @@
               </a:ln>
               <a:extLst>
                 <a:ext uri="{91240B29-F687-4f45-9708-019B960494DF}">
-                  <a14:hiddenLine xmlns:a14="http://schemas.microsoft.com/office/drawing/2010/main" xmlns="" w="9525">
+                  <a14:hiddenLine xmlns="" xmlns:a14="http://schemas.microsoft.com/office/drawing/2010/main" w="9525">
                     <a:solidFill>
                       <a:srgbClr val="000000"/>
                     </a:solidFill>
@@ -9687,7 +9694,7 @@
               </a:ln>
               <a:extLst>
                 <a:ext uri="{91240B29-F687-4f45-9708-019B960494DF}">
-                  <a14:hiddenLine xmlns:a14="http://schemas.microsoft.com/office/drawing/2010/main" xmlns="" w="9525">
+                  <a14:hiddenLine xmlns="" xmlns:a14="http://schemas.microsoft.com/office/drawing/2010/main" w="9525">
                     <a:solidFill>
                       <a:srgbClr val="000000"/>
                     </a:solidFill>
@@ -9777,7 +9784,7 @@
               </a:ln>
               <a:extLst>
                 <a:ext uri="{91240B29-F687-4f45-9708-019B960494DF}">
-                  <a14:hiddenLine xmlns:a14="http://schemas.microsoft.com/office/drawing/2010/main" xmlns="" w="9525">
+                  <a14:hiddenLine xmlns="" xmlns:a14="http://schemas.microsoft.com/office/drawing/2010/main" w="9525">
                     <a:solidFill>
                       <a:srgbClr val="000000"/>
                     </a:solidFill>
@@ -9839,7 +9846,7 @@
               </a:ln>
               <a:extLst>
                 <a:ext uri="{91240B29-F687-4f45-9708-019B960494DF}">
-                  <a14:hiddenLine xmlns:a14="http://schemas.microsoft.com/office/drawing/2010/main" xmlns="" w="9525">
+                  <a14:hiddenLine xmlns="" xmlns:a14="http://schemas.microsoft.com/office/drawing/2010/main" w="9525">
                     <a:solidFill>
                       <a:srgbClr val="000000"/>
                     </a:solidFill>
@@ -9949,7 +9956,7 @@
               </a:ln>
               <a:extLst>
                 <a:ext uri="{91240B29-F687-4f45-9708-019B960494DF}">
-                  <a14:hiddenLine xmlns:a14="http://schemas.microsoft.com/office/drawing/2010/main" xmlns="" w="9525">
+                  <a14:hiddenLine xmlns="" xmlns:a14="http://schemas.microsoft.com/office/drawing/2010/main" w="9525">
                     <a:solidFill>
                       <a:srgbClr val="000000"/>
                     </a:solidFill>
@@ -10033,7 +10040,7 @@
               </a:ln>
               <a:extLst>
                 <a:ext uri="{91240B29-F687-4f45-9708-019B960494DF}">
-                  <a14:hiddenLine xmlns:a14="http://schemas.microsoft.com/office/drawing/2010/main" xmlns="" w="9525">
+                  <a14:hiddenLine xmlns="" xmlns:a14="http://schemas.microsoft.com/office/drawing/2010/main" w="9525">
                     <a:solidFill>
                       <a:srgbClr val="000000"/>
                     </a:solidFill>
@@ -10095,7 +10102,7 @@
               </a:ln>
               <a:extLst>
                 <a:ext uri="{91240B29-F687-4f45-9708-019B960494DF}">
-                  <a14:hiddenLine xmlns:a14="http://schemas.microsoft.com/office/drawing/2010/main" xmlns="" w="9525">
+                  <a14:hiddenLine xmlns="" xmlns:a14="http://schemas.microsoft.com/office/drawing/2010/main" w="9525">
                     <a:solidFill>
                       <a:srgbClr val="000000"/>
                     </a:solidFill>
@@ -10157,7 +10164,7 @@
               </a:ln>
               <a:extLst>
                 <a:ext uri="{91240B29-F687-4f45-9708-019B960494DF}">
-                  <a14:hiddenLine xmlns:a14="http://schemas.microsoft.com/office/drawing/2010/main" xmlns="" w="9525">
+                  <a14:hiddenLine xmlns="" xmlns:a14="http://schemas.microsoft.com/office/drawing/2010/main" w="9525">
                     <a:solidFill>
                       <a:srgbClr val="000000"/>
                     </a:solidFill>
@@ -10247,7 +10254,7 @@
               </a:ln>
               <a:extLst>
                 <a:ext uri="{91240B29-F687-4f45-9708-019B960494DF}">
-                  <a14:hiddenLine xmlns:a14="http://schemas.microsoft.com/office/drawing/2010/main" xmlns="" w="9525">
+                  <a14:hiddenLine xmlns="" xmlns:a14="http://schemas.microsoft.com/office/drawing/2010/main" w="9525">
                     <a:solidFill>
                       <a:srgbClr val="000000"/>
                     </a:solidFill>
@@ -10281,7 +10288,7 @@
               </a:ln>
               <a:extLst>
                 <a:ext uri="{91240B29-F687-4f45-9708-019B960494DF}">
-                  <a14:hiddenLine xmlns:a14="http://schemas.microsoft.com/office/drawing/2010/main" xmlns="" w="9525">
+                  <a14:hiddenLine xmlns="" xmlns:a14="http://schemas.microsoft.com/office/drawing/2010/main" w="9525">
                     <a:solidFill>
                       <a:srgbClr val="000000"/>
                     </a:solidFill>
@@ -10346,7 +10353,7 @@
               </a:ln>
               <a:extLst>
                 <a:ext uri="{91240B29-F687-4f45-9708-019B960494DF}">
-                  <a14:hiddenLine xmlns:a14="http://schemas.microsoft.com/office/drawing/2010/main" xmlns="" w="9525">
+                  <a14:hiddenLine xmlns="" xmlns:a14="http://schemas.microsoft.com/office/drawing/2010/main" w="9525">
                     <a:solidFill>
                       <a:srgbClr val="000000"/>
                     </a:solidFill>
@@ -10436,7 +10443,7 @@
               </a:ln>
               <a:extLst>
                 <a:ext uri="{91240B29-F687-4f45-9708-019B960494DF}">
-                  <a14:hiddenLine xmlns:a14="http://schemas.microsoft.com/office/drawing/2010/main" xmlns="" w="9525">
+                  <a14:hiddenLine xmlns="" xmlns:a14="http://schemas.microsoft.com/office/drawing/2010/main" w="9525">
                     <a:solidFill>
                       <a:srgbClr val="000000"/>
                     </a:solidFill>
@@ -10498,7 +10505,7 @@
               </a:ln>
               <a:extLst>
                 <a:ext uri="{91240B29-F687-4f45-9708-019B960494DF}">
-                  <a14:hiddenLine xmlns:a14="http://schemas.microsoft.com/office/drawing/2010/main" xmlns="" w="9525">
+                  <a14:hiddenLine xmlns="" xmlns:a14="http://schemas.microsoft.com/office/drawing/2010/main" w="9525">
                     <a:solidFill>
                       <a:srgbClr val="000000"/>
                     </a:solidFill>
@@ -10588,7 +10595,7 @@
               </a:ln>
               <a:extLst>
                 <a:ext uri="{91240B29-F687-4f45-9708-019B960494DF}">
-                  <a14:hiddenLine xmlns:a14="http://schemas.microsoft.com/office/drawing/2010/main" xmlns="" w="9525">
+                  <a14:hiddenLine xmlns="" xmlns:a14="http://schemas.microsoft.com/office/drawing/2010/main" w="9525">
                     <a:solidFill>
                       <a:srgbClr val="000000"/>
                     </a:solidFill>
@@ -10653,7 +10660,7 @@
               </a:ln>
               <a:extLst>
                 <a:ext uri="{91240B29-F687-4f45-9708-019B960494DF}">
-                  <a14:hiddenLine xmlns:a14="http://schemas.microsoft.com/office/drawing/2010/main" xmlns="" w="9525">
+                  <a14:hiddenLine xmlns="" xmlns:a14="http://schemas.microsoft.com/office/drawing/2010/main" w="9525">
                     <a:solidFill>
                       <a:srgbClr val="000000"/>
                     </a:solidFill>
@@ -10715,7 +10722,7 @@
               </a:ln>
               <a:extLst>
                 <a:ext uri="{91240B29-F687-4f45-9708-019B960494DF}">
-                  <a14:hiddenLine xmlns:a14="http://schemas.microsoft.com/office/drawing/2010/main" xmlns="" w="9525">
+                  <a14:hiddenLine xmlns="" xmlns:a14="http://schemas.microsoft.com/office/drawing/2010/main" w="9525">
                     <a:solidFill>
                       <a:srgbClr val="000000"/>
                     </a:solidFill>
@@ -10805,7 +10812,7 @@
               </a:ln>
               <a:extLst>
                 <a:ext uri="{91240B29-F687-4f45-9708-019B960494DF}">
-                  <a14:hiddenLine xmlns:a14="http://schemas.microsoft.com/office/drawing/2010/main" xmlns="" w="9525">
+                  <a14:hiddenLine xmlns="" xmlns:a14="http://schemas.microsoft.com/office/drawing/2010/main" w="9525">
                     <a:solidFill>
                       <a:srgbClr val="000000"/>
                     </a:solidFill>
@@ -10895,7 +10902,7 @@
               </a:ln>
               <a:extLst>
                 <a:ext uri="{91240B29-F687-4f45-9708-019B960494DF}">
-                  <a14:hiddenLine xmlns:a14="http://schemas.microsoft.com/office/drawing/2010/main" xmlns="" w="9525">
+                  <a14:hiddenLine xmlns="" xmlns:a14="http://schemas.microsoft.com/office/drawing/2010/main" w="9525">
                     <a:solidFill>
                       <a:srgbClr val="000000"/>
                     </a:solidFill>
@@ -10960,7 +10967,7 @@
               </a:ln>
               <a:extLst>
                 <a:ext uri="{91240B29-F687-4f45-9708-019B960494DF}">
-                  <a14:hiddenLine xmlns:a14="http://schemas.microsoft.com/office/drawing/2010/main" xmlns="" w="9525">
+                  <a14:hiddenLine xmlns="" xmlns:a14="http://schemas.microsoft.com/office/drawing/2010/main" w="9525">
                     <a:solidFill>
                       <a:srgbClr val="000000"/>
                     </a:solidFill>
@@ -11080,7 +11087,7 @@
               </a:ln>
               <a:extLst>
                 <a:ext uri="{91240B29-F687-4f45-9708-019B960494DF}">
-                  <a14:hiddenLine xmlns:a14="http://schemas.microsoft.com/office/drawing/2010/main" xmlns="" w="9525">
+                  <a14:hiddenLine xmlns="" xmlns:a14="http://schemas.microsoft.com/office/drawing/2010/main" w="9525">
                     <a:solidFill>
                       <a:srgbClr val="000000"/>
                     </a:solidFill>
@@ -11178,7 +11185,7 @@
               </a:ln>
               <a:extLst>
                 <a:ext uri="{91240B29-F687-4f45-9708-019B960494DF}">
-                  <a14:hiddenLine xmlns:a14="http://schemas.microsoft.com/office/drawing/2010/main" xmlns="" w="9525">
+                  <a14:hiddenLine xmlns="" xmlns:a14="http://schemas.microsoft.com/office/drawing/2010/main" w="9525">
                     <a:solidFill>
                       <a:srgbClr val="000000"/>
                     </a:solidFill>
@@ -11293,7 +11300,7 @@
               </a:ln>
               <a:extLst>
                 <a:ext uri="{91240B29-F687-4f45-9708-019B960494DF}">
-                  <a14:hiddenLine xmlns:a14="http://schemas.microsoft.com/office/drawing/2010/main" xmlns="" w="9525">
+                  <a14:hiddenLine xmlns="" xmlns:a14="http://schemas.microsoft.com/office/drawing/2010/main" w="9525">
                     <a:solidFill>
                       <a:srgbClr val="000000"/>
                     </a:solidFill>
@@ -11383,7 +11390,7 @@
               </a:ln>
               <a:extLst>
                 <a:ext uri="{91240B29-F687-4f45-9708-019B960494DF}">
-                  <a14:hiddenLine xmlns:a14="http://schemas.microsoft.com/office/drawing/2010/main" xmlns="" w="9525">
+                  <a14:hiddenLine xmlns="" xmlns:a14="http://schemas.microsoft.com/office/drawing/2010/main" w="9525">
                     <a:solidFill>
                       <a:srgbClr val="000000"/>
                     </a:solidFill>
@@ -11448,7 +11455,7 @@
               </a:ln>
               <a:extLst>
                 <a:ext uri="{91240B29-F687-4f45-9708-019B960494DF}">
-                  <a14:hiddenLine xmlns:a14="http://schemas.microsoft.com/office/drawing/2010/main" xmlns="" w="9525">
+                  <a14:hiddenLine xmlns="" xmlns:a14="http://schemas.microsoft.com/office/drawing/2010/main" w="9525">
                     <a:solidFill>
                       <a:srgbClr val="000000"/>
                     </a:solidFill>
@@ -11538,7 +11545,7 @@
               </a:ln>
               <a:extLst>
                 <a:ext uri="{91240B29-F687-4f45-9708-019B960494DF}">
-                  <a14:hiddenLine xmlns:a14="http://schemas.microsoft.com/office/drawing/2010/main" xmlns="" w="9525">
+                  <a14:hiddenLine xmlns="" xmlns:a14="http://schemas.microsoft.com/office/drawing/2010/main" w="9525">
                     <a:solidFill>
                       <a:srgbClr val="000000"/>
                     </a:solidFill>
@@ -11606,7 +11613,7 @@
               </a:ln>
               <a:extLst>
                 <a:ext uri="{91240B29-F687-4f45-9708-019B960494DF}">
-                  <a14:hiddenLine xmlns:a14="http://schemas.microsoft.com/office/drawing/2010/main" xmlns="" w="9525">
+                  <a14:hiddenLine xmlns="" xmlns:a14="http://schemas.microsoft.com/office/drawing/2010/main" w="9525">
                     <a:solidFill>
                       <a:srgbClr val="000000"/>
                     </a:solidFill>
@@ -11696,7 +11703,7 @@
               </a:ln>
               <a:extLst>
                 <a:ext uri="{91240B29-F687-4f45-9708-019B960494DF}">
-                  <a14:hiddenLine xmlns:a14="http://schemas.microsoft.com/office/drawing/2010/main" xmlns="" w="9525">
+                  <a14:hiddenLine xmlns="" xmlns:a14="http://schemas.microsoft.com/office/drawing/2010/main" w="9525">
                     <a:solidFill>
                       <a:srgbClr val="000000"/>
                     </a:solidFill>
@@ -11764,7 +11771,7 @@
               </a:ln>
               <a:extLst>
                 <a:ext uri="{91240B29-F687-4f45-9708-019B960494DF}">
-                  <a14:hiddenLine xmlns:a14="http://schemas.microsoft.com/office/drawing/2010/main" xmlns="" w="9525">
+                  <a14:hiddenLine xmlns="" xmlns:a14="http://schemas.microsoft.com/office/drawing/2010/main" w="9525">
                     <a:solidFill>
                       <a:srgbClr val="000000"/>
                     </a:solidFill>
@@ -11854,7 +11861,7 @@
               </a:ln>
               <a:extLst>
                 <a:ext uri="{91240B29-F687-4f45-9708-019B960494DF}">
-                  <a14:hiddenLine xmlns:a14="http://schemas.microsoft.com/office/drawing/2010/main" xmlns="" w="9525">
+                  <a14:hiddenLine xmlns="" xmlns:a14="http://schemas.microsoft.com/office/drawing/2010/main" w="9525">
                     <a:solidFill>
                       <a:srgbClr val="000000"/>
                     </a:solidFill>
@@ -11888,7 +11895,7 @@
               </a:ln>
               <a:extLst>
                 <a:ext uri="{91240B29-F687-4f45-9708-019B960494DF}">
-                  <a14:hiddenLine xmlns:a14="http://schemas.microsoft.com/office/drawing/2010/main" xmlns="" w="9525">
+                  <a14:hiddenLine xmlns="" xmlns:a14="http://schemas.microsoft.com/office/drawing/2010/main" w="9525">
                     <a:solidFill>
                       <a:srgbClr val="000000"/>
                     </a:solidFill>
@@ -12028,7 +12035,7 @@
           <a:p>
             <a:fld id="{7FDBF50C-4ABB-48C4-BC36-F12119FAB571}" type="datetimeFigureOut">
               <a:rPr lang="it-IT" smtClean="0"/>
-              <a:t>03/06/2021</a:t>
+              <a:t>07/06/2021</a:t>
             </a:fld>
             <a:endParaRPr lang="it-IT"/>
           </a:p>
@@ -12563,7 +12570,7 @@
           <p:cNvPr id="2" name="Titolo 1">
             <a:extLst>
               <a:ext uri="{FF2B5EF4-FFF2-40B4-BE49-F238E27FC236}">
-                <a16:creationId xmlns:a16="http://schemas.microsoft.com/office/drawing/2014/main" id="{8C0FE870-368B-490D-829A-022704F219CA}"/>
+                <a16:creationId xmlns:a16="http://schemas.microsoft.com/office/drawing/2014/main" id="{737EED46-2CEC-4331-AE1A-FCDABC855ED3}"/>
               </a:ext>
             </a:extLst>
           </p:cNvPr>
@@ -12574,12 +12581,22 @@
             <p:ph type="title"/>
           </p:nvPr>
         </p:nvSpPr>
-        <p:spPr/>
+        <p:spPr>
+          <a:xfrm>
+            <a:off x="1141412" y="140346"/>
+            <a:ext cx="9905998" cy="1025724"/>
+          </a:xfrm>
+        </p:spPr>
         <p:txBody>
-          <a:bodyPr/>
+          <a:bodyPr>
+            <a:normAutofit fontScale="90000"/>
+          </a:bodyPr>
           <a:lstStyle/>
           <a:p>
-            <a:endParaRPr lang="it-IT"/>
+            <a:r>
+              <a:rPr lang="it-IT" dirty="0"/>
+              <a:t>Perché l’inversione di popolazione si assesta su un valore inferiore dopo il picco iniziale?</a:t>
+            </a:r>
           </a:p>
         </p:txBody>
       </p:sp>
@@ -12588,7 +12605,7 @@
           <p:cNvPr id="3" name="Segnaposto contenuto 2">
             <a:extLst>
               <a:ext uri="{FF2B5EF4-FFF2-40B4-BE49-F238E27FC236}">
-                <a16:creationId xmlns:a16="http://schemas.microsoft.com/office/drawing/2014/main" id="{1B48E74C-616E-4923-BF2F-E4BCFB41341C}"/>
+                <a16:creationId xmlns:a16="http://schemas.microsoft.com/office/drawing/2014/main" id="{7377F98E-2AEB-4F25-8915-A3AF04B6BBD1}"/>
               </a:ext>
             </a:extLst>
           </p:cNvPr>
@@ -12604,10 +12621,774 @@
           <a:bodyPr/>
           <a:lstStyle/>
           <a:p>
-            <a:endParaRPr lang="it-IT"/>
+            <a:endParaRPr lang="it-IT" dirty="0"/>
           </a:p>
         </p:txBody>
       </p:sp>
+    </p:spTree>
+    <p:extLst>
+      <p:ext uri="{BB962C8B-B14F-4D97-AF65-F5344CB8AC3E}">
+        <p14:creationId xmlns:p14="http://schemas.microsoft.com/office/powerpoint/2010/main" val="3466151987"/>
+      </p:ext>
+    </p:extLst>
+  </p:cSld>
+  <p:clrMapOvr>
+    <a:masterClrMapping/>
+  </p:clrMapOvr>
+</p:sld>
+</file>
+
+<file path=ppt/slides/slide11.xml><?xml version="1.0" encoding="utf-8"?>
+<p:sld xmlns:a="http://schemas.openxmlformats.org/drawingml/2006/main" xmlns:r="http://schemas.openxmlformats.org/officeDocument/2006/relationships" xmlns:p="http://schemas.openxmlformats.org/presentationml/2006/main">
+  <p:cSld>
+    <p:spTree>
+      <p:nvGrpSpPr>
+        <p:cNvPr id="1" name=""/>
+        <p:cNvGrpSpPr/>
+        <p:nvPr/>
+      </p:nvGrpSpPr>
+      <p:grpSpPr>
+        <a:xfrm>
+          <a:off x="0" y="0"/>
+          <a:ext cx="0" cy="0"/>
+          <a:chOff x="0" y="0"/>
+          <a:chExt cx="0" cy="0"/>
+        </a:xfrm>
+      </p:grpSpPr>
+      <p:pic>
+        <p:nvPicPr>
+          <p:cNvPr id="5" name="Immagine 4">
+            <a:extLst>
+              <a:ext uri="{FF2B5EF4-FFF2-40B4-BE49-F238E27FC236}">
+                <a16:creationId xmlns:a16="http://schemas.microsoft.com/office/drawing/2014/main" id="{23A3AB50-619E-4214-BB34-FD52B7DEC821}"/>
+              </a:ext>
+            </a:extLst>
+          </p:cNvPr>
+          <p:cNvPicPr>
+            <a:picLocks noChangeAspect="1"/>
+          </p:cNvPicPr>
+          <p:nvPr/>
+        </p:nvPicPr>
+        <p:blipFill>
+          <a:blip r:embed="rId2"/>
+          <a:stretch>
+            <a:fillRect/>
+          </a:stretch>
+        </p:blipFill>
+        <p:spPr>
+          <a:xfrm>
+            <a:off x="201336" y="123966"/>
+            <a:ext cx="11671882" cy="6492622"/>
+          </a:xfrm>
+          <a:prstGeom prst="rect">
+            <a:avLst/>
+          </a:prstGeom>
+        </p:spPr>
+      </p:pic>
+      <p:sp>
+        <p:nvSpPr>
+          <p:cNvPr id="2" name="Titolo 1">
+            <a:extLst>
+              <a:ext uri="{FF2B5EF4-FFF2-40B4-BE49-F238E27FC236}">
+                <a16:creationId xmlns:a16="http://schemas.microsoft.com/office/drawing/2014/main" id="{3E8982A2-FDE4-47FF-B9AB-14E4CD459CF0}"/>
+              </a:ext>
+            </a:extLst>
+          </p:cNvPr>
+          <p:cNvSpPr>
+            <a:spLocks noGrp="1"/>
+          </p:cNvSpPr>
+          <p:nvPr>
+            <p:ph type="title"/>
+          </p:nvPr>
+        </p:nvSpPr>
+        <p:spPr>
+          <a:xfrm>
+            <a:off x="1442907" y="555163"/>
+            <a:ext cx="5067648" cy="713064"/>
+          </a:xfrm>
+        </p:spPr>
+        <p:txBody>
+          <a:bodyPr/>
+          <a:lstStyle/>
+          <a:p>
+            <a:r>
+              <a:rPr lang="it-IT" dirty="0">
+                <a:solidFill>
+                  <a:schemeClr val="bg1">
+                    <a:lumMod val="95000"/>
+                    <a:lumOff val="5000"/>
+                  </a:schemeClr>
+                </a:solidFill>
+              </a:rPr>
+              <a:t>Automa perfezionato</a:t>
+            </a:r>
+          </a:p>
+        </p:txBody>
+      </p:sp>
+      <p:sp>
+        <p:nvSpPr>
+          <p:cNvPr id="4" name="CasellaDiTesto 3">
+            <a:extLst>
+              <a:ext uri="{FF2B5EF4-FFF2-40B4-BE49-F238E27FC236}">
+                <a16:creationId xmlns:a16="http://schemas.microsoft.com/office/drawing/2014/main" id="{962A4BD0-735C-4BDC-8EA2-B262A8709868}"/>
+              </a:ext>
+            </a:extLst>
+          </p:cNvPr>
+          <p:cNvSpPr txBox="1"/>
+          <p:nvPr/>
+        </p:nvSpPr>
+        <p:spPr>
+          <a:xfrm>
+            <a:off x="1442907" y="1055649"/>
+            <a:ext cx="9905998" cy="646331"/>
+          </a:xfrm>
+          <a:prstGeom prst="rect">
+            <a:avLst/>
+          </a:prstGeom>
+          <a:noFill/>
+        </p:spPr>
+        <p:txBody>
+          <a:bodyPr wrap="square" rtlCol="0">
+            <a:spAutoFit/>
+          </a:bodyPr>
+          <a:lstStyle/>
+          <a:p>
+            <a:r>
+              <a:rPr lang="it-IT" dirty="0">
+                <a:solidFill>
+                  <a:schemeClr val="bg1">
+                    <a:lumMod val="95000"/>
+                    <a:lumOff val="5000"/>
+                  </a:schemeClr>
+                </a:solidFill>
+              </a:rPr>
+              <a:t>La regola di </a:t>
+            </a:r>
+            <a:r>
+              <a:rPr lang="it-IT" i="1" dirty="0" err="1">
+                <a:solidFill>
+                  <a:schemeClr val="bg1">
+                    <a:lumMod val="95000"/>
+                    <a:lumOff val="5000"/>
+                  </a:schemeClr>
+                </a:solidFill>
+              </a:rPr>
+              <a:t>Noise</a:t>
+            </a:r>
+            <a:r>
+              <a:rPr lang="it-IT" i="1" dirty="0">
+                <a:solidFill>
+                  <a:schemeClr val="bg1">
+                    <a:lumMod val="95000"/>
+                    <a:lumOff val="5000"/>
+                  </a:schemeClr>
+                </a:solidFill>
+              </a:rPr>
+              <a:t> </a:t>
+            </a:r>
+            <a:r>
+              <a:rPr lang="it-IT" i="1" dirty="0" err="1">
+                <a:solidFill>
+                  <a:schemeClr val="bg1">
+                    <a:lumMod val="95000"/>
+                    <a:lumOff val="5000"/>
+                  </a:schemeClr>
+                </a:solidFill>
+              </a:rPr>
+              <a:t>Photon</a:t>
+            </a:r>
+            <a:r>
+              <a:rPr lang="it-IT" i="1" dirty="0">
+                <a:solidFill>
+                  <a:schemeClr val="bg1">
+                    <a:lumMod val="95000"/>
+                    <a:lumOff val="5000"/>
+                  </a:schemeClr>
+                </a:solidFill>
+              </a:rPr>
+              <a:t> </a:t>
+            </a:r>
+            <a:r>
+              <a:rPr lang="it-IT" i="1" dirty="0" err="1">
+                <a:solidFill>
+                  <a:schemeClr val="bg1">
+                    <a:lumMod val="95000"/>
+                    <a:lumOff val="5000"/>
+                  </a:schemeClr>
+                </a:solidFill>
+              </a:rPr>
+              <a:t>Creation</a:t>
+            </a:r>
+            <a:r>
+              <a:rPr lang="it-IT" dirty="0">
+                <a:solidFill>
+                  <a:schemeClr val="bg1">
+                    <a:lumMod val="95000"/>
+                    <a:lumOff val="5000"/>
+                  </a:schemeClr>
+                </a:solidFill>
+              </a:rPr>
+              <a:t> risulta piuttosto approssimativa: unisce effetti di emissione spontanea e agitazione termica in un’unica probabilità di rumore. Cosa succede se questi due effetti vengono separati?</a:t>
+            </a:r>
+          </a:p>
+        </p:txBody>
+      </p:sp>
+      <p:sp>
+        <p:nvSpPr>
+          <p:cNvPr id="6" name="CasellaDiTesto 5">
+            <a:extLst>
+              <a:ext uri="{FF2B5EF4-FFF2-40B4-BE49-F238E27FC236}">
+                <a16:creationId xmlns:a16="http://schemas.microsoft.com/office/drawing/2014/main" id="{5BE9BAA0-562F-4069-ACD3-08D468860F6B}"/>
+              </a:ext>
+            </a:extLst>
+          </p:cNvPr>
+          <p:cNvSpPr txBox="1"/>
+          <p:nvPr/>
+        </p:nvSpPr>
+        <p:spPr>
+          <a:xfrm>
+            <a:off x="8052733" y="3926325"/>
+            <a:ext cx="3820485" cy="2123658"/>
+          </a:xfrm>
+          <a:prstGeom prst="rect">
+            <a:avLst/>
+          </a:prstGeom>
+          <a:noFill/>
+        </p:spPr>
+        <p:txBody>
+          <a:bodyPr wrap="square" rtlCol="0">
+            <a:spAutoFit/>
+          </a:bodyPr>
+          <a:lstStyle/>
+          <a:p>
+            <a:r>
+              <a:rPr lang="it-IT" sz="1200" dirty="0">
+                <a:solidFill>
+                  <a:schemeClr val="bg1">
+                    <a:lumMod val="95000"/>
+                    <a:lumOff val="5000"/>
+                  </a:schemeClr>
+                </a:solidFill>
+                <a:latin typeface="Miriam Mono CLM" panose="02000503000000000000" pitchFamily="2" charset="-79"/>
+                <a:cs typeface="Miriam Mono CLM" panose="02000503000000000000" pitchFamily="2" charset="-79"/>
+              </a:rPr>
+              <a:t>TIME_STEPS = 1000;</a:t>
+            </a:r>
+          </a:p>
+          <a:p>
+            <a:r>
+              <a:rPr lang="it-IT" sz="1200" dirty="0">
+                <a:solidFill>
+                  <a:schemeClr val="bg1">
+                    <a:lumMod val="95000"/>
+                    <a:lumOff val="5000"/>
+                  </a:schemeClr>
+                </a:solidFill>
+                <a:latin typeface="Miriam Mono CLM" panose="02000503000000000000" pitchFamily="2" charset="-79"/>
+                <a:cs typeface="Miriam Mono CLM" panose="02000503000000000000" pitchFamily="2" charset="-79"/>
+              </a:rPr>
+              <a:t>LATTICE_WIDTH = 150;</a:t>
+            </a:r>
+          </a:p>
+          <a:p>
+            <a:r>
+              <a:rPr lang="it-IT" sz="1200" dirty="0">
+                <a:solidFill>
+                  <a:schemeClr val="bg1">
+                    <a:lumMod val="95000"/>
+                    <a:lumOff val="5000"/>
+                  </a:schemeClr>
+                </a:solidFill>
+                <a:latin typeface="Miriam Mono CLM" panose="02000503000000000000" pitchFamily="2" charset="-79"/>
+                <a:cs typeface="Miriam Mono CLM" panose="02000503000000000000" pitchFamily="2" charset="-79"/>
+              </a:rPr>
+              <a:t>LATTICE_HEIGHT = 150;</a:t>
+            </a:r>
+          </a:p>
+          <a:p>
+            <a:r>
+              <a:rPr lang="it-IT" sz="1200" dirty="0">
+                <a:solidFill>
+                  <a:schemeClr val="bg1">
+                    <a:lumMod val="95000"/>
+                    <a:lumOff val="5000"/>
+                  </a:schemeClr>
+                </a:solidFill>
+                <a:latin typeface="Miriam Mono CLM" panose="02000503000000000000" pitchFamily="2" charset="-79"/>
+                <a:cs typeface="Miriam Mono CLM" panose="02000503000000000000" pitchFamily="2" charset="-79"/>
+              </a:rPr>
+              <a:t>PHOTON_SATURATION = 25;</a:t>
+            </a:r>
+          </a:p>
+          <a:p>
+            <a:endParaRPr lang="it-IT" sz="1200" dirty="0">
+              <a:solidFill>
+                <a:schemeClr val="bg1">
+                  <a:lumMod val="95000"/>
+                  <a:lumOff val="5000"/>
+                </a:schemeClr>
+              </a:solidFill>
+              <a:latin typeface="Miriam Mono CLM" panose="02000503000000000000" pitchFamily="2" charset="-79"/>
+              <a:cs typeface="Miriam Mono CLM" panose="02000503000000000000" pitchFamily="2" charset="-79"/>
+            </a:endParaRPr>
+          </a:p>
+          <a:p>
+            <a:r>
+              <a:rPr lang="it-IT" sz="1200" dirty="0" err="1">
+                <a:solidFill>
+                  <a:schemeClr val="bg1">
+                    <a:lumMod val="95000"/>
+                    <a:lumOff val="5000"/>
+                  </a:schemeClr>
+                </a:solidFill>
+                <a:latin typeface="Miriam Mono CLM" panose="02000503000000000000" pitchFamily="2" charset="-79"/>
+                <a:cs typeface="Miriam Mono CLM" panose="02000503000000000000" pitchFamily="2" charset="-79"/>
+              </a:rPr>
+              <a:t>electronLifeTime</a:t>
+            </a:r>
+            <a:r>
+              <a:rPr lang="it-IT" sz="1200" dirty="0">
+                <a:solidFill>
+                  <a:schemeClr val="bg1">
+                    <a:lumMod val="95000"/>
+                    <a:lumOff val="5000"/>
+                  </a:schemeClr>
+                </a:solidFill>
+                <a:latin typeface="Miriam Mono CLM" panose="02000503000000000000" pitchFamily="2" charset="-79"/>
+                <a:cs typeface="Miriam Mono CLM" panose="02000503000000000000" pitchFamily="2" charset="-79"/>
+              </a:rPr>
+              <a:t> = 30;</a:t>
+            </a:r>
+          </a:p>
+          <a:p>
+            <a:r>
+              <a:rPr lang="it-IT" sz="1200" dirty="0" err="1">
+                <a:solidFill>
+                  <a:schemeClr val="bg1">
+                    <a:lumMod val="95000"/>
+                    <a:lumOff val="5000"/>
+                  </a:schemeClr>
+                </a:solidFill>
+                <a:latin typeface="Miriam Mono CLM" panose="02000503000000000000" pitchFamily="2" charset="-79"/>
+                <a:cs typeface="Miriam Mono CLM" panose="02000503000000000000" pitchFamily="2" charset="-79"/>
+              </a:rPr>
+              <a:t>photonLifeTime</a:t>
+            </a:r>
+            <a:r>
+              <a:rPr lang="it-IT" sz="1200" dirty="0">
+                <a:solidFill>
+                  <a:schemeClr val="bg1">
+                    <a:lumMod val="95000"/>
+                    <a:lumOff val="5000"/>
+                  </a:schemeClr>
+                </a:solidFill>
+                <a:latin typeface="Miriam Mono CLM" panose="02000503000000000000" pitchFamily="2" charset="-79"/>
+                <a:cs typeface="Miriam Mono CLM" panose="02000503000000000000" pitchFamily="2" charset="-79"/>
+              </a:rPr>
+              <a:t> = 10;</a:t>
+            </a:r>
+          </a:p>
+          <a:p>
+            <a:r>
+              <a:rPr lang="it-IT" sz="1200" dirty="0" err="1">
+                <a:solidFill>
+                  <a:schemeClr val="bg1">
+                    <a:lumMod val="95000"/>
+                    <a:lumOff val="5000"/>
+                  </a:schemeClr>
+                </a:solidFill>
+                <a:latin typeface="Miriam Mono CLM" panose="02000503000000000000" pitchFamily="2" charset="-79"/>
+                <a:cs typeface="Miriam Mono CLM" panose="02000503000000000000" pitchFamily="2" charset="-79"/>
+              </a:rPr>
+              <a:t>pumpingProbability</a:t>
+            </a:r>
+            <a:r>
+              <a:rPr lang="it-IT" sz="1200" dirty="0">
+                <a:solidFill>
+                  <a:schemeClr val="bg1">
+                    <a:lumMod val="95000"/>
+                    <a:lumOff val="5000"/>
+                  </a:schemeClr>
+                </a:solidFill>
+                <a:latin typeface="Miriam Mono CLM" panose="02000503000000000000" pitchFamily="2" charset="-79"/>
+                <a:cs typeface="Miriam Mono CLM" panose="02000503000000000000" pitchFamily="2" charset="-79"/>
+              </a:rPr>
+              <a:t> = 0.192;</a:t>
+            </a:r>
+          </a:p>
+          <a:p>
+            <a:r>
+              <a:rPr lang="it-IT" sz="1200" dirty="0" err="1">
+                <a:solidFill>
+                  <a:schemeClr val="bg1">
+                    <a:lumMod val="95000"/>
+                    <a:lumOff val="5000"/>
+                  </a:schemeClr>
+                </a:solidFill>
+                <a:latin typeface="Miriam Mono CLM" panose="02000503000000000000" pitchFamily="2" charset="-79"/>
+                <a:cs typeface="Miriam Mono CLM" panose="02000503000000000000" pitchFamily="2" charset="-79"/>
+              </a:rPr>
+              <a:t>stimulatedEmissionThreshold</a:t>
+            </a:r>
+            <a:r>
+              <a:rPr lang="it-IT" sz="1200" dirty="0">
+                <a:solidFill>
+                  <a:schemeClr val="bg1">
+                    <a:lumMod val="95000"/>
+                    <a:lumOff val="5000"/>
+                  </a:schemeClr>
+                </a:solidFill>
+                <a:latin typeface="Miriam Mono CLM" panose="02000503000000000000" pitchFamily="2" charset="-79"/>
+                <a:cs typeface="Miriam Mono CLM" panose="02000503000000000000" pitchFamily="2" charset="-79"/>
+              </a:rPr>
+              <a:t> = 1;</a:t>
+            </a:r>
+          </a:p>
+          <a:p>
+            <a:r>
+              <a:rPr lang="it-IT" sz="1200" dirty="0" err="1">
+                <a:solidFill>
+                  <a:schemeClr val="bg1">
+                    <a:lumMod val="95000"/>
+                    <a:lumOff val="5000"/>
+                  </a:schemeClr>
+                </a:solidFill>
+                <a:latin typeface="Miriam Mono CLM" panose="02000503000000000000" pitchFamily="2" charset="-79"/>
+                <a:cs typeface="Miriam Mono CLM" panose="02000503000000000000" pitchFamily="2" charset="-79"/>
+              </a:rPr>
+              <a:t>thermalExcitingProbability</a:t>
+            </a:r>
+            <a:r>
+              <a:rPr lang="it-IT" sz="1200" dirty="0">
+                <a:solidFill>
+                  <a:schemeClr val="bg1">
+                    <a:lumMod val="95000"/>
+                    <a:lumOff val="5000"/>
+                  </a:schemeClr>
+                </a:solidFill>
+                <a:latin typeface="Miriam Mono CLM" panose="02000503000000000000" pitchFamily="2" charset="-79"/>
+                <a:cs typeface="Miriam Mono CLM" panose="02000503000000000000" pitchFamily="2" charset="-79"/>
+              </a:rPr>
+              <a:t> = 0.001;</a:t>
+            </a:r>
+          </a:p>
+          <a:p>
+            <a:r>
+              <a:rPr lang="it-IT" sz="1200" dirty="0" err="1">
+                <a:solidFill>
+                  <a:schemeClr val="bg1">
+                    <a:lumMod val="95000"/>
+                    <a:lumOff val="5000"/>
+                  </a:schemeClr>
+                </a:solidFill>
+                <a:latin typeface="Miriam Mono CLM" panose="02000503000000000000" pitchFamily="2" charset="-79"/>
+                <a:cs typeface="Miriam Mono CLM" panose="02000503000000000000" pitchFamily="2" charset="-79"/>
+              </a:rPr>
+              <a:t>spontaneousEmissionProbability</a:t>
+            </a:r>
+            <a:r>
+              <a:rPr lang="it-IT" sz="1200" dirty="0">
+                <a:solidFill>
+                  <a:schemeClr val="bg1">
+                    <a:lumMod val="95000"/>
+                    <a:lumOff val="5000"/>
+                  </a:schemeClr>
+                </a:solidFill>
+                <a:latin typeface="Miriam Mono CLM" panose="02000503000000000000" pitchFamily="2" charset="-79"/>
+                <a:cs typeface="Miriam Mono CLM" panose="02000503000000000000" pitchFamily="2" charset="-79"/>
+              </a:rPr>
+              <a:t> = 0.02;</a:t>
+            </a:r>
+          </a:p>
+        </p:txBody>
+      </p:sp>
+    </p:spTree>
+    <p:extLst>
+      <p:ext uri="{BB962C8B-B14F-4D97-AF65-F5344CB8AC3E}">
+        <p14:creationId xmlns:p14="http://schemas.microsoft.com/office/powerpoint/2010/main" val="3722441106"/>
+      </p:ext>
+    </p:extLst>
+  </p:cSld>
+  <p:clrMapOvr>
+    <a:masterClrMapping/>
+  </p:clrMapOvr>
+</p:sld>
+</file>
+
+<file path=ppt/slides/slide12.xml><?xml version="1.0" encoding="utf-8"?>
+<p:sld xmlns:a="http://schemas.openxmlformats.org/drawingml/2006/main" xmlns:r="http://schemas.openxmlformats.org/officeDocument/2006/relationships" xmlns:p="http://schemas.openxmlformats.org/presentationml/2006/main">
+  <p:cSld>
+    <p:spTree>
+      <p:nvGrpSpPr>
+        <p:cNvPr id="1" name=""/>
+        <p:cNvGrpSpPr/>
+        <p:nvPr/>
+      </p:nvGrpSpPr>
+      <p:grpSpPr>
+        <a:xfrm>
+          <a:off x="0" y="0"/>
+          <a:ext cx="0" cy="0"/>
+          <a:chOff x="0" y="0"/>
+          <a:chExt cx="0" cy="0"/>
+        </a:xfrm>
+      </p:grpSpPr>
+      <p:sp>
+        <p:nvSpPr>
+          <p:cNvPr id="2" name="Titolo 1">
+            <a:extLst>
+              <a:ext uri="{FF2B5EF4-FFF2-40B4-BE49-F238E27FC236}">
+                <a16:creationId xmlns:a16="http://schemas.microsoft.com/office/drawing/2014/main" id="{8C0FE870-368B-490D-829A-022704F219CA}"/>
+              </a:ext>
+            </a:extLst>
+          </p:cNvPr>
+          <p:cNvSpPr>
+            <a:spLocks noGrp="1"/>
+          </p:cNvSpPr>
+          <p:nvPr>
+            <p:ph type="title"/>
+          </p:nvPr>
+        </p:nvSpPr>
+        <p:spPr>
+          <a:xfrm>
+            <a:off x="1258859" y="98401"/>
+            <a:ext cx="9905998" cy="968398"/>
+          </a:xfrm>
+        </p:spPr>
+        <p:txBody>
+          <a:bodyPr/>
+          <a:lstStyle/>
+          <a:p>
+            <a:r>
+              <a:rPr lang="it-IT" dirty="0"/>
+              <a:t>Dal modello alla realtà</a:t>
+            </a:r>
+          </a:p>
+        </p:txBody>
+      </p:sp>
+      <mc:AlternateContent xmlns:mc="http://schemas.openxmlformats.org/markup-compatibility/2006">
+        <mc:Choice xmlns:a14="http://schemas.microsoft.com/office/drawing/2010/main" Requires="a14">
+          <p:sp>
+            <p:nvSpPr>
+              <p:cNvPr id="6" name="CasellaDiTesto 5">
+                <a:extLst>
+                  <a:ext uri="{FF2B5EF4-FFF2-40B4-BE49-F238E27FC236}">
+                    <a16:creationId xmlns:a16="http://schemas.microsoft.com/office/drawing/2014/main" id="{4A4DCF8D-6F3F-49A4-9472-5D82285DE4EE}"/>
+                  </a:ext>
+                </a:extLst>
+              </p:cNvPr>
+              <p:cNvSpPr txBox="1"/>
+              <p:nvPr/>
+            </p:nvSpPr>
+            <p:spPr>
+              <a:xfrm>
+                <a:off x="1258859" y="865463"/>
+                <a:ext cx="9905998" cy="923330"/>
+              </a:xfrm>
+              <a:prstGeom prst="rect">
+                <a:avLst/>
+              </a:prstGeom>
+              <a:noFill/>
+            </p:spPr>
+            <p:txBody>
+              <a:bodyPr wrap="square" rtlCol="0">
+                <a:spAutoFit/>
+              </a:bodyPr>
+              <a:lstStyle/>
+              <a:p>
+                <a:r>
+                  <a:rPr lang="it-IT" dirty="0"/>
+                  <a:t>Prendiamo il caso dei valori plausibili, ad esempio…</a:t>
+                </a:r>
+              </a:p>
+              <a:p>
+                <a:r>
+                  <a:rPr lang="el-GR" dirty="0"/>
+                  <a:t>τ</a:t>
+                </a:r>
+                <a:r>
+                  <a:rPr lang="it-IT" sz="1400" dirty="0"/>
+                  <a:t>a</a:t>
+                </a:r>
+                <a:r>
+                  <a:rPr lang="it-IT" dirty="0"/>
+                  <a:t> = 100 </a:t>
+                </a:r>
+                <a:r>
+                  <a:rPr lang="it-IT" dirty="0" err="1"/>
+                  <a:t>ps</a:t>
+                </a:r>
+                <a:r>
+                  <a:rPr lang="it-IT" dirty="0"/>
+                  <a:t> [Tempo di vita dei portatori]</a:t>
+                </a:r>
+              </a:p>
+              <a:p>
+                <a:r>
+                  <a:rPr lang="it-IT" dirty="0"/>
+                  <a:t>FSR = 107 GHz (0.6 nm) </a:t>
+                </a:r>
+                <a14:m>
+                  <m:oMath xmlns:m="http://schemas.openxmlformats.org/officeDocument/2006/math">
+                    <m:r>
+                      <a:rPr lang="it-IT" i="1" smtClean="0">
+                        <a:latin typeface="Cambria Math" panose="02040503050406030204" pitchFamily="18" charset="0"/>
+                      </a:rPr>
+                      <m:t>⇒</m:t>
+                    </m:r>
+                  </m:oMath>
+                </a14:m>
+                <a:r>
+                  <a:rPr lang="it-IT" dirty="0"/>
+                  <a:t> B</a:t>
+                </a:r>
+                <a:r>
+                  <a:rPr lang="it-IT" sz="1200" dirty="0"/>
+                  <a:t>3dB</a:t>
+                </a:r>
+                <a:r>
+                  <a:rPr lang="it-IT" dirty="0"/>
+                  <a:t> =10.22 GHz </a:t>
+                </a:r>
+                <a14:m>
+                  <m:oMath xmlns:m="http://schemas.openxmlformats.org/officeDocument/2006/math">
+                    <m:r>
+                      <a:rPr lang="it-IT" i="1">
+                        <a:latin typeface="Cambria Math" panose="02040503050406030204" pitchFamily="18" charset="0"/>
+                      </a:rPr>
+                      <m:t>⇒</m:t>
+                    </m:r>
+                  </m:oMath>
+                </a14:m>
+                <a:r>
+                  <a:rPr lang="it-IT" dirty="0"/>
+                  <a:t> </a:t>
+                </a:r>
+                <a14:m>
+                  <m:oMath xmlns:m="http://schemas.openxmlformats.org/officeDocument/2006/math">
+                    <m:sSub>
+                      <m:sSubPr>
+                        <m:ctrlPr>
+                          <a:rPr lang="it-IT" b="0" i="0" smtClean="0">
+                            <a:latin typeface="Cambria Math" panose="02040503050406030204" pitchFamily="18" charset="0"/>
+                            <a:ea typeface="Cambria Math" panose="02040503050406030204" pitchFamily="18" charset="0"/>
+                          </a:rPr>
+                        </m:ctrlPr>
+                      </m:sSubPr>
+                      <m:e>
+                        <m:r>
+                          <m:rPr>
+                            <m:sty m:val="p"/>
+                          </m:rPr>
+                          <a:rPr lang="el-GR" b="0" i="1" smtClean="0">
+                            <a:latin typeface="Cambria Math" panose="02040503050406030204" pitchFamily="18" charset="0"/>
+                            <a:ea typeface="Cambria Math" panose="02040503050406030204" pitchFamily="18" charset="0"/>
+                          </a:rPr>
+                          <m:t>τ</m:t>
+                        </m:r>
+                      </m:e>
+                      <m:sub>
+                        <m:r>
+                          <m:rPr>
+                            <m:sty m:val="p"/>
+                          </m:rPr>
+                          <a:rPr lang="it-IT" b="0" i="0" smtClean="0">
+                            <a:latin typeface="Cambria Math" panose="02040503050406030204" pitchFamily="18" charset="0"/>
+                            <a:ea typeface="Cambria Math" panose="02040503050406030204" pitchFamily="18" charset="0"/>
+                          </a:rPr>
+                          <m:t>c</m:t>
+                        </m:r>
+                      </m:sub>
+                    </m:sSub>
+                    <m:r>
+                      <a:rPr lang="it-IT" b="0" i="0" smtClean="0">
+                        <a:latin typeface="Cambria Math" panose="02040503050406030204" pitchFamily="18" charset="0"/>
+                        <a:ea typeface="Cambria Math" panose="02040503050406030204" pitchFamily="18" charset="0"/>
+                      </a:rPr>
+                      <m:t>=15.57 </m:t>
+                    </m:r>
+                    <m:r>
+                      <m:rPr>
+                        <m:sty m:val="p"/>
+                      </m:rPr>
+                      <a:rPr lang="it-IT" b="0" i="0" smtClean="0">
+                        <a:latin typeface="Cambria Math" panose="02040503050406030204" pitchFamily="18" charset="0"/>
+                        <a:ea typeface="Cambria Math" panose="02040503050406030204" pitchFamily="18" charset="0"/>
+                      </a:rPr>
+                      <m:t>ps</m:t>
+                    </m:r>
+                    <m:r>
+                      <a:rPr lang="it-IT" i="1" smtClean="0">
+                        <a:latin typeface="Cambria Math" panose="02040503050406030204" pitchFamily="18" charset="0"/>
+                        <a:ea typeface="Cambria Math" panose="02040503050406030204" pitchFamily="18" charset="0"/>
+                      </a:rPr>
+                      <m:t>≈</m:t>
+                    </m:r>
+                    <m:r>
+                      <a:rPr lang="it-IT" b="0" i="1" smtClean="0">
+                        <a:latin typeface="Cambria Math" panose="02040503050406030204" pitchFamily="18" charset="0"/>
+                        <a:ea typeface="Cambria Math" panose="02040503050406030204" pitchFamily="18" charset="0"/>
+                      </a:rPr>
+                      <m:t>16 </m:t>
+                    </m:r>
+                    <m:r>
+                      <a:rPr lang="it-IT" b="0" i="1" smtClean="0">
+                        <a:latin typeface="Cambria Math" panose="02040503050406030204" pitchFamily="18" charset="0"/>
+                        <a:ea typeface="Cambria Math" panose="02040503050406030204" pitchFamily="18" charset="0"/>
+                      </a:rPr>
+                      <m:t>𝑝𝑠</m:t>
+                    </m:r>
+                  </m:oMath>
+                </a14:m>
+                <a:endParaRPr lang="it-IT" dirty="0"/>
+              </a:p>
+            </p:txBody>
+          </p:sp>
+        </mc:Choice>
+        <mc:Fallback>
+          <p:sp>
+            <p:nvSpPr>
+              <p:cNvPr id="6" name="CasellaDiTesto 5">
+                <a:extLst>
+                  <a:ext uri="{FF2B5EF4-FFF2-40B4-BE49-F238E27FC236}">
+                    <a16:creationId xmlns:a16="http://schemas.microsoft.com/office/drawing/2014/main" id="{4A4DCF8D-6F3F-49A4-9472-5D82285DE4EE}"/>
+                  </a:ext>
+                </a:extLst>
+              </p:cNvPr>
+              <p:cNvSpPr txBox="1">
+                <a:spLocks noRot="1" noChangeAspect="1" noMove="1" noResize="1" noEditPoints="1" noAdjustHandles="1" noChangeArrowheads="1" noChangeShapeType="1" noTextEdit="1"/>
+              </p:cNvSpPr>
+              <p:nvPr/>
+            </p:nvSpPr>
+            <p:spPr>
+              <a:xfrm>
+                <a:off x="1258859" y="865463"/>
+                <a:ext cx="9905998" cy="923330"/>
+              </a:xfrm>
+              <a:prstGeom prst="rect">
+                <a:avLst/>
+              </a:prstGeom>
+              <a:blipFill>
+                <a:blip r:embed="rId2"/>
+                <a:stretch>
+                  <a:fillRect l="-554" t="-3974" b="-9934"/>
+                </a:stretch>
+              </a:blipFill>
+            </p:spPr>
+            <p:txBody>
+              <a:bodyPr/>
+              <a:lstStyle/>
+              <a:p>
+                <a:r>
+                  <a:rPr lang="it-IT">
+                    <a:noFill/>
+                  </a:rPr>
+                  <a:t> </a:t>
+                </a:r>
+              </a:p>
+            </p:txBody>
+          </p:sp>
+        </mc:Fallback>
+      </mc:AlternateContent>
     </p:spTree>
     <p:extLst>
       <p:ext uri="{BB962C8B-B14F-4D97-AF65-F5344CB8AC3E}">
@@ -13587,6 +14368,36 @@
           <a:chExt cx="0" cy="0"/>
         </a:xfrm>
       </p:grpSpPr>
+      <p:pic>
+        <p:nvPicPr>
+          <p:cNvPr id="7" name="Immagine 6">
+            <a:extLst>
+              <a:ext uri="{FF2B5EF4-FFF2-40B4-BE49-F238E27FC236}">
+                <a16:creationId xmlns:a16="http://schemas.microsoft.com/office/drawing/2014/main" id="{6F051BD5-A862-488D-AF87-7D0C1009FBFB}"/>
+              </a:ext>
+            </a:extLst>
+          </p:cNvPr>
+          <p:cNvPicPr>
+            <a:picLocks noChangeAspect="1"/>
+          </p:cNvPicPr>
+          <p:nvPr/>
+        </p:nvPicPr>
+        <p:blipFill>
+          <a:blip r:embed="rId2"/>
+          <a:stretch>
+            <a:fillRect/>
+          </a:stretch>
+        </p:blipFill>
+        <p:spPr>
+          <a:xfrm>
+            <a:off x="1266738" y="989900"/>
+            <a:ext cx="10024844" cy="5577158"/>
+          </a:xfrm>
+          <a:prstGeom prst="rect">
+            <a:avLst/>
+          </a:prstGeom>
+        </p:spPr>
+      </p:pic>
       <p:sp>
         <p:nvSpPr>
           <p:cNvPr id="2" name="Titolo 1">
@@ -13622,38 +14433,443 @@
       </p:sp>
       <p:sp>
         <p:nvSpPr>
-          <p:cNvPr id="3" name="Segnaposto contenuto 2">
+          <p:cNvPr id="4" name="CasellaDiTesto 3">
             <a:extLst>
               <a:ext uri="{FF2B5EF4-FFF2-40B4-BE49-F238E27FC236}">
-                <a16:creationId xmlns:a16="http://schemas.microsoft.com/office/drawing/2014/main" id="{B85B9862-EAF6-4DE9-8B9E-5957D3317518}"/>
+                <a16:creationId xmlns:a16="http://schemas.microsoft.com/office/drawing/2014/main" id="{C839472A-FE7F-4A55-9D1C-B82A58B72CB4}"/>
               </a:ext>
             </a:extLst>
           </p:cNvPr>
-          <p:cNvSpPr>
-            <a:spLocks noGrp="1"/>
-          </p:cNvSpPr>
-          <p:nvPr>
-            <p:ph idx="1"/>
-          </p:nvPr>
+          <p:cNvSpPr txBox="1"/>
+          <p:nvPr/>
         </p:nvSpPr>
         <p:spPr>
           <a:xfrm>
-            <a:off x="8053431" y="2249487"/>
-            <a:ext cx="2993980" cy="3541714"/>
+            <a:off x="7315898" y="1965290"/>
+            <a:ext cx="3731513" cy="923330"/>
           </a:xfrm>
+          <a:prstGeom prst="rect">
+            <a:avLst/>
+          </a:prstGeom>
+          <a:noFill/>
         </p:spPr>
         <p:txBody>
-          <a:bodyPr/>
+          <a:bodyPr wrap="square" rtlCol="0">
+            <a:spAutoFit/>
+          </a:bodyPr>
           <a:lstStyle/>
           <a:p>
-            <a:endParaRPr lang="it-IT" dirty="0"/>
+            <a:pPr algn="r"/>
+            <a:r>
+              <a:rPr lang="it-IT" dirty="0">
+                <a:solidFill>
+                  <a:schemeClr val="bg1">
+                    <a:lumMod val="95000"/>
+                    <a:lumOff val="5000"/>
+                  </a:schemeClr>
+                </a:solidFill>
+              </a:rPr>
+              <a:t>Per valori di </a:t>
+            </a:r>
+            <a:r>
+              <a:rPr lang="el-GR" dirty="0">
+                <a:solidFill>
+                  <a:schemeClr val="bg1">
+                    <a:lumMod val="95000"/>
+                    <a:lumOff val="5000"/>
+                  </a:schemeClr>
+                </a:solidFill>
+              </a:rPr>
+              <a:t>τ</a:t>
+            </a:r>
+            <a:r>
+              <a:rPr lang="en-US" sz="1200" dirty="0">
+                <a:solidFill>
+                  <a:schemeClr val="bg1">
+                    <a:lumMod val="95000"/>
+                    <a:lumOff val="5000"/>
+                  </a:schemeClr>
+                </a:solidFill>
+              </a:rPr>
+              <a:t>a </a:t>
+            </a:r>
+            <a:r>
+              <a:rPr lang="en-US" dirty="0">
+                <a:solidFill>
+                  <a:schemeClr val="bg1">
+                    <a:lumMod val="95000"/>
+                    <a:lumOff val="5000"/>
+                  </a:schemeClr>
+                </a:solidFill>
+              </a:rPr>
+              <a:t>e </a:t>
+            </a:r>
+            <a:r>
+              <a:rPr lang="el-GR" dirty="0">
+                <a:solidFill>
+                  <a:schemeClr val="bg1">
+                    <a:lumMod val="95000"/>
+                    <a:lumOff val="5000"/>
+                  </a:schemeClr>
+                </a:solidFill>
+              </a:rPr>
+              <a:t>τ</a:t>
+            </a:r>
+            <a:r>
+              <a:rPr lang="en-US" sz="1200" dirty="0">
+                <a:solidFill>
+                  <a:schemeClr val="bg1">
+                    <a:lumMod val="95000"/>
+                    <a:lumOff val="5000"/>
+                  </a:schemeClr>
+                </a:solidFill>
+              </a:rPr>
+              <a:t>c </a:t>
+            </a:r>
+            <a:r>
+              <a:rPr lang="en-US" dirty="0">
+                <a:solidFill>
+                  <a:schemeClr val="bg1">
+                    <a:lumMod val="95000"/>
+                    <a:lumOff val="5000"/>
+                  </a:schemeClr>
+                </a:solidFill>
+              </a:rPr>
+              <a:t>molto </a:t>
+            </a:r>
+            <a:r>
+              <a:rPr lang="en-US" dirty="0" err="1">
+                <a:solidFill>
+                  <a:schemeClr val="bg1">
+                    <a:lumMod val="95000"/>
+                    <a:lumOff val="5000"/>
+                  </a:schemeClr>
+                </a:solidFill>
+              </a:rPr>
+              <a:t>vicini</a:t>
+            </a:r>
+            <a:r>
+              <a:rPr lang="en-US" dirty="0">
+                <a:solidFill>
+                  <a:schemeClr val="bg1">
+                    <a:lumMod val="95000"/>
+                    <a:lumOff val="5000"/>
+                  </a:schemeClr>
+                </a:solidFill>
+              </a:rPr>
+              <a:t>, il regime di </a:t>
+            </a:r>
+            <a:r>
+              <a:rPr lang="en-US" dirty="0" err="1">
+                <a:solidFill>
+                  <a:schemeClr val="bg1">
+                    <a:lumMod val="95000"/>
+                    <a:lumOff val="5000"/>
+                  </a:schemeClr>
+                </a:solidFill>
+              </a:rPr>
+              <a:t>funzionamento</a:t>
+            </a:r>
+            <a:r>
+              <a:rPr lang="en-US" dirty="0">
+                <a:solidFill>
+                  <a:schemeClr val="bg1">
+                    <a:lumMod val="95000"/>
+                    <a:lumOff val="5000"/>
+                  </a:schemeClr>
+                </a:solidFill>
+              </a:rPr>
+              <a:t> </a:t>
+            </a:r>
+            <a:r>
+              <a:rPr lang="it-IT" dirty="0">
+                <a:solidFill>
+                  <a:schemeClr val="bg1">
+                    <a:lumMod val="95000"/>
+                    <a:lumOff val="5000"/>
+                  </a:schemeClr>
+                </a:solidFill>
+              </a:rPr>
+              <a:t>è «costante» o </a:t>
+            </a:r>
+            <a:r>
+              <a:rPr lang="it-IT" i="1" dirty="0">
+                <a:solidFill>
+                  <a:schemeClr val="bg1">
+                    <a:lumMod val="95000"/>
+                    <a:lumOff val="5000"/>
+                  </a:schemeClr>
+                </a:solidFill>
+              </a:rPr>
+              <a:t>non-</a:t>
+            </a:r>
+            <a:r>
+              <a:rPr lang="it-IT" i="1" dirty="0" err="1">
+                <a:solidFill>
+                  <a:schemeClr val="bg1">
+                    <a:lumMod val="95000"/>
+                    <a:lumOff val="5000"/>
+                  </a:schemeClr>
+                </a:solidFill>
+              </a:rPr>
+              <a:t>spiking</a:t>
+            </a:r>
+            <a:endParaRPr lang="it-IT" dirty="0">
+              <a:solidFill>
+                <a:schemeClr val="bg1">
+                  <a:lumMod val="95000"/>
+                  <a:lumOff val="5000"/>
+                </a:schemeClr>
+              </a:solidFill>
+            </a:endParaRPr>
+          </a:p>
+        </p:txBody>
+      </p:sp>
+      <p:sp>
+        <p:nvSpPr>
+          <p:cNvPr id="3" name="CasellaDiTesto 2">
+            <a:extLst>
+              <a:ext uri="{FF2B5EF4-FFF2-40B4-BE49-F238E27FC236}">
+                <a16:creationId xmlns:a16="http://schemas.microsoft.com/office/drawing/2014/main" id="{D101E619-2BF7-4516-AE62-D7C0F1CB8E25}"/>
+              </a:ext>
+            </a:extLst>
+          </p:cNvPr>
+          <p:cNvSpPr txBox="1"/>
+          <p:nvPr/>
+        </p:nvSpPr>
+        <p:spPr>
+          <a:xfrm>
+            <a:off x="7533314" y="2999885"/>
+            <a:ext cx="3144982" cy="1938992"/>
+          </a:xfrm>
+          <a:prstGeom prst="rect">
+            <a:avLst/>
+          </a:prstGeom>
+          <a:noFill/>
+        </p:spPr>
+        <p:txBody>
+          <a:bodyPr wrap="square" rtlCol="0">
+            <a:spAutoFit/>
+          </a:bodyPr>
+          <a:lstStyle/>
+          <a:p>
+            <a:r>
+              <a:rPr lang="it-IT" sz="1200" dirty="0">
+                <a:solidFill>
+                  <a:schemeClr val="bg1">
+                    <a:lumMod val="95000"/>
+                    <a:lumOff val="5000"/>
+                  </a:schemeClr>
+                </a:solidFill>
+                <a:latin typeface="Miriam Mono CLM" panose="02000503000000000000" pitchFamily="2" charset="-79"/>
+                <a:cs typeface="Miriam Mono CLM" panose="02000503000000000000" pitchFamily="2" charset="-79"/>
+              </a:rPr>
+              <a:t>TIME_STEPS = 200;</a:t>
+            </a:r>
+          </a:p>
+          <a:p>
+            <a:r>
+              <a:rPr lang="it-IT" sz="1200" dirty="0">
+                <a:solidFill>
+                  <a:schemeClr val="bg1">
+                    <a:lumMod val="95000"/>
+                    <a:lumOff val="5000"/>
+                  </a:schemeClr>
+                </a:solidFill>
+                <a:latin typeface="Miriam Mono CLM" panose="02000503000000000000" pitchFamily="2" charset="-79"/>
+                <a:cs typeface="Miriam Mono CLM" panose="02000503000000000000" pitchFamily="2" charset="-79"/>
+              </a:rPr>
+              <a:t>LATTICE_WIDTH = 200;</a:t>
+            </a:r>
+          </a:p>
+          <a:p>
+            <a:r>
+              <a:rPr lang="it-IT" sz="1200" dirty="0">
+                <a:solidFill>
+                  <a:schemeClr val="bg1">
+                    <a:lumMod val="95000"/>
+                    <a:lumOff val="5000"/>
+                  </a:schemeClr>
+                </a:solidFill>
+                <a:latin typeface="Miriam Mono CLM" panose="02000503000000000000" pitchFamily="2" charset="-79"/>
+                <a:cs typeface="Miriam Mono CLM" panose="02000503000000000000" pitchFamily="2" charset="-79"/>
+              </a:rPr>
+              <a:t>LATTICE_HEIGHT = 200;</a:t>
+            </a:r>
+          </a:p>
+          <a:p>
+            <a:r>
+              <a:rPr lang="it-IT" sz="1200" dirty="0">
+                <a:solidFill>
+                  <a:schemeClr val="bg1">
+                    <a:lumMod val="95000"/>
+                    <a:lumOff val="5000"/>
+                  </a:schemeClr>
+                </a:solidFill>
+                <a:latin typeface="Miriam Mono CLM" panose="02000503000000000000" pitchFamily="2" charset="-79"/>
+                <a:cs typeface="Miriam Mono CLM" panose="02000503000000000000" pitchFamily="2" charset="-79"/>
+              </a:rPr>
+              <a:t>PHOTON_SATURATION = 25;</a:t>
+            </a:r>
+          </a:p>
+          <a:p>
+            <a:endParaRPr lang="it-IT" sz="1200" dirty="0">
+              <a:solidFill>
+                <a:schemeClr val="bg1">
+                  <a:lumMod val="95000"/>
+                  <a:lumOff val="5000"/>
+                </a:schemeClr>
+              </a:solidFill>
+              <a:latin typeface="Miriam Mono CLM" panose="02000503000000000000" pitchFamily="2" charset="-79"/>
+              <a:cs typeface="Miriam Mono CLM" panose="02000503000000000000" pitchFamily="2" charset="-79"/>
+            </a:endParaRPr>
+          </a:p>
+          <a:p>
+            <a:r>
+              <a:rPr lang="it-IT" sz="1200" dirty="0" err="1">
+                <a:solidFill>
+                  <a:schemeClr val="bg1">
+                    <a:lumMod val="95000"/>
+                    <a:lumOff val="5000"/>
+                  </a:schemeClr>
+                </a:solidFill>
+                <a:latin typeface="Miriam Mono CLM" panose="02000503000000000000" pitchFamily="2" charset="-79"/>
+                <a:cs typeface="Miriam Mono CLM" panose="02000503000000000000" pitchFamily="2" charset="-79"/>
+              </a:rPr>
+              <a:t>electronLifeTime</a:t>
+            </a:r>
+            <a:r>
+              <a:rPr lang="it-IT" sz="1200" dirty="0">
+                <a:solidFill>
+                  <a:schemeClr val="bg1">
+                    <a:lumMod val="95000"/>
+                    <a:lumOff val="5000"/>
+                  </a:schemeClr>
+                </a:solidFill>
+                <a:latin typeface="Miriam Mono CLM" panose="02000503000000000000" pitchFamily="2" charset="-79"/>
+                <a:cs typeface="Miriam Mono CLM" panose="02000503000000000000" pitchFamily="2" charset="-79"/>
+              </a:rPr>
+              <a:t> = 30;</a:t>
+            </a:r>
+          </a:p>
+          <a:p>
+            <a:r>
+              <a:rPr lang="it-IT" sz="1200" dirty="0" err="1">
+                <a:solidFill>
+                  <a:schemeClr val="bg1">
+                    <a:lumMod val="95000"/>
+                    <a:lumOff val="5000"/>
+                  </a:schemeClr>
+                </a:solidFill>
+                <a:latin typeface="Miriam Mono CLM" panose="02000503000000000000" pitchFamily="2" charset="-79"/>
+                <a:cs typeface="Miriam Mono CLM" panose="02000503000000000000" pitchFamily="2" charset="-79"/>
+              </a:rPr>
+              <a:t>photonLifeTime</a:t>
+            </a:r>
+            <a:r>
+              <a:rPr lang="it-IT" sz="1200" dirty="0">
+                <a:solidFill>
+                  <a:schemeClr val="bg1">
+                    <a:lumMod val="95000"/>
+                    <a:lumOff val="5000"/>
+                  </a:schemeClr>
+                </a:solidFill>
+                <a:latin typeface="Miriam Mono CLM" panose="02000503000000000000" pitchFamily="2" charset="-79"/>
+                <a:cs typeface="Miriam Mono CLM" panose="02000503000000000000" pitchFamily="2" charset="-79"/>
+              </a:rPr>
+              <a:t> = 10;</a:t>
+            </a:r>
+          </a:p>
+          <a:p>
+            <a:r>
+              <a:rPr lang="it-IT" sz="1200" dirty="0" err="1">
+                <a:solidFill>
+                  <a:schemeClr val="bg1">
+                    <a:lumMod val="95000"/>
+                    <a:lumOff val="5000"/>
+                  </a:schemeClr>
+                </a:solidFill>
+                <a:latin typeface="Miriam Mono CLM" panose="02000503000000000000" pitchFamily="2" charset="-79"/>
+                <a:cs typeface="Miriam Mono CLM" panose="02000503000000000000" pitchFamily="2" charset="-79"/>
+              </a:rPr>
+              <a:t>pumpingProbability</a:t>
+            </a:r>
+            <a:r>
+              <a:rPr lang="it-IT" sz="1200" dirty="0">
+                <a:solidFill>
+                  <a:schemeClr val="bg1">
+                    <a:lumMod val="95000"/>
+                    <a:lumOff val="5000"/>
+                  </a:schemeClr>
+                </a:solidFill>
+                <a:latin typeface="Miriam Mono CLM" panose="02000503000000000000" pitchFamily="2" charset="-79"/>
+                <a:cs typeface="Miriam Mono CLM" panose="02000503000000000000" pitchFamily="2" charset="-79"/>
+              </a:rPr>
+              <a:t> = 0.192;</a:t>
+            </a:r>
+          </a:p>
+          <a:p>
+            <a:r>
+              <a:rPr lang="it-IT" sz="1200" dirty="0" err="1">
+                <a:solidFill>
+                  <a:schemeClr val="bg1">
+                    <a:lumMod val="95000"/>
+                    <a:lumOff val="5000"/>
+                  </a:schemeClr>
+                </a:solidFill>
+                <a:latin typeface="Miriam Mono CLM" panose="02000503000000000000" pitchFamily="2" charset="-79"/>
+                <a:cs typeface="Miriam Mono CLM" panose="02000503000000000000" pitchFamily="2" charset="-79"/>
+              </a:rPr>
+              <a:t>noiseProbability</a:t>
+            </a:r>
+            <a:r>
+              <a:rPr lang="it-IT" sz="1200" dirty="0">
+                <a:solidFill>
+                  <a:schemeClr val="bg1">
+                    <a:lumMod val="95000"/>
+                    <a:lumOff val="5000"/>
+                  </a:schemeClr>
+                </a:solidFill>
+                <a:latin typeface="Miriam Mono CLM" panose="02000503000000000000" pitchFamily="2" charset="-79"/>
+                <a:cs typeface="Miriam Mono CLM" panose="02000503000000000000" pitchFamily="2" charset="-79"/>
+              </a:rPr>
+              <a:t> = 0.009;</a:t>
+            </a:r>
+          </a:p>
+          <a:p>
+            <a:r>
+              <a:rPr lang="it-IT" sz="1200" dirty="0" err="1">
+                <a:solidFill>
+                  <a:schemeClr val="bg1">
+                    <a:lumMod val="95000"/>
+                    <a:lumOff val="5000"/>
+                  </a:schemeClr>
+                </a:solidFill>
+                <a:latin typeface="Miriam Mono CLM" panose="02000503000000000000" pitchFamily="2" charset="-79"/>
+                <a:cs typeface="Miriam Mono CLM" panose="02000503000000000000" pitchFamily="2" charset="-79"/>
+              </a:rPr>
+              <a:t>stimulatedEmissionThreshold</a:t>
+            </a:r>
+            <a:r>
+              <a:rPr lang="it-IT" sz="1200" dirty="0">
+                <a:solidFill>
+                  <a:schemeClr val="bg1">
+                    <a:lumMod val="95000"/>
+                    <a:lumOff val="5000"/>
+                  </a:schemeClr>
+                </a:solidFill>
+                <a:latin typeface="Miriam Mono CLM" panose="02000503000000000000" pitchFamily="2" charset="-79"/>
+                <a:cs typeface="Miriam Mono CLM" panose="02000503000000000000" pitchFamily="2" charset="-79"/>
+              </a:rPr>
+              <a:t> = 1;</a:t>
+            </a:r>
           </a:p>
         </p:txBody>
       </p:sp>
     </p:spTree>
     <p:extLst>
       <p:ext uri="{BB962C8B-B14F-4D97-AF65-F5344CB8AC3E}">
-        <p14:creationId xmlns:p14="http://schemas.microsoft.com/office/powerpoint/2010/main" val="2924415319"/>
+        <p14:creationId xmlns:p14="http://schemas.microsoft.com/office/powerpoint/2010/main" val="1076927024"/>
       </p:ext>
     </p:extLst>
   </p:cSld>
@@ -13680,12 +14896,42 @@
           <a:chExt cx="0" cy="0"/>
         </a:xfrm>
       </p:grpSpPr>
+      <p:pic>
+        <p:nvPicPr>
+          <p:cNvPr id="13" name="Immagine 12">
+            <a:extLst>
+              <a:ext uri="{FF2B5EF4-FFF2-40B4-BE49-F238E27FC236}">
+                <a16:creationId xmlns:a16="http://schemas.microsoft.com/office/drawing/2014/main" id="{97811066-E484-4CA8-8A2F-8FF75D0E528D}"/>
+              </a:ext>
+            </a:extLst>
+          </p:cNvPr>
+          <p:cNvPicPr>
+            <a:picLocks noChangeAspect="1"/>
+          </p:cNvPicPr>
+          <p:nvPr/>
+        </p:nvPicPr>
+        <p:blipFill>
+          <a:blip r:embed="rId2"/>
+          <a:stretch>
+            <a:fillRect/>
+          </a:stretch>
+        </p:blipFill>
+        <p:spPr>
+          <a:xfrm>
+            <a:off x="116099" y="157123"/>
+            <a:ext cx="11959802" cy="6543753"/>
+          </a:xfrm>
+          <a:prstGeom prst="rect">
+            <a:avLst/>
+          </a:prstGeom>
+        </p:spPr>
+      </p:pic>
       <p:sp>
         <p:nvSpPr>
           <p:cNvPr id="2" name="Titolo 1">
             <a:extLst>
               <a:ext uri="{FF2B5EF4-FFF2-40B4-BE49-F238E27FC236}">
-                <a16:creationId xmlns:a16="http://schemas.microsoft.com/office/drawing/2014/main" id="{3E8982A2-FDE4-47FF-B9AB-14E4CD459CF0}"/>
+                <a16:creationId xmlns:a16="http://schemas.microsoft.com/office/drawing/2014/main" id="{D227C1EE-2D74-43C3-BD6D-59CE04B9031A}"/>
               </a:ext>
             </a:extLst>
           </p:cNvPr>
@@ -13696,47 +14942,591 @@
             <p:ph type="title"/>
           </p:nvPr>
         </p:nvSpPr>
-        <p:spPr/>
+        <p:spPr>
+          <a:xfrm>
+            <a:off x="1141413" y="157124"/>
+            <a:ext cx="9905998" cy="975390"/>
+          </a:xfrm>
+        </p:spPr>
         <p:txBody>
           <a:bodyPr/>
           <a:lstStyle/>
           <a:p>
             <a:r>
               <a:rPr lang="it-IT" dirty="0"/>
-              <a:t>Automa perfezionato</a:t>
+              <a:t>Regimi di funzionamento</a:t>
             </a:r>
           </a:p>
         </p:txBody>
       </p:sp>
       <p:sp>
         <p:nvSpPr>
-          <p:cNvPr id="3" name="Segnaposto contenuto 2">
+          <p:cNvPr id="5" name="CasellaDiTesto 4">
             <a:extLst>
               <a:ext uri="{FF2B5EF4-FFF2-40B4-BE49-F238E27FC236}">
-                <a16:creationId xmlns:a16="http://schemas.microsoft.com/office/drawing/2014/main" id="{054DAF2F-2849-466C-9D22-50FA2F59B58C}"/>
+                <a16:creationId xmlns:a16="http://schemas.microsoft.com/office/drawing/2014/main" id="{4FB09F8A-BE90-4E97-8A0B-E9993E228375}"/>
               </a:ext>
             </a:extLst>
           </p:cNvPr>
-          <p:cNvSpPr>
-            <a:spLocks noGrp="1"/>
-          </p:cNvSpPr>
-          <p:nvPr>
-            <p:ph idx="1"/>
-          </p:nvPr>
+          <p:cNvSpPr txBox="1"/>
+          <p:nvPr/>
         </p:nvSpPr>
-        <p:spPr/>
+        <p:spPr>
+          <a:xfrm>
+            <a:off x="4546833" y="378624"/>
+            <a:ext cx="5991136" cy="923330"/>
+          </a:xfrm>
+          <a:prstGeom prst="rect">
+            <a:avLst/>
+          </a:prstGeom>
+          <a:noFill/>
+        </p:spPr>
         <p:txBody>
-          <a:bodyPr/>
+          <a:bodyPr wrap="square" rtlCol="0">
+            <a:spAutoFit/>
+          </a:bodyPr>
           <a:lstStyle/>
           <a:p>
-            <a:endParaRPr lang="it-IT"/>
+            <a:pPr algn="r"/>
+            <a:r>
+              <a:rPr lang="it-IT" dirty="0">
+                <a:solidFill>
+                  <a:schemeClr val="bg1">
+                    <a:lumMod val="95000"/>
+                    <a:lumOff val="5000"/>
+                  </a:schemeClr>
+                </a:solidFill>
+              </a:rPr>
+              <a:t>Per valori di </a:t>
+            </a:r>
+            <a:r>
+              <a:rPr lang="el-GR" dirty="0">
+                <a:solidFill>
+                  <a:schemeClr val="bg1">
+                    <a:lumMod val="95000"/>
+                    <a:lumOff val="5000"/>
+                  </a:schemeClr>
+                </a:solidFill>
+              </a:rPr>
+              <a:t>τ</a:t>
+            </a:r>
+            <a:r>
+              <a:rPr lang="en-US" sz="1200" dirty="0">
+                <a:solidFill>
+                  <a:schemeClr val="bg1">
+                    <a:lumMod val="95000"/>
+                    <a:lumOff val="5000"/>
+                  </a:schemeClr>
+                </a:solidFill>
+              </a:rPr>
+              <a:t>a &gt;&gt;</a:t>
+            </a:r>
+            <a:r>
+              <a:rPr lang="en-US" dirty="0">
+                <a:solidFill>
+                  <a:schemeClr val="bg1">
+                    <a:lumMod val="95000"/>
+                    <a:lumOff val="5000"/>
+                  </a:schemeClr>
+                </a:solidFill>
+              </a:rPr>
+              <a:t> </a:t>
+            </a:r>
+            <a:r>
+              <a:rPr lang="el-GR" dirty="0">
+                <a:solidFill>
+                  <a:schemeClr val="bg1">
+                    <a:lumMod val="95000"/>
+                    <a:lumOff val="5000"/>
+                  </a:schemeClr>
+                </a:solidFill>
+              </a:rPr>
+              <a:t>τ</a:t>
+            </a:r>
+            <a:r>
+              <a:rPr lang="en-US" sz="1200" dirty="0">
+                <a:solidFill>
+                  <a:schemeClr val="bg1">
+                    <a:lumMod val="95000"/>
+                    <a:lumOff val="5000"/>
+                  </a:schemeClr>
+                </a:solidFill>
+              </a:rPr>
+              <a:t>c </a:t>
+            </a:r>
+            <a:r>
+              <a:rPr lang="en-US" dirty="0">
+                <a:solidFill>
+                  <a:schemeClr val="bg1">
+                    <a:lumMod val="95000"/>
+                    <a:lumOff val="5000"/>
+                  </a:schemeClr>
+                </a:solidFill>
+              </a:rPr>
+              <a:t>molto </a:t>
+            </a:r>
+            <a:r>
+              <a:rPr lang="en-US" dirty="0" err="1">
+                <a:solidFill>
+                  <a:schemeClr val="bg1">
+                    <a:lumMod val="95000"/>
+                    <a:lumOff val="5000"/>
+                  </a:schemeClr>
+                </a:solidFill>
+              </a:rPr>
+              <a:t>vicini</a:t>
+            </a:r>
+            <a:r>
+              <a:rPr lang="en-US" dirty="0">
+                <a:solidFill>
+                  <a:schemeClr val="bg1">
+                    <a:lumMod val="95000"/>
+                    <a:lumOff val="5000"/>
+                  </a:schemeClr>
+                </a:solidFill>
+              </a:rPr>
+              <a:t>, il regime di </a:t>
+            </a:r>
+            <a:r>
+              <a:rPr lang="en-US" dirty="0" err="1">
+                <a:solidFill>
+                  <a:schemeClr val="bg1">
+                    <a:lumMod val="95000"/>
+                    <a:lumOff val="5000"/>
+                  </a:schemeClr>
+                </a:solidFill>
+              </a:rPr>
+              <a:t>funzionamento</a:t>
+            </a:r>
+            <a:r>
+              <a:rPr lang="en-US" dirty="0">
+                <a:solidFill>
+                  <a:schemeClr val="bg1">
+                    <a:lumMod val="95000"/>
+                    <a:lumOff val="5000"/>
+                  </a:schemeClr>
+                </a:solidFill>
+              </a:rPr>
+              <a:t> </a:t>
+            </a:r>
+            <a:r>
+              <a:rPr lang="it-IT" dirty="0">
+                <a:solidFill>
+                  <a:schemeClr val="bg1">
+                    <a:lumMod val="95000"/>
+                    <a:lumOff val="5000"/>
+                  </a:schemeClr>
+                </a:solidFill>
+              </a:rPr>
+              <a:t>è «oscillante» con </a:t>
+            </a:r>
+            <a:r>
+              <a:rPr lang="it-IT" i="1" dirty="0" err="1">
+                <a:solidFill>
+                  <a:schemeClr val="bg1">
+                    <a:lumMod val="95000"/>
+                    <a:lumOff val="5000"/>
+                  </a:schemeClr>
+                </a:solidFill>
+              </a:rPr>
+              <a:t>relaxation</a:t>
+            </a:r>
+            <a:r>
+              <a:rPr lang="it-IT" i="1" dirty="0">
+                <a:solidFill>
+                  <a:schemeClr val="bg1">
+                    <a:lumMod val="95000"/>
+                    <a:lumOff val="5000"/>
+                  </a:schemeClr>
+                </a:solidFill>
+              </a:rPr>
+              <a:t> </a:t>
+            </a:r>
+            <a:r>
+              <a:rPr lang="it-IT" i="1" dirty="0" err="1">
+                <a:solidFill>
+                  <a:schemeClr val="bg1">
+                    <a:lumMod val="95000"/>
+                    <a:lumOff val="5000"/>
+                  </a:schemeClr>
+                </a:solidFill>
+              </a:rPr>
+              <a:t>oscillations</a:t>
+            </a:r>
+            <a:r>
+              <a:rPr lang="it-IT" dirty="0">
+                <a:solidFill>
+                  <a:schemeClr val="bg1">
+                    <a:lumMod val="95000"/>
+                    <a:lumOff val="5000"/>
+                  </a:schemeClr>
+                </a:solidFill>
+              </a:rPr>
+              <a:t>. Il transitorio oscillante si esaurisce esponenzialmente.</a:t>
+            </a:r>
+          </a:p>
+        </p:txBody>
+      </p:sp>
+      <p:sp>
+        <p:nvSpPr>
+          <p:cNvPr id="10" name="CasellaDiTesto 9">
+            <a:extLst>
+              <a:ext uri="{FF2B5EF4-FFF2-40B4-BE49-F238E27FC236}">
+                <a16:creationId xmlns:a16="http://schemas.microsoft.com/office/drawing/2014/main" id="{712C0EDD-33B5-42E0-A240-3B12C508C03C}"/>
+              </a:ext>
+            </a:extLst>
+          </p:cNvPr>
+          <p:cNvSpPr txBox="1"/>
+          <p:nvPr/>
+        </p:nvSpPr>
+        <p:spPr>
+          <a:xfrm>
+            <a:off x="1271632" y="428116"/>
+            <a:ext cx="3144982" cy="1938992"/>
+          </a:xfrm>
+          <a:prstGeom prst="rect">
+            <a:avLst/>
+          </a:prstGeom>
+          <a:noFill/>
+        </p:spPr>
+        <p:txBody>
+          <a:bodyPr wrap="square" rtlCol="0">
+            <a:spAutoFit/>
+          </a:bodyPr>
+          <a:lstStyle/>
+          <a:p>
+            <a:r>
+              <a:rPr lang="it-IT" sz="1200" dirty="0">
+                <a:solidFill>
+                  <a:schemeClr val="bg1">
+                    <a:lumMod val="95000"/>
+                    <a:lumOff val="5000"/>
+                  </a:schemeClr>
+                </a:solidFill>
+                <a:latin typeface="Miriam Mono CLM" panose="02000503000000000000" pitchFamily="2" charset="-79"/>
+                <a:cs typeface="Miriam Mono CLM" panose="02000503000000000000" pitchFamily="2" charset="-79"/>
+              </a:rPr>
+              <a:t>TIME_STEPS = 1000;</a:t>
+            </a:r>
+          </a:p>
+          <a:p>
+            <a:r>
+              <a:rPr lang="it-IT" sz="1200" dirty="0">
+                <a:solidFill>
+                  <a:schemeClr val="bg1">
+                    <a:lumMod val="95000"/>
+                    <a:lumOff val="5000"/>
+                  </a:schemeClr>
+                </a:solidFill>
+                <a:latin typeface="Miriam Mono CLM" panose="02000503000000000000" pitchFamily="2" charset="-79"/>
+                <a:cs typeface="Miriam Mono CLM" panose="02000503000000000000" pitchFamily="2" charset="-79"/>
+              </a:rPr>
+              <a:t>LATTICE_WIDTH = 150;</a:t>
+            </a:r>
+          </a:p>
+          <a:p>
+            <a:r>
+              <a:rPr lang="it-IT" sz="1200" dirty="0">
+                <a:solidFill>
+                  <a:schemeClr val="bg1">
+                    <a:lumMod val="95000"/>
+                    <a:lumOff val="5000"/>
+                  </a:schemeClr>
+                </a:solidFill>
+                <a:latin typeface="Miriam Mono CLM" panose="02000503000000000000" pitchFamily="2" charset="-79"/>
+                <a:cs typeface="Miriam Mono CLM" panose="02000503000000000000" pitchFamily="2" charset="-79"/>
+              </a:rPr>
+              <a:t>LATTICE_HEIGHT = 150;</a:t>
+            </a:r>
+          </a:p>
+          <a:p>
+            <a:r>
+              <a:rPr lang="it-IT" sz="1200" dirty="0">
+                <a:solidFill>
+                  <a:schemeClr val="bg1">
+                    <a:lumMod val="95000"/>
+                    <a:lumOff val="5000"/>
+                  </a:schemeClr>
+                </a:solidFill>
+                <a:latin typeface="Miriam Mono CLM" panose="02000503000000000000" pitchFamily="2" charset="-79"/>
+                <a:cs typeface="Miriam Mono CLM" panose="02000503000000000000" pitchFamily="2" charset="-79"/>
+              </a:rPr>
+              <a:t>PHOTON_SATURATION = 25;</a:t>
+            </a:r>
+          </a:p>
+          <a:p>
+            <a:endParaRPr lang="it-IT" sz="1200" dirty="0">
+              <a:solidFill>
+                <a:schemeClr val="bg1">
+                  <a:lumMod val="95000"/>
+                  <a:lumOff val="5000"/>
+                </a:schemeClr>
+              </a:solidFill>
+              <a:latin typeface="Miriam Mono CLM" panose="02000503000000000000" pitchFamily="2" charset="-79"/>
+              <a:cs typeface="Miriam Mono CLM" panose="02000503000000000000" pitchFamily="2" charset="-79"/>
+            </a:endParaRPr>
+          </a:p>
+          <a:p>
+            <a:r>
+              <a:rPr lang="it-IT" sz="1200" dirty="0" err="1">
+                <a:solidFill>
+                  <a:schemeClr val="bg1">
+                    <a:lumMod val="95000"/>
+                    <a:lumOff val="5000"/>
+                  </a:schemeClr>
+                </a:solidFill>
+                <a:latin typeface="Miriam Mono CLM" panose="02000503000000000000" pitchFamily="2" charset="-79"/>
+                <a:cs typeface="Miriam Mono CLM" panose="02000503000000000000" pitchFamily="2" charset="-79"/>
+              </a:rPr>
+              <a:t>electronLifeTime</a:t>
+            </a:r>
+            <a:r>
+              <a:rPr lang="it-IT" sz="1200" dirty="0">
+                <a:solidFill>
+                  <a:schemeClr val="bg1">
+                    <a:lumMod val="95000"/>
+                    <a:lumOff val="5000"/>
+                  </a:schemeClr>
+                </a:solidFill>
+                <a:latin typeface="Miriam Mono CLM" panose="02000503000000000000" pitchFamily="2" charset="-79"/>
+                <a:cs typeface="Miriam Mono CLM" panose="02000503000000000000" pitchFamily="2" charset="-79"/>
+              </a:rPr>
+              <a:t> = 180;</a:t>
+            </a:r>
+          </a:p>
+          <a:p>
+            <a:r>
+              <a:rPr lang="it-IT" sz="1200" dirty="0" err="1">
+                <a:solidFill>
+                  <a:schemeClr val="bg1">
+                    <a:lumMod val="95000"/>
+                    <a:lumOff val="5000"/>
+                  </a:schemeClr>
+                </a:solidFill>
+                <a:latin typeface="Miriam Mono CLM" panose="02000503000000000000" pitchFamily="2" charset="-79"/>
+                <a:cs typeface="Miriam Mono CLM" panose="02000503000000000000" pitchFamily="2" charset="-79"/>
+              </a:rPr>
+              <a:t>photonLifeTime</a:t>
+            </a:r>
+            <a:r>
+              <a:rPr lang="it-IT" sz="1200" dirty="0">
+                <a:solidFill>
+                  <a:schemeClr val="bg1">
+                    <a:lumMod val="95000"/>
+                    <a:lumOff val="5000"/>
+                  </a:schemeClr>
+                </a:solidFill>
+                <a:latin typeface="Miriam Mono CLM" panose="02000503000000000000" pitchFamily="2" charset="-79"/>
+                <a:cs typeface="Miriam Mono CLM" panose="02000503000000000000" pitchFamily="2" charset="-79"/>
+              </a:rPr>
+              <a:t> = 10;</a:t>
+            </a:r>
+          </a:p>
+          <a:p>
+            <a:r>
+              <a:rPr lang="it-IT" sz="1200" dirty="0" err="1">
+                <a:solidFill>
+                  <a:schemeClr val="bg1">
+                    <a:lumMod val="95000"/>
+                    <a:lumOff val="5000"/>
+                  </a:schemeClr>
+                </a:solidFill>
+                <a:latin typeface="Miriam Mono CLM" panose="02000503000000000000" pitchFamily="2" charset="-79"/>
+                <a:cs typeface="Miriam Mono CLM" panose="02000503000000000000" pitchFamily="2" charset="-79"/>
+              </a:rPr>
+              <a:t>pumpingProbability</a:t>
+            </a:r>
+            <a:r>
+              <a:rPr lang="it-IT" sz="1200" dirty="0">
+                <a:solidFill>
+                  <a:schemeClr val="bg1">
+                    <a:lumMod val="95000"/>
+                    <a:lumOff val="5000"/>
+                  </a:schemeClr>
+                </a:solidFill>
+                <a:latin typeface="Miriam Mono CLM" panose="02000503000000000000" pitchFamily="2" charset="-79"/>
+                <a:cs typeface="Miriam Mono CLM" panose="02000503000000000000" pitchFamily="2" charset="-79"/>
+              </a:rPr>
+              <a:t> = 0.0125;</a:t>
+            </a:r>
+          </a:p>
+          <a:p>
+            <a:r>
+              <a:rPr lang="it-IT" sz="1200" dirty="0" err="1">
+                <a:solidFill>
+                  <a:schemeClr val="bg1">
+                    <a:lumMod val="95000"/>
+                    <a:lumOff val="5000"/>
+                  </a:schemeClr>
+                </a:solidFill>
+                <a:latin typeface="Miriam Mono CLM" panose="02000503000000000000" pitchFamily="2" charset="-79"/>
+                <a:cs typeface="Miriam Mono CLM" panose="02000503000000000000" pitchFamily="2" charset="-79"/>
+              </a:rPr>
+              <a:t>noiseProbability</a:t>
+            </a:r>
+            <a:r>
+              <a:rPr lang="it-IT" sz="1200" dirty="0">
+                <a:solidFill>
+                  <a:schemeClr val="bg1">
+                    <a:lumMod val="95000"/>
+                    <a:lumOff val="5000"/>
+                  </a:schemeClr>
+                </a:solidFill>
+                <a:latin typeface="Miriam Mono CLM" panose="02000503000000000000" pitchFamily="2" charset="-79"/>
+                <a:cs typeface="Miriam Mono CLM" panose="02000503000000000000" pitchFamily="2" charset="-79"/>
+              </a:rPr>
+              <a:t> = 0.0001;</a:t>
+            </a:r>
+          </a:p>
+          <a:p>
+            <a:r>
+              <a:rPr lang="it-IT" sz="1200" dirty="0" err="1">
+                <a:solidFill>
+                  <a:schemeClr val="bg1">
+                    <a:lumMod val="95000"/>
+                    <a:lumOff val="5000"/>
+                  </a:schemeClr>
+                </a:solidFill>
+                <a:latin typeface="Miriam Mono CLM" panose="02000503000000000000" pitchFamily="2" charset="-79"/>
+                <a:cs typeface="Miriam Mono CLM" panose="02000503000000000000" pitchFamily="2" charset="-79"/>
+              </a:rPr>
+              <a:t>stimulatedEmissionThreshold</a:t>
+            </a:r>
+            <a:r>
+              <a:rPr lang="it-IT" sz="1200" dirty="0">
+                <a:solidFill>
+                  <a:schemeClr val="bg1">
+                    <a:lumMod val="95000"/>
+                    <a:lumOff val="5000"/>
+                  </a:schemeClr>
+                </a:solidFill>
+                <a:latin typeface="Miriam Mono CLM" panose="02000503000000000000" pitchFamily="2" charset="-79"/>
+                <a:cs typeface="Miriam Mono CLM" panose="02000503000000000000" pitchFamily="2" charset="-79"/>
+              </a:rPr>
+              <a:t> = 1;</a:t>
+            </a:r>
+          </a:p>
+        </p:txBody>
+      </p:sp>
+      <p:sp>
+        <p:nvSpPr>
+          <p:cNvPr id="11" name="CasellaDiTesto 10">
+            <a:extLst>
+              <a:ext uri="{FF2B5EF4-FFF2-40B4-BE49-F238E27FC236}">
+                <a16:creationId xmlns:a16="http://schemas.microsoft.com/office/drawing/2014/main" id="{3DC3C07B-CE94-4C9E-8C40-AC1B285B67C0}"/>
+              </a:ext>
+            </a:extLst>
+          </p:cNvPr>
+          <p:cNvSpPr txBox="1"/>
+          <p:nvPr/>
+        </p:nvSpPr>
+        <p:spPr>
+          <a:xfrm>
+            <a:off x="3720516" y="1259113"/>
+            <a:ext cx="7139031" cy="276999"/>
+          </a:xfrm>
+          <a:prstGeom prst="rect">
+            <a:avLst/>
+          </a:prstGeom>
+          <a:noFill/>
+        </p:spPr>
+        <p:txBody>
+          <a:bodyPr wrap="square" rtlCol="0">
+            <a:spAutoFit/>
+          </a:bodyPr>
+          <a:lstStyle/>
+          <a:p>
+            <a:r>
+              <a:rPr lang="it-IT" sz="1200" dirty="0">
+                <a:solidFill>
+                  <a:schemeClr val="bg1">
+                    <a:lumMod val="95000"/>
+                    <a:lumOff val="5000"/>
+                  </a:schemeClr>
+                </a:solidFill>
+                <a:latin typeface="Cambria" panose="02040503050406030204" pitchFamily="18" charset="0"/>
+                <a:ea typeface="Cambria" panose="02040503050406030204" pitchFamily="18" charset="0"/>
+                <a:cs typeface="JasmineUPC" panose="020B0502040204020203" pitchFamily="18" charset="-34"/>
+              </a:rPr>
+              <a:t>Più è alta la </a:t>
+            </a:r>
+            <a:r>
+              <a:rPr lang="it-IT" sz="1200" dirty="0" err="1">
+                <a:solidFill>
+                  <a:schemeClr val="bg1">
+                    <a:lumMod val="95000"/>
+                    <a:lumOff val="5000"/>
+                  </a:schemeClr>
+                </a:solidFill>
+                <a:latin typeface="Cambria" panose="02040503050406030204" pitchFamily="18" charset="0"/>
+                <a:ea typeface="Cambria" panose="02040503050406030204" pitchFamily="18" charset="0"/>
+                <a:cs typeface="JasmineUPC" panose="020B0502040204020203" pitchFamily="18" charset="-34"/>
+              </a:rPr>
+              <a:t>pumping</a:t>
+            </a:r>
+            <a:r>
+              <a:rPr lang="it-IT" sz="1200" dirty="0">
+                <a:solidFill>
+                  <a:schemeClr val="bg1">
+                    <a:lumMod val="95000"/>
+                    <a:lumOff val="5000"/>
+                  </a:schemeClr>
+                </a:solidFill>
+                <a:latin typeface="Cambria" panose="02040503050406030204" pitchFamily="18" charset="0"/>
+                <a:ea typeface="Cambria" panose="02040503050406030204" pitchFamily="18" charset="0"/>
+                <a:cs typeface="JasmineUPC" panose="020B0502040204020203" pitchFamily="18" charset="-34"/>
+              </a:rPr>
+              <a:t> rate, più deve aumentare il valore di </a:t>
+            </a:r>
+            <a:r>
+              <a:rPr lang="el-GR" sz="1200" dirty="0">
+                <a:solidFill>
+                  <a:schemeClr val="bg1">
+                    <a:lumMod val="95000"/>
+                    <a:lumOff val="5000"/>
+                  </a:schemeClr>
+                </a:solidFill>
+                <a:latin typeface="Cambria" panose="02040503050406030204" pitchFamily="18" charset="0"/>
+                <a:ea typeface="Cambria" panose="02040503050406030204" pitchFamily="18" charset="0"/>
+                <a:cs typeface="JasmineUPC" panose="020B0502040204020203" pitchFamily="18" charset="-34"/>
+              </a:rPr>
+              <a:t>τ</a:t>
+            </a:r>
+            <a:r>
+              <a:rPr lang="it-IT" sz="1050" dirty="0">
+                <a:solidFill>
+                  <a:schemeClr val="bg1">
+                    <a:lumMod val="95000"/>
+                    <a:lumOff val="5000"/>
+                  </a:schemeClr>
+                </a:solidFill>
+                <a:latin typeface="Cambria" panose="02040503050406030204" pitchFamily="18" charset="0"/>
+                <a:ea typeface="Cambria" panose="02040503050406030204" pitchFamily="18" charset="0"/>
+                <a:cs typeface="JasmineUPC" panose="020B0502040204020203" pitchFamily="18" charset="-34"/>
+              </a:rPr>
+              <a:t>a</a:t>
+            </a:r>
+            <a:r>
+              <a:rPr lang="it-IT" sz="1200" dirty="0">
+                <a:solidFill>
+                  <a:schemeClr val="bg1">
+                    <a:lumMod val="95000"/>
+                    <a:lumOff val="5000"/>
+                  </a:schemeClr>
+                </a:solidFill>
+                <a:latin typeface="Cambria" panose="02040503050406030204" pitchFamily="18" charset="0"/>
+                <a:ea typeface="Cambria" panose="02040503050406030204" pitchFamily="18" charset="0"/>
+                <a:cs typeface="JasmineUPC" panose="020B0502040204020203" pitchFamily="18" charset="-34"/>
+              </a:rPr>
+              <a:t> per rendere evidente il regime oscillatorio</a:t>
+            </a:r>
           </a:p>
         </p:txBody>
       </p:sp>
     </p:spTree>
     <p:extLst>
       <p:ext uri="{BB962C8B-B14F-4D97-AF65-F5344CB8AC3E}">
-        <p14:creationId xmlns:p14="http://schemas.microsoft.com/office/powerpoint/2010/main" val="3722441106"/>
+        <p14:creationId xmlns:p14="http://schemas.microsoft.com/office/powerpoint/2010/main" val="2924415319"/>
       </p:ext>
     </p:extLst>
   </p:cSld>
@@ -13779,40 +15569,240 @@
             <p:ph type="title"/>
           </p:nvPr>
         </p:nvSpPr>
-        <p:spPr/>
+        <p:spPr>
+          <a:xfrm>
+            <a:off x="1141413" y="106790"/>
+            <a:ext cx="9905998" cy="874722"/>
+          </a:xfrm>
+        </p:spPr>
         <p:txBody>
           <a:bodyPr/>
           <a:lstStyle/>
           <a:p>
             <a:r>
               <a:rPr lang="it-IT" dirty="0"/>
-              <a:t>Considerazioni sui parametri di simulazione</a:t>
+              <a:t>Soglia di pompaggio</a:t>
             </a:r>
           </a:p>
         </p:txBody>
       </p:sp>
       <p:sp>
         <p:nvSpPr>
-          <p:cNvPr id="3" name="Segnaposto contenuto 2">
+          <p:cNvPr id="4" name="CasellaDiTesto 3">
             <a:extLst>
               <a:ext uri="{FF2B5EF4-FFF2-40B4-BE49-F238E27FC236}">
-                <a16:creationId xmlns:a16="http://schemas.microsoft.com/office/drawing/2014/main" id="{7072361F-22B8-42E6-B207-ADF667E021CC}"/>
+                <a16:creationId xmlns:a16="http://schemas.microsoft.com/office/drawing/2014/main" id="{DDC35683-D0E1-4379-9E1F-97650295748D}"/>
               </a:ext>
             </a:extLst>
           </p:cNvPr>
-          <p:cNvSpPr>
-            <a:spLocks noGrp="1"/>
-          </p:cNvSpPr>
-          <p:nvPr>
-            <p:ph idx="1"/>
-          </p:nvPr>
+          <p:cNvSpPr txBox="1"/>
+          <p:nvPr/>
         </p:nvSpPr>
-        <p:spPr/>
+        <p:spPr>
+          <a:xfrm>
+            <a:off x="1031846" y="813732"/>
+            <a:ext cx="10184235" cy="646331"/>
+          </a:xfrm>
+          <a:prstGeom prst="rect">
+            <a:avLst/>
+          </a:prstGeom>
+          <a:noFill/>
+        </p:spPr>
         <p:txBody>
-          <a:bodyPr/>
+          <a:bodyPr wrap="square" rtlCol="0">
+            <a:spAutoFit/>
+          </a:bodyPr>
           <a:lstStyle/>
           <a:p>
-            <a:endParaRPr lang="it-IT"/>
+            <a:r>
+              <a:rPr lang="it-IT" dirty="0"/>
+              <a:t>Come ci si aspetta dal modello, è possibile trovare un valore di soglia per il </a:t>
+            </a:r>
+            <a:r>
+              <a:rPr lang="it-IT" dirty="0" err="1"/>
+              <a:t>pompagglio</a:t>
+            </a:r>
+            <a:r>
+              <a:rPr lang="it-IT" dirty="0"/>
+              <a:t>, oltre il quale la popolazione di fotoni aumenta ben oltre la popolazione riconducibile ad emissione spontanea.</a:t>
+            </a:r>
+          </a:p>
+        </p:txBody>
+      </p:sp>
+      <p:sp>
+        <p:nvSpPr>
+          <p:cNvPr id="5" name="CasellaDiTesto 4">
+            <a:extLst>
+              <a:ext uri="{FF2B5EF4-FFF2-40B4-BE49-F238E27FC236}">
+                <a16:creationId xmlns:a16="http://schemas.microsoft.com/office/drawing/2014/main" id="{1D8C7D55-2EE2-4CF5-B0CA-92D5394A27F6}"/>
+              </a:ext>
+            </a:extLst>
+          </p:cNvPr>
+          <p:cNvSpPr txBox="1"/>
+          <p:nvPr/>
+        </p:nvSpPr>
+        <p:spPr>
+          <a:xfrm>
+            <a:off x="1031846" y="1639159"/>
+            <a:ext cx="2978092" cy="584775"/>
+          </a:xfrm>
+          <a:prstGeom prst="rect">
+            <a:avLst/>
+          </a:prstGeom>
+          <a:noFill/>
+        </p:spPr>
+        <p:txBody>
+          <a:bodyPr wrap="square" rtlCol="0">
+            <a:spAutoFit/>
+          </a:bodyPr>
+          <a:lstStyle/>
+          <a:p>
+            <a:r>
+              <a:rPr lang="it-IT" sz="1600" dirty="0">
+                <a:solidFill>
+                  <a:schemeClr val="accent3">
+                    <a:lumMod val="50000"/>
+                  </a:schemeClr>
+                </a:solidFill>
+                <a:latin typeface="Calibri" panose="020F0502020204030204" pitchFamily="34" charset="0"/>
+                <a:cs typeface="Calibri" panose="020F0502020204030204" pitchFamily="34" charset="0"/>
+              </a:rPr>
+              <a:t>Aumentando</a:t>
+            </a:r>
+            <a:r>
+              <a:rPr lang="it-IT" sz="1600" dirty="0">
+                <a:solidFill>
+                  <a:schemeClr val="accent3">
+                    <a:lumMod val="75000"/>
+                  </a:schemeClr>
+                </a:solidFill>
+                <a:latin typeface="Calibri" panose="020F0502020204030204" pitchFamily="34" charset="0"/>
+                <a:cs typeface="Calibri" panose="020F0502020204030204" pitchFamily="34" charset="0"/>
+              </a:rPr>
+              <a:t> la probabilità di rumore la soglia si alza</a:t>
+            </a:r>
+          </a:p>
+        </p:txBody>
+      </p:sp>
+      <p:sp>
+        <p:nvSpPr>
+          <p:cNvPr id="6" name="CasellaDiTesto 5">
+            <a:extLst>
+              <a:ext uri="{FF2B5EF4-FFF2-40B4-BE49-F238E27FC236}">
+                <a16:creationId xmlns:a16="http://schemas.microsoft.com/office/drawing/2014/main" id="{BB45ED82-D19E-46C7-B791-804C4978159B}"/>
+              </a:ext>
+            </a:extLst>
+          </p:cNvPr>
+          <p:cNvSpPr txBox="1"/>
+          <p:nvPr/>
+        </p:nvSpPr>
+        <p:spPr>
+          <a:xfrm>
+            <a:off x="8256166" y="2598003"/>
+            <a:ext cx="3438088" cy="830997"/>
+          </a:xfrm>
+          <a:prstGeom prst="rect">
+            <a:avLst/>
+          </a:prstGeom>
+          <a:noFill/>
+        </p:spPr>
+        <p:txBody>
+          <a:bodyPr wrap="square" rtlCol="0">
+            <a:spAutoFit/>
+          </a:bodyPr>
+          <a:lstStyle/>
+          <a:p>
+            <a:r>
+              <a:rPr lang="it-IT" sz="1600" dirty="0">
+                <a:solidFill>
+                  <a:schemeClr val="accent3">
+                    <a:lumMod val="50000"/>
+                  </a:schemeClr>
+                </a:solidFill>
+                <a:latin typeface="Calibri" panose="020F0502020204030204" pitchFamily="34" charset="0"/>
+                <a:cs typeface="Calibri" panose="020F0502020204030204" pitchFamily="34" charset="0"/>
+              </a:rPr>
+              <a:t>Aumentando</a:t>
+            </a:r>
+            <a:r>
+              <a:rPr lang="it-IT" sz="1600" dirty="0">
+                <a:solidFill>
+                  <a:schemeClr val="bg2">
+                    <a:lumMod val="75000"/>
+                  </a:schemeClr>
+                </a:solidFill>
+                <a:latin typeface="Calibri" panose="020F0502020204030204" pitchFamily="34" charset="0"/>
+                <a:cs typeface="Calibri" panose="020F0502020204030204" pitchFamily="34" charset="0"/>
+              </a:rPr>
+              <a:t> il tempo di vita della cavità o dei portatori, la soglia si abbassa</a:t>
+            </a:r>
+          </a:p>
+        </p:txBody>
+      </p:sp>
+      <p:sp>
+        <p:nvSpPr>
+          <p:cNvPr id="7" name="CasellaDiTesto 6">
+            <a:extLst>
+              <a:ext uri="{FF2B5EF4-FFF2-40B4-BE49-F238E27FC236}">
+                <a16:creationId xmlns:a16="http://schemas.microsoft.com/office/drawing/2014/main" id="{C2BE6774-1976-4244-99DF-B710584B976F}"/>
+              </a:ext>
+            </a:extLst>
+          </p:cNvPr>
+          <p:cNvSpPr txBox="1"/>
+          <p:nvPr/>
+        </p:nvSpPr>
+        <p:spPr>
+          <a:xfrm>
+            <a:off x="1031846" y="4341679"/>
+            <a:ext cx="3438088" cy="584775"/>
+          </a:xfrm>
+          <a:prstGeom prst="rect">
+            <a:avLst/>
+          </a:prstGeom>
+          <a:noFill/>
+        </p:spPr>
+        <p:txBody>
+          <a:bodyPr wrap="square" rtlCol="0">
+            <a:spAutoFit/>
+          </a:bodyPr>
+          <a:lstStyle/>
+          <a:p>
+            <a:r>
+              <a:rPr lang="it-IT" sz="1600" dirty="0">
+                <a:solidFill>
+                  <a:schemeClr val="accent3">
+                    <a:lumMod val="75000"/>
+                  </a:schemeClr>
+                </a:solidFill>
+                <a:latin typeface="Calibri" panose="020F0502020204030204" pitchFamily="34" charset="0"/>
+                <a:cs typeface="Calibri" panose="020F0502020204030204" pitchFamily="34" charset="0"/>
+              </a:rPr>
+              <a:t>Al </a:t>
+            </a:r>
+            <a:r>
+              <a:rPr lang="it-IT" sz="1600" dirty="0">
+                <a:solidFill>
+                  <a:schemeClr val="bg2">
+                    <a:lumMod val="50000"/>
+                  </a:schemeClr>
+                </a:solidFill>
+                <a:latin typeface="Calibri" panose="020F0502020204030204" pitchFamily="34" charset="0"/>
+                <a:cs typeface="Calibri" panose="020F0502020204030204" pitchFamily="34" charset="0"/>
+              </a:rPr>
+              <a:t>diminuire</a:t>
+            </a:r>
+            <a:r>
+              <a:rPr lang="it-IT" sz="1600" dirty="0">
+                <a:solidFill>
+                  <a:schemeClr val="accent3">
+                    <a:lumMod val="75000"/>
+                  </a:schemeClr>
+                </a:solidFill>
+                <a:latin typeface="Calibri" panose="020F0502020204030204" pitchFamily="34" charset="0"/>
+                <a:cs typeface="Calibri" panose="020F0502020204030204" pitchFamily="34" charset="0"/>
+              </a:rPr>
+              <a:t> della probabilità di emissione stimolata, la soglia si alza</a:t>
+            </a:r>
           </a:p>
         </p:txBody>
       </p:sp>

--- a/Presentation/PresentazioneDispositivi.pptx
+++ b/Presentation/PresentazioneDispositivi.pptx
@@ -14,9 +14,12 @@
     <p:sldId id="267" r:id="rId8"/>
     <p:sldId id="261" r:id="rId9"/>
     <p:sldId id="263" r:id="rId10"/>
-    <p:sldId id="266" r:id="rId11"/>
-    <p:sldId id="262" r:id="rId12"/>
-    <p:sldId id="264" r:id="rId13"/>
+    <p:sldId id="269" r:id="rId11"/>
+    <p:sldId id="270" r:id="rId12"/>
+    <p:sldId id="266" r:id="rId13"/>
+    <p:sldId id="262" r:id="rId14"/>
+    <p:sldId id="264" r:id="rId15"/>
+    <p:sldId id="268" r:id="rId16"/>
   </p:sldIdLst>
   <p:sldSz cx="12192000" cy="6858000"/>
   <p:notesSz cx="6858000" cy="9144000"/>
@@ -181,7 +184,7 @@
           <a:noFill/>
           <a:extLst>
             <a:ext uri="{909E8E84-426E-40dd-AFC4-6F175D3DCCD1}">
-              <a14:hiddenFill xmlns="" xmlns:a14="http://schemas.microsoft.com/office/drawing/2010/main">
+              <a14:hiddenFill xmlns:a14="http://schemas.microsoft.com/office/drawing/2010/main" xmlns="">
                 <a:solidFill>
                   <a:srgbClr val="FFFFFF"/>
                 </a:solidFill>
@@ -241,7 +244,7 @@
             </a:ln>
             <a:extLst>
               <a:ext uri="{91240B29-F687-4f45-9708-019B960494DF}">
-                <a14:hiddenLine xmlns="" xmlns:a14="http://schemas.microsoft.com/office/drawing/2010/main" w="9525">
+                <a14:hiddenLine xmlns:a14="http://schemas.microsoft.com/office/drawing/2010/main" xmlns="" w="9525">
                   <a:solidFill>
                     <a:srgbClr val="000000"/>
                   </a:solidFill>
@@ -331,7 +334,7 @@
             </a:ln>
             <a:extLst>
               <a:ext uri="{91240B29-F687-4f45-9708-019B960494DF}">
-                <a14:hiddenLine xmlns="" xmlns:a14="http://schemas.microsoft.com/office/drawing/2010/main" w="9525">
+                <a14:hiddenLine xmlns:a14="http://schemas.microsoft.com/office/drawing/2010/main" xmlns="" w="9525">
                   <a:solidFill>
                     <a:srgbClr val="000000"/>
                   </a:solidFill>
@@ -421,7 +424,7 @@
             </a:ln>
             <a:extLst>
               <a:ext uri="{91240B29-F687-4f45-9708-019B960494DF}">
-                <a14:hiddenLine xmlns="" xmlns:a14="http://schemas.microsoft.com/office/drawing/2010/main" w="9525">
+                <a14:hiddenLine xmlns:a14="http://schemas.microsoft.com/office/drawing/2010/main" xmlns="" w="9525">
                   <a:solidFill>
                     <a:srgbClr val="000000"/>
                   </a:solidFill>
@@ -455,7 +458,7 @@
             </a:ln>
             <a:extLst>
               <a:ext uri="{91240B29-F687-4f45-9708-019B960494DF}">
-                <a14:hiddenLine xmlns="" xmlns:a14="http://schemas.microsoft.com/office/drawing/2010/main" w="9525">
+                <a14:hiddenLine xmlns:a14="http://schemas.microsoft.com/office/drawing/2010/main" xmlns="" w="9525">
                   <a:solidFill>
                     <a:srgbClr val="000000"/>
                   </a:solidFill>
@@ -545,7 +548,7 @@
             </a:ln>
             <a:extLst>
               <a:ext uri="{91240B29-F687-4f45-9708-019B960494DF}">
-                <a14:hiddenLine xmlns="" xmlns:a14="http://schemas.microsoft.com/office/drawing/2010/main" w="9525">
+                <a14:hiddenLine xmlns:a14="http://schemas.microsoft.com/office/drawing/2010/main" xmlns="" w="9525">
                   <a:solidFill>
                     <a:srgbClr val="000000"/>
                   </a:solidFill>
@@ -607,7 +610,7 @@
             </a:ln>
             <a:extLst>
               <a:ext uri="{91240B29-F687-4f45-9708-019B960494DF}">
-                <a14:hiddenLine xmlns="" xmlns:a14="http://schemas.microsoft.com/office/drawing/2010/main" w="9525">
+                <a14:hiddenLine xmlns:a14="http://schemas.microsoft.com/office/drawing/2010/main" xmlns="" w="9525">
                   <a:solidFill>
                     <a:srgbClr val="000000"/>
                   </a:solidFill>
@@ -669,7 +672,7 @@
             </a:ln>
             <a:extLst>
               <a:ext uri="{91240B29-F687-4f45-9708-019B960494DF}">
-                <a14:hiddenLine xmlns="" xmlns:a14="http://schemas.microsoft.com/office/drawing/2010/main" w="9525">
+                <a14:hiddenLine xmlns:a14="http://schemas.microsoft.com/office/drawing/2010/main" xmlns="" w="9525">
                   <a:solidFill>
                     <a:srgbClr val="000000"/>
                   </a:solidFill>
@@ -759,7 +762,7 @@
             </a:ln>
             <a:extLst>
               <a:ext uri="{91240B29-F687-4f45-9708-019B960494DF}">
-                <a14:hiddenLine xmlns="" xmlns:a14="http://schemas.microsoft.com/office/drawing/2010/main" w="9525">
+                <a14:hiddenLine xmlns:a14="http://schemas.microsoft.com/office/drawing/2010/main" xmlns="" w="9525">
                   <a:solidFill>
                     <a:srgbClr val="000000"/>
                   </a:solidFill>
@@ -821,7 +824,7 @@
             </a:ln>
             <a:extLst>
               <a:ext uri="{91240B29-F687-4f45-9708-019B960494DF}">
-                <a14:hiddenLine xmlns="" xmlns:a14="http://schemas.microsoft.com/office/drawing/2010/main" w="9525">
+                <a14:hiddenLine xmlns:a14="http://schemas.microsoft.com/office/drawing/2010/main" xmlns="" w="9525">
                   <a:solidFill>
                     <a:srgbClr val="000000"/>
                   </a:solidFill>
@@ -883,7 +886,7 @@
             </a:ln>
             <a:extLst>
               <a:ext uri="{91240B29-F687-4f45-9708-019B960494DF}">
-                <a14:hiddenLine xmlns="" xmlns:a14="http://schemas.microsoft.com/office/drawing/2010/main" w="9525">
+                <a14:hiddenLine xmlns:a14="http://schemas.microsoft.com/office/drawing/2010/main" xmlns="" w="9525">
                   <a:solidFill>
                     <a:srgbClr val="000000"/>
                   </a:solidFill>
@@ -973,7 +976,7 @@
             </a:ln>
             <a:extLst>
               <a:ext uri="{91240B29-F687-4f45-9708-019B960494DF}">
-                <a14:hiddenLine xmlns="" xmlns:a14="http://schemas.microsoft.com/office/drawing/2010/main" w="9525">
+                <a14:hiddenLine xmlns:a14="http://schemas.microsoft.com/office/drawing/2010/main" xmlns="" w="9525">
                   <a:solidFill>
                     <a:srgbClr val="000000"/>
                   </a:solidFill>
@@ -1063,7 +1066,7 @@
             </a:ln>
             <a:extLst>
               <a:ext uri="{91240B29-F687-4f45-9708-019B960494DF}">
-                <a14:hiddenLine xmlns="" xmlns:a14="http://schemas.microsoft.com/office/drawing/2010/main" w="9525">
+                <a14:hiddenLine xmlns:a14="http://schemas.microsoft.com/office/drawing/2010/main" xmlns="" w="9525">
                   <a:solidFill>
                     <a:srgbClr val="000000"/>
                   </a:solidFill>
@@ -1125,7 +1128,7 @@
             </a:ln>
             <a:extLst>
               <a:ext uri="{91240B29-F687-4f45-9708-019B960494DF}">
-                <a14:hiddenLine xmlns="" xmlns:a14="http://schemas.microsoft.com/office/drawing/2010/main" w="9525">
+                <a14:hiddenLine xmlns:a14="http://schemas.microsoft.com/office/drawing/2010/main" xmlns="" w="9525">
                   <a:solidFill>
                     <a:srgbClr val="000000"/>
                   </a:solidFill>
@@ -1235,7 +1238,7 @@
             </a:ln>
             <a:extLst>
               <a:ext uri="{91240B29-F687-4f45-9708-019B960494DF}">
-                <a14:hiddenLine xmlns="" xmlns:a14="http://schemas.microsoft.com/office/drawing/2010/main" w="9525">
+                <a14:hiddenLine xmlns:a14="http://schemas.microsoft.com/office/drawing/2010/main" xmlns="" w="9525">
                   <a:solidFill>
                     <a:srgbClr val="000000"/>
                   </a:solidFill>
@@ -1297,7 +1300,7 @@
             </a:ln>
             <a:extLst>
               <a:ext uri="{91240B29-F687-4f45-9708-019B960494DF}">
-                <a14:hiddenLine xmlns="" xmlns:a14="http://schemas.microsoft.com/office/drawing/2010/main" w="9525">
+                <a14:hiddenLine xmlns:a14="http://schemas.microsoft.com/office/drawing/2010/main" xmlns="" w="9525">
                   <a:solidFill>
                     <a:srgbClr val="000000"/>
                   </a:solidFill>
@@ -1387,7 +1390,7 @@
             </a:ln>
             <a:extLst>
               <a:ext uri="{91240B29-F687-4f45-9708-019B960494DF}">
-                <a14:hiddenLine xmlns="" xmlns:a14="http://schemas.microsoft.com/office/drawing/2010/main" w="9525">
+                <a14:hiddenLine xmlns:a14="http://schemas.microsoft.com/office/drawing/2010/main" xmlns="" w="9525">
                   <a:solidFill>
                     <a:srgbClr val="000000"/>
                   </a:solidFill>
@@ -1477,7 +1480,7 @@
             </a:ln>
             <a:extLst>
               <a:ext uri="{91240B29-F687-4f45-9708-019B960494DF}">
-                <a14:hiddenLine xmlns="" xmlns:a14="http://schemas.microsoft.com/office/drawing/2010/main" w="9525">
+                <a14:hiddenLine xmlns:a14="http://schemas.microsoft.com/office/drawing/2010/main" xmlns="" w="9525">
                   <a:solidFill>
                     <a:srgbClr val="000000"/>
                   </a:solidFill>
@@ -1539,7 +1542,7 @@
             </a:ln>
             <a:extLst>
               <a:ext uri="{91240B29-F687-4f45-9708-019B960494DF}">
-                <a14:hiddenLine xmlns="" xmlns:a14="http://schemas.microsoft.com/office/drawing/2010/main" w="9525">
+                <a14:hiddenLine xmlns:a14="http://schemas.microsoft.com/office/drawing/2010/main" xmlns="" w="9525">
                   <a:solidFill>
                     <a:srgbClr val="000000"/>
                   </a:solidFill>
@@ -1629,7 +1632,7 @@
             </a:ln>
             <a:extLst>
               <a:ext uri="{91240B29-F687-4f45-9708-019B960494DF}">
-                <a14:hiddenLine xmlns="" xmlns:a14="http://schemas.microsoft.com/office/drawing/2010/main" w="9525">
+                <a14:hiddenLine xmlns:a14="http://schemas.microsoft.com/office/drawing/2010/main" xmlns="" w="9525">
                   <a:solidFill>
                     <a:srgbClr val="000000"/>
                   </a:solidFill>
@@ -1719,7 +1722,7 @@
             </a:ln>
             <a:extLst>
               <a:ext uri="{91240B29-F687-4f45-9708-019B960494DF}">
-                <a14:hiddenLine xmlns="" xmlns:a14="http://schemas.microsoft.com/office/drawing/2010/main" w="9525">
+                <a14:hiddenLine xmlns:a14="http://schemas.microsoft.com/office/drawing/2010/main" xmlns="" w="9525">
                   <a:solidFill>
                     <a:srgbClr val="000000"/>
                   </a:solidFill>
@@ -1775,7 +1778,7 @@
             </a:ln>
             <a:extLst>
               <a:ext uri="{91240B29-F687-4f45-9708-019B960494DF}">
-                <a14:hiddenLine xmlns="" xmlns:a14="http://schemas.microsoft.com/office/drawing/2010/main" w="9525">
+                <a14:hiddenLine xmlns:a14="http://schemas.microsoft.com/office/drawing/2010/main" xmlns="" w="9525">
                   <a:solidFill>
                     <a:srgbClr val="000000"/>
                   </a:solidFill>
@@ -1865,7 +1868,7 @@
             </a:ln>
             <a:extLst>
               <a:ext uri="{91240B29-F687-4f45-9708-019B960494DF}">
-                <a14:hiddenLine xmlns="" xmlns:a14="http://schemas.microsoft.com/office/drawing/2010/main" w="9525">
+                <a14:hiddenLine xmlns:a14="http://schemas.microsoft.com/office/drawing/2010/main" xmlns="" w="9525">
                   <a:solidFill>
                     <a:srgbClr val="000000"/>
                   </a:solidFill>
@@ -1921,7 +1924,7 @@
             </a:ln>
             <a:extLst>
               <a:ext uri="{91240B29-F687-4f45-9708-019B960494DF}">
-                <a14:hiddenLine xmlns="" xmlns:a14="http://schemas.microsoft.com/office/drawing/2010/main" w="9525">
+                <a14:hiddenLine xmlns:a14="http://schemas.microsoft.com/office/drawing/2010/main" xmlns="" w="9525">
                   <a:solidFill>
                     <a:srgbClr val="000000"/>
                   </a:solidFill>
@@ -2011,7 +2014,7 @@
             </a:ln>
             <a:extLst>
               <a:ext uri="{91240B29-F687-4f45-9708-019B960494DF}">
-                <a14:hiddenLine xmlns="" xmlns:a14="http://schemas.microsoft.com/office/drawing/2010/main" w="9525">
+                <a14:hiddenLine xmlns:a14="http://schemas.microsoft.com/office/drawing/2010/main" xmlns="" w="9525">
                   <a:solidFill>
                     <a:srgbClr val="000000"/>
                   </a:solidFill>
@@ -2079,7 +2082,7 @@
             </a:ln>
             <a:extLst>
               <a:ext uri="{91240B29-F687-4f45-9708-019B960494DF}">
-                <a14:hiddenLine xmlns="" xmlns:a14="http://schemas.microsoft.com/office/drawing/2010/main" w="9525">
+                <a14:hiddenLine xmlns:a14="http://schemas.microsoft.com/office/drawing/2010/main" xmlns="" w="9525">
                   <a:solidFill>
                     <a:srgbClr val="000000"/>
                   </a:solidFill>
@@ -2169,7 +2172,7 @@
             </a:ln>
             <a:extLst>
               <a:ext uri="{91240B29-F687-4f45-9708-019B960494DF}">
-                <a14:hiddenLine xmlns="" xmlns:a14="http://schemas.microsoft.com/office/drawing/2010/main" w="9525">
+                <a14:hiddenLine xmlns:a14="http://schemas.microsoft.com/office/drawing/2010/main" xmlns="" w="9525">
                   <a:solidFill>
                     <a:srgbClr val="000000"/>
                   </a:solidFill>
@@ -2237,7 +2240,7 @@
             </a:ln>
             <a:extLst>
               <a:ext uri="{91240B29-F687-4f45-9708-019B960494DF}">
-                <a14:hiddenLine xmlns="" xmlns:a14="http://schemas.microsoft.com/office/drawing/2010/main" w="9525">
+                <a14:hiddenLine xmlns:a14="http://schemas.microsoft.com/office/drawing/2010/main" xmlns="" w="9525">
                   <a:solidFill>
                     <a:srgbClr val="000000"/>
                   </a:solidFill>
@@ -2327,7 +2330,7 @@
             </a:ln>
             <a:extLst>
               <a:ext uri="{91240B29-F687-4f45-9708-019B960494DF}">
-                <a14:hiddenLine xmlns="" xmlns:a14="http://schemas.microsoft.com/office/drawing/2010/main" w="9525">
+                <a14:hiddenLine xmlns:a14="http://schemas.microsoft.com/office/drawing/2010/main" xmlns="" w="9525">
                   <a:solidFill>
                     <a:srgbClr val="000000"/>
                   </a:solidFill>
@@ -2361,7 +2364,7 @@
             </a:ln>
             <a:extLst>
               <a:ext uri="{91240B29-F687-4f45-9708-019B960494DF}">
-                <a14:hiddenLine xmlns="" xmlns:a14="http://schemas.microsoft.com/office/drawing/2010/main" w="9525">
+                <a14:hiddenLine xmlns:a14="http://schemas.microsoft.com/office/drawing/2010/main" xmlns="" w="9525">
                   <a:solidFill>
                     <a:srgbClr val="000000"/>
                   </a:solidFill>
@@ -2451,7 +2454,7 @@
             </a:ln>
             <a:extLst>
               <a:ext uri="{91240B29-F687-4f45-9708-019B960494DF}">
-                <a14:hiddenLine xmlns="" xmlns:a14="http://schemas.microsoft.com/office/drawing/2010/main" w="9525">
+                <a14:hiddenLine xmlns:a14="http://schemas.microsoft.com/office/drawing/2010/main" xmlns="" w="9525">
                   <a:solidFill>
                     <a:srgbClr val="000000"/>
                   </a:solidFill>
@@ -2513,7 +2516,7 @@
             </a:ln>
             <a:extLst>
               <a:ext uri="{91240B29-F687-4f45-9708-019B960494DF}">
-                <a14:hiddenLine xmlns="" xmlns:a14="http://schemas.microsoft.com/office/drawing/2010/main" w="9525">
+                <a14:hiddenLine xmlns:a14="http://schemas.microsoft.com/office/drawing/2010/main" xmlns="" w="9525">
                   <a:solidFill>
                     <a:srgbClr val="000000"/>
                   </a:solidFill>
@@ -2575,7 +2578,7 @@
             </a:ln>
             <a:extLst>
               <a:ext uri="{91240B29-F687-4f45-9708-019B960494DF}">
-                <a14:hiddenLine xmlns="" xmlns:a14="http://schemas.microsoft.com/office/drawing/2010/main" w="9525">
+                <a14:hiddenLine xmlns:a14="http://schemas.microsoft.com/office/drawing/2010/main" xmlns="" w="9525">
                   <a:solidFill>
                     <a:srgbClr val="000000"/>
                   </a:solidFill>
@@ -2665,7 +2668,7 @@
             </a:ln>
             <a:extLst>
               <a:ext uri="{91240B29-F687-4f45-9708-019B960494DF}">
-                <a14:hiddenLine xmlns="" xmlns:a14="http://schemas.microsoft.com/office/drawing/2010/main" w="9525">
+                <a14:hiddenLine xmlns:a14="http://schemas.microsoft.com/office/drawing/2010/main" xmlns="" w="9525">
                   <a:solidFill>
                     <a:srgbClr val="000000"/>
                   </a:solidFill>
@@ -2733,7 +2736,7 @@
             </a:ln>
             <a:extLst>
               <a:ext uri="{91240B29-F687-4f45-9708-019B960494DF}">
-                <a14:hiddenLine xmlns="" xmlns:a14="http://schemas.microsoft.com/office/drawing/2010/main" w="9525">
+                <a14:hiddenLine xmlns:a14="http://schemas.microsoft.com/office/drawing/2010/main" xmlns="" w="9525">
                   <a:solidFill>
                     <a:srgbClr val="000000"/>
                   </a:solidFill>
@@ -2795,7 +2798,7 @@
             </a:ln>
             <a:extLst>
               <a:ext uri="{91240B29-F687-4f45-9708-019B960494DF}">
-                <a14:hiddenLine xmlns="" xmlns:a14="http://schemas.microsoft.com/office/drawing/2010/main" w="9525">
+                <a14:hiddenLine xmlns:a14="http://schemas.microsoft.com/office/drawing/2010/main" xmlns="" w="9525">
                   <a:solidFill>
                     <a:srgbClr val="000000"/>
                   </a:solidFill>
@@ -2885,7 +2888,7 @@
             </a:ln>
             <a:extLst>
               <a:ext uri="{91240B29-F687-4f45-9708-019B960494DF}">
-                <a14:hiddenLine xmlns="" xmlns:a14="http://schemas.microsoft.com/office/drawing/2010/main" w="9525">
+                <a14:hiddenLine xmlns:a14="http://schemas.microsoft.com/office/drawing/2010/main" xmlns="" w="9525">
                   <a:solidFill>
                     <a:srgbClr val="000000"/>
                   </a:solidFill>
@@ -2947,7 +2950,7 @@
             </a:ln>
             <a:extLst>
               <a:ext uri="{91240B29-F687-4f45-9708-019B960494DF}">
-                <a14:hiddenLine xmlns="" xmlns:a14="http://schemas.microsoft.com/office/drawing/2010/main" w="9525">
+                <a14:hiddenLine xmlns:a14="http://schemas.microsoft.com/office/drawing/2010/main" xmlns="" w="9525">
                   <a:solidFill>
                     <a:srgbClr val="000000"/>
                   </a:solidFill>
@@ -3037,7 +3040,7 @@
             </a:ln>
             <a:extLst>
               <a:ext uri="{91240B29-F687-4f45-9708-019B960494DF}">
-                <a14:hiddenLine xmlns="" xmlns:a14="http://schemas.microsoft.com/office/drawing/2010/main" w="9525">
+                <a14:hiddenLine xmlns:a14="http://schemas.microsoft.com/office/drawing/2010/main" xmlns="" w="9525">
                   <a:solidFill>
                     <a:srgbClr val="000000"/>
                   </a:solidFill>
@@ -3099,7 +3102,7 @@
             </a:ln>
             <a:extLst>
               <a:ext uri="{91240B29-F687-4f45-9708-019B960494DF}">
-                <a14:hiddenLine xmlns="" xmlns:a14="http://schemas.microsoft.com/office/drawing/2010/main" w="9525">
+                <a14:hiddenLine xmlns:a14="http://schemas.microsoft.com/office/drawing/2010/main" xmlns="" w="9525">
                   <a:solidFill>
                     <a:srgbClr val="000000"/>
                   </a:solidFill>
@@ -3189,7 +3192,7 @@
             </a:ln>
             <a:extLst>
               <a:ext uri="{91240B29-F687-4f45-9708-019B960494DF}">
-                <a14:hiddenLine xmlns="" xmlns:a14="http://schemas.microsoft.com/office/drawing/2010/main" w="9525">
+                <a14:hiddenLine xmlns:a14="http://schemas.microsoft.com/office/drawing/2010/main" xmlns="" w="9525">
                   <a:solidFill>
                     <a:srgbClr val="000000"/>
                   </a:solidFill>
@@ -3223,7 +3226,7 @@
             </a:ln>
             <a:extLst>
               <a:ext uri="{91240B29-F687-4f45-9708-019B960494DF}">
-                <a14:hiddenLine xmlns="" xmlns:a14="http://schemas.microsoft.com/office/drawing/2010/main" w="9525">
+                <a14:hiddenLine xmlns:a14="http://schemas.microsoft.com/office/drawing/2010/main" xmlns="" w="9525">
                   <a:solidFill>
                     <a:srgbClr val="000000"/>
                   </a:solidFill>
@@ -3288,7 +3291,7 @@
             </a:ln>
             <a:extLst>
               <a:ext uri="{91240B29-F687-4f45-9708-019B960494DF}">
-                <a14:hiddenLine xmlns="" xmlns:a14="http://schemas.microsoft.com/office/drawing/2010/main" w="9525">
+                <a14:hiddenLine xmlns:a14="http://schemas.microsoft.com/office/drawing/2010/main" xmlns="" w="9525">
                   <a:solidFill>
                     <a:srgbClr val="000000"/>
                   </a:solidFill>
@@ -3378,7 +3381,7 @@
             </a:ln>
             <a:extLst>
               <a:ext uri="{91240B29-F687-4f45-9708-019B960494DF}">
-                <a14:hiddenLine xmlns="" xmlns:a14="http://schemas.microsoft.com/office/drawing/2010/main" w="9525">
+                <a14:hiddenLine xmlns:a14="http://schemas.microsoft.com/office/drawing/2010/main" xmlns="" w="9525">
                   <a:solidFill>
                     <a:srgbClr val="000000"/>
                   </a:solidFill>
@@ -3440,7 +3443,7 @@
             </a:ln>
             <a:extLst>
               <a:ext uri="{91240B29-F687-4f45-9708-019B960494DF}">
-                <a14:hiddenLine xmlns="" xmlns:a14="http://schemas.microsoft.com/office/drawing/2010/main" w="9525">
+                <a14:hiddenLine xmlns:a14="http://schemas.microsoft.com/office/drawing/2010/main" xmlns="" w="9525">
                   <a:solidFill>
                     <a:srgbClr val="000000"/>
                   </a:solidFill>
@@ -3530,7 +3533,7 @@
             </a:ln>
             <a:extLst>
               <a:ext uri="{91240B29-F687-4f45-9708-019B960494DF}">
-                <a14:hiddenLine xmlns="" xmlns:a14="http://schemas.microsoft.com/office/drawing/2010/main" w="9525">
+                <a14:hiddenLine xmlns:a14="http://schemas.microsoft.com/office/drawing/2010/main" xmlns="" w="9525">
                   <a:solidFill>
                     <a:srgbClr val="000000"/>
                   </a:solidFill>
@@ -3620,7 +3623,7 @@
             </a:ln>
             <a:extLst>
               <a:ext uri="{91240B29-F687-4f45-9708-019B960494DF}">
-                <a14:hiddenLine xmlns="" xmlns:a14="http://schemas.microsoft.com/office/drawing/2010/main" w="9525">
+                <a14:hiddenLine xmlns:a14="http://schemas.microsoft.com/office/drawing/2010/main" xmlns="" w="9525">
                   <a:solidFill>
                     <a:srgbClr val="000000"/>
                   </a:solidFill>
@@ -3685,7 +3688,7 @@
             </a:ln>
             <a:extLst>
               <a:ext uri="{91240B29-F687-4f45-9708-019B960494DF}">
-                <a14:hiddenLine xmlns="" xmlns:a14="http://schemas.microsoft.com/office/drawing/2010/main" w="9525">
+                <a14:hiddenLine xmlns:a14="http://schemas.microsoft.com/office/drawing/2010/main" xmlns="" w="9525">
                   <a:solidFill>
                     <a:srgbClr val="000000"/>
                   </a:solidFill>
@@ -3747,7 +3750,7 @@
             </a:ln>
             <a:extLst>
               <a:ext uri="{91240B29-F687-4f45-9708-019B960494DF}">
-                <a14:hiddenLine xmlns="" xmlns:a14="http://schemas.microsoft.com/office/drawing/2010/main" w="9525">
+                <a14:hiddenLine xmlns:a14="http://schemas.microsoft.com/office/drawing/2010/main" xmlns="" w="9525">
                   <a:solidFill>
                     <a:srgbClr val="000000"/>
                   </a:solidFill>
@@ -3837,7 +3840,7 @@
             </a:ln>
             <a:extLst>
               <a:ext uri="{91240B29-F687-4f45-9708-019B960494DF}">
-                <a14:hiddenLine xmlns="" xmlns:a14="http://schemas.microsoft.com/office/drawing/2010/main" w="9525">
+                <a14:hiddenLine xmlns:a14="http://schemas.microsoft.com/office/drawing/2010/main" xmlns="" w="9525">
                   <a:solidFill>
                     <a:srgbClr val="000000"/>
                   </a:solidFill>
@@ -3927,7 +3930,7 @@
             </a:ln>
             <a:extLst>
               <a:ext uri="{91240B29-F687-4f45-9708-019B960494DF}">
-                <a14:hiddenLine xmlns="" xmlns:a14="http://schemas.microsoft.com/office/drawing/2010/main" w="9525">
+                <a14:hiddenLine xmlns:a14="http://schemas.microsoft.com/office/drawing/2010/main" xmlns="" w="9525">
                   <a:solidFill>
                     <a:srgbClr val="000000"/>
                   </a:solidFill>
@@ -3989,7 +3992,7 @@
             </a:ln>
             <a:extLst>
               <a:ext uri="{91240B29-F687-4f45-9708-019B960494DF}">
-                <a14:hiddenLine xmlns="" xmlns:a14="http://schemas.microsoft.com/office/drawing/2010/main" w="9525">
+                <a14:hiddenLine xmlns:a14="http://schemas.microsoft.com/office/drawing/2010/main" xmlns="" w="9525">
                   <a:solidFill>
                     <a:srgbClr val="000000"/>
                   </a:solidFill>
@@ -4109,7 +4112,7 @@
             </a:ln>
             <a:extLst>
               <a:ext uri="{91240B29-F687-4f45-9708-019B960494DF}">
-                <a14:hiddenLine xmlns="" xmlns:a14="http://schemas.microsoft.com/office/drawing/2010/main" w="9525">
+                <a14:hiddenLine xmlns:a14="http://schemas.microsoft.com/office/drawing/2010/main" xmlns="" w="9525">
                   <a:solidFill>
                     <a:srgbClr val="000000"/>
                   </a:solidFill>
@@ -4177,7 +4180,7 @@
             </a:ln>
             <a:extLst>
               <a:ext uri="{91240B29-F687-4f45-9708-019B960494DF}">
-                <a14:hiddenLine xmlns="" xmlns:a14="http://schemas.microsoft.com/office/drawing/2010/main" w="9525">
+                <a14:hiddenLine xmlns:a14="http://schemas.microsoft.com/office/drawing/2010/main" xmlns="" w="9525">
                   <a:solidFill>
                     <a:srgbClr val="000000"/>
                   </a:solidFill>
@@ -4267,7 +4270,7 @@
             </a:ln>
             <a:extLst>
               <a:ext uri="{91240B29-F687-4f45-9708-019B960494DF}">
-                <a14:hiddenLine xmlns="" xmlns:a14="http://schemas.microsoft.com/office/drawing/2010/main" w="9525">
+                <a14:hiddenLine xmlns:a14="http://schemas.microsoft.com/office/drawing/2010/main" xmlns="" w="9525">
                   <a:solidFill>
                     <a:srgbClr val="000000"/>
                   </a:solidFill>
@@ -4407,7 +4410,7 @@
           <a:p>
             <a:fld id="{7FDBF50C-4ABB-48C4-BC36-F12119FAB571}" type="datetimeFigureOut">
               <a:rPr lang="it-IT" smtClean="0"/>
-              <a:t>07/06/2021</a:t>
+              <a:t>09/06/2021</a:t>
             </a:fld>
             <a:endParaRPr lang="it-IT"/>
           </a:p>
@@ -4674,7 +4677,7 @@
           <a:p>
             <a:fld id="{7FDBF50C-4ABB-48C4-BC36-F12119FAB571}" type="datetimeFigureOut">
               <a:rPr lang="it-IT" smtClean="0"/>
-              <a:t>07/06/2021</a:t>
+              <a:t>09/06/2021</a:t>
             </a:fld>
             <a:endParaRPr lang="it-IT"/>
           </a:p>
@@ -4870,7 +4873,7 @@
           <a:p>
             <a:fld id="{7FDBF50C-4ABB-48C4-BC36-F12119FAB571}" type="datetimeFigureOut">
               <a:rPr lang="it-IT" smtClean="0"/>
-              <a:t>07/06/2021</a:t>
+              <a:t>09/06/2021</a:t>
             </a:fld>
             <a:endParaRPr lang="it-IT"/>
           </a:p>
@@ -5133,7 +5136,7 @@
           <a:p>
             <a:fld id="{7FDBF50C-4ABB-48C4-BC36-F12119FAB571}" type="datetimeFigureOut">
               <a:rPr lang="it-IT" smtClean="0"/>
-              <a:t>07/06/2021</a:t>
+              <a:t>09/06/2021</a:t>
             </a:fld>
             <a:endParaRPr lang="it-IT"/>
           </a:p>
@@ -5567,7 +5570,7 @@
           <a:p>
             <a:fld id="{7FDBF50C-4ABB-48C4-BC36-F12119FAB571}" type="datetimeFigureOut">
               <a:rPr lang="it-IT" smtClean="0"/>
-              <a:t>07/06/2021</a:t>
+              <a:t>09/06/2021</a:t>
             </a:fld>
             <a:endParaRPr lang="it-IT"/>
           </a:p>
@@ -6113,7 +6116,7 @@
           <a:p>
             <a:fld id="{7FDBF50C-4ABB-48C4-BC36-F12119FAB571}" type="datetimeFigureOut">
               <a:rPr lang="it-IT" smtClean="0"/>
-              <a:t>07/06/2021</a:t>
+              <a:t>09/06/2021</a:t>
             </a:fld>
             <a:endParaRPr lang="it-IT"/>
           </a:p>
@@ -6833,7 +6836,7 @@
           <a:p>
             <a:fld id="{7FDBF50C-4ABB-48C4-BC36-F12119FAB571}" type="datetimeFigureOut">
               <a:rPr lang="it-IT" smtClean="0"/>
-              <a:t>07/06/2021</a:t>
+              <a:t>09/06/2021</a:t>
             </a:fld>
             <a:endParaRPr lang="it-IT"/>
           </a:p>
@@ -7003,7 +7006,7 @@
           <a:p>
             <a:fld id="{7FDBF50C-4ABB-48C4-BC36-F12119FAB571}" type="datetimeFigureOut">
               <a:rPr lang="it-IT" smtClean="0"/>
-              <a:t>07/06/2021</a:t>
+              <a:t>09/06/2021</a:t>
             </a:fld>
             <a:endParaRPr lang="it-IT"/>
           </a:p>
@@ -7183,7 +7186,7 @@
           <a:p>
             <a:fld id="{7FDBF50C-4ABB-48C4-BC36-F12119FAB571}" type="datetimeFigureOut">
               <a:rPr lang="it-IT" smtClean="0"/>
-              <a:t>07/06/2021</a:t>
+              <a:t>09/06/2021</a:t>
             </a:fld>
             <a:endParaRPr lang="it-IT"/>
           </a:p>
@@ -7353,7 +7356,7 @@
           <a:p>
             <a:fld id="{7FDBF50C-4ABB-48C4-BC36-F12119FAB571}" type="datetimeFigureOut">
               <a:rPr lang="it-IT" smtClean="0"/>
-              <a:t>07/06/2021</a:t>
+              <a:t>09/06/2021</a:t>
             </a:fld>
             <a:endParaRPr lang="it-IT"/>
           </a:p>
@@ -7603,7 +7606,7 @@
           <a:p>
             <a:fld id="{7FDBF50C-4ABB-48C4-BC36-F12119FAB571}" type="datetimeFigureOut">
               <a:rPr lang="it-IT" smtClean="0"/>
-              <a:t>07/06/2021</a:t>
+              <a:t>09/06/2021</a:t>
             </a:fld>
             <a:endParaRPr lang="it-IT"/>
           </a:p>
@@ -7835,7 +7838,7 @@
           <a:p>
             <a:fld id="{7FDBF50C-4ABB-48C4-BC36-F12119FAB571}" type="datetimeFigureOut">
               <a:rPr lang="it-IT" smtClean="0"/>
-              <a:t>07/06/2021</a:t>
+              <a:t>09/06/2021</a:t>
             </a:fld>
             <a:endParaRPr lang="it-IT"/>
           </a:p>
@@ -8216,7 +8219,7 @@
           <a:p>
             <a:fld id="{7FDBF50C-4ABB-48C4-BC36-F12119FAB571}" type="datetimeFigureOut">
               <a:rPr lang="it-IT" smtClean="0"/>
-              <a:t>07/06/2021</a:t>
+              <a:t>09/06/2021</a:t>
             </a:fld>
             <a:endParaRPr lang="it-IT"/>
           </a:p>
@@ -8334,7 +8337,7 @@
           <a:p>
             <a:fld id="{7FDBF50C-4ABB-48C4-BC36-F12119FAB571}" type="datetimeFigureOut">
               <a:rPr lang="it-IT" smtClean="0"/>
-              <a:t>07/06/2021</a:t>
+              <a:t>09/06/2021</a:t>
             </a:fld>
             <a:endParaRPr lang="it-IT"/>
           </a:p>
@@ -8429,7 +8432,7 @@
           <a:p>
             <a:fld id="{7FDBF50C-4ABB-48C4-BC36-F12119FAB571}" type="datetimeFigureOut">
               <a:rPr lang="it-IT" smtClean="0"/>
-              <a:t>07/06/2021</a:t>
+              <a:t>09/06/2021</a:t>
             </a:fld>
             <a:endParaRPr lang="it-IT"/>
           </a:p>
@@ -8678,7 +8681,7 @@
           <a:p>
             <a:fld id="{7FDBF50C-4ABB-48C4-BC36-F12119FAB571}" type="datetimeFigureOut">
               <a:rPr lang="it-IT" smtClean="0"/>
-              <a:t>07/06/2021</a:t>
+              <a:t>09/06/2021</a:t>
             </a:fld>
             <a:endParaRPr lang="it-IT"/>
           </a:p>
@@ -8958,7 +8961,7 @@
           <a:p>
             <a:fld id="{7FDBF50C-4ABB-48C4-BC36-F12119FAB571}" type="datetimeFigureOut">
               <a:rPr lang="it-IT" smtClean="0"/>
-              <a:t>07/06/2021</a:t>
+              <a:t>09/06/2021</a:t>
             </a:fld>
             <a:endParaRPr lang="it-IT"/>
           </a:p>
@@ -9074,7 +9077,7 @@
           <a:noFill/>
           <a:extLst>
             <a:ext uri="{909E8E84-426E-40dd-AFC4-6F175D3DCCD1}">
-              <a14:hiddenFill xmlns="" xmlns:a14="http://schemas.microsoft.com/office/drawing/2010/main">
+              <a14:hiddenFill xmlns:a14="http://schemas.microsoft.com/office/drawing/2010/main" xmlns="">
                 <a:solidFill>
                   <a:srgbClr val="FFFFFF"/>
                 </a:solidFill>
@@ -9148,7 +9151,7 @@
               </a:ln>
               <a:extLst>
                 <a:ext uri="{91240B29-F687-4f45-9708-019B960494DF}">
-                  <a14:hiddenLine xmlns="" xmlns:a14="http://schemas.microsoft.com/office/drawing/2010/main" w="9525">
+                  <a14:hiddenLine xmlns:a14="http://schemas.microsoft.com/office/drawing/2010/main" xmlns="" w="9525">
                     <a:solidFill>
                       <a:srgbClr val="000000"/>
                     </a:solidFill>
@@ -9238,7 +9241,7 @@
               </a:ln>
               <a:extLst>
                 <a:ext uri="{91240B29-F687-4f45-9708-019B960494DF}">
-                  <a14:hiddenLine xmlns="" xmlns:a14="http://schemas.microsoft.com/office/drawing/2010/main" w="9525">
+                  <a14:hiddenLine xmlns:a14="http://schemas.microsoft.com/office/drawing/2010/main" xmlns="" w="9525">
                     <a:solidFill>
                       <a:srgbClr val="000000"/>
                     </a:solidFill>
@@ -9328,7 +9331,7 @@
               </a:ln>
               <a:extLst>
                 <a:ext uri="{91240B29-F687-4f45-9708-019B960494DF}">
-                  <a14:hiddenLine xmlns="" xmlns:a14="http://schemas.microsoft.com/office/drawing/2010/main" w="9525">
+                  <a14:hiddenLine xmlns:a14="http://schemas.microsoft.com/office/drawing/2010/main" xmlns="" w="9525">
                     <a:solidFill>
                       <a:srgbClr val="000000"/>
                     </a:solidFill>
@@ -9390,7 +9393,7 @@
               </a:ln>
               <a:extLst>
                 <a:ext uri="{91240B29-F687-4f45-9708-019B960494DF}">
-                  <a14:hiddenLine xmlns="" xmlns:a14="http://schemas.microsoft.com/office/drawing/2010/main" w="9525">
+                  <a14:hiddenLine xmlns:a14="http://schemas.microsoft.com/office/drawing/2010/main" xmlns="" w="9525">
                     <a:solidFill>
                       <a:srgbClr val="000000"/>
                     </a:solidFill>
@@ -9480,7 +9483,7 @@
               </a:ln>
               <a:extLst>
                 <a:ext uri="{91240B29-F687-4f45-9708-019B960494DF}">
-                  <a14:hiddenLine xmlns="" xmlns:a14="http://schemas.microsoft.com/office/drawing/2010/main" w="9525">
+                  <a14:hiddenLine xmlns:a14="http://schemas.microsoft.com/office/drawing/2010/main" xmlns="" w="9525">
                     <a:solidFill>
                       <a:srgbClr val="000000"/>
                     </a:solidFill>
@@ -9542,7 +9545,7 @@
               </a:ln>
               <a:extLst>
                 <a:ext uri="{91240B29-F687-4f45-9708-019B960494DF}">
-                  <a14:hiddenLine xmlns="" xmlns:a14="http://schemas.microsoft.com/office/drawing/2010/main" w="9525">
+                  <a14:hiddenLine xmlns:a14="http://schemas.microsoft.com/office/drawing/2010/main" xmlns="" w="9525">
                     <a:solidFill>
                       <a:srgbClr val="000000"/>
                     </a:solidFill>
@@ -9604,7 +9607,7 @@
               </a:ln>
               <a:extLst>
                 <a:ext uri="{91240B29-F687-4f45-9708-019B960494DF}">
-                  <a14:hiddenLine xmlns="" xmlns:a14="http://schemas.microsoft.com/office/drawing/2010/main" w="9525">
+                  <a14:hiddenLine xmlns:a14="http://schemas.microsoft.com/office/drawing/2010/main" xmlns="" w="9525">
                     <a:solidFill>
                       <a:srgbClr val="000000"/>
                     </a:solidFill>
@@ -9694,7 +9697,7 @@
               </a:ln>
               <a:extLst>
                 <a:ext uri="{91240B29-F687-4f45-9708-019B960494DF}">
-                  <a14:hiddenLine xmlns="" xmlns:a14="http://schemas.microsoft.com/office/drawing/2010/main" w="9525">
+                  <a14:hiddenLine xmlns:a14="http://schemas.microsoft.com/office/drawing/2010/main" xmlns="" w="9525">
                     <a:solidFill>
                       <a:srgbClr val="000000"/>
                     </a:solidFill>
@@ -9784,7 +9787,7 @@
               </a:ln>
               <a:extLst>
                 <a:ext uri="{91240B29-F687-4f45-9708-019B960494DF}">
-                  <a14:hiddenLine xmlns="" xmlns:a14="http://schemas.microsoft.com/office/drawing/2010/main" w="9525">
+                  <a14:hiddenLine xmlns:a14="http://schemas.microsoft.com/office/drawing/2010/main" xmlns="" w="9525">
                     <a:solidFill>
                       <a:srgbClr val="000000"/>
                     </a:solidFill>
@@ -9846,7 +9849,7 @@
               </a:ln>
               <a:extLst>
                 <a:ext uri="{91240B29-F687-4f45-9708-019B960494DF}">
-                  <a14:hiddenLine xmlns="" xmlns:a14="http://schemas.microsoft.com/office/drawing/2010/main" w="9525">
+                  <a14:hiddenLine xmlns:a14="http://schemas.microsoft.com/office/drawing/2010/main" xmlns="" w="9525">
                     <a:solidFill>
                       <a:srgbClr val="000000"/>
                     </a:solidFill>
@@ -9956,7 +9959,7 @@
               </a:ln>
               <a:extLst>
                 <a:ext uri="{91240B29-F687-4f45-9708-019B960494DF}">
-                  <a14:hiddenLine xmlns="" xmlns:a14="http://schemas.microsoft.com/office/drawing/2010/main" w="9525">
+                  <a14:hiddenLine xmlns:a14="http://schemas.microsoft.com/office/drawing/2010/main" xmlns="" w="9525">
                     <a:solidFill>
                       <a:srgbClr val="000000"/>
                     </a:solidFill>
@@ -10040,7 +10043,7 @@
               </a:ln>
               <a:extLst>
                 <a:ext uri="{91240B29-F687-4f45-9708-019B960494DF}">
-                  <a14:hiddenLine xmlns="" xmlns:a14="http://schemas.microsoft.com/office/drawing/2010/main" w="9525">
+                  <a14:hiddenLine xmlns:a14="http://schemas.microsoft.com/office/drawing/2010/main" xmlns="" w="9525">
                     <a:solidFill>
                       <a:srgbClr val="000000"/>
                     </a:solidFill>
@@ -10102,7 +10105,7 @@
               </a:ln>
               <a:extLst>
                 <a:ext uri="{91240B29-F687-4f45-9708-019B960494DF}">
-                  <a14:hiddenLine xmlns="" xmlns:a14="http://schemas.microsoft.com/office/drawing/2010/main" w="9525">
+                  <a14:hiddenLine xmlns:a14="http://schemas.microsoft.com/office/drawing/2010/main" xmlns="" w="9525">
                     <a:solidFill>
                       <a:srgbClr val="000000"/>
                     </a:solidFill>
@@ -10164,7 +10167,7 @@
               </a:ln>
               <a:extLst>
                 <a:ext uri="{91240B29-F687-4f45-9708-019B960494DF}">
-                  <a14:hiddenLine xmlns="" xmlns:a14="http://schemas.microsoft.com/office/drawing/2010/main" w="9525">
+                  <a14:hiddenLine xmlns:a14="http://schemas.microsoft.com/office/drawing/2010/main" xmlns="" w="9525">
                     <a:solidFill>
                       <a:srgbClr val="000000"/>
                     </a:solidFill>
@@ -10254,7 +10257,7 @@
               </a:ln>
               <a:extLst>
                 <a:ext uri="{91240B29-F687-4f45-9708-019B960494DF}">
-                  <a14:hiddenLine xmlns="" xmlns:a14="http://schemas.microsoft.com/office/drawing/2010/main" w="9525">
+                  <a14:hiddenLine xmlns:a14="http://schemas.microsoft.com/office/drawing/2010/main" xmlns="" w="9525">
                     <a:solidFill>
                       <a:srgbClr val="000000"/>
                     </a:solidFill>
@@ -10288,7 +10291,7 @@
               </a:ln>
               <a:extLst>
                 <a:ext uri="{91240B29-F687-4f45-9708-019B960494DF}">
-                  <a14:hiddenLine xmlns="" xmlns:a14="http://schemas.microsoft.com/office/drawing/2010/main" w="9525">
+                  <a14:hiddenLine xmlns:a14="http://schemas.microsoft.com/office/drawing/2010/main" xmlns="" w="9525">
                     <a:solidFill>
                       <a:srgbClr val="000000"/>
                     </a:solidFill>
@@ -10353,7 +10356,7 @@
               </a:ln>
               <a:extLst>
                 <a:ext uri="{91240B29-F687-4f45-9708-019B960494DF}">
-                  <a14:hiddenLine xmlns="" xmlns:a14="http://schemas.microsoft.com/office/drawing/2010/main" w="9525">
+                  <a14:hiddenLine xmlns:a14="http://schemas.microsoft.com/office/drawing/2010/main" xmlns="" w="9525">
                     <a:solidFill>
                       <a:srgbClr val="000000"/>
                     </a:solidFill>
@@ -10443,7 +10446,7 @@
               </a:ln>
               <a:extLst>
                 <a:ext uri="{91240B29-F687-4f45-9708-019B960494DF}">
-                  <a14:hiddenLine xmlns="" xmlns:a14="http://schemas.microsoft.com/office/drawing/2010/main" w="9525">
+                  <a14:hiddenLine xmlns:a14="http://schemas.microsoft.com/office/drawing/2010/main" xmlns="" w="9525">
                     <a:solidFill>
                       <a:srgbClr val="000000"/>
                     </a:solidFill>
@@ -10505,7 +10508,7 @@
               </a:ln>
               <a:extLst>
                 <a:ext uri="{91240B29-F687-4f45-9708-019B960494DF}">
-                  <a14:hiddenLine xmlns="" xmlns:a14="http://schemas.microsoft.com/office/drawing/2010/main" w="9525">
+                  <a14:hiddenLine xmlns:a14="http://schemas.microsoft.com/office/drawing/2010/main" xmlns="" w="9525">
                     <a:solidFill>
                       <a:srgbClr val="000000"/>
                     </a:solidFill>
@@ -10595,7 +10598,7 @@
               </a:ln>
               <a:extLst>
                 <a:ext uri="{91240B29-F687-4f45-9708-019B960494DF}">
-                  <a14:hiddenLine xmlns="" xmlns:a14="http://schemas.microsoft.com/office/drawing/2010/main" w="9525">
+                  <a14:hiddenLine xmlns:a14="http://schemas.microsoft.com/office/drawing/2010/main" xmlns="" w="9525">
                     <a:solidFill>
                       <a:srgbClr val="000000"/>
                     </a:solidFill>
@@ -10660,7 +10663,7 @@
               </a:ln>
               <a:extLst>
                 <a:ext uri="{91240B29-F687-4f45-9708-019B960494DF}">
-                  <a14:hiddenLine xmlns="" xmlns:a14="http://schemas.microsoft.com/office/drawing/2010/main" w="9525">
+                  <a14:hiddenLine xmlns:a14="http://schemas.microsoft.com/office/drawing/2010/main" xmlns="" w="9525">
                     <a:solidFill>
                       <a:srgbClr val="000000"/>
                     </a:solidFill>
@@ -10722,7 +10725,7 @@
               </a:ln>
               <a:extLst>
                 <a:ext uri="{91240B29-F687-4f45-9708-019B960494DF}">
-                  <a14:hiddenLine xmlns="" xmlns:a14="http://schemas.microsoft.com/office/drawing/2010/main" w="9525">
+                  <a14:hiddenLine xmlns:a14="http://schemas.microsoft.com/office/drawing/2010/main" xmlns="" w="9525">
                     <a:solidFill>
                       <a:srgbClr val="000000"/>
                     </a:solidFill>
@@ -10812,7 +10815,7 @@
               </a:ln>
               <a:extLst>
                 <a:ext uri="{91240B29-F687-4f45-9708-019B960494DF}">
-                  <a14:hiddenLine xmlns="" xmlns:a14="http://schemas.microsoft.com/office/drawing/2010/main" w="9525">
+                  <a14:hiddenLine xmlns:a14="http://schemas.microsoft.com/office/drawing/2010/main" xmlns="" w="9525">
                     <a:solidFill>
                       <a:srgbClr val="000000"/>
                     </a:solidFill>
@@ -10902,7 +10905,7 @@
               </a:ln>
               <a:extLst>
                 <a:ext uri="{91240B29-F687-4f45-9708-019B960494DF}">
-                  <a14:hiddenLine xmlns="" xmlns:a14="http://schemas.microsoft.com/office/drawing/2010/main" w="9525">
+                  <a14:hiddenLine xmlns:a14="http://schemas.microsoft.com/office/drawing/2010/main" xmlns="" w="9525">
                     <a:solidFill>
                       <a:srgbClr val="000000"/>
                     </a:solidFill>
@@ -10967,7 +10970,7 @@
               </a:ln>
               <a:extLst>
                 <a:ext uri="{91240B29-F687-4f45-9708-019B960494DF}">
-                  <a14:hiddenLine xmlns="" xmlns:a14="http://schemas.microsoft.com/office/drawing/2010/main" w="9525">
+                  <a14:hiddenLine xmlns:a14="http://schemas.microsoft.com/office/drawing/2010/main" xmlns="" w="9525">
                     <a:solidFill>
                       <a:srgbClr val="000000"/>
                     </a:solidFill>
@@ -11087,7 +11090,7 @@
               </a:ln>
               <a:extLst>
                 <a:ext uri="{91240B29-F687-4f45-9708-019B960494DF}">
-                  <a14:hiddenLine xmlns="" xmlns:a14="http://schemas.microsoft.com/office/drawing/2010/main" w="9525">
+                  <a14:hiddenLine xmlns:a14="http://schemas.microsoft.com/office/drawing/2010/main" xmlns="" w="9525">
                     <a:solidFill>
                       <a:srgbClr val="000000"/>
                     </a:solidFill>
@@ -11185,7 +11188,7 @@
               </a:ln>
               <a:extLst>
                 <a:ext uri="{91240B29-F687-4f45-9708-019B960494DF}">
-                  <a14:hiddenLine xmlns="" xmlns:a14="http://schemas.microsoft.com/office/drawing/2010/main" w="9525">
+                  <a14:hiddenLine xmlns:a14="http://schemas.microsoft.com/office/drawing/2010/main" xmlns="" w="9525">
                     <a:solidFill>
                       <a:srgbClr val="000000"/>
                     </a:solidFill>
@@ -11300,7 +11303,7 @@
               </a:ln>
               <a:extLst>
                 <a:ext uri="{91240B29-F687-4f45-9708-019B960494DF}">
-                  <a14:hiddenLine xmlns="" xmlns:a14="http://schemas.microsoft.com/office/drawing/2010/main" w="9525">
+                  <a14:hiddenLine xmlns:a14="http://schemas.microsoft.com/office/drawing/2010/main" xmlns="" w="9525">
                     <a:solidFill>
                       <a:srgbClr val="000000"/>
                     </a:solidFill>
@@ -11390,7 +11393,7 @@
               </a:ln>
               <a:extLst>
                 <a:ext uri="{91240B29-F687-4f45-9708-019B960494DF}">
-                  <a14:hiddenLine xmlns="" xmlns:a14="http://schemas.microsoft.com/office/drawing/2010/main" w="9525">
+                  <a14:hiddenLine xmlns:a14="http://schemas.microsoft.com/office/drawing/2010/main" xmlns="" w="9525">
                     <a:solidFill>
                       <a:srgbClr val="000000"/>
                     </a:solidFill>
@@ -11455,7 +11458,7 @@
               </a:ln>
               <a:extLst>
                 <a:ext uri="{91240B29-F687-4f45-9708-019B960494DF}">
-                  <a14:hiddenLine xmlns="" xmlns:a14="http://schemas.microsoft.com/office/drawing/2010/main" w="9525">
+                  <a14:hiddenLine xmlns:a14="http://schemas.microsoft.com/office/drawing/2010/main" xmlns="" w="9525">
                     <a:solidFill>
                       <a:srgbClr val="000000"/>
                     </a:solidFill>
@@ -11545,7 +11548,7 @@
               </a:ln>
               <a:extLst>
                 <a:ext uri="{91240B29-F687-4f45-9708-019B960494DF}">
-                  <a14:hiddenLine xmlns="" xmlns:a14="http://schemas.microsoft.com/office/drawing/2010/main" w="9525">
+                  <a14:hiddenLine xmlns:a14="http://schemas.microsoft.com/office/drawing/2010/main" xmlns="" w="9525">
                     <a:solidFill>
                       <a:srgbClr val="000000"/>
                     </a:solidFill>
@@ -11613,7 +11616,7 @@
               </a:ln>
               <a:extLst>
                 <a:ext uri="{91240B29-F687-4f45-9708-019B960494DF}">
-                  <a14:hiddenLine xmlns="" xmlns:a14="http://schemas.microsoft.com/office/drawing/2010/main" w="9525">
+                  <a14:hiddenLine xmlns:a14="http://schemas.microsoft.com/office/drawing/2010/main" xmlns="" w="9525">
                     <a:solidFill>
                       <a:srgbClr val="000000"/>
                     </a:solidFill>
@@ -11703,7 +11706,7 @@
               </a:ln>
               <a:extLst>
                 <a:ext uri="{91240B29-F687-4f45-9708-019B960494DF}">
-                  <a14:hiddenLine xmlns="" xmlns:a14="http://schemas.microsoft.com/office/drawing/2010/main" w="9525">
+                  <a14:hiddenLine xmlns:a14="http://schemas.microsoft.com/office/drawing/2010/main" xmlns="" w="9525">
                     <a:solidFill>
                       <a:srgbClr val="000000"/>
                     </a:solidFill>
@@ -11771,7 +11774,7 @@
               </a:ln>
               <a:extLst>
                 <a:ext uri="{91240B29-F687-4f45-9708-019B960494DF}">
-                  <a14:hiddenLine xmlns="" xmlns:a14="http://schemas.microsoft.com/office/drawing/2010/main" w="9525">
+                  <a14:hiddenLine xmlns:a14="http://schemas.microsoft.com/office/drawing/2010/main" xmlns="" w="9525">
                     <a:solidFill>
                       <a:srgbClr val="000000"/>
                     </a:solidFill>
@@ -11861,7 +11864,7 @@
               </a:ln>
               <a:extLst>
                 <a:ext uri="{91240B29-F687-4f45-9708-019B960494DF}">
-                  <a14:hiddenLine xmlns="" xmlns:a14="http://schemas.microsoft.com/office/drawing/2010/main" w="9525">
+                  <a14:hiddenLine xmlns:a14="http://schemas.microsoft.com/office/drawing/2010/main" xmlns="" w="9525">
                     <a:solidFill>
                       <a:srgbClr val="000000"/>
                     </a:solidFill>
@@ -11895,7 +11898,7 @@
               </a:ln>
               <a:extLst>
                 <a:ext uri="{91240B29-F687-4f45-9708-019B960494DF}">
-                  <a14:hiddenLine xmlns="" xmlns:a14="http://schemas.microsoft.com/office/drawing/2010/main" w="9525">
+                  <a14:hiddenLine xmlns:a14="http://schemas.microsoft.com/office/drawing/2010/main" xmlns="" w="9525">
                     <a:solidFill>
                       <a:srgbClr val="000000"/>
                     </a:solidFill>
@@ -12035,7 +12038,7 @@
           <a:p>
             <a:fld id="{7FDBF50C-4ABB-48C4-BC36-F12119FAB571}" type="datetimeFigureOut">
               <a:rPr lang="it-IT" smtClean="0"/>
-              <a:t>07/06/2021</a:t>
+              <a:t>09/06/2021</a:t>
             </a:fld>
             <a:endParaRPr lang="it-IT"/>
           </a:p>
@@ -12565,6 +12568,441 @@
           <a:chExt cx="0" cy="0"/>
         </a:xfrm>
       </p:grpSpPr>
+      <p:pic>
+        <p:nvPicPr>
+          <p:cNvPr id="10" name="Immagine 9">
+            <a:extLst>
+              <a:ext uri="{FF2B5EF4-FFF2-40B4-BE49-F238E27FC236}">
+                <a16:creationId xmlns:a16="http://schemas.microsoft.com/office/drawing/2014/main" id="{8E61818A-3793-4BD5-AACD-7CE3758C054E}"/>
+              </a:ext>
+            </a:extLst>
+          </p:cNvPr>
+          <p:cNvPicPr>
+            <a:picLocks noChangeAspect="1"/>
+          </p:cNvPicPr>
+          <p:nvPr/>
+        </p:nvPicPr>
+        <p:blipFill>
+          <a:blip r:embed="rId2">
+            <a:extLst>
+              <a:ext uri="{28A0092B-C50C-407E-A947-70E740481C1C}">
+                <a14:useLocalDpi xmlns:a14="http://schemas.microsoft.com/office/drawing/2010/main" val="0"/>
+              </a:ext>
+            </a:extLst>
+          </a:blip>
+          <a:srcRect/>
+          <a:stretch/>
+        </p:blipFill>
+        <p:spPr>
+          <a:xfrm>
+            <a:off x="4337108" y="1460063"/>
+            <a:ext cx="6710303" cy="5354755"/>
+          </a:xfrm>
+          <a:prstGeom prst="rect">
+            <a:avLst/>
+          </a:prstGeom>
+        </p:spPr>
+      </p:pic>
+      <p:sp>
+        <p:nvSpPr>
+          <p:cNvPr id="2" name="Titolo 1">
+            <a:extLst>
+              <a:ext uri="{FF2B5EF4-FFF2-40B4-BE49-F238E27FC236}">
+                <a16:creationId xmlns:a16="http://schemas.microsoft.com/office/drawing/2014/main" id="{235AAC29-1500-47EA-AC53-80AEC1D5A1F5}"/>
+              </a:ext>
+            </a:extLst>
+          </p:cNvPr>
+          <p:cNvSpPr>
+            <a:spLocks noGrp="1"/>
+          </p:cNvSpPr>
+          <p:nvPr>
+            <p:ph type="title"/>
+          </p:nvPr>
+        </p:nvSpPr>
+        <p:spPr>
+          <a:xfrm>
+            <a:off x="1141413" y="106790"/>
+            <a:ext cx="9905998" cy="874722"/>
+          </a:xfrm>
+        </p:spPr>
+        <p:txBody>
+          <a:bodyPr/>
+          <a:lstStyle/>
+          <a:p>
+            <a:r>
+              <a:rPr lang="it-IT" dirty="0"/>
+              <a:t>Soglia di pompaggio</a:t>
+            </a:r>
+          </a:p>
+        </p:txBody>
+      </p:sp>
+      <p:sp>
+        <p:nvSpPr>
+          <p:cNvPr id="4" name="CasellaDiTesto 3">
+            <a:extLst>
+              <a:ext uri="{FF2B5EF4-FFF2-40B4-BE49-F238E27FC236}">
+                <a16:creationId xmlns:a16="http://schemas.microsoft.com/office/drawing/2014/main" id="{DDC35683-D0E1-4379-9E1F-97650295748D}"/>
+              </a:ext>
+            </a:extLst>
+          </p:cNvPr>
+          <p:cNvSpPr txBox="1"/>
+          <p:nvPr/>
+        </p:nvSpPr>
+        <p:spPr>
+          <a:xfrm>
+            <a:off x="1031846" y="813732"/>
+            <a:ext cx="10184235" cy="646331"/>
+          </a:xfrm>
+          <a:prstGeom prst="rect">
+            <a:avLst/>
+          </a:prstGeom>
+          <a:noFill/>
+        </p:spPr>
+        <p:txBody>
+          <a:bodyPr wrap="square" rtlCol="0">
+            <a:spAutoFit/>
+          </a:bodyPr>
+          <a:lstStyle/>
+          <a:p>
+            <a:r>
+              <a:rPr lang="it-IT" dirty="0"/>
+              <a:t>Come ci si aspetta dal modello, è possibile trovare un valore di soglia per il </a:t>
+            </a:r>
+            <a:r>
+              <a:rPr lang="it-IT" dirty="0" err="1"/>
+              <a:t>pompagglio</a:t>
+            </a:r>
+            <a:r>
+              <a:rPr lang="it-IT" dirty="0"/>
+              <a:t>, oltre il quale la popolazione di fotoni aumenta ben oltre la popolazione riconducibile ad emissione spontanea.</a:t>
+            </a:r>
+          </a:p>
+        </p:txBody>
+      </p:sp>
+      <p:sp>
+        <p:nvSpPr>
+          <p:cNvPr id="5" name="CasellaDiTesto 4">
+            <a:extLst>
+              <a:ext uri="{FF2B5EF4-FFF2-40B4-BE49-F238E27FC236}">
+                <a16:creationId xmlns:a16="http://schemas.microsoft.com/office/drawing/2014/main" id="{1D8C7D55-2EE2-4CF5-B0CA-92D5394A27F6}"/>
+              </a:ext>
+            </a:extLst>
+          </p:cNvPr>
+          <p:cNvSpPr txBox="1"/>
+          <p:nvPr/>
+        </p:nvSpPr>
+        <p:spPr>
+          <a:xfrm>
+            <a:off x="1141413" y="1582230"/>
+            <a:ext cx="2978092" cy="584775"/>
+          </a:xfrm>
+          <a:prstGeom prst="rect">
+            <a:avLst/>
+          </a:prstGeom>
+          <a:noFill/>
+        </p:spPr>
+        <p:txBody>
+          <a:bodyPr wrap="square" rtlCol="0">
+            <a:spAutoFit/>
+          </a:bodyPr>
+          <a:lstStyle/>
+          <a:p>
+            <a:r>
+              <a:rPr lang="it-IT" sz="1600" dirty="0">
+                <a:solidFill>
+                  <a:schemeClr val="accent3">
+                    <a:lumMod val="50000"/>
+                  </a:schemeClr>
+                </a:solidFill>
+                <a:latin typeface="Calibri" panose="020F0502020204030204" pitchFamily="34" charset="0"/>
+                <a:cs typeface="Calibri" panose="020F0502020204030204" pitchFamily="34" charset="0"/>
+              </a:rPr>
+              <a:t>Aumentando</a:t>
+            </a:r>
+            <a:r>
+              <a:rPr lang="it-IT" sz="1600" dirty="0">
+                <a:solidFill>
+                  <a:schemeClr val="accent3">
+                    <a:lumMod val="75000"/>
+                  </a:schemeClr>
+                </a:solidFill>
+                <a:latin typeface="Calibri" panose="020F0502020204030204" pitchFamily="34" charset="0"/>
+                <a:cs typeface="Calibri" panose="020F0502020204030204" pitchFamily="34" charset="0"/>
+              </a:rPr>
+              <a:t> la probabilità di rumore la soglia si alza</a:t>
+            </a:r>
+          </a:p>
+        </p:txBody>
+      </p:sp>
+    </p:spTree>
+    <p:extLst>
+      <p:ext uri="{BB962C8B-B14F-4D97-AF65-F5344CB8AC3E}">
+        <p14:creationId xmlns:p14="http://schemas.microsoft.com/office/powerpoint/2010/main" val="3867886647"/>
+      </p:ext>
+    </p:extLst>
+  </p:cSld>
+  <p:clrMapOvr>
+    <a:masterClrMapping/>
+  </p:clrMapOvr>
+</p:sld>
+</file>
+
+<file path=ppt/slides/slide11.xml><?xml version="1.0" encoding="utf-8"?>
+<p:sld xmlns:a="http://schemas.openxmlformats.org/drawingml/2006/main" xmlns:r="http://schemas.openxmlformats.org/officeDocument/2006/relationships" xmlns:p="http://schemas.openxmlformats.org/presentationml/2006/main">
+  <p:cSld>
+    <p:spTree>
+      <p:nvGrpSpPr>
+        <p:cNvPr id="1" name=""/>
+        <p:cNvGrpSpPr/>
+        <p:nvPr/>
+      </p:nvGrpSpPr>
+      <p:grpSpPr>
+        <a:xfrm>
+          <a:off x="0" y="0"/>
+          <a:ext cx="0" cy="0"/>
+          <a:chOff x="0" y="0"/>
+          <a:chExt cx="0" cy="0"/>
+        </a:xfrm>
+      </p:grpSpPr>
+      <p:pic>
+        <p:nvPicPr>
+          <p:cNvPr id="10" name="Immagine 9">
+            <a:extLst>
+              <a:ext uri="{FF2B5EF4-FFF2-40B4-BE49-F238E27FC236}">
+                <a16:creationId xmlns:a16="http://schemas.microsoft.com/office/drawing/2014/main" id="{8E61818A-3793-4BD5-AACD-7CE3758C054E}"/>
+              </a:ext>
+            </a:extLst>
+          </p:cNvPr>
+          <p:cNvPicPr>
+            <a:picLocks noChangeAspect="1"/>
+          </p:cNvPicPr>
+          <p:nvPr/>
+        </p:nvPicPr>
+        <p:blipFill>
+          <a:blip r:embed="rId2">
+            <a:extLst>
+              <a:ext uri="{28A0092B-C50C-407E-A947-70E740481C1C}">
+                <a14:useLocalDpi xmlns:a14="http://schemas.microsoft.com/office/drawing/2010/main" val="0"/>
+              </a:ext>
+            </a:extLst>
+          </a:blip>
+          <a:srcRect/>
+          <a:stretch/>
+        </p:blipFill>
+        <p:spPr>
+          <a:xfrm>
+            <a:off x="1141413" y="1616657"/>
+            <a:ext cx="9456512" cy="4827198"/>
+          </a:xfrm>
+          <a:prstGeom prst="rect">
+            <a:avLst/>
+          </a:prstGeom>
+        </p:spPr>
+      </p:pic>
+      <p:sp>
+        <p:nvSpPr>
+          <p:cNvPr id="2" name="Titolo 1">
+            <a:extLst>
+              <a:ext uri="{FF2B5EF4-FFF2-40B4-BE49-F238E27FC236}">
+                <a16:creationId xmlns:a16="http://schemas.microsoft.com/office/drawing/2014/main" id="{235AAC29-1500-47EA-AC53-80AEC1D5A1F5}"/>
+              </a:ext>
+            </a:extLst>
+          </p:cNvPr>
+          <p:cNvSpPr>
+            <a:spLocks noGrp="1"/>
+          </p:cNvSpPr>
+          <p:nvPr>
+            <p:ph type="title"/>
+          </p:nvPr>
+        </p:nvSpPr>
+        <p:spPr>
+          <a:xfrm>
+            <a:off x="1141413" y="106790"/>
+            <a:ext cx="9905998" cy="874722"/>
+          </a:xfrm>
+        </p:spPr>
+        <p:txBody>
+          <a:bodyPr/>
+          <a:lstStyle/>
+          <a:p>
+            <a:r>
+              <a:rPr lang="it-IT" dirty="0"/>
+              <a:t>Soglia di pompaggio</a:t>
+            </a:r>
+          </a:p>
+        </p:txBody>
+      </p:sp>
+      <p:sp>
+        <p:nvSpPr>
+          <p:cNvPr id="4" name="CasellaDiTesto 3">
+            <a:extLst>
+              <a:ext uri="{FF2B5EF4-FFF2-40B4-BE49-F238E27FC236}">
+                <a16:creationId xmlns:a16="http://schemas.microsoft.com/office/drawing/2014/main" id="{DDC35683-D0E1-4379-9E1F-97650295748D}"/>
+              </a:ext>
+            </a:extLst>
+          </p:cNvPr>
+          <p:cNvSpPr txBox="1"/>
+          <p:nvPr/>
+        </p:nvSpPr>
+        <p:spPr>
+          <a:xfrm>
+            <a:off x="1031846" y="813732"/>
+            <a:ext cx="10184235" cy="646331"/>
+          </a:xfrm>
+          <a:prstGeom prst="rect">
+            <a:avLst/>
+          </a:prstGeom>
+          <a:noFill/>
+        </p:spPr>
+        <p:txBody>
+          <a:bodyPr wrap="square" rtlCol="0">
+            <a:spAutoFit/>
+          </a:bodyPr>
+          <a:lstStyle/>
+          <a:p>
+            <a:r>
+              <a:rPr lang="it-IT" dirty="0"/>
+              <a:t>Come ci si aspetta dal modello, è possibile trovare un valore di soglia per il pompaggio, oltre il quale la popolazione di fotoni aumenta ben oltre la popolazione riconducibile ad emissione spontanea.</a:t>
+            </a:r>
+          </a:p>
+        </p:txBody>
+      </p:sp>
+      <p:sp>
+        <p:nvSpPr>
+          <p:cNvPr id="8" name="CasellaDiTesto 7">
+            <a:extLst>
+              <a:ext uri="{FF2B5EF4-FFF2-40B4-BE49-F238E27FC236}">
+                <a16:creationId xmlns:a16="http://schemas.microsoft.com/office/drawing/2014/main" id="{ED09A5D3-A541-48E8-BD49-338450A6ECC3}"/>
+              </a:ext>
+            </a:extLst>
+          </p:cNvPr>
+          <p:cNvSpPr txBox="1"/>
+          <p:nvPr/>
+        </p:nvSpPr>
+        <p:spPr>
+          <a:xfrm>
+            <a:off x="1679196" y="1874617"/>
+            <a:ext cx="3438088" cy="584775"/>
+          </a:xfrm>
+          <a:prstGeom prst="rect">
+            <a:avLst/>
+          </a:prstGeom>
+          <a:noFill/>
+        </p:spPr>
+        <p:txBody>
+          <a:bodyPr wrap="square" rtlCol="0">
+            <a:spAutoFit/>
+          </a:bodyPr>
+          <a:lstStyle/>
+          <a:p>
+            <a:r>
+              <a:rPr lang="it-IT" sz="1600" dirty="0">
+                <a:solidFill>
+                  <a:schemeClr val="accent3">
+                    <a:lumMod val="75000"/>
+                  </a:schemeClr>
+                </a:solidFill>
+                <a:latin typeface="Calibri" panose="020F0502020204030204" pitchFamily="34" charset="0"/>
+                <a:cs typeface="Calibri" panose="020F0502020204030204" pitchFamily="34" charset="0"/>
+              </a:rPr>
+              <a:t>Al </a:t>
+            </a:r>
+            <a:r>
+              <a:rPr lang="it-IT" sz="1600" dirty="0">
+                <a:solidFill>
+                  <a:schemeClr val="bg2">
+                    <a:lumMod val="50000"/>
+                  </a:schemeClr>
+                </a:solidFill>
+                <a:latin typeface="Calibri" panose="020F0502020204030204" pitchFamily="34" charset="0"/>
+                <a:cs typeface="Calibri" panose="020F0502020204030204" pitchFamily="34" charset="0"/>
+              </a:rPr>
+              <a:t>diminuire</a:t>
+            </a:r>
+            <a:r>
+              <a:rPr lang="it-IT" sz="1600" dirty="0">
+                <a:solidFill>
+                  <a:schemeClr val="accent3">
+                    <a:lumMod val="75000"/>
+                  </a:schemeClr>
+                </a:solidFill>
+                <a:latin typeface="Calibri" panose="020F0502020204030204" pitchFamily="34" charset="0"/>
+                <a:cs typeface="Calibri" panose="020F0502020204030204" pitchFamily="34" charset="0"/>
+              </a:rPr>
+              <a:t> della probabilità di emissione stimolata, la soglia si alza</a:t>
+            </a:r>
+          </a:p>
+        </p:txBody>
+      </p:sp>
+      <p:sp>
+        <p:nvSpPr>
+          <p:cNvPr id="3" name="CasellaDiTesto 2">
+            <a:extLst>
+              <a:ext uri="{FF2B5EF4-FFF2-40B4-BE49-F238E27FC236}">
+                <a16:creationId xmlns:a16="http://schemas.microsoft.com/office/drawing/2014/main" id="{98B5D005-5F5B-4204-A237-CD43F1B765D3}"/>
+              </a:ext>
+            </a:extLst>
+          </p:cNvPr>
+          <p:cNvSpPr txBox="1"/>
+          <p:nvPr/>
+        </p:nvSpPr>
+        <p:spPr>
+          <a:xfrm>
+            <a:off x="5998128" y="4739780"/>
+            <a:ext cx="4395832" cy="1477328"/>
+          </a:xfrm>
+          <a:prstGeom prst="rect">
+            <a:avLst/>
+          </a:prstGeom>
+          <a:noFill/>
+        </p:spPr>
+        <p:txBody>
+          <a:bodyPr wrap="square" rtlCol="0">
+            <a:spAutoFit/>
+          </a:bodyPr>
+          <a:lstStyle/>
+          <a:p>
+            <a:r>
+              <a:rPr lang="it-IT" dirty="0">
+                <a:solidFill>
+                  <a:schemeClr val="bg1"/>
+                </a:solidFill>
+              </a:rPr>
+              <a:t>In base al modello del paper originale, non abbiamo esattamente una probabilità di emissione stimolata, ma una soglia di fotoni adiacenti. Aumentando tale soglia, diminuisce la probabilità di emissione stimolata</a:t>
+            </a:r>
+          </a:p>
+        </p:txBody>
+      </p:sp>
+    </p:spTree>
+    <p:extLst>
+      <p:ext uri="{BB962C8B-B14F-4D97-AF65-F5344CB8AC3E}">
+        <p14:creationId xmlns:p14="http://schemas.microsoft.com/office/powerpoint/2010/main" val="3457851968"/>
+      </p:ext>
+    </p:extLst>
+  </p:cSld>
+  <p:clrMapOvr>
+    <a:masterClrMapping/>
+  </p:clrMapOvr>
+</p:sld>
+</file>
+
+<file path=ppt/slides/slide12.xml><?xml version="1.0" encoding="utf-8"?>
+<p:sld xmlns:a="http://schemas.openxmlformats.org/drawingml/2006/main" xmlns:r="http://schemas.openxmlformats.org/officeDocument/2006/relationships" xmlns:p="http://schemas.openxmlformats.org/presentationml/2006/main">
+  <p:cSld>
+    <p:spTree>
+      <p:nvGrpSpPr>
+        <p:cNvPr id="1" name=""/>
+        <p:cNvGrpSpPr/>
+        <p:nvPr/>
+      </p:nvGrpSpPr>
+      <p:grpSpPr>
+        <a:xfrm>
+          <a:off x="0" y="0"/>
+          <a:ext cx="0" cy="0"/>
+          <a:chOff x="0" y="0"/>
+          <a:chExt cx="0" cy="0"/>
+        </a:xfrm>
+      </p:grpSpPr>
       <p:sp>
         <p:nvSpPr>
           <p:cNvPr id="2" name="Titolo 1">
@@ -12638,7 +13076,7 @@
 </p:sld>
 </file>
 
-<file path=ppt/slides/slide11.xml><?xml version="1.0" encoding="utf-8"?>
+<file path=ppt/slides/slide13.xml><?xml version="1.0" encoding="utf-8"?>
 <p:sld xmlns:a="http://schemas.openxmlformats.org/drawingml/2006/main" xmlns:r="http://schemas.openxmlformats.org/officeDocument/2006/relationships" xmlns:p="http://schemas.openxmlformats.org/presentationml/2006/main">
   <p:cSld>
     <p:spTree>
@@ -13115,7 +13553,7 @@
 </p:sld>
 </file>
 
-<file path=ppt/slides/slide12.xml><?xml version="1.0" encoding="utf-8"?>
+<file path=ppt/slides/slide14.xml><?xml version="1.0" encoding="utf-8"?>
 <p:sld xmlns:a="http://schemas.openxmlformats.org/drawingml/2006/main" xmlns:r="http://schemas.openxmlformats.org/officeDocument/2006/relationships" xmlns:p="http://schemas.openxmlformats.org/presentationml/2006/main">
   <p:cSld>
     <p:spTree>
@@ -13165,8 +13603,8 @@
           </a:p>
         </p:txBody>
       </p:sp>
-      <mc:AlternateContent xmlns:mc="http://schemas.openxmlformats.org/markup-compatibility/2006">
-        <mc:Choice xmlns:a14="http://schemas.microsoft.com/office/drawing/2010/main" Requires="a14">
+      <mc:AlternateContent xmlns:mc="http://schemas.openxmlformats.org/markup-compatibility/2006" xmlns:a14="http://schemas.microsoft.com/office/drawing/2010/main">
+        <mc:Choice Requires="a14">
           <p:sp>
             <p:nvSpPr>
               <p:cNvPr id="6" name="CasellaDiTesto 5">
@@ -13268,7 +13706,7 @@
                     <m:sSub>
                       <m:sSubPr>
                         <m:ctrlPr>
-                          <a:rPr lang="it-IT" b="0" i="0" smtClean="0">
+                          <a:rPr lang="it-IT" b="0" i="1" smtClean="0">
                             <a:latin typeface="Cambria Math" panose="02040503050406030204" pitchFamily="18" charset="0"/>
                             <a:ea typeface="Cambria Math" panose="02040503050406030204" pitchFamily="18" charset="0"/>
                           </a:rPr>
@@ -13344,7 +13782,7 @@
             </p:txBody>
           </p:sp>
         </mc:Choice>
-        <mc:Fallback>
+        <mc:Fallback xmlns="">
           <p:sp>
             <p:nvSpPr>
               <p:cNvPr id="6" name="CasellaDiTesto 5">
@@ -13402,6 +13840,117 @@
 </p:sld>
 </file>
 
+<file path=ppt/slides/slide15.xml><?xml version="1.0" encoding="utf-8"?>
+<p:sld xmlns:a="http://schemas.openxmlformats.org/drawingml/2006/main" xmlns:r="http://schemas.openxmlformats.org/officeDocument/2006/relationships" xmlns:p="http://schemas.openxmlformats.org/presentationml/2006/main">
+  <p:cSld>
+    <p:spTree>
+      <p:nvGrpSpPr>
+        <p:cNvPr id="1" name=""/>
+        <p:cNvGrpSpPr/>
+        <p:nvPr/>
+      </p:nvGrpSpPr>
+      <p:grpSpPr>
+        <a:xfrm>
+          <a:off x="0" y="0"/>
+          <a:ext cx="0" cy="0"/>
+          <a:chOff x="0" y="0"/>
+          <a:chExt cx="0" cy="0"/>
+        </a:xfrm>
+      </p:grpSpPr>
+      <p:sp>
+        <p:nvSpPr>
+          <p:cNvPr id="2" name="Titolo 1">
+            <a:extLst>
+              <a:ext uri="{FF2B5EF4-FFF2-40B4-BE49-F238E27FC236}">
+                <a16:creationId xmlns:a16="http://schemas.microsoft.com/office/drawing/2014/main" id="{904C59F9-715F-42B3-B69F-A76A0649EC22}"/>
+              </a:ext>
+            </a:extLst>
+          </p:cNvPr>
+          <p:cNvSpPr>
+            <a:spLocks noGrp="1"/>
+          </p:cNvSpPr>
+          <p:nvPr>
+            <p:ph type="title"/>
+          </p:nvPr>
+        </p:nvSpPr>
+        <p:spPr/>
+        <p:txBody>
+          <a:bodyPr/>
+          <a:lstStyle/>
+          <a:p>
+            <a:r>
+              <a:rPr lang="it-IT" dirty="0"/>
+              <a:t>Fonti</a:t>
+            </a:r>
+          </a:p>
+        </p:txBody>
+      </p:sp>
+      <p:sp>
+        <p:nvSpPr>
+          <p:cNvPr id="3" name="Segnaposto contenuto 2">
+            <a:extLst>
+              <a:ext uri="{FF2B5EF4-FFF2-40B4-BE49-F238E27FC236}">
+                <a16:creationId xmlns:a16="http://schemas.microsoft.com/office/drawing/2014/main" id="{E6D082B1-3823-4E89-BBA8-05985438D9C7}"/>
+              </a:ext>
+            </a:extLst>
+          </p:cNvPr>
+          <p:cNvSpPr>
+            <a:spLocks noGrp="1"/>
+          </p:cNvSpPr>
+          <p:nvPr>
+            <p:ph idx="1"/>
+          </p:nvPr>
+        </p:nvSpPr>
+        <p:spPr/>
+        <p:txBody>
+          <a:bodyPr>
+            <a:normAutofit/>
+          </a:bodyPr>
+          <a:lstStyle/>
+          <a:p>
+            <a:r>
+              <a:rPr lang="it-IT" sz="1600" dirty="0"/>
+              <a:t>Paper iniziale [1]: </a:t>
+            </a:r>
+            <a:r>
+              <a:rPr lang="it-IT" sz="1600" dirty="0">
+                <a:hlinkClick r:id="rId2"/>
+              </a:rPr>
+              <a:t>https://www.researchgate.net/publication/226637251_Laser_Dynamics_Modelling_and_Simulation_An_Application_of_Dynamic_Load_Balancing_of_Parallel_Cellular_Automata</a:t>
+            </a:r>
+            <a:endParaRPr lang="it-IT" sz="1600" dirty="0"/>
+          </a:p>
+          <a:p>
+            <a:endParaRPr lang="it-IT" sz="1600" dirty="0"/>
+          </a:p>
+          <a:p>
+            <a:r>
+              <a:rPr lang="it-IT" sz="1600" dirty="0"/>
+              <a:t>Dettaglio sul pompaggio di soglia e i regimi di funzionamento [2]: </a:t>
+            </a:r>
+            <a:r>
+              <a:rPr lang="it-IT" sz="1600" dirty="0">
+                <a:hlinkClick r:id="rId3"/>
+              </a:rPr>
+              <a:t>https://www.researchgate.net/publication/7525971_Cellular_automaton_model_for_the_simulation_of_laser_dynamics</a:t>
+            </a:r>
+            <a:endParaRPr lang="it-IT" sz="1600" dirty="0"/>
+          </a:p>
+        </p:txBody>
+      </p:sp>
+    </p:spTree>
+    <p:extLst>
+      <p:ext uri="{BB962C8B-B14F-4D97-AF65-F5344CB8AC3E}">
+        <p14:creationId xmlns:p14="http://schemas.microsoft.com/office/powerpoint/2010/main" val="2451398218"/>
+      </p:ext>
+    </p:extLst>
+  </p:cSld>
+  <p:clrMapOvr>
+    <a:masterClrMapping/>
+  </p:clrMapOvr>
+</p:sld>
+</file>
+
 <file path=ppt/slides/slide2.xml><?xml version="1.0" encoding="utf-8"?>
 <p:sld xmlns:a="http://schemas.openxmlformats.org/drawingml/2006/main" xmlns:r="http://schemas.openxmlformats.org/officeDocument/2006/relationships" xmlns:p="http://schemas.openxmlformats.org/presentationml/2006/main">
   <p:cSld>
@@ -13471,7 +14020,7 @@
         <p:spPr>
           <a:xfrm>
             <a:off x="4806892" y="1392838"/>
-            <a:ext cx="6240519" cy="5007961"/>
+            <a:ext cx="6240519" cy="2474487"/>
           </a:xfrm>
         </p:spPr>
         <p:txBody>
@@ -13486,7 +14035,7 @@
           <a:p>
             <a:r>
               <a:rPr lang="it-IT" dirty="0"/>
-              <a:t>Gli automi cellulari sono sistemi computazionali semplici che si prestano bene a descrivere sistemi di equazioni differenziali avanzati.</a:t>
+              <a:t>Gli automi cellulari sono modelli algoritmici semplici che si prestano bene a descrivere sistemi di equazioni differenziali di questo tipo.</a:t>
             </a:r>
           </a:p>
           <a:p>
@@ -13523,7 +14072,7 @@
         </p:blipFill>
         <p:spPr bwMode="auto">
           <a:xfrm>
-            <a:off x="273253" y="2645825"/>
+            <a:off x="331976" y="2142486"/>
             <a:ext cx="4156133" cy="1566350"/>
           </a:xfrm>
           <a:prstGeom prst="rect">
@@ -13541,6 +14090,132 @@
           </a:extLst>
         </p:spPr>
       </p:pic>
+      <p:sp>
+        <p:nvSpPr>
+          <p:cNvPr id="4" name="CasellaDiTesto 3">
+            <a:extLst>
+              <a:ext uri="{FF2B5EF4-FFF2-40B4-BE49-F238E27FC236}">
+                <a16:creationId xmlns:a16="http://schemas.microsoft.com/office/drawing/2014/main" id="{22875600-16EA-4D9E-A6D1-BDE7866AE24D}"/>
+              </a:ext>
+            </a:extLst>
+          </p:cNvPr>
+          <p:cNvSpPr txBox="1"/>
+          <p:nvPr/>
+        </p:nvSpPr>
+        <p:spPr>
+          <a:xfrm>
+            <a:off x="1040235" y="3967993"/>
+            <a:ext cx="10007176" cy="1477328"/>
+          </a:xfrm>
+          <a:prstGeom prst="rect">
+            <a:avLst/>
+          </a:prstGeom>
+          <a:noFill/>
+        </p:spPr>
+        <p:txBody>
+          <a:bodyPr wrap="square" rtlCol="0">
+            <a:spAutoFit/>
+          </a:bodyPr>
+          <a:lstStyle/>
+          <a:p>
+            <a:r>
+              <a:rPr lang="it-IT" dirty="0">
+                <a:latin typeface="Arial" panose="020B0604020202020204" pitchFamily="34" charset="0"/>
+                <a:cs typeface="Arial" panose="020B0604020202020204" pitchFamily="34" charset="0"/>
+              </a:rPr>
+              <a:t>E’ inevitabile fare assunzioni semplificative su determinati parametri: ad esempio la simulazione non basa il pompaggio sulla corrente, non lavoriamo con una </a:t>
+            </a:r>
+            <a:r>
+              <a:rPr lang="it-IT" i="1" dirty="0" err="1">
+                <a:latin typeface="Arial" panose="020B0604020202020204" pitchFamily="34" charset="0"/>
+                <a:cs typeface="Arial" panose="020B0604020202020204" pitchFamily="34" charset="0"/>
+              </a:rPr>
+              <a:t>stimulated</a:t>
+            </a:r>
+            <a:r>
+              <a:rPr lang="it-IT" i="1" dirty="0">
+                <a:latin typeface="Arial" panose="020B0604020202020204" pitchFamily="34" charset="0"/>
+                <a:cs typeface="Arial" panose="020B0604020202020204" pitchFamily="34" charset="0"/>
+              </a:rPr>
+              <a:t> </a:t>
+            </a:r>
+            <a:r>
+              <a:rPr lang="it-IT" i="1" dirty="0" err="1">
+                <a:latin typeface="Arial" panose="020B0604020202020204" pitchFamily="34" charset="0"/>
+                <a:cs typeface="Arial" panose="020B0604020202020204" pitchFamily="34" charset="0"/>
+              </a:rPr>
+              <a:t>emission</a:t>
+            </a:r>
+            <a:r>
+              <a:rPr lang="it-IT" i="1" dirty="0">
+                <a:latin typeface="Arial" panose="020B0604020202020204" pitchFamily="34" charset="0"/>
+                <a:cs typeface="Arial" panose="020B0604020202020204" pitchFamily="34" charset="0"/>
+              </a:rPr>
+              <a:t> cross-</a:t>
+            </a:r>
+            <a:r>
+              <a:rPr lang="it-IT" i="1" dirty="0" err="1">
+                <a:latin typeface="Arial" panose="020B0604020202020204" pitchFamily="34" charset="0"/>
+                <a:cs typeface="Arial" panose="020B0604020202020204" pitchFamily="34" charset="0"/>
+              </a:rPr>
+              <a:t>section</a:t>
+            </a:r>
+            <a:r>
+              <a:rPr lang="it-IT" dirty="0">
+                <a:latin typeface="Arial" panose="020B0604020202020204" pitchFamily="34" charset="0"/>
+                <a:cs typeface="Arial" panose="020B0604020202020204" pitchFamily="34" charset="0"/>
+              </a:rPr>
+              <a:t>, ma con una «soglia di emissione stimolata», usiamo una </a:t>
+            </a:r>
+            <a:r>
+              <a:rPr lang="it-IT" dirty="0" err="1">
+                <a:latin typeface="Arial" panose="020B0604020202020204" pitchFamily="34" charset="0"/>
+                <a:cs typeface="Arial" panose="020B0604020202020204" pitchFamily="34" charset="0"/>
+              </a:rPr>
+              <a:t>pumping</a:t>
+            </a:r>
+            <a:r>
+              <a:rPr lang="it-IT" dirty="0">
+                <a:latin typeface="Arial" panose="020B0604020202020204" pitchFamily="34" charset="0"/>
+                <a:cs typeface="Arial" panose="020B0604020202020204" pitchFamily="34" charset="0"/>
+              </a:rPr>
+              <a:t> </a:t>
+            </a:r>
+            <a:r>
+              <a:rPr lang="it-IT" dirty="0" err="1">
+                <a:latin typeface="Arial" panose="020B0604020202020204" pitchFamily="34" charset="0"/>
+                <a:cs typeface="Arial" panose="020B0604020202020204" pitchFamily="34" charset="0"/>
+              </a:rPr>
+              <a:t>probability</a:t>
+            </a:r>
+            <a:r>
+              <a:rPr lang="it-IT" dirty="0">
+                <a:latin typeface="Arial" panose="020B0604020202020204" pitchFamily="34" charset="0"/>
+                <a:cs typeface="Arial" panose="020B0604020202020204" pitchFamily="34" charset="0"/>
+              </a:rPr>
+              <a:t> (tuttavia facilmente riconducibile ad una </a:t>
+            </a:r>
+            <a:r>
+              <a:rPr lang="it-IT" i="1" dirty="0">
+                <a:latin typeface="Arial" panose="020B0604020202020204" pitchFamily="34" charset="0"/>
+                <a:cs typeface="Arial" panose="020B0604020202020204" pitchFamily="34" charset="0"/>
+              </a:rPr>
+              <a:t>rate</a:t>
+            </a:r>
+            <a:r>
+              <a:rPr lang="it-IT" dirty="0">
+                <a:latin typeface="Arial" panose="020B0604020202020204" pitchFamily="34" charset="0"/>
+                <a:cs typeface="Arial" panose="020B0604020202020204" pitchFamily="34" charset="0"/>
+              </a:rPr>
+              <a:t> a regime). Il modello del rumore è probabilmente quello che più risente della semplificazione.</a:t>
+            </a:r>
+            <a:endParaRPr lang="it-IT" i="1" dirty="0">
+              <a:latin typeface="Arial" panose="020B0604020202020204" pitchFamily="34" charset="0"/>
+              <a:cs typeface="Arial" panose="020B0604020202020204" pitchFamily="34" charset="0"/>
+            </a:endParaRPr>
+          </a:p>
+        </p:txBody>
+      </p:sp>
     </p:spTree>
     <p:extLst>
       <p:ext uri="{BB962C8B-B14F-4D97-AF65-F5344CB8AC3E}">
@@ -13674,7 +14349,7 @@
             </a:r>
             <a:r>
               <a:rPr lang="it-IT" dirty="0"/>
-              <a:t> istantanee e non radiative.</a:t>
+              <a:t> istantanei e non radiativi.</a:t>
             </a:r>
           </a:p>
           <a:p>
@@ -13813,6 +14488,77 @@
           </a:prstGeom>
         </p:spPr>
       </p:pic>
+      <p:sp>
+        <p:nvSpPr>
+          <p:cNvPr id="4" name="CasellaDiTesto 3">
+            <a:extLst>
+              <a:ext uri="{FF2B5EF4-FFF2-40B4-BE49-F238E27FC236}">
+                <a16:creationId xmlns:a16="http://schemas.microsoft.com/office/drawing/2014/main" id="{C2F8297F-04E3-40DC-ABAC-361ED2085971}"/>
+              </a:ext>
+            </a:extLst>
+          </p:cNvPr>
+          <p:cNvSpPr txBox="1"/>
+          <p:nvPr/>
+        </p:nvSpPr>
+        <p:spPr>
+          <a:xfrm>
+            <a:off x="847798" y="4530055"/>
+            <a:ext cx="3803798" cy="1477328"/>
+          </a:xfrm>
+          <a:prstGeom prst="rect">
+            <a:avLst/>
+          </a:prstGeom>
+          <a:noFill/>
+        </p:spPr>
+        <p:txBody>
+          <a:bodyPr wrap="square" rtlCol="0">
+            <a:spAutoFit/>
+          </a:bodyPr>
+          <a:lstStyle/>
+          <a:p>
+            <a:r>
+              <a:rPr lang="it-IT" dirty="0"/>
+              <a:t>Si tratta dell’automa di base, quello descritto nel paper di partenza</a:t>
+            </a:r>
+            <a:r>
+              <a:rPr lang="it-IT" baseline="30000" dirty="0"/>
+              <a:t>[1]</a:t>
+            </a:r>
+            <a:r>
+              <a:rPr lang="it-IT" dirty="0"/>
+              <a:t>: l’emissione spontanea e l’eccitazione termica sono condensate in una </a:t>
+            </a:r>
+            <a:r>
+              <a:rPr lang="it-IT" i="1" dirty="0" err="1"/>
+              <a:t>noise</a:t>
+            </a:r>
+            <a:r>
+              <a:rPr lang="it-IT" i="1" dirty="0"/>
+              <a:t> </a:t>
+            </a:r>
+            <a:r>
+              <a:rPr lang="it-IT" i="1" dirty="0" err="1"/>
+              <a:t>photon</a:t>
+            </a:r>
+            <a:r>
+              <a:rPr lang="it-IT" i="1" dirty="0"/>
+              <a:t> </a:t>
+            </a:r>
+            <a:r>
+              <a:rPr lang="it-IT" i="1" dirty="0" err="1"/>
+              <a:t>creation</a:t>
+            </a:r>
+            <a:r>
+              <a:rPr lang="it-IT" i="1" dirty="0"/>
+              <a:t> rule</a:t>
+            </a:r>
+            <a:r>
+              <a:rPr lang="it-IT" dirty="0"/>
+              <a:t>.</a:t>
+            </a:r>
+          </a:p>
+        </p:txBody>
+      </p:sp>
     </p:spTree>
     <p:extLst>
       <p:ext uri="{BB962C8B-B14F-4D97-AF65-F5344CB8AC3E}">
@@ -13862,7 +14608,7 @@
         <p:spPr>
           <a:xfrm>
             <a:off x="1141413" y="327514"/>
-            <a:ext cx="9905998" cy="1478570"/>
+            <a:ext cx="9905998" cy="855334"/>
           </a:xfrm>
         </p:spPr>
         <p:txBody>
@@ -13894,19 +14640,19 @@
         </p:nvSpPr>
         <p:spPr>
           <a:xfrm>
-            <a:off x="1141412" y="1551962"/>
-            <a:ext cx="9905999" cy="4714613"/>
+            <a:off x="1141412" y="1057014"/>
+            <a:ext cx="9905999" cy="5209562"/>
           </a:xfrm>
         </p:spPr>
         <p:txBody>
           <a:bodyPr>
-            <a:normAutofit lnSpcReduction="10000"/>
+            <a:normAutofit/>
           </a:bodyPr>
           <a:lstStyle/>
           <a:p>
             <a:r>
               <a:rPr lang="it-IT" dirty="0"/>
-              <a:t>L’automa è rappresentato da reticolo bidimensionale, in cui ogni cella ha un suo stato.</a:t>
+              <a:t>L’automa è rappresentato da un reticolo bidimensionale, in cui ogni cella ha un suo stato.</a:t>
             </a:r>
           </a:p>
           <a:p>
@@ -14035,8 +14781,8 @@
         </p:nvSpPr>
         <p:spPr>
           <a:xfrm>
-            <a:off x="3766657" y="906012"/>
-            <a:ext cx="8245488" cy="5444454"/>
+            <a:off x="679508" y="906012"/>
+            <a:ext cx="11332637" cy="5444454"/>
           </a:xfrm>
         </p:spPr>
         <p:txBody>
@@ -14117,7 +14863,7 @@
             </a:pPr>
             <a:r>
               <a:rPr lang="it-IT" dirty="0"/>
-              <a:t>Allo scadere del tempo di vita del fotone, viene distrutto.</a:t>
+              <a:t>Allo scadere del tempo di vita del fotone, questo viene distrutto.</a:t>
             </a:r>
           </a:p>
           <a:p>
@@ -14148,7 +14894,7 @@
             </a:pPr>
             <a:r>
               <a:rPr lang="it-IT" dirty="0"/>
-              <a:t>Allo scadere del tempo di vita dell’elettrone, avviene un decadimento non radiativo spontaneo.</a:t>
+              <a:t>Allo scadere del tempo di vita dell’elettrone, si assiste ad un decadimento non radiativo.</a:t>
             </a:r>
           </a:p>
           <a:p>
@@ -14243,8 +14989,8 @@
         </p:nvSpPr>
         <p:spPr>
           <a:xfrm>
-            <a:off x="3766657" y="906012"/>
-            <a:ext cx="8245488" cy="5444454"/>
+            <a:off x="783862" y="931179"/>
+            <a:ext cx="11408138" cy="5444454"/>
           </a:xfrm>
         </p:spPr>
         <p:txBody>
@@ -15063,28 +15809,6 @@
                   </a:schemeClr>
                 </a:solidFill>
               </a:rPr>
-              <a:t>molto </a:t>
-            </a:r>
-            <a:r>
-              <a:rPr lang="en-US" dirty="0" err="1">
-                <a:solidFill>
-                  <a:schemeClr val="bg1">
-                    <a:lumMod val="95000"/>
-                    <a:lumOff val="5000"/>
-                  </a:schemeClr>
-                </a:solidFill>
-              </a:rPr>
-              <a:t>vicini</a:t>
-            </a:r>
-            <a:r>
-              <a:rPr lang="en-US" dirty="0">
-                <a:solidFill>
-                  <a:schemeClr val="bg1">
-                    <a:lumMod val="95000"/>
-                    <a:lumOff val="5000"/>
-                  </a:schemeClr>
-                </a:solidFill>
-              </a:rPr>
               <a:t>, il regime di </a:t>
             </a:r>
             <a:r>
@@ -15553,6 +16277,36 @@
           <a:chExt cx="0" cy="0"/>
         </a:xfrm>
       </p:grpSpPr>
+      <p:pic>
+        <p:nvPicPr>
+          <p:cNvPr id="10" name="Immagine 9">
+            <a:extLst>
+              <a:ext uri="{FF2B5EF4-FFF2-40B4-BE49-F238E27FC236}">
+                <a16:creationId xmlns:a16="http://schemas.microsoft.com/office/drawing/2014/main" id="{8E61818A-3793-4BD5-AACD-7CE3758C054E}"/>
+              </a:ext>
+            </a:extLst>
+          </p:cNvPr>
+          <p:cNvPicPr>
+            <a:picLocks noChangeAspect="1"/>
+          </p:cNvPicPr>
+          <p:nvPr/>
+        </p:nvPicPr>
+        <p:blipFill>
+          <a:blip r:embed="rId2"/>
+          <a:stretch>
+            <a:fillRect/>
+          </a:stretch>
+        </p:blipFill>
+        <p:spPr>
+          <a:xfrm>
+            <a:off x="1141413" y="1457485"/>
+            <a:ext cx="9456512" cy="5145543"/>
+          </a:xfrm>
+          <a:prstGeom prst="rect">
+            <a:avLst/>
+          </a:prstGeom>
+        </p:spPr>
+      </p:pic>
       <p:sp>
         <p:nvSpPr>
           <p:cNvPr id="2" name="Titolo 1">
@@ -15631,61 +16385,6 @@
       </p:sp>
       <p:sp>
         <p:nvSpPr>
-          <p:cNvPr id="5" name="CasellaDiTesto 4">
-            <a:extLst>
-              <a:ext uri="{FF2B5EF4-FFF2-40B4-BE49-F238E27FC236}">
-                <a16:creationId xmlns:a16="http://schemas.microsoft.com/office/drawing/2014/main" id="{1D8C7D55-2EE2-4CF5-B0CA-92D5394A27F6}"/>
-              </a:ext>
-            </a:extLst>
-          </p:cNvPr>
-          <p:cNvSpPr txBox="1"/>
-          <p:nvPr/>
-        </p:nvSpPr>
-        <p:spPr>
-          <a:xfrm>
-            <a:off x="1031846" y="1639159"/>
-            <a:ext cx="2978092" cy="584775"/>
-          </a:xfrm>
-          <a:prstGeom prst="rect">
-            <a:avLst/>
-          </a:prstGeom>
-          <a:noFill/>
-        </p:spPr>
-        <p:txBody>
-          <a:bodyPr wrap="square" rtlCol="0">
-            <a:spAutoFit/>
-          </a:bodyPr>
-          <a:lstStyle/>
-          <a:p>
-            <a:r>
-              <a:rPr lang="it-IT" sz="1600" dirty="0">
-                <a:solidFill>
-                  <a:schemeClr val="accent3">
-                    <a:lumMod val="50000"/>
-                  </a:schemeClr>
-                </a:solidFill>
-                <a:latin typeface="Calibri" panose="020F0502020204030204" pitchFamily="34" charset="0"/>
-                <a:cs typeface="Calibri" panose="020F0502020204030204" pitchFamily="34" charset="0"/>
-              </a:rPr>
-              <a:t>Aumentando</a:t>
-            </a:r>
-            <a:r>
-              <a:rPr lang="it-IT" sz="1600" dirty="0">
-                <a:solidFill>
-                  <a:schemeClr val="accent3">
-                    <a:lumMod val="75000"/>
-                  </a:schemeClr>
-                </a:solidFill>
-                <a:latin typeface="Calibri" panose="020F0502020204030204" pitchFamily="34" charset="0"/>
-                <a:cs typeface="Calibri" panose="020F0502020204030204" pitchFamily="34" charset="0"/>
-              </a:rPr>
-              <a:t> la probabilità di rumore la soglia si alza</a:t>
-            </a:r>
-          </a:p>
-        </p:txBody>
-      </p:sp>
-      <p:sp>
-        <p:nvSpPr>
           <p:cNvPr id="6" name="CasellaDiTesto 5">
             <a:extLst>
               <a:ext uri="{FF2B5EF4-FFF2-40B4-BE49-F238E27FC236}">
@@ -15698,7 +16397,7 @@
         </p:nvSpPr>
         <p:spPr>
           <a:xfrm>
-            <a:off x="8256166" y="2598003"/>
+            <a:off x="2685875" y="1813875"/>
             <a:ext cx="3438088" cy="830997"/>
           </a:xfrm>
           <a:prstGeom prst="rect">
@@ -15735,73 +16434,6 @@
                 <a:cs typeface="Calibri" panose="020F0502020204030204" pitchFamily="34" charset="0"/>
               </a:rPr>
               <a:t> il tempo di vita della cavità o dei portatori, la soglia si abbassa</a:t>
-            </a:r>
-          </a:p>
-        </p:txBody>
-      </p:sp>
-      <p:sp>
-        <p:nvSpPr>
-          <p:cNvPr id="7" name="CasellaDiTesto 6">
-            <a:extLst>
-              <a:ext uri="{FF2B5EF4-FFF2-40B4-BE49-F238E27FC236}">
-                <a16:creationId xmlns:a16="http://schemas.microsoft.com/office/drawing/2014/main" id="{C2BE6774-1976-4244-99DF-B710584B976F}"/>
-              </a:ext>
-            </a:extLst>
-          </p:cNvPr>
-          <p:cNvSpPr txBox="1"/>
-          <p:nvPr/>
-        </p:nvSpPr>
-        <p:spPr>
-          <a:xfrm>
-            <a:off x="1031846" y="4341679"/>
-            <a:ext cx="3438088" cy="584775"/>
-          </a:xfrm>
-          <a:prstGeom prst="rect">
-            <a:avLst/>
-          </a:prstGeom>
-          <a:noFill/>
-        </p:spPr>
-        <p:txBody>
-          <a:bodyPr wrap="square" rtlCol="0">
-            <a:spAutoFit/>
-          </a:bodyPr>
-          <a:lstStyle/>
-          <a:p>
-            <a:r>
-              <a:rPr lang="it-IT" sz="1600" dirty="0">
-                <a:solidFill>
-                  <a:schemeClr val="accent3">
-                    <a:lumMod val="75000"/>
-                  </a:schemeClr>
-                </a:solidFill>
-                <a:latin typeface="Calibri" panose="020F0502020204030204" pitchFamily="34" charset="0"/>
-                <a:cs typeface="Calibri" panose="020F0502020204030204" pitchFamily="34" charset="0"/>
-              </a:rPr>
-              <a:t>Al </a:t>
-            </a:r>
-            <a:r>
-              <a:rPr lang="it-IT" sz="1600" dirty="0">
-                <a:solidFill>
-                  <a:schemeClr val="bg2">
-                    <a:lumMod val="50000"/>
-                  </a:schemeClr>
-                </a:solidFill>
-                <a:latin typeface="Calibri" panose="020F0502020204030204" pitchFamily="34" charset="0"/>
-                <a:cs typeface="Calibri" panose="020F0502020204030204" pitchFamily="34" charset="0"/>
-              </a:rPr>
-              <a:t>diminuire</a:t>
-            </a:r>
-            <a:r>
-              <a:rPr lang="it-IT" sz="1600" dirty="0">
-                <a:solidFill>
-                  <a:schemeClr val="accent3">
-                    <a:lumMod val="75000"/>
-                  </a:schemeClr>
-                </a:solidFill>
-                <a:latin typeface="Calibri" panose="020F0502020204030204" pitchFamily="34" charset="0"/>
-                <a:cs typeface="Calibri" panose="020F0502020204030204" pitchFamily="34" charset="0"/>
-              </a:rPr>
-              <a:t> della probabilità di emissione stimolata, la soglia si alza</a:t>
             </a:r>
           </a:p>
         </p:txBody>

--- a/Presentation/PresentazioneDispositivi.pptx
+++ b/Presentation/PresentazioneDispositivi.pptx
@@ -16,10 +16,11 @@
     <p:sldId id="263" r:id="rId10"/>
     <p:sldId id="269" r:id="rId11"/>
     <p:sldId id="270" r:id="rId12"/>
-    <p:sldId id="266" r:id="rId13"/>
-    <p:sldId id="262" r:id="rId14"/>
-    <p:sldId id="264" r:id="rId15"/>
-    <p:sldId id="268" r:id="rId16"/>
+    <p:sldId id="271" r:id="rId13"/>
+    <p:sldId id="266" r:id="rId14"/>
+    <p:sldId id="262" r:id="rId15"/>
+    <p:sldId id="264" r:id="rId16"/>
+    <p:sldId id="268" r:id="rId17"/>
   </p:sldIdLst>
   <p:sldSz cx="12192000" cy="6858000"/>
   <p:notesSz cx="6858000" cy="9144000"/>
@@ -13008,6 +13009,134 @@
           <p:cNvPr id="2" name="Titolo 1">
             <a:extLst>
               <a:ext uri="{FF2B5EF4-FFF2-40B4-BE49-F238E27FC236}">
+                <a16:creationId xmlns:a16="http://schemas.microsoft.com/office/drawing/2014/main" id="{CC006EDA-8666-46F4-A97B-B8A01C5E6234}"/>
+              </a:ext>
+            </a:extLst>
+          </p:cNvPr>
+          <p:cNvSpPr>
+            <a:spLocks noGrp="1"/>
+          </p:cNvSpPr>
+          <p:nvPr>
+            <p:ph type="title"/>
+          </p:nvPr>
+        </p:nvSpPr>
+        <p:spPr>
+          <a:xfrm>
+            <a:off x="1143001" y="115179"/>
+            <a:ext cx="9905998" cy="836543"/>
+          </a:xfrm>
+        </p:spPr>
+        <p:txBody>
+          <a:bodyPr/>
+          <a:lstStyle/>
+          <a:p>
+            <a:r>
+              <a:rPr lang="it-IT" dirty="0"/>
+              <a:t>Saturazione del pompaggio</a:t>
+            </a:r>
+          </a:p>
+        </p:txBody>
+      </p:sp>
+      <p:pic>
+        <p:nvPicPr>
+          <p:cNvPr id="7" name="Immagine 6">
+            <a:extLst>
+              <a:ext uri="{FF2B5EF4-FFF2-40B4-BE49-F238E27FC236}">
+                <a16:creationId xmlns:a16="http://schemas.microsoft.com/office/drawing/2014/main" id="{AA516C9A-7107-43C7-9A07-C0743735B52B}"/>
+              </a:ext>
+            </a:extLst>
+          </p:cNvPr>
+          <p:cNvPicPr>
+            <a:picLocks noChangeAspect="1"/>
+          </p:cNvPicPr>
+          <p:nvPr/>
+        </p:nvPicPr>
+        <p:blipFill>
+          <a:blip r:embed="rId2"/>
+          <a:stretch>
+            <a:fillRect/>
+          </a:stretch>
+        </p:blipFill>
+        <p:spPr>
+          <a:xfrm>
+            <a:off x="1143001" y="1034376"/>
+            <a:ext cx="10017967" cy="5592308"/>
+          </a:xfrm>
+          <a:prstGeom prst="rect">
+            <a:avLst/>
+          </a:prstGeom>
+        </p:spPr>
+      </p:pic>
+    </p:spTree>
+    <p:extLst>
+      <p:ext uri="{BB962C8B-B14F-4D97-AF65-F5344CB8AC3E}">
+        <p14:creationId xmlns:p14="http://schemas.microsoft.com/office/powerpoint/2010/main" val="543740127"/>
+      </p:ext>
+    </p:extLst>
+  </p:cSld>
+  <p:clrMapOvr>
+    <a:masterClrMapping/>
+  </p:clrMapOvr>
+</p:sld>
+</file>
+
+<file path=ppt/slides/slide13.xml><?xml version="1.0" encoding="utf-8"?>
+<p:sld xmlns:a="http://schemas.openxmlformats.org/drawingml/2006/main" xmlns:r="http://schemas.openxmlformats.org/officeDocument/2006/relationships" xmlns:p="http://schemas.openxmlformats.org/presentationml/2006/main">
+  <p:cSld>
+    <p:spTree>
+      <p:nvGrpSpPr>
+        <p:cNvPr id="1" name=""/>
+        <p:cNvGrpSpPr/>
+        <p:nvPr/>
+      </p:nvGrpSpPr>
+      <p:grpSpPr>
+        <a:xfrm>
+          <a:off x="0" y="0"/>
+          <a:ext cx="0" cy="0"/>
+          <a:chOff x="0" y="0"/>
+          <a:chExt cx="0" cy="0"/>
+        </a:xfrm>
+      </p:grpSpPr>
+      <p:pic>
+        <p:nvPicPr>
+          <p:cNvPr id="9" name="Immagine 8">
+            <a:extLst>
+              <a:ext uri="{FF2B5EF4-FFF2-40B4-BE49-F238E27FC236}">
+                <a16:creationId xmlns:a16="http://schemas.microsoft.com/office/drawing/2014/main" id="{DB96D833-2CA2-4E87-BC89-CF5B28C2B6C7}"/>
+              </a:ext>
+            </a:extLst>
+          </p:cNvPr>
+          <p:cNvPicPr>
+            <a:picLocks noChangeAspect="1"/>
+          </p:cNvPicPr>
+          <p:nvPr/>
+        </p:nvPicPr>
+        <p:blipFill>
+          <a:blip r:embed="rId2">
+            <a:extLst>
+              <a:ext uri="{28A0092B-C50C-407E-A947-70E740481C1C}">
+                <a14:useLocalDpi xmlns:a14="http://schemas.microsoft.com/office/drawing/2010/main" val="0"/>
+              </a:ext>
+            </a:extLst>
+          </a:blip>
+          <a:srcRect/>
+          <a:stretch/>
+        </p:blipFill>
+        <p:spPr>
+          <a:xfrm>
+            <a:off x="1023457" y="1081196"/>
+            <a:ext cx="9615933" cy="5636458"/>
+          </a:xfrm>
+          <a:prstGeom prst="rect">
+            <a:avLst/>
+          </a:prstGeom>
+        </p:spPr>
+      </p:pic>
+      <p:sp>
+        <p:nvSpPr>
+          <p:cNvPr id="2" name="Titolo 1">
+            <a:extLst>
+              <a:ext uri="{FF2B5EF4-FFF2-40B4-BE49-F238E27FC236}">
                 <a16:creationId xmlns:a16="http://schemas.microsoft.com/office/drawing/2014/main" id="{737EED46-2CEC-4331-AE1A-FCDABC855ED3}"/>
               </a:ext>
             </a:extLst>
@@ -13040,26 +13169,261 @@
       </p:sp>
       <p:sp>
         <p:nvSpPr>
-          <p:cNvPr id="3" name="Segnaposto contenuto 2">
+          <p:cNvPr id="4" name="CasellaDiTesto 3">
             <a:extLst>
               <a:ext uri="{FF2B5EF4-FFF2-40B4-BE49-F238E27FC236}">
-                <a16:creationId xmlns:a16="http://schemas.microsoft.com/office/drawing/2014/main" id="{7377F98E-2AEB-4F25-8915-A3AF04B6BBD1}"/>
+                <a16:creationId xmlns:a16="http://schemas.microsoft.com/office/drawing/2014/main" id="{74C64865-A829-4429-AB93-B773EBBAFDD1}"/>
               </a:ext>
             </a:extLst>
           </p:cNvPr>
-          <p:cNvSpPr>
-            <a:spLocks noGrp="1"/>
-          </p:cNvSpPr>
-          <p:nvPr>
-            <p:ph idx="1"/>
-          </p:nvPr>
+          <p:cNvSpPr txBox="1"/>
+          <p:nvPr/>
         </p:nvSpPr>
-        <p:spPr/>
+        <p:spPr>
+          <a:xfrm>
+            <a:off x="928635" y="6409877"/>
+            <a:ext cx="1081671" cy="307777"/>
+          </a:xfrm>
+          <a:prstGeom prst="rect">
+            <a:avLst/>
+          </a:prstGeom>
+          <a:noFill/>
+        </p:spPr>
         <p:txBody>
-          <a:bodyPr/>
+          <a:bodyPr wrap="square" rtlCol="0">
+            <a:spAutoFit/>
+          </a:bodyPr>
           <a:lstStyle/>
           <a:p>
-            <a:endParaRPr lang="it-IT" dirty="0"/>
+            <a:r>
+              <a:rPr lang="it-IT" sz="1400" dirty="0">
+                <a:solidFill>
+                  <a:schemeClr val="bg1"/>
+                </a:solidFill>
+                <a:latin typeface="Calibri" panose="020F0502020204030204" pitchFamily="34" charset="0"/>
+                <a:cs typeface="Calibri" panose="020F0502020204030204" pitchFamily="34" charset="0"/>
+              </a:rPr>
+              <a:t>QUIETE</a:t>
+            </a:r>
+          </a:p>
+        </p:txBody>
+      </p:sp>
+      <p:sp>
+        <p:nvSpPr>
+          <p:cNvPr id="5" name="CasellaDiTesto 4">
+            <a:extLst>
+              <a:ext uri="{FF2B5EF4-FFF2-40B4-BE49-F238E27FC236}">
+                <a16:creationId xmlns:a16="http://schemas.microsoft.com/office/drawing/2014/main" id="{2C1AF59F-E41D-473E-B768-D2216007A40B}"/>
+              </a:ext>
+            </a:extLst>
+          </p:cNvPr>
+          <p:cNvSpPr txBox="1"/>
+          <p:nvPr/>
+        </p:nvSpPr>
+        <p:spPr>
+          <a:xfrm>
+            <a:off x="1469471" y="3405116"/>
+            <a:ext cx="1449897" cy="369332"/>
+          </a:xfrm>
+          <a:prstGeom prst="rect">
+            <a:avLst/>
+          </a:prstGeom>
+          <a:noFill/>
+        </p:spPr>
+        <p:txBody>
+          <a:bodyPr wrap="square" rtlCol="0">
+            <a:spAutoFit/>
+          </a:bodyPr>
+          <a:lstStyle/>
+          <a:p>
+            <a:r>
+              <a:rPr lang="it-IT" dirty="0">
+                <a:solidFill>
+                  <a:schemeClr val="bg1"/>
+                </a:solidFill>
+                <a:latin typeface="Calibri" panose="020F0502020204030204" pitchFamily="34" charset="0"/>
+                <a:cs typeface="Calibri" panose="020F0502020204030204" pitchFamily="34" charset="0"/>
+              </a:rPr>
+              <a:t>POMPAGGIO</a:t>
+            </a:r>
+          </a:p>
+        </p:txBody>
+      </p:sp>
+      <p:sp>
+        <p:nvSpPr>
+          <p:cNvPr id="6" name="CasellaDiTesto 5">
+            <a:extLst>
+              <a:ext uri="{FF2B5EF4-FFF2-40B4-BE49-F238E27FC236}">
+                <a16:creationId xmlns:a16="http://schemas.microsoft.com/office/drawing/2014/main" id="{55F1AC3A-5868-45B9-8610-BBB18A652452}"/>
+              </a:ext>
+            </a:extLst>
+          </p:cNvPr>
+          <p:cNvSpPr txBox="1"/>
+          <p:nvPr/>
+        </p:nvSpPr>
+        <p:spPr>
+          <a:xfrm>
+            <a:off x="5239433" y="3463136"/>
+            <a:ext cx="1709955" cy="461665"/>
+          </a:xfrm>
+          <a:prstGeom prst="rect">
+            <a:avLst/>
+          </a:prstGeom>
+          <a:noFill/>
+        </p:spPr>
+        <p:txBody>
+          <a:bodyPr wrap="square" rtlCol="0">
+            <a:spAutoFit/>
+          </a:bodyPr>
+          <a:lstStyle/>
+          <a:p>
+            <a:r>
+              <a:rPr lang="it-IT" sz="1200" dirty="0">
+                <a:solidFill>
+                  <a:schemeClr val="bg1"/>
+                </a:solidFill>
+                <a:latin typeface="Calibri" panose="020F0502020204030204" pitchFamily="34" charset="0"/>
+                <a:cs typeface="Calibri" panose="020F0502020204030204" pitchFamily="34" charset="0"/>
+              </a:rPr>
+              <a:t>DOMINA EMISSIONE STIMOLATA</a:t>
+            </a:r>
+          </a:p>
+        </p:txBody>
+      </p:sp>
+      <p:sp>
+        <p:nvSpPr>
+          <p:cNvPr id="7" name="CasellaDiTesto 6">
+            <a:extLst>
+              <a:ext uri="{FF2B5EF4-FFF2-40B4-BE49-F238E27FC236}">
+                <a16:creationId xmlns:a16="http://schemas.microsoft.com/office/drawing/2014/main" id="{A4280452-2190-4864-B245-81A6864D1F85}"/>
+              </a:ext>
+            </a:extLst>
+          </p:cNvPr>
+          <p:cNvSpPr txBox="1"/>
+          <p:nvPr/>
+        </p:nvSpPr>
+        <p:spPr>
+          <a:xfrm>
+            <a:off x="9133445" y="5389827"/>
+            <a:ext cx="1709955" cy="369332"/>
+          </a:xfrm>
+          <a:prstGeom prst="rect">
+            <a:avLst/>
+          </a:prstGeom>
+          <a:noFill/>
+        </p:spPr>
+        <p:txBody>
+          <a:bodyPr wrap="square" rtlCol="0">
+            <a:spAutoFit/>
+          </a:bodyPr>
+          <a:lstStyle/>
+          <a:p>
+            <a:r>
+              <a:rPr lang="it-IT" dirty="0">
+                <a:solidFill>
+                  <a:schemeClr val="bg1"/>
+                </a:solidFill>
+                <a:latin typeface="Calibri" panose="020F0502020204030204" pitchFamily="34" charset="0"/>
+                <a:cs typeface="Calibri" panose="020F0502020204030204" pitchFamily="34" charset="0"/>
+              </a:rPr>
+              <a:t>EQUILIBRIO</a:t>
+            </a:r>
+          </a:p>
+        </p:txBody>
+      </p:sp>
+      <p:cxnSp>
+        <p:nvCxnSpPr>
+          <p:cNvPr id="11" name="Connettore 2 10">
+            <a:extLst>
+              <a:ext uri="{FF2B5EF4-FFF2-40B4-BE49-F238E27FC236}">
+                <a16:creationId xmlns:a16="http://schemas.microsoft.com/office/drawing/2014/main" id="{7386E78F-2B63-4B44-B45F-E0FC601A80E5}"/>
+              </a:ext>
+            </a:extLst>
+          </p:cNvPr>
+          <p:cNvCxnSpPr>
+            <a:cxnSpLocks/>
+          </p:cNvCxnSpPr>
+          <p:nvPr/>
+        </p:nvCxnSpPr>
+        <p:spPr>
+          <a:xfrm>
+            <a:off x="5924401" y="3899425"/>
+            <a:ext cx="0" cy="404127"/>
+          </a:xfrm>
+          <a:prstGeom prst="straightConnector1">
+            <a:avLst/>
+          </a:prstGeom>
+          <a:ln>
+            <a:tailEnd type="triangle"/>
+          </a:ln>
+        </p:spPr>
+        <p:style>
+          <a:lnRef idx="1">
+            <a:schemeClr val="dk1"/>
+          </a:lnRef>
+          <a:fillRef idx="0">
+            <a:schemeClr val="dk1"/>
+          </a:fillRef>
+          <a:effectRef idx="0">
+            <a:schemeClr val="dk1"/>
+          </a:effectRef>
+          <a:fontRef idx="minor">
+            <a:schemeClr val="tx1"/>
+          </a:fontRef>
+        </p:style>
+      </p:cxnSp>
+      <p:sp>
+        <p:nvSpPr>
+          <p:cNvPr id="13" name="CasellaDiTesto 12">
+            <a:extLst>
+              <a:ext uri="{FF2B5EF4-FFF2-40B4-BE49-F238E27FC236}">
+                <a16:creationId xmlns:a16="http://schemas.microsoft.com/office/drawing/2014/main" id="{7004BF3B-329B-4592-868B-7C5F11AD1997}"/>
+              </a:ext>
+            </a:extLst>
+          </p:cNvPr>
+          <p:cNvSpPr txBox="1"/>
+          <p:nvPr/>
+        </p:nvSpPr>
+        <p:spPr>
+          <a:xfrm>
+            <a:off x="1610686" y="1501629"/>
+            <a:ext cx="5338702" cy="646331"/>
+          </a:xfrm>
+          <a:prstGeom prst="rect">
+            <a:avLst/>
+          </a:prstGeom>
+          <a:noFill/>
+        </p:spPr>
+        <p:txBody>
+          <a:bodyPr wrap="square" rtlCol="0">
+            <a:spAutoFit/>
+          </a:bodyPr>
+          <a:lstStyle/>
+          <a:p>
+            <a:r>
+              <a:rPr lang="it-IT" dirty="0">
+                <a:solidFill>
+                  <a:schemeClr val="bg1"/>
+                </a:solidFill>
+              </a:rPr>
+              <a:t>In questa simulazione, lo </a:t>
+            </a:r>
+            <a:r>
+              <a:rPr lang="it-IT" i="1" dirty="0" err="1">
+                <a:solidFill>
+                  <a:schemeClr val="bg1"/>
+                </a:solidFill>
+              </a:rPr>
+              <a:t>stimulatedEmissionThreshold</a:t>
+            </a:r>
+            <a:r>
+              <a:rPr lang="it-IT" dirty="0">
+                <a:solidFill>
+                  <a:schemeClr val="bg1"/>
+                </a:solidFill>
+              </a:rPr>
+              <a:t> è stato aumentato per evidenziare il transitorio</a:t>
+            </a:r>
           </a:p>
         </p:txBody>
       </p:sp>
@@ -13076,7 +13440,7 @@
 </p:sld>
 </file>
 
-<file path=ppt/slides/slide13.xml><?xml version="1.0" encoding="utf-8"?>
+<file path=ppt/slides/slide14.xml><?xml version="1.0" encoding="utf-8"?>
 <p:sld xmlns:a="http://schemas.openxmlformats.org/drawingml/2006/main" xmlns:r="http://schemas.openxmlformats.org/officeDocument/2006/relationships" xmlns:p="http://schemas.openxmlformats.org/presentationml/2006/main">
   <p:cSld>
     <p:spTree>
@@ -13553,7 +13917,7 @@
 </p:sld>
 </file>
 
-<file path=ppt/slides/slide14.xml><?xml version="1.0" encoding="utf-8"?>
+<file path=ppt/slides/slide15.xml><?xml version="1.0" encoding="utf-8"?>
 <p:sld xmlns:a="http://schemas.openxmlformats.org/drawingml/2006/main" xmlns:r="http://schemas.openxmlformats.org/officeDocument/2006/relationships" xmlns:p="http://schemas.openxmlformats.org/presentationml/2006/main">
   <p:cSld>
     <p:spTree>
@@ -13840,7 +14204,7 @@
 </p:sld>
 </file>
 
-<file path=ppt/slides/slide15.xml><?xml version="1.0" encoding="utf-8"?>
+<file path=ppt/slides/slide16.xml><?xml version="1.0" encoding="utf-8"?>
 <p:sld xmlns:a="http://schemas.openxmlformats.org/drawingml/2006/main" xmlns:r="http://schemas.openxmlformats.org/officeDocument/2006/relationships" xmlns:p="http://schemas.openxmlformats.org/presentationml/2006/main">
   <p:cSld>
     <p:spTree>

--- a/Presentation/PresentazioneDispositivi.pptx
+++ b/Presentation/PresentazioneDispositivi.pptx
@@ -13,14 +13,15 @@
     <p:sldId id="265" r:id="rId7"/>
     <p:sldId id="267" r:id="rId8"/>
     <p:sldId id="261" r:id="rId9"/>
-    <p:sldId id="263" r:id="rId10"/>
-    <p:sldId id="269" r:id="rId11"/>
-    <p:sldId id="270" r:id="rId12"/>
-    <p:sldId id="271" r:id="rId13"/>
-    <p:sldId id="266" r:id="rId14"/>
-    <p:sldId id="262" r:id="rId15"/>
-    <p:sldId id="264" r:id="rId16"/>
-    <p:sldId id="268" r:id="rId17"/>
+    <p:sldId id="272" r:id="rId10"/>
+    <p:sldId id="263" r:id="rId11"/>
+    <p:sldId id="269" r:id="rId12"/>
+    <p:sldId id="270" r:id="rId13"/>
+    <p:sldId id="271" r:id="rId14"/>
+    <p:sldId id="266" r:id="rId15"/>
+    <p:sldId id="262" r:id="rId16"/>
+    <p:sldId id="264" r:id="rId17"/>
+    <p:sldId id="268" r:id="rId18"/>
   </p:sldIdLst>
   <p:sldSz cx="12192000" cy="6858000"/>
   <p:notesSz cx="6858000" cy="9144000"/>
@@ -12584,6 +12585,197 @@
           <p:nvPr/>
         </p:nvPicPr>
         <p:blipFill>
+          <a:blip r:embed="rId2"/>
+          <a:stretch>
+            <a:fillRect/>
+          </a:stretch>
+        </p:blipFill>
+        <p:spPr>
+          <a:xfrm>
+            <a:off x="1141413" y="1457485"/>
+            <a:ext cx="9456512" cy="5145543"/>
+          </a:xfrm>
+          <a:prstGeom prst="rect">
+            <a:avLst/>
+          </a:prstGeom>
+        </p:spPr>
+      </p:pic>
+      <p:sp>
+        <p:nvSpPr>
+          <p:cNvPr id="2" name="Titolo 1">
+            <a:extLst>
+              <a:ext uri="{FF2B5EF4-FFF2-40B4-BE49-F238E27FC236}">
+                <a16:creationId xmlns:a16="http://schemas.microsoft.com/office/drawing/2014/main" id="{235AAC29-1500-47EA-AC53-80AEC1D5A1F5}"/>
+              </a:ext>
+            </a:extLst>
+          </p:cNvPr>
+          <p:cNvSpPr>
+            <a:spLocks noGrp="1"/>
+          </p:cNvSpPr>
+          <p:nvPr>
+            <p:ph type="title"/>
+          </p:nvPr>
+        </p:nvSpPr>
+        <p:spPr>
+          <a:xfrm>
+            <a:off x="1141413" y="106790"/>
+            <a:ext cx="9905998" cy="874722"/>
+          </a:xfrm>
+        </p:spPr>
+        <p:txBody>
+          <a:bodyPr/>
+          <a:lstStyle/>
+          <a:p>
+            <a:r>
+              <a:rPr lang="it-IT" dirty="0"/>
+              <a:t>Soglia di pompaggio</a:t>
+            </a:r>
+          </a:p>
+        </p:txBody>
+      </p:sp>
+      <p:sp>
+        <p:nvSpPr>
+          <p:cNvPr id="4" name="CasellaDiTesto 3">
+            <a:extLst>
+              <a:ext uri="{FF2B5EF4-FFF2-40B4-BE49-F238E27FC236}">
+                <a16:creationId xmlns:a16="http://schemas.microsoft.com/office/drawing/2014/main" id="{DDC35683-D0E1-4379-9E1F-97650295748D}"/>
+              </a:ext>
+            </a:extLst>
+          </p:cNvPr>
+          <p:cNvSpPr txBox="1"/>
+          <p:nvPr/>
+        </p:nvSpPr>
+        <p:spPr>
+          <a:xfrm>
+            <a:off x="1031846" y="813732"/>
+            <a:ext cx="10184235" cy="646331"/>
+          </a:xfrm>
+          <a:prstGeom prst="rect">
+            <a:avLst/>
+          </a:prstGeom>
+          <a:noFill/>
+        </p:spPr>
+        <p:txBody>
+          <a:bodyPr wrap="square" rtlCol="0">
+            <a:spAutoFit/>
+          </a:bodyPr>
+          <a:lstStyle/>
+          <a:p>
+            <a:r>
+              <a:rPr lang="it-IT" dirty="0"/>
+              <a:t>Come ci si aspetta dal modello, è possibile trovare un valore di soglia per il </a:t>
+            </a:r>
+            <a:r>
+              <a:rPr lang="it-IT" dirty="0" err="1"/>
+              <a:t>pompagglio</a:t>
+            </a:r>
+            <a:r>
+              <a:rPr lang="it-IT" dirty="0"/>
+              <a:t>, oltre il quale la popolazione di fotoni aumenta ben oltre la popolazione riconducibile ad emissione spontanea.</a:t>
+            </a:r>
+          </a:p>
+        </p:txBody>
+      </p:sp>
+      <p:sp>
+        <p:nvSpPr>
+          <p:cNvPr id="6" name="CasellaDiTesto 5">
+            <a:extLst>
+              <a:ext uri="{FF2B5EF4-FFF2-40B4-BE49-F238E27FC236}">
+                <a16:creationId xmlns:a16="http://schemas.microsoft.com/office/drawing/2014/main" id="{BB45ED82-D19E-46C7-B791-804C4978159B}"/>
+              </a:ext>
+            </a:extLst>
+          </p:cNvPr>
+          <p:cNvSpPr txBox="1"/>
+          <p:nvPr/>
+        </p:nvSpPr>
+        <p:spPr>
+          <a:xfrm>
+            <a:off x="2685875" y="1813875"/>
+            <a:ext cx="3438088" cy="830997"/>
+          </a:xfrm>
+          <a:prstGeom prst="rect">
+            <a:avLst/>
+          </a:prstGeom>
+          <a:noFill/>
+        </p:spPr>
+        <p:txBody>
+          <a:bodyPr wrap="square" rtlCol="0">
+            <a:spAutoFit/>
+          </a:bodyPr>
+          <a:lstStyle/>
+          <a:p>
+            <a:r>
+              <a:rPr lang="it-IT" sz="1600" dirty="0">
+                <a:solidFill>
+                  <a:schemeClr val="accent3">
+                    <a:lumMod val="50000"/>
+                  </a:schemeClr>
+                </a:solidFill>
+                <a:latin typeface="Calibri" panose="020F0502020204030204" pitchFamily="34" charset="0"/>
+                <a:cs typeface="Calibri" panose="020F0502020204030204" pitchFamily="34" charset="0"/>
+              </a:rPr>
+              <a:t>Aumentando</a:t>
+            </a:r>
+            <a:r>
+              <a:rPr lang="it-IT" sz="1600" dirty="0">
+                <a:solidFill>
+                  <a:schemeClr val="bg2">
+                    <a:lumMod val="75000"/>
+                  </a:schemeClr>
+                </a:solidFill>
+                <a:latin typeface="Calibri" panose="020F0502020204030204" pitchFamily="34" charset="0"/>
+                <a:cs typeface="Calibri" panose="020F0502020204030204" pitchFamily="34" charset="0"/>
+              </a:rPr>
+              <a:t> il tempo di vita della cavità o dei portatori, la soglia si abbassa</a:t>
+            </a:r>
+          </a:p>
+        </p:txBody>
+      </p:sp>
+    </p:spTree>
+    <p:extLst>
+      <p:ext uri="{BB962C8B-B14F-4D97-AF65-F5344CB8AC3E}">
+        <p14:creationId xmlns:p14="http://schemas.microsoft.com/office/powerpoint/2010/main" val="2462472474"/>
+      </p:ext>
+    </p:extLst>
+  </p:cSld>
+  <p:clrMapOvr>
+    <a:masterClrMapping/>
+  </p:clrMapOvr>
+</p:sld>
+</file>
+
+<file path=ppt/slides/slide11.xml><?xml version="1.0" encoding="utf-8"?>
+<p:sld xmlns:a="http://schemas.openxmlformats.org/drawingml/2006/main" xmlns:r="http://schemas.openxmlformats.org/officeDocument/2006/relationships" xmlns:p="http://schemas.openxmlformats.org/presentationml/2006/main">
+  <p:cSld>
+    <p:spTree>
+      <p:nvGrpSpPr>
+        <p:cNvPr id="1" name=""/>
+        <p:cNvGrpSpPr/>
+        <p:nvPr/>
+      </p:nvGrpSpPr>
+      <p:grpSpPr>
+        <a:xfrm>
+          <a:off x="0" y="0"/>
+          <a:ext cx="0" cy="0"/>
+          <a:chOff x="0" y="0"/>
+          <a:chExt cx="0" cy="0"/>
+        </a:xfrm>
+      </p:grpSpPr>
+      <p:pic>
+        <p:nvPicPr>
+          <p:cNvPr id="10" name="Immagine 9">
+            <a:extLst>
+              <a:ext uri="{FF2B5EF4-FFF2-40B4-BE49-F238E27FC236}">
+                <a16:creationId xmlns:a16="http://schemas.microsoft.com/office/drawing/2014/main" id="{8E61818A-3793-4BD5-AACD-7CE3758C054E}"/>
+              </a:ext>
+            </a:extLst>
+          </p:cNvPr>
+          <p:cNvPicPr>
+            <a:picLocks noChangeAspect="1"/>
+          </p:cNvPicPr>
+          <p:nvPr/>
+        </p:nvPicPr>
+        <p:blipFill>
           <a:blip r:embed="rId2">
             <a:extLst>
               <a:ext uri="{28A0092B-C50C-407E-A947-70E740481C1C}">
@@ -12748,7 +12940,7 @@
 </p:sld>
 </file>
 
-<file path=ppt/slides/slide11.xml><?xml version="1.0" encoding="utf-8"?>
+<file path=ppt/slides/slide12.xml><?xml version="1.0" encoding="utf-8"?>
 <p:sld xmlns:a="http://schemas.openxmlformats.org/drawingml/2006/main" xmlns:r="http://schemas.openxmlformats.org/officeDocument/2006/relationships" xmlns:p="http://schemas.openxmlformats.org/presentationml/2006/main">
   <p:cSld>
     <p:spTree>
@@ -12987,7 +13179,7 @@
 </p:sld>
 </file>
 
-<file path=ppt/slides/slide12.xml><?xml version="1.0" encoding="utf-8"?>
+<file path=ppt/slides/slide13.xml><?xml version="1.0" encoding="utf-8"?>
 <p:sld xmlns:a="http://schemas.openxmlformats.org/drawingml/2006/main" xmlns:r="http://schemas.openxmlformats.org/officeDocument/2006/relationships" xmlns:p="http://schemas.openxmlformats.org/presentationml/2006/main">
   <p:cSld>
     <p:spTree>
@@ -13080,7 +13272,7 @@
 </p:sld>
 </file>
 
-<file path=ppt/slides/slide13.xml><?xml version="1.0" encoding="utf-8"?>
+<file path=ppt/slides/slide14.xml><?xml version="1.0" encoding="utf-8"?>
 <p:sld xmlns:a="http://schemas.openxmlformats.org/drawingml/2006/main" xmlns:r="http://schemas.openxmlformats.org/officeDocument/2006/relationships" xmlns:p="http://schemas.openxmlformats.org/presentationml/2006/main">
   <p:cSld>
     <p:spTree>
@@ -13440,7 +13632,7 @@
 </p:sld>
 </file>
 
-<file path=ppt/slides/slide14.xml><?xml version="1.0" encoding="utf-8"?>
+<file path=ppt/slides/slide15.xml><?xml version="1.0" encoding="utf-8"?>
 <p:sld xmlns:a="http://schemas.openxmlformats.org/drawingml/2006/main" xmlns:r="http://schemas.openxmlformats.org/officeDocument/2006/relationships" xmlns:p="http://schemas.openxmlformats.org/presentationml/2006/main">
   <p:cSld>
     <p:spTree>
@@ -13917,7 +14109,7 @@
 </p:sld>
 </file>
 
-<file path=ppt/slides/slide15.xml><?xml version="1.0" encoding="utf-8"?>
+<file path=ppt/slides/slide16.xml><?xml version="1.0" encoding="utf-8"?>
 <p:sld xmlns:a="http://schemas.openxmlformats.org/drawingml/2006/main" xmlns:r="http://schemas.openxmlformats.org/officeDocument/2006/relationships" xmlns:p="http://schemas.openxmlformats.org/presentationml/2006/main">
   <p:cSld>
     <p:spTree>
@@ -14204,7 +14396,7 @@
 </p:sld>
 </file>
 
-<file path=ppt/slides/slide16.xml><?xml version="1.0" encoding="utf-8"?>
+<file path=ppt/slides/slide17.xml><?xml version="1.0" encoding="utf-8"?>
 <p:sld xmlns:a="http://schemas.openxmlformats.org/drawingml/2006/main" xmlns:r="http://schemas.openxmlformats.org/officeDocument/2006/relationships" xmlns:p="http://schemas.openxmlformats.org/presentationml/2006/main">
   <p:cSld>
     <p:spTree>
@@ -16643,10 +16835,10 @@
       </p:grpSpPr>
       <p:pic>
         <p:nvPicPr>
-          <p:cNvPr id="10" name="Immagine 9">
+          <p:cNvPr id="7" name="Immagine 6">
             <a:extLst>
               <a:ext uri="{FF2B5EF4-FFF2-40B4-BE49-F238E27FC236}">
-                <a16:creationId xmlns:a16="http://schemas.microsoft.com/office/drawing/2014/main" id="{8E61818A-3793-4BD5-AACD-7CE3758C054E}"/>
+                <a16:creationId xmlns:a16="http://schemas.microsoft.com/office/drawing/2014/main" id="{4F65706D-39A1-47A9-ABB9-163BAE392EA0}"/>
               </a:ext>
             </a:extLst>
           </p:cNvPr>
@@ -16663,8 +16855,8 @@
         </p:blipFill>
         <p:spPr>
           <a:xfrm>
-            <a:off x="1141413" y="1457485"/>
-            <a:ext cx="9456512" cy="5145543"/>
+            <a:off x="2313993" y="354936"/>
+            <a:ext cx="7564014" cy="6148128"/>
           </a:xfrm>
           <a:prstGeom prst="rect">
             <a:avLst/>
@@ -16673,43 +16865,10 @@
       </p:pic>
       <p:sp>
         <p:nvSpPr>
-          <p:cNvPr id="2" name="Titolo 1">
+          <p:cNvPr id="12" name="CasellaDiTesto 11">
             <a:extLst>
               <a:ext uri="{FF2B5EF4-FFF2-40B4-BE49-F238E27FC236}">
-                <a16:creationId xmlns:a16="http://schemas.microsoft.com/office/drawing/2014/main" id="{235AAC29-1500-47EA-AC53-80AEC1D5A1F5}"/>
-              </a:ext>
-            </a:extLst>
-          </p:cNvPr>
-          <p:cNvSpPr>
-            <a:spLocks noGrp="1"/>
-          </p:cNvSpPr>
-          <p:nvPr>
-            <p:ph type="title"/>
-          </p:nvPr>
-        </p:nvSpPr>
-        <p:spPr>
-          <a:xfrm>
-            <a:off x="1141413" y="106790"/>
-            <a:ext cx="9905998" cy="874722"/>
-          </a:xfrm>
-        </p:spPr>
-        <p:txBody>
-          <a:bodyPr/>
-          <a:lstStyle/>
-          <a:p>
-            <a:r>
-              <a:rPr lang="it-IT" dirty="0"/>
-              <a:t>Soglia di pompaggio</a:t>
-            </a:r>
-          </a:p>
-        </p:txBody>
-      </p:sp>
-      <p:sp>
-        <p:nvSpPr>
-          <p:cNvPr id="4" name="CasellaDiTesto 3">
-            <a:extLst>
-              <a:ext uri="{FF2B5EF4-FFF2-40B4-BE49-F238E27FC236}">
-                <a16:creationId xmlns:a16="http://schemas.microsoft.com/office/drawing/2014/main" id="{DDC35683-D0E1-4379-9E1F-97650295748D}"/>
+                <a16:creationId xmlns:a16="http://schemas.microsoft.com/office/drawing/2014/main" id="{0EE1C4EB-C43E-420C-BD63-DD237935F812}"/>
               </a:ext>
             </a:extLst>
           </p:cNvPr>
@@ -16718,8 +16877,8 @@
         </p:nvSpPr>
         <p:spPr>
           <a:xfrm>
-            <a:off x="1031846" y="813732"/>
-            <a:ext cx="10184235" cy="646331"/>
+            <a:off x="6514751" y="4228328"/>
+            <a:ext cx="3144982" cy="1938992"/>
           </a:xfrm>
           <a:prstGeom prst="rect">
             <a:avLst/>
@@ -16733,26 +16892,224 @@
           <a:lstStyle/>
           <a:p>
             <a:r>
-              <a:rPr lang="it-IT" dirty="0"/>
-              <a:t>Come ci si aspetta dal modello, è possibile trovare un valore di soglia per il </a:t>
-            </a:r>
-            <a:r>
-              <a:rPr lang="it-IT" dirty="0" err="1"/>
-              <a:t>pompagglio</a:t>
-            </a:r>
-            <a:r>
-              <a:rPr lang="it-IT" dirty="0"/>
-              <a:t>, oltre il quale la popolazione di fotoni aumenta ben oltre la popolazione riconducibile ad emissione spontanea.</a:t>
+              <a:rPr lang="it-IT" sz="1200" dirty="0">
+                <a:solidFill>
+                  <a:schemeClr val="bg1">
+                    <a:lumMod val="95000"/>
+                    <a:lumOff val="5000"/>
+                  </a:schemeClr>
+                </a:solidFill>
+                <a:latin typeface="Miriam Mono CLM" panose="02000503000000000000" pitchFamily="2" charset="-79"/>
+                <a:cs typeface="Miriam Mono CLM" panose="02000503000000000000" pitchFamily="2" charset="-79"/>
+              </a:rPr>
+              <a:t>TIME_STEPS = 200;</a:t>
+            </a:r>
+          </a:p>
+          <a:p>
+            <a:r>
+              <a:rPr lang="it-IT" sz="1200" dirty="0">
+                <a:solidFill>
+                  <a:schemeClr val="bg1">
+                    <a:lumMod val="95000"/>
+                    <a:lumOff val="5000"/>
+                  </a:schemeClr>
+                </a:solidFill>
+                <a:latin typeface="Miriam Mono CLM" panose="02000503000000000000" pitchFamily="2" charset="-79"/>
+                <a:cs typeface="Miriam Mono CLM" panose="02000503000000000000" pitchFamily="2" charset="-79"/>
+              </a:rPr>
+              <a:t>LATTICE_WIDTH = 100;</a:t>
+            </a:r>
+          </a:p>
+          <a:p>
+            <a:r>
+              <a:rPr lang="it-IT" sz="1200" dirty="0">
+                <a:solidFill>
+                  <a:schemeClr val="bg1">
+                    <a:lumMod val="95000"/>
+                    <a:lumOff val="5000"/>
+                  </a:schemeClr>
+                </a:solidFill>
+                <a:latin typeface="Miriam Mono CLM" panose="02000503000000000000" pitchFamily="2" charset="-79"/>
+                <a:cs typeface="Miriam Mono CLM" panose="02000503000000000000" pitchFamily="2" charset="-79"/>
+              </a:rPr>
+              <a:t>LATTICE_HEIGHT = 100;</a:t>
+            </a:r>
+          </a:p>
+          <a:p>
+            <a:r>
+              <a:rPr lang="it-IT" sz="1200" dirty="0">
+                <a:solidFill>
+                  <a:schemeClr val="bg1">
+                    <a:lumMod val="95000"/>
+                    <a:lumOff val="5000"/>
+                  </a:schemeClr>
+                </a:solidFill>
+                <a:latin typeface="Miriam Mono CLM" panose="02000503000000000000" pitchFamily="2" charset="-79"/>
+                <a:cs typeface="Miriam Mono CLM" panose="02000503000000000000" pitchFamily="2" charset="-79"/>
+              </a:rPr>
+              <a:t>PHOTON_SATURATION = 40;</a:t>
+            </a:r>
+          </a:p>
+          <a:p>
+            <a:endParaRPr lang="it-IT" sz="1200" dirty="0">
+              <a:solidFill>
+                <a:schemeClr val="bg1">
+                  <a:lumMod val="95000"/>
+                  <a:lumOff val="5000"/>
+                </a:schemeClr>
+              </a:solidFill>
+              <a:latin typeface="Miriam Mono CLM" panose="02000503000000000000" pitchFamily="2" charset="-79"/>
+              <a:cs typeface="Miriam Mono CLM" panose="02000503000000000000" pitchFamily="2" charset="-79"/>
+            </a:endParaRPr>
+          </a:p>
+          <a:p>
+            <a:r>
+              <a:rPr lang="it-IT" sz="1200" dirty="0" err="1">
+                <a:solidFill>
+                  <a:schemeClr val="bg1">
+                    <a:lumMod val="95000"/>
+                    <a:lumOff val="5000"/>
+                  </a:schemeClr>
+                </a:solidFill>
+                <a:latin typeface="Miriam Mono CLM" panose="02000503000000000000" pitchFamily="2" charset="-79"/>
+                <a:cs typeface="Miriam Mono CLM" panose="02000503000000000000" pitchFamily="2" charset="-79"/>
+              </a:rPr>
+              <a:t>electronLifeTime</a:t>
+            </a:r>
+            <a:r>
+              <a:rPr lang="it-IT" sz="1200" dirty="0">
+                <a:solidFill>
+                  <a:schemeClr val="bg1">
+                    <a:lumMod val="95000"/>
+                    <a:lumOff val="5000"/>
+                  </a:schemeClr>
+                </a:solidFill>
+                <a:latin typeface="Miriam Mono CLM" panose="02000503000000000000" pitchFamily="2" charset="-79"/>
+                <a:cs typeface="Miriam Mono CLM" panose="02000503000000000000" pitchFamily="2" charset="-79"/>
+              </a:rPr>
+              <a:t> = 30;</a:t>
+            </a:r>
+          </a:p>
+          <a:p>
+            <a:r>
+              <a:rPr lang="it-IT" sz="1200" dirty="0" err="1">
+                <a:solidFill>
+                  <a:schemeClr val="bg1">
+                    <a:lumMod val="95000"/>
+                    <a:lumOff val="5000"/>
+                  </a:schemeClr>
+                </a:solidFill>
+                <a:latin typeface="Miriam Mono CLM" panose="02000503000000000000" pitchFamily="2" charset="-79"/>
+                <a:cs typeface="Miriam Mono CLM" panose="02000503000000000000" pitchFamily="2" charset="-79"/>
+              </a:rPr>
+              <a:t>photonLifeTime</a:t>
+            </a:r>
+            <a:r>
+              <a:rPr lang="it-IT" sz="1200" dirty="0">
+                <a:solidFill>
+                  <a:schemeClr val="bg1">
+                    <a:lumMod val="95000"/>
+                    <a:lumOff val="5000"/>
+                  </a:schemeClr>
+                </a:solidFill>
+                <a:latin typeface="Miriam Mono CLM" panose="02000503000000000000" pitchFamily="2" charset="-79"/>
+                <a:cs typeface="Miriam Mono CLM" panose="02000503000000000000" pitchFamily="2" charset="-79"/>
+              </a:rPr>
+              <a:t> = 10;</a:t>
+            </a:r>
+          </a:p>
+          <a:p>
+            <a:r>
+              <a:rPr lang="it-IT" sz="1200" dirty="0" err="1">
+                <a:solidFill>
+                  <a:schemeClr val="bg1">
+                    <a:lumMod val="95000"/>
+                    <a:lumOff val="5000"/>
+                  </a:schemeClr>
+                </a:solidFill>
+                <a:latin typeface="Miriam Mono CLM" panose="02000503000000000000" pitchFamily="2" charset="-79"/>
+                <a:cs typeface="Miriam Mono CLM" panose="02000503000000000000" pitchFamily="2" charset="-79"/>
+              </a:rPr>
+              <a:t>pumpingProbability</a:t>
+            </a:r>
+            <a:r>
+              <a:rPr lang="it-IT" sz="1200" dirty="0">
+                <a:solidFill>
+                  <a:schemeClr val="bg1">
+                    <a:lumMod val="95000"/>
+                    <a:lumOff val="5000"/>
+                  </a:schemeClr>
+                </a:solidFill>
+                <a:latin typeface="Miriam Mono CLM" panose="02000503000000000000" pitchFamily="2" charset="-79"/>
+                <a:cs typeface="Miriam Mono CLM" panose="02000503000000000000" pitchFamily="2" charset="-79"/>
+              </a:rPr>
+              <a:t> = 0.2;</a:t>
+            </a:r>
+          </a:p>
+          <a:p>
+            <a:r>
+              <a:rPr lang="it-IT" sz="1200" dirty="0" err="1">
+                <a:solidFill>
+                  <a:schemeClr val="bg1">
+                    <a:lumMod val="95000"/>
+                    <a:lumOff val="5000"/>
+                  </a:schemeClr>
+                </a:solidFill>
+                <a:latin typeface="Miriam Mono CLM" panose="02000503000000000000" pitchFamily="2" charset="-79"/>
+                <a:cs typeface="Miriam Mono CLM" panose="02000503000000000000" pitchFamily="2" charset="-79"/>
+              </a:rPr>
+              <a:t>noiseProbability</a:t>
+            </a:r>
+            <a:r>
+              <a:rPr lang="it-IT" sz="1200" dirty="0">
+                <a:solidFill>
+                  <a:schemeClr val="bg1">
+                    <a:lumMod val="95000"/>
+                    <a:lumOff val="5000"/>
+                  </a:schemeClr>
+                </a:solidFill>
+                <a:latin typeface="Miriam Mono CLM" panose="02000503000000000000" pitchFamily="2" charset="-79"/>
+                <a:cs typeface="Miriam Mono CLM" panose="02000503000000000000" pitchFamily="2" charset="-79"/>
+              </a:rPr>
+              <a:t> = 0.01;</a:t>
+            </a:r>
+          </a:p>
+          <a:p>
+            <a:r>
+              <a:rPr lang="it-IT" sz="1200" dirty="0" err="1">
+                <a:solidFill>
+                  <a:schemeClr val="bg1">
+                    <a:lumMod val="95000"/>
+                    <a:lumOff val="5000"/>
+                  </a:schemeClr>
+                </a:solidFill>
+                <a:latin typeface="Miriam Mono CLM" panose="02000503000000000000" pitchFamily="2" charset="-79"/>
+                <a:cs typeface="Miriam Mono CLM" panose="02000503000000000000" pitchFamily="2" charset="-79"/>
+              </a:rPr>
+              <a:t>stimulatedEmissionThreshold</a:t>
+            </a:r>
+            <a:r>
+              <a:rPr lang="it-IT" sz="1200" dirty="0">
+                <a:solidFill>
+                  <a:schemeClr val="bg1">
+                    <a:lumMod val="95000"/>
+                    <a:lumOff val="5000"/>
+                  </a:schemeClr>
+                </a:solidFill>
+                <a:latin typeface="Miriam Mono CLM" panose="02000503000000000000" pitchFamily="2" charset="-79"/>
+                <a:cs typeface="Miriam Mono CLM" panose="02000503000000000000" pitchFamily="2" charset="-79"/>
+              </a:rPr>
+              <a:t> = 1;</a:t>
             </a:r>
           </a:p>
         </p:txBody>
       </p:sp>
       <p:sp>
         <p:nvSpPr>
-          <p:cNvPr id="6" name="CasellaDiTesto 5">
+          <p:cNvPr id="13" name="CasellaDiTesto 12">
             <a:extLst>
               <a:ext uri="{FF2B5EF4-FFF2-40B4-BE49-F238E27FC236}">
-                <a16:creationId xmlns:a16="http://schemas.microsoft.com/office/drawing/2014/main" id="{BB45ED82-D19E-46C7-B791-804C4978159B}"/>
+                <a16:creationId xmlns:a16="http://schemas.microsoft.com/office/drawing/2014/main" id="{D3EAC564-F44B-43CC-8D2E-04F16B0B9221}"/>
               </a:ext>
             </a:extLst>
           </p:cNvPr>
@@ -16761,8 +17118,8 @@
         </p:nvSpPr>
         <p:spPr>
           <a:xfrm>
-            <a:off x="2685875" y="1813875"/>
-            <a:ext cx="3438088" cy="830997"/>
+            <a:off x="2751589" y="380103"/>
+            <a:ext cx="3229761" cy="369332"/>
           </a:xfrm>
           <a:prstGeom prst="rect">
             <a:avLst/>
@@ -16776,28 +17133,12 @@
           <a:lstStyle/>
           <a:p>
             <a:r>
-              <a:rPr lang="it-IT" sz="1600" dirty="0">
+              <a:rPr lang="it-IT" dirty="0">
                 <a:solidFill>
-                  <a:schemeClr val="accent3">
-                    <a:lumMod val="50000"/>
-                  </a:schemeClr>
+                  <a:schemeClr val="bg1"/>
                 </a:solidFill>
-                <a:latin typeface="Calibri" panose="020F0502020204030204" pitchFamily="34" charset="0"/>
-                <a:cs typeface="Calibri" panose="020F0502020204030204" pitchFamily="34" charset="0"/>
               </a:rPr>
-              <a:t>Aumentando</a:t>
-            </a:r>
-            <a:r>
-              <a:rPr lang="it-IT" sz="1600" dirty="0">
-                <a:solidFill>
-                  <a:schemeClr val="bg2">
-                    <a:lumMod val="75000"/>
-                  </a:schemeClr>
-                </a:solidFill>
-                <a:latin typeface="Calibri" panose="020F0502020204030204" pitchFamily="34" charset="0"/>
-                <a:cs typeface="Calibri" panose="020F0502020204030204" pitchFamily="34" charset="0"/>
-              </a:rPr>
-              <a:t> il tempo di vita della cavità o dei portatori, la soglia si abbassa</a:t>
+              <a:t>Un altro esempio evidente</a:t>
             </a:r>
           </a:p>
         </p:txBody>
@@ -16805,7 +17146,7 @@
     </p:spTree>
     <p:extLst>
       <p:ext uri="{BB962C8B-B14F-4D97-AF65-F5344CB8AC3E}">
-        <p14:creationId xmlns:p14="http://schemas.microsoft.com/office/powerpoint/2010/main" val="2462472474"/>
+        <p14:creationId xmlns:p14="http://schemas.microsoft.com/office/powerpoint/2010/main" val="3662167844"/>
       </p:ext>
     </p:extLst>
   </p:cSld>

--- a/Presentation/PresentazioneDispositivi.pptx
+++ b/Presentation/PresentazioneDispositivi.pptx
@@ -12663,15 +12663,7 @@
           <a:p>
             <a:r>
               <a:rPr lang="it-IT" dirty="0"/>
-              <a:t>Come ci si aspetta dal modello, è possibile trovare un valore di soglia per il </a:t>
-            </a:r>
-            <a:r>
-              <a:rPr lang="it-IT" dirty="0" err="1"/>
-              <a:t>pompagglio</a:t>
-            </a:r>
-            <a:r>
-              <a:rPr lang="it-IT" dirty="0"/>
-              <a:t>, oltre il quale la popolazione di fotoni aumenta ben oltre la popolazione riconducibile ad emissione spontanea.</a:t>
+              <a:t>Come ci si aspetta dal modello, è possibile trovare un valore di soglia per il pompaggio, oltre il quale la popolazione di fotoni aumenta ben oltre la popolazione riconducibile ad emissione spontanea.</a:t>
             </a:r>
           </a:p>
         </p:txBody>
@@ -12707,26 +12699,15 @@
             <a:r>
               <a:rPr lang="it-IT" sz="1600" dirty="0">
                 <a:solidFill>
-                  <a:schemeClr val="accent3">
-                    <a:lumMod val="50000"/>
+                  <a:schemeClr val="bg1">
+                    <a:lumMod val="95000"/>
+                    <a:lumOff val="5000"/>
                   </a:schemeClr>
                 </a:solidFill>
-                <a:latin typeface="Calibri" panose="020F0502020204030204" pitchFamily="34" charset="0"/>
+                <a:latin typeface="Tw Cen MT (Corpo)"/>
                 <a:cs typeface="Calibri" panose="020F0502020204030204" pitchFamily="34" charset="0"/>
               </a:rPr>
-              <a:t>Aumentando</a:t>
-            </a:r>
-            <a:r>
-              <a:rPr lang="it-IT" sz="1600" dirty="0">
-                <a:solidFill>
-                  <a:schemeClr val="bg2">
-                    <a:lumMod val="75000"/>
-                  </a:schemeClr>
-                </a:solidFill>
-                <a:latin typeface="Calibri" panose="020F0502020204030204" pitchFamily="34" charset="0"/>
-                <a:cs typeface="Calibri" panose="020F0502020204030204" pitchFamily="34" charset="0"/>
-              </a:rPr>
-              <a:t> il tempo di vita della cavità o dei portatori, la soglia si abbassa</a:t>
+              <a:t>Aumentando il tempo di vita della cavità o dei portatori, la soglia si abbassa</a:t>
             </a:r>
           </a:p>
         </p:txBody>
@@ -12788,8 +12769,8 @@
         </p:blipFill>
         <p:spPr>
           <a:xfrm>
-            <a:off x="4337108" y="1460063"/>
-            <a:ext cx="6710303" cy="5354755"/>
+            <a:off x="4269997" y="813732"/>
+            <a:ext cx="7309998" cy="5833306"/>
           </a:xfrm>
           <a:prstGeom prst="rect">
             <a:avLst/>
@@ -12831,49 +12812,6 @@
       </p:sp>
       <p:sp>
         <p:nvSpPr>
-          <p:cNvPr id="4" name="CasellaDiTesto 3">
-            <a:extLst>
-              <a:ext uri="{FF2B5EF4-FFF2-40B4-BE49-F238E27FC236}">
-                <a16:creationId xmlns:a16="http://schemas.microsoft.com/office/drawing/2014/main" id="{DDC35683-D0E1-4379-9E1F-97650295748D}"/>
-              </a:ext>
-            </a:extLst>
-          </p:cNvPr>
-          <p:cNvSpPr txBox="1"/>
-          <p:nvPr/>
-        </p:nvSpPr>
-        <p:spPr>
-          <a:xfrm>
-            <a:off x="1031846" y="813732"/>
-            <a:ext cx="10184235" cy="646331"/>
-          </a:xfrm>
-          <a:prstGeom prst="rect">
-            <a:avLst/>
-          </a:prstGeom>
-          <a:noFill/>
-        </p:spPr>
-        <p:txBody>
-          <a:bodyPr wrap="square" rtlCol="0">
-            <a:spAutoFit/>
-          </a:bodyPr>
-          <a:lstStyle/>
-          <a:p>
-            <a:r>
-              <a:rPr lang="it-IT" dirty="0"/>
-              <a:t>Come ci si aspetta dal modello, è possibile trovare un valore di soglia per il </a:t>
-            </a:r>
-            <a:r>
-              <a:rPr lang="it-IT" dirty="0" err="1"/>
-              <a:t>pompagglio</a:t>
-            </a:r>
-            <a:r>
-              <a:rPr lang="it-IT" dirty="0"/>
-              <a:t>, oltre il quale la popolazione di fotoni aumenta ben oltre la popolazione riconducibile ad emissione spontanea.</a:t>
-            </a:r>
-          </a:p>
-        </p:txBody>
-      </p:sp>
-      <p:sp>
-        <p:nvSpPr>
           <p:cNvPr id="5" name="CasellaDiTesto 4">
             <a:extLst>
               <a:ext uri="{FF2B5EF4-FFF2-40B4-BE49-F238E27FC236}">
@@ -12886,8 +12824,8 @@
         </p:nvSpPr>
         <p:spPr>
           <a:xfrm>
-            <a:off x="1141413" y="1582230"/>
-            <a:ext cx="2978092" cy="584775"/>
+            <a:off x="1141413" y="813732"/>
+            <a:ext cx="2978092" cy="923330"/>
           </a:xfrm>
           <a:prstGeom prst="rect">
             <a:avLst/>
@@ -12900,29 +12838,13 @@
           </a:bodyPr>
           <a:lstStyle/>
           <a:p>
-            <a:r>
-              <a:rPr lang="it-IT" sz="1600" dirty="0">
-                <a:solidFill>
-                  <a:schemeClr val="accent3">
-                    <a:lumMod val="50000"/>
-                  </a:schemeClr>
-                </a:solidFill>
-                <a:latin typeface="Calibri" panose="020F0502020204030204" pitchFamily="34" charset="0"/>
+            <a:pPr algn="just"/>
+            <a:r>
+              <a:rPr lang="it-IT" dirty="0">
+                <a:latin typeface="Tw Cen MT (Corpo)"/>
                 <a:cs typeface="Calibri" panose="020F0502020204030204" pitchFamily="34" charset="0"/>
               </a:rPr>
-              <a:t>Aumentando</a:t>
-            </a:r>
-            <a:r>
-              <a:rPr lang="it-IT" sz="1600" dirty="0">
-                <a:solidFill>
-                  <a:schemeClr val="accent3">
-                    <a:lumMod val="75000"/>
-                  </a:schemeClr>
-                </a:solidFill>
-                <a:latin typeface="Calibri" panose="020F0502020204030204" pitchFamily="34" charset="0"/>
-                <a:cs typeface="Calibri" panose="020F0502020204030204" pitchFamily="34" charset="0"/>
-              </a:rPr>
-              <a:t> la probabilità di rumore la soglia si alza</a:t>
+              <a:t>Aumentando la probabilità di rumore aumenta in maniera quasi lineare</a:t>
             </a:r>
           </a:p>
         </p:txBody>
@@ -12984,8 +12906,8 @@
         </p:blipFill>
         <p:spPr>
           <a:xfrm>
-            <a:off x="1141413" y="1616657"/>
-            <a:ext cx="9456512" cy="4827198"/>
+            <a:off x="5234769" y="981512"/>
+            <a:ext cx="6150179" cy="5145543"/>
           </a:xfrm>
           <a:prstGeom prst="rect">
             <a:avLst/>
@@ -13027,41 +12949,6 @@
       </p:sp>
       <p:sp>
         <p:nvSpPr>
-          <p:cNvPr id="4" name="CasellaDiTesto 3">
-            <a:extLst>
-              <a:ext uri="{FF2B5EF4-FFF2-40B4-BE49-F238E27FC236}">
-                <a16:creationId xmlns:a16="http://schemas.microsoft.com/office/drawing/2014/main" id="{DDC35683-D0E1-4379-9E1F-97650295748D}"/>
-              </a:ext>
-            </a:extLst>
-          </p:cNvPr>
-          <p:cNvSpPr txBox="1"/>
-          <p:nvPr/>
-        </p:nvSpPr>
-        <p:spPr>
-          <a:xfrm>
-            <a:off x="1031846" y="813732"/>
-            <a:ext cx="10184235" cy="646331"/>
-          </a:xfrm>
-          <a:prstGeom prst="rect">
-            <a:avLst/>
-          </a:prstGeom>
-          <a:noFill/>
-        </p:spPr>
-        <p:txBody>
-          <a:bodyPr wrap="square" rtlCol="0">
-            <a:spAutoFit/>
-          </a:bodyPr>
-          <a:lstStyle/>
-          <a:p>
-            <a:r>
-              <a:rPr lang="it-IT" dirty="0"/>
-              <a:t>Come ci si aspetta dal modello, è possibile trovare un valore di soglia per il pompaggio, oltre il quale la popolazione di fotoni aumenta ben oltre la popolazione riconducibile ad emissione spontanea.</a:t>
-            </a:r>
-          </a:p>
-        </p:txBody>
-      </p:sp>
-      <p:sp>
-        <p:nvSpPr>
           <p:cNvPr id="8" name="CasellaDiTesto 7">
             <a:extLst>
               <a:ext uri="{FF2B5EF4-FFF2-40B4-BE49-F238E27FC236}">
@@ -13074,8 +12961,8 @@
         </p:nvSpPr>
         <p:spPr>
           <a:xfrm>
-            <a:off x="1679196" y="1874617"/>
-            <a:ext cx="3438088" cy="584775"/>
+            <a:off x="1026276" y="981512"/>
+            <a:ext cx="3870956" cy="646331"/>
           </a:xfrm>
           <a:prstGeom prst="rect">
             <a:avLst/>
@@ -13088,41 +12975,13 @@
           </a:bodyPr>
           <a:lstStyle/>
           <a:p>
-            <a:r>
-              <a:rPr lang="it-IT" sz="1600" dirty="0">
-                <a:solidFill>
-                  <a:schemeClr val="accent3">
-                    <a:lumMod val="75000"/>
-                  </a:schemeClr>
-                </a:solidFill>
+            <a:pPr algn="just"/>
+            <a:r>
+              <a:rPr lang="it-IT" dirty="0">
                 <a:latin typeface="Calibri" panose="020F0502020204030204" pitchFamily="34" charset="0"/>
                 <a:cs typeface="Calibri" panose="020F0502020204030204" pitchFamily="34" charset="0"/>
               </a:rPr>
-              <a:t>Al </a:t>
-            </a:r>
-            <a:r>
-              <a:rPr lang="it-IT" sz="1600" dirty="0">
-                <a:solidFill>
-                  <a:schemeClr val="bg2">
-                    <a:lumMod val="50000"/>
-                  </a:schemeClr>
-                </a:solidFill>
-                <a:latin typeface="Calibri" panose="020F0502020204030204" pitchFamily="34" charset="0"/>
-                <a:cs typeface="Calibri" panose="020F0502020204030204" pitchFamily="34" charset="0"/>
-              </a:rPr>
-              <a:t>diminuire</a:t>
-            </a:r>
-            <a:r>
-              <a:rPr lang="it-IT" sz="1600" dirty="0">
-                <a:solidFill>
-                  <a:schemeClr val="accent3">
-                    <a:lumMod val="75000"/>
-                  </a:schemeClr>
-                </a:solidFill>
-                <a:latin typeface="Calibri" panose="020F0502020204030204" pitchFamily="34" charset="0"/>
-                <a:cs typeface="Calibri" panose="020F0502020204030204" pitchFamily="34" charset="0"/>
-              </a:rPr>
-              <a:t> della probabilità di emissione stimolata, la soglia si alza</a:t>
+              <a:t>Al diminuire della probabilità di emissione stimolata, la soglia si alza</a:t>
             </a:r>
           </a:p>
         </p:txBody>
@@ -13141,8 +13000,8 @@
         </p:nvSpPr>
         <p:spPr>
           <a:xfrm>
-            <a:off x="5998128" y="4739780"/>
-            <a:ext cx="4395832" cy="1477328"/>
+            <a:off x="1026276" y="1856234"/>
+            <a:ext cx="3984772" cy="1754326"/>
           </a:xfrm>
           <a:prstGeom prst="rect">
             <a:avLst/>
@@ -13155,12 +13014,9 @@
           </a:bodyPr>
           <a:lstStyle/>
           <a:p>
-            <a:r>
-              <a:rPr lang="it-IT" dirty="0">
-                <a:solidFill>
-                  <a:schemeClr val="bg1"/>
-                </a:solidFill>
-              </a:rPr>
+            <a:pPr algn="just"/>
+            <a:r>
+              <a:rPr lang="it-IT" dirty="0"/>
               <a:t>In base al modello del paper originale, non abbiamo esattamente una probabilità di emissione stimolata, ma una soglia di fotoni adiacenti. Aumentando tale soglia, diminuisce la probabilità di emissione stimolata</a:t>
             </a:r>
           </a:p>
@@ -13373,7 +13229,7 @@
         </p:nvSpPr>
         <p:spPr>
           <a:xfrm>
-            <a:off x="928635" y="6409877"/>
+            <a:off x="1452693" y="6013494"/>
             <a:ext cx="1081671" cy="307777"/>
           </a:xfrm>
           <a:prstGeom prst="rect">
@@ -13496,8 +13352,8 @@
         </p:nvSpPr>
         <p:spPr>
           <a:xfrm>
-            <a:off x="9133445" y="5389827"/>
-            <a:ext cx="1709955" cy="369332"/>
+            <a:off x="9133446" y="5389827"/>
+            <a:ext cx="1352794" cy="369332"/>
           </a:xfrm>
           <a:prstGeom prst="rect">
             <a:avLst/>
@@ -13822,7 +13678,7 @@
                   </a:schemeClr>
                 </a:solidFill>
               </a:rPr>
-              <a:t> risulta piuttosto approssimativa: unisce effetti di emissione spontanea e agitazione termica in un’unica probabilità di rumore. Cosa succede se questi due effetti vengono separati?</a:t>
+              <a:t> risulta piuttosto approssimativa: unisce effetti di emissione spontanea e agitazione termica in un’unica probabilità di rumore.</a:t>
             </a:r>
           </a:p>
         </p:txBody>
@@ -14092,6 +13948,49 @@
                 <a:cs typeface="Miriam Mono CLM" panose="02000503000000000000" pitchFamily="2" charset="-79"/>
               </a:rPr>
               <a:t> = 0.02;</a:t>
+            </a:r>
+          </a:p>
+        </p:txBody>
+      </p:sp>
+      <p:sp>
+        <p:nvSpPr>
+          <p:cNvPr id="7" name="CasellaDiTesto 6">
+            <a:extLst>
+              <a:ext uri="{FF2B5EF4-FFF2-40B4-BE49-F238E27FC236}">
+                <a16:creationId xmlns:a16="http://schemas.microsoft.com/office/drawing/2014/main" id="{D68B0949-04C4-41E3-BA42-4E39547BD7C5}"/>
+              </a:ext>
+            </a:extLst>
+          </p:cNvPr>
+          <p:cNvSpPr txBox="1"/>
+          <p:nvPr/>
+        </p:nvSpPr>
+        <p:spPr>
+          <a:xfrm>
+            <a:off x="991649" y="5403652"/>
+            <a:ext cx="2985082" cy="646331"/>
+          </a:xfrm>
+          <a:prstGeom prst="rect">
+            <a:avLst/>
+          </a:prstGeom>
+          <a:noFill/>
+        </p:spPr>
+        <p:txBody>
+          <a:bodyPr wrap="square" rtlCol="0">
+            <a:spAutoFit/>
+          </a:bodyPr>
+          <a:lstStyle/>
+          <a:p>
+            <a:pPr algn="r"/>
+            <a:r>
+              <a:rPr lang="it-IT" dirty="0">
+                <a:solidFill>
+                  <a:schemeClr val="bg1">
+                    <a:lumMod val="95000"/>
+                    <a:lumOff val="5000"/>
+                  </a:schemeClr>
+                </a:solidFill>
+              </a:rPr>
+              <a:t>Per questa simulazione è stato usato l’automa perfezionato</a:t>
             </a:r>
           </a:p>
         </p:txBody>
@@ -14628,7 +14527,7 @@
         </p:blipFill>
         <p:spPr bwMode="auto">
           <a:xfrm>
-            <a:off x="331976" y="2142486"/>
+            <a:off x="550090" y="2106832"/>
             <a:ext cx="4156133" cy="1566350"/>
           </a:xfrm>
           <a:prstGeom prst="rect">
@@ -14661,7 +14560,7 @@
         <p:spPr>
           <a:xfrm>
             <a:off x="1040235" y="3967993"/>
-            <a:ext cx="10007176" cy="1477328"/>
+            <a:ext cx="10007176" cy="1631216"/>
           </a:xfrm>
           <a:prstGeom prst="rect">
             <a:avLst/>
@@ -14675,98 +14574,105 @@
           <a:lstStyle/>
           <a:p>
             <a:r>
-              <a:rPr lang="it-IT" dirty="0">
-                <a:latin typeface="Arial" panose="020B0604020202020204" pitchFamily="34" charset="0"/>
+              <a:rPr lang="it-IT" sz="2000" dirty="0">
+                <a:latin typeface="Tw Cen MT (Corpo)"/>
                 <a:cs typeface="Arial" panose="020B0604020202020204" pitchFamily="34" charset="0"/>
               </a:rPr>
-              <a:t>E’ inevitabile fare assunzioni semplificative su determinati parametri: ad esempio la simulazione non basa il pompaggio sulla corrente, non lavoriamo con una </a:t>
-            </a:r>
-            <a:r>
-              <a:rPr lang="it-IT" i="1" dirty="0" err="1">
-                <a:latin typeface="Arial" panose="020B0604020202020204" pitchFamily="34" charset="0"/>
+              <a:t>Sono state fatte assunzioni semplificative su determinati parametri: ad esempio il pompaggio degli elettroni non si basa su una corrente d’ingresso. Inoltre, non lavoriamo con una </a:t>
+            </a:r>
+            <a:r>
+              <a:rPr lang="it-IT" sz="2000" i="1" dirty="0" err="1">
+                <a:latin typeface="Tw Cen MT (Corpo)"/>
                 <a:cs typeface="Arial" panose="020B0604020202020204" pitchFamily="34" charset="0"/>
               </a:rPr>
               <a:t>stimulated</a:t>
             </a:r>
             <a:r>
-              <a:rPr lang="it-IT" i="1" dirty="0">
-                <a:latin typeface="Arial" panose="020B0604020202020204" pitchFamily="34" charset="0"/>
+              <a:rPr lang="it-IT" sz="2000" i="1" dirty="0">
+                <a:latin typeface="Tw Cen MT (Corpo)"/>
                 <a:cs typeface="Arial" panose="020B0604020202020204" pitchFamily="34" charset="0"/>
               </a:rPr>
               <a:t> </a:t>
             </a:r>
             <a:r>
-              <a:rPr lang="it-IT" i="1" dirty="0" err="1">
-                <a:latin typeface="Arial" panose="020B0604020202020204" pitchFamily="34" charset="0"/>
+              <a:rPr lang="it-IT" sz="2000" i="1" dirty="0" err="1">
+                <a:latin typeface="Tw Cen MT (Corpo)"/>
                 <a:cs typeface="Arial" panose="020B0604020202020204" pitchFamily="34" charset="0"/>
               </a:rPr>
               <a:t>emission</a:t>
             </a:r>
             <a:r>
-              <a:rPr lang="it-IT" i="1" dirty="0">
-                <a:latin typeface="Arial" panose="020B0604020202020204" pitchFamily="34" charset="0"/>
+              <a:rPr lang="it-IT" sz="2000" i="1" dirty="0">
+                <a:latin typeface="Tw Cen MT (Corpo)"/>
                 <a:cs typeface="Arial" panose="020B0604020202020204" pitchFamily="34" charset="0"/>
               </a:rPr>
               <a:t> cross-</a:t>
             </a:r>
             <a:r>
-              <a:rPr lang="it-IT" i="1" dirty="0" err="1">
-                <a:latin typeface="Arial" panose="020B0604020202020204" pitchFamily="34" charset="0"/>
+              <a:rPr lang="it-IT" sz="2000" i="1" dirty="0" err="1">
+                <a:latin typeface="Tw Cen MT (Corpo)"/>
                 <a:cs typeface="Arial" panose="020B0604020202020204" pitchFamily="34" charset="0"/>
               </a:rPr>
               <a:t>section</a:t>
             </a:r>
             <a:r>
-              <a:rPr lang="it-IT" dirty="0">
-                <a:latin typeface="Arial" panose="020B0604020202020204" pitchFamily="34" charset="0"/>
+              <a:rPr lang="it-IT" sz="2000" dirty="0">
+                <a:latin typeface="Tw Cen MT (Corpo)"/>
                 <a:cs typeface="Arial" panose="020B0604020202020204" pitchFamily="34" charset="0"/>
               </a:rPr>
-              <a:t>, ma con una «soglia di emissione stimolata», usiamo una </a:t>
-            </a:r>
-            <a:r>
-              <a:rPr lang="it-IT" dirty="0" err="1">
-                <a:latin typeface="Arial" panose="020B0604020202020204" pitchFamily="34" charset="0"/>
+              <a:t>, ma con una «soglia di emissione stimolata». Usiamo una </a:t>
+            </a:r>
+            <a:r>
+              <a:rPr lang="it-IT" sz="2000" i="1" dirty="0" err="1">
+                <a:latin typeface="Tw Cen MT (Corpo)"/>
                 <a:cs typeface="Arial" panose="020B0604020202020204" pitchFamily="34" charset="0"/>
               </a:rPr>
               <a:t>pumping</a:t>
             </a:r>
             <a:r>
-              <a:rPr lang="it-IT" dirty="0">
-                <a:latin typeface="Arial" panose="020B0604020202020204" pitchFamily="34" charset="0"/>
+              <a:rPr lang="it-IT" sz="2000" i="1" dirty="0">
+                <a:latin typeface="Tw Cen MT (Corpo)"/>
                 <a:cs typeface="Arial" panose="020B0604020202020204" pitchFamily="34" charset="0"/>
               </a:rPr>
               <a:t> </a:t>
             </a:r>
             <a:r>
-              <a:rPr lang="it-IT" dirty="0" err="1">
-                <a:latin typeface="Arial" panose="020B0604020202020204" pitchFamily="34" charset="0"/>
+              <a:rPr lang="it-IT" sz="2000" i="1" dirty="0" err="1">
+                <a:latin typeface="Tw Cen MT (Corpo)"/>
                 <a:cs typeface="Arial" panose="020B0604020202020204" pitchFamily="34" charset="0"/>
               </a:rPr>
               <a:t>probability</a:t>
             </a:r>
             <a:r>
-              <a:rPr lang="it-IT" dirty="0">
-                <a:latin typeface="Arial" panose="020B0604020202020204" pitchFamily="34" charset="0"/>
+              <a:rPr lang="it-IT" sz="2000" dirty="0">
+                <a:latin typeface="Tw Cen MT (Corpo)"/>
                 <a:cs typeface="Arial" panose="020B0604020202020204" pitchFamily="34" charset="0"/>
               </a:rPr>
-              <a:t> (tuttavia facilmente riconducibile ad una </a:t>
-            </a:r>
-            <a:r>
-              <a:rPr lang="it-IT" i="1" dirty="0">
-                <a:latin typeface="Arial" panose="020B0604020202020204" pitchFamily="34" charset="0"/>
+              <a:t> (tuttavia facilmente riconducibile ad un </a:t>
+            </a:r>
+            <a:r>
+              <a:rPr lang="it-IT" sz="2000" i="1" dirty="0" err="1">
+                <a:latin typeface="Tw Cen MT (Corpo)"/>
                 <a:cs typeface="Arial" panose="020B0604020202020204" pitchFamily="34" charset="0"/>
               </a:rPr>
-              <a:t>rate</a:t>
-            </a:r>
-            <a:r>
-              <a:rPr lang="it-IT" dirty="0">
-                <a:latin typeface="Arial" panose="020B0604020202020204" pitchFamily="34" charset="0"/>
+              <a:t>pumping</a:t>
+            </a:r>
+            <a:r>
+              <a:rPr lang="it-IT" sz="2000" i="1" dirty="0">
+                <a:latin typeface="Tw Cen MT (Corpo)"/>
+                <a:cs typeface="Arial" panose="020B0604020202020204" pitchFamily="34" charset="0"/>
+              </a:rPr>
+              <a:t> rate</a:t>
+            </a:r>
+            <a:r>
+              <a:rPr lang="it-IT" sz="2000" dirty="0">
+                <a:latin typeface="Tw Cen MT (Corpo)"/>
                 <a:cs typeface="Arial" panose="020B0604020202020204" pitchFamily="34" charset="0"/>
               </a:rPr>
               <a:t> a regime). Il modello del rumore è probabilmente quello che più risente della semplificazione.</a:t>
             </a:r>
-            <a:endParaRPr lang="it-IT" i="1" dirty="0">
-              <a:latin typeface="Arial" panose="020B0604020202020204" pitchFamily="34" charset="0"/>
+            <a:endParaRPr lang="it-IT" sz="2000" i="1" dirty="0">
+              <a:latin typeface="Tw Cen MT (Corpo)"/>
               <a:cs typeface="Arial" panose="020B0604020202020204" pitchFamily="34" charset="0"/>
             </a:endParaRPr>
           </a:p>
@@ -15214,18 +15120,6 @@
           <a:p>
             <a:r>
               <a:rPr lang="it-IT" dirty="0"/>
-              <a:t>Utilizziamo la regola di adiacenza di Moore per tenere conto della popolazione locale dell’intorno di una cella.</a:t>
-            </a:r>
-          </a:p>
-          <a:p>
-            <a:r>
-              <a:rPr lang="it-IT" dirty="0"/>
-              <a:t>La variabile tempo della simulazione è adimensionale</a:t>
-            </a:r>
-          </a:p>
-          <a:p>
-            <a:r>
-              <a:rPr lang="it-IT" dirty="0"/>
               <a:t>Lo stato di una cella è composto da:</a:t>
             </a:r>
           </a:p>
@@ -15251,8 +15145,16 @@
             </a:r>
           </a:p>
           <a:p>
-            <a:pPr lvl="1"/>
-            <a:endParaRPr lang="it-IT" dirty="0"/>
+            <a:r>
+              <a:rPr lang="it-IT" dirty="0"/>
+              <a:t>Utilizziamo la regola di adiacenza di Moore per tenere conto della popolazione locale dell’intorno di una cella.</a:t>
+            </a:r>
+          </a:p>
+          <a:p>
+            <a:r>
+              <a:rPr lang="it-IT" dirty="0"/>
+              <a:t>La variabile tempo della simulazione è adimensionale e discreta.</a:t>
+            </a:r>
           </a:p>
         </p:txBody>
       </p:sp>
@@ -15349,7 +15251,7 @@
           <a:p>
             <a:r>
               <a:rPr lang="it-IT" sz="2000" dirty="0"/>
-              <a:t>Per ogni istante di tempo calcoliamo la popolazione e il numero di fotoni, dopo aver aggiornato lo stato del reticolo usando un insieme di regole:</a:t>
+              <a:t>Per ogni istante di tempo calcoliamo la popolazione, il numero di fotoni e il rumore prodotto, dopo aver aggiornato lo stato del reticolo usando un insieme di regole:</a:t>
             </a:r>
           </a:p>
           <a:p>
@@ -15419,7 +15321,7 @@
             </a:pPr>
             <a:r>
               <a:rPr lang="it-IT" dirty="0"/>
-              <a:t>Allo scadere del tempo di vita del fotone, questo viene distrutto.</a:t>
+              <a:t>Allo scadere del tempo di vita del fotone, questo viene rimosso.</a:t>
             </a:r>
           </a:p>
           <a:p>
@@ -15615,7 +15517,10 @@
               <a:rPr lang="it-IT" dirty="0" err="1"/>
               <a:t>creation</a:t>
             </a:r>
-            <a:endParaRPr lang="it-IT" dirty="0"/>
+            <a:r>
+              <a:rPr lang="it-IT" dirty="0"/>
+              <a:t> Rule</a:t>
+            </a:r>
           </a:p>
           <a:p>
             <a:pPr marL="457200" lvl="1" indent="0">
@@ -15627,6 +15532,18 @@
             <a:r>
               <a:rPr lang="it-IT" dirty="0"/>
               <a:t>Il modello originario introduce fotoni in posizioni casuali per simulare allo stesso tempo emissione spontanea e contributo termico al rumore.</a:t>
+            </a:r>
+          </a:p>
+          <a:p>
+            <a:pPr marL="457200" lvl="1" indent="0">
+              <a:spcBef>
+                <a:spcPts val="600"/>
+              </a:spcBef>
+              <a:buNone/>
+            </a:pPr>
+            <a:r>
+              <a:rPr lang="it-IT" dirty="0"/>
+              <a:t>[Il modello perfezionato modifica questa regola, tenendo conto dei due effetti separatamente]</a:t>
             </a:r>
           </a:p>
           <a:p>
@@ -16442,7 +16359,7 @@
                   </a:schemeClr>
                 </a:solidFill>
               </a:rPr>
-              <a:t>. Il transitorio oscillante si esaurisce esponenzialmente.</a:t>
+              <a:t>. Le oscillazioni del transitorio si smorzano esponenzialmente, raggiungendo uno stato stabile.</a:t>
             </a:r>
           </a:p>
         </p:txBody>
@@ -16702,8 +16619,8 @@
         </p:nvSpPr>
         <p:spPr>
           <a:xfrm>
-            <a:off x="3720516" y="1259113"/>
-            <a:ext cx="7139031" cy="276999"/>
+            <a:off x="4823670" y="1488201"/>
+            <a:ext cx="5645791" cy="523220"/>
           </a:xfrm>
           <a:prstGeom prst="rect">
             <a:avLst/>
@@ -16716,89 +16633,76 @@
           </a:bodyPr>
           <a:lstStyle/>
           <a:p>
-            <a:r>
-              <a:rPr lang="it-IT" sz="1200" dirty="0">
+            <a:pPr algn="r"/>
+            <a:r>
+              <a:rPr lang="it-IT" sz="1400" dirty="0">
                 <a:solidFill>
                   <a:schemeClr val="bg1">
                     <a:lumMod val="95000"/>
                     <a:lumOff val="5000"/>
                   </a:schemeClr>
                 </a:solidFill>
-                <a:latin typeface="Cambria" panose="02040503050406030204" pitchFamily="18" charset="0"/>
+                <a:latin typeface="Tw Cen MT (Corpo)"/>
                 <a:ea typeface="Cambria" panose="02040503050406030204" pitchFamily="18" charset="0"/>
                 <a:cs typeface="JasmineUPC" panose="020B0502040204020203" pitchFamily="18" charset="-34"/>
               </a:rPr>
               <a:t>Più è alta la </a:t>
             </a:r>
             <a:r>
-              <a:rPr lang="it-IT" sz="1200" dirty="0" err="1">
+              <a:rPr lang="it-IT" sz="1400" dirty="0" err="1">
                 <a:solidFill>
                   <a:schemeClr val="bg1">
                     <a:lumMod val="95000"/>
                     <a:lumOff val="5000"/>
                   </a:schemeClr>
                 </a:solidFill>
-                <a:latin typeface="Cambria" panose="02040503050406030204" pitchFamily="18" charset="0"/>
+                <a:latin typeface="Tw Cen MT (Corpo)"/>
                 <a:ea typeface="Cambria" panose="02040503050406030204" pitchFamily="18" charset="0"/>
                 <a:cs typeface="JasmineUPC" panose="020B0502040204020203" pitchFamily="18" charset="-34"/>
               </a:rPr>
               <a:t>pumping</a:t>
             </a:r>
             <a:r>
-              <a:rPr lang="it-IT" sz="1200" dirty="0">
+              <a:rPr lang="it-IT" sz="1400" dirty="0">
                 <a:solidFill>
                   <a:schemeClr val="bg1">
                     <a:lumMod val="95000"/>
                     <a:lumOff val="5000"/>
                   </a:schemeClr>
                 </a:solidFill>
-                <a:latin typeface="Cambria" panose="02040503050406030204" pitchFamily="18" charset="0"/>
+                <a:latin typeface="Tw Cen MT (Corpo)"/>
                 <a:ea typeface="Cambria" panose="02040503050406030204" pitchFamily="18" charset="0"/>
                 <a:cs typeface="JasmineUPC" panose="020B0502040204020203" pitchFamily="18" charset="-34"/>
               </a:rPr>
               <a:t> rate, più deve aumentare il valore di </a:t>
             </a:r>
             <a:r>
-              <a:rPr lang="el-GR" sz="1200" dirty="0">
+              <a:rPr lang="el-GR" sz="1400" dirty="0">
                 <a:solidFill>
                   <a:schemeClr val="bg1">
                     <a:lumMod val="95000"/>
                     <a:lumOff val="5000"/>
                   </a:schemeClr>
                 </a:solidFill>
-                <a:latin typeface="Cambria" panose="02040503050406030204" pitchFamily="18" charset="0"/>
+                <a:latin typeface="Tw Cen MT (Corpo)"/>
                 <a:ea typeface="Cambria" panose="02040503050406030204" pitchFamily="18" charset="0"/>
                 <a:cs typeface="JasmineUPC" panose="020B0502040204020203" pitchFamily="18" charset="-34"/>
               </a:rPr>
               <a:t>τ</a:t>
             </a:r>
             <a:r>
-              <a:rPr lang="it-IT" sz="1050" dirty="0">
+              <a:rPr lang="it-IT" sz="1400" dirty="0">
                 <a:solidFill>
                   <a:schemeClr val="bg1">
                     <a:lumMod val="95000"/>
                     <a:lumOff val="5000"/>
                   </a:schemeClr>
                 </a:solidFill>
-                <a:latin typeface="Cambria" panose="02040503050406030204" pitchFamily="18" charset="0"/>
+                <a:latin typeface="Tw Cen MT (Corpo)"/>
                 <a:ea typeface="Cambria" panose="02040503050406030204" pitchFamily="18" charset="0"/>
                 <a:cs typeface="JasmineUPC" panose="020B0502040204020203" pitchFamily="18" charset="-34"/>
               </a:rPr>
-              <a:t>a</a:t>
-            </a:r>
-            <a:r>
-              <a:rPr lang="it-IT" sz="1200" dirty="0">
-                <a:solidFill>
-                  <a:schemeClr val="bg1">
-                    <a:lumMod val="95000"/>
-                    <a:lumOff val="5000"/>
-                  </a:schemeClr>
-                </a:solidFill>
-                <a:latin typeface="Cambria" panose="02040503050406030204" pitchFamily="18" charset="0"/>
-                <a:ea typeface="Cambria" panose="02040503050406030204" pitchFamily="18" charset="0"/>
-                <a:cs typeface="JasmineUPC" panose="020B0502040204020203" pitchFamily="18" charset="-34"/>
-              </a:rPr>
-              <a:t> per rendere evidente il regime oscillatorio</a:t>
+              <a:t>a per rendere evidente il regime oscillatorio</a:t>
             </a:r>
           </a:p>
         </p:txBody>
@@ -16855,8 +16759,8 @@
         </p:blipFill>
         <p:spPr>
           <a:xfrm>
-            <a:off x="2313993" y="354936"/>
-            <a:ext cx="7564014" cy="6148128"/>
+            <a:off x="2223083" y="728596"/>
+            <a:ext cx="7201919" cy="5853813"/>
           </a:xfrm>
           <a:prstGeom prst="rect">
             <a:avLst/>
@@ -16877,7 +16781,7 @@
         </p:nvSpPr>
         <p:spPr>
           <a:xfrm>
-            <a:off x="6514751" y="4228328"/>
+            <a:off x="6096000" y="4328997"/>
             <a:ext cx="3144982" cy="1938992"/>
           </a:xfrm>
           <a:prstGeom prst="rect">
@@ -17118,8 +17022,8 @@
         </p:nvSpPr>
         <p:spPr>
           <a:xfrm>
-            <a:off x="2751589" y="380103"/>
-            <a:ext cx="3229761" cy="369332"/>
+            <a:off x="2114027" y="275591"/>
+            <a:ext cx="4110604" cy="461665"/>
           </a:xfrm>
           <a:prstGeom prst="rect">
             <a:avLst/>
@@ -17133,11 +17037,7 @@
           <a:lstStyle/>
           <a:p>
             <a:r>
-              <a:rPr lang="it-IT" dirty="0">
-                <a:solidFill>
-                  <a:schemeClr val="bg1"/>
-                </a:solidFill>
-              </a:rPr>
+              <a:rPr lang="it-IT" sz="2400" dirty="0"/>
               <a:t>Un altro esempio evidente</a:t>
             </a:r>
           </a:p>

--- a/Presentation/PresentazioneDispositivi.pptx
+++ b/Presentation/PresentazioneDispositivi.pptx
@@ -4464,7 +4464,7 @@
           <a:p>
             <a:fld id="{06021973-6F29-4C3C-B47D-AFC1FE0FEEAE}" type="slidenum">
               <a:rPr lang="it-IT" smtClean="0"/>
-              <a:t>‹N›</a:t>
+              <a:t>‹#›</a:t>
             </a:fld>
             <a:endParaRPr lang="it-IT"/>
           </a:p>
@@ -4721,7 +4721,7 @@
           <a:p>
             <a:fld id="{06021973-6F29-4C3C-B47D-AFC1FE0FEEAE}" type="slidenum">
               <a:rPr lang="it-IT" smtClean="0"/>
-              <a:t>‹N›</a:t>
+              <a:t>‹#›</a:t>
             </a:fld>
             <a:endParaRPr lang="it-IT"/>
           </a:p>
@@ -4917,7 +4917,7 @@
           <a:p>
             <a:fld id="{06021973-6F29-4C3C-B47D-AFC1FE0FEEAE}" type="slidenum">
               <a:rPr lang="it-IT" smtClean="0"/>
-              <a:t>‹N›</a:t>
+              <a:t>‹#›</a:t>
             </a:fld>
             <a:endParaRPr lang="it-IT"/>
           </a:p>
@@ -5180,7 +5180,7 @@
           <a:p>
             <a:fld id="{06021973-6F29-4C3C-B47D-AFC1FE0FEEAE}" type="slidenum">
               <a:rPr lang="it-IT" smtClean="0"/>
-              <a:t>‹N›</a:t>
+              <a:t>‹#›</a:t>
             </a:fld>
             <a:endParaRPr lang="it-IT"/>
           </a:p>
@@ -5614,7 +5614,7 @@
           <a:p>
             <a:fld id="{06021973-6F29-4C3C-B47D-AFC1FE0FEEAE}" type="slidenum">
               <a:rPr lang="it-IT" smtClean="0"/>
-              <a:t>‹N›</a:t>
+              <a:t>‹#›</a:t>
             </a:fld>
             <a:endParaRPr lang="it-IT"/>
           </a:p>
@@ -6160,7 +6160,7 @@
           <a:p>
             <a:fld id="{06021973-6F29-4C3C-B47D-AFC1FE0FEEAE}" type="slidenum">
               <a:rPr lang="it-IT" smtClean="0"/>
-              <a:t>‹N›</a:t>
+              <a:t>‹#›</a:t>
             </a:fld>
             <a:endParaRPr lang="it-IT"/>
           </a:p>
@@ -6880,7 +6880,7 @@
           <a:p>
             <a:fld id="{06021973-6F29-4C3C-B47D-AFC1FE0FEEAE}" type="slidenum">
               <a:rPr lang="it-IT" smtClean="0"/>
-              <a:t>‹N›</a:t>
+              <a:t>‹#›</a:t>
             </a:fld>
             <a:endParaRPr lang="it-IT"/>
           </a:p>
@@ -7050,7 +7050,7 @@
           <a:p>
             <a:fld id="{06021973-6F29-4C3C-B47D-AFC1FE0FEEAE}" type="slidenum">
               <a:rPr lang="it-IT" smtClean="0"/>
-              <a:t>‹N›</a:t>
+              <a:t>‹#›</a:t>
             </a:fld>
             <a:endParaRPr lang="it-IT"/>
           </a:p>
@@ -7230,7 +7230,7 @@
           <a:p>
             <a:fld id="{06021973-6F29-4C3C-B47D-AFC1FE0FEEAE}" type="slidenum">
               <a:rPr lang="it-IT" smtClean="0"/>
-              <a:t>‹N›</a:t>
+              <a:t>‹#›</a:t>
             </a:fld>
             <a:endParaRPr lang="it-IT"/>
           </a:p>
@@ -7400,7 +7400,7 @@
           <a:p>
             <a:fld id="{06021973-6F29-4C3C-B47D-AFC1FE0FEEAE}" type="slidenum">
               <a:rPr lang="it-IT" smtClean="0"/>
-              <a:t>‹N›</a:t>
+              <a:t>‹#›</a:t>
             </a:fld>
             <a:endParaRPr lang="it-IT"/>
           </a:p>
@@ -7650,7 +7650,7 @@
           <a:p>
             <a:fld id="{06021973-6F29-4C3C-B47D-AFC1FE0FEEAE}" type="slidenum">
               <a:rPr lang="it-IT" smtClean="0"/>
-              <a:t>‹N›</a:t>
+              <a:t>‹#›</a:t>
             </a:fld>
             <a:endParaRPr lang="it-IT"/>
           </a:p>
@@ -7882,7 +7882,7 @@
           <a:p>
             <a:fld id="{06021973-6F29-4C3C-B47D-AFC1FE0FEEAE}" type="slidenum">
               <a:rPr lang="it-IT" smtClean="0"/>
-              <a:t>‹N›</a:t>
+              <a:t>‹#›</a:t>
             </a:fld>
             <a:endParaRPr lang="it-IT"/>
           </a:p>
@@ -8263,7 +8263,7 @@
           <a:p>
             <a:fld id="{06021973-6F29-4C3C-B47D-AFC1FE0FEEAE}" type="slidenum">
               <a:rPr lang="it-IT" smtClean="0"/>
-              <a:t>‹N›</a:t>
+              <a:t>‹#›</a:t>
             </a:fld>
             <a:endParaRPr lang="it-IT"/>
           </a:p>
@@ -8381,7 +8381,7 @@
           <a:p>
             <a:fld id="{06021973-6F29-4C3C-B47D-AFC1FE0FEEAE}" type="slidenum">
               <a:rPr lang="it-IT" smtClean="0"/>
-              <a:t>‹N›</a:t>
+              <a:t>‹#›</a:t>
             </a:fld>
             <a:endParaRPr lang="it-IT"/>
           </a:p>
@@ -8476,7 +8476,7 @@
           <a:p>
             <a:fld id="{06021973-6F29-4C3C-B47D-AFC1FE0FEEAE}" type="slidenum">
               <a:rPr lang="it-IT" smtClean="0"/>
-              <a:t>‹N›</a:t>
+              <a:t>‹#›</a:t>
             </a:fld>
             <a:endParaRPr lang="it-IT"/>
           </a:p>
@@ -8725,7 +8725,7 @@
           <a:p>
             <a:fld id="{06021973-6F29-4C3C-B47D-AFC1FE0FEEAE}" type="slidenum">
               <a:rPr lang="it-IT" smtClean="0"/>
-              <a:t>‹N›</a:t>
+              <a:t>‹#›</a:t>
             </a:fld>
             <a:endParaRPr lang="it-IT"/>
           </a:p>
@@ -9005,7 +9005,7 @@
           <a:p>
             <a:fld id="{06021973-6F29-4C3C-B47D-AFC1FE0FEEAE}" type="slidenum">
               <a:rPr lang="it-IT" smtClean="0"/>
-              <a:t>‹N›</a:t>
+              <a:t>‹#›</a:t>
             </a:fld>
             <a:endParaRPr lang="it-IT"/>
           </a:p>
@@ -12118,7 +12118,7 @@
           <a:p>
             <a:fld id="{06021973-6F29-4C3C-B47D-AFC1FE0FEEAE}" type="slidenum">
               <a:rPr lang="it-IT" smtClean="0"/>
-              <a:t>‹N›</a:t>
+              <a:t>‹#›</a:t>
             </a:fld>
             <a:endParaRPr lang="it-IT"/>
           </a:p>
@@ -12535,7 +12535,7 @@
           <a:p>
             <a:r>
               <a:rPr lang="it-IT" dirty="0"/>
-              <a:t>By Simone Giampà and Francesco Panebianco</a:t>
+              <a:t>di Simone Giampà e Francesco Panebianco</a:t>
             </a:r>
           </a:p>
         </p:txBody>
@@ -12618,8 +12618,8 @@
         </p:nvSpPr>
         <p:spPr>
           <a:xfrm>
-            <a:off x="1141413" y="106790"/>
-            <a:ext cx="9905998" cy="874722"/>
+            <a:off x="1367744" y="151001"/>
+            <a:ext cx="9456512" cy="805343"/>
           </a:xfrm>
         </p:spPr>
         <p:txBody>
@@ -12682,8 +12682,8 @@
         </p:nvSpPr>
         <p:spPr>
           <a:xfrm>
-            <a:off x="2685875" y="1813875"/>
-            <a:ext cx="3438088" cy="830997"/>
+            <a:off x="7159837" y="1822264"/>
+            <a:ext cx="3438088" cy="584775"/>
           </a:xfrm>
           <a:prstGeom prst="rect">
             <a:avLst/>
@@ -12707,7 +12707,7 @@
                 <a:latin typeface="Tw Cen MT (Corpo)"/>
                 <a:cs typeface="Calibri" panose="020F0502020204030204" pitchFamily="34" charset="0"/>
               </a:rPr>
-              <a:t>Aumentando il tempo di vita della cavità o dei portatori, la soglia si abbassa</a:t>
+              <a:t>Aumentando il tempo di vita della cavità, la soglia si abbassa</a:t>
             </a:r>
           </a:p>
         </p:txBody>
@@ -12756,7 +12756,7 @@
           </p:cNvPicPr>
           <p:nvPr/>
         </p:nvPicPr>
-        <p:blipFill>
+        <p:blipFill rotWithShape="1">
           <a:blip r:embed="rId2">
             <a:extLst>
               <a:ext uri="{28A0092B-C50C-407E-A947-70E740481C1C}">
@@ -12764,13 +12764,13 @@
               </a:ext>
             </a:extLst>
           </a:blip>
-          <a:srcRect/>
+          <a:srcRect l="6779" t="12011" r="6205" b="4289"/>
           <a:stretch/>
         </p:blipFill>
         <p:spPr>
           <a:xfrm>
-            <a:off x="4269997" y="813732"/>
-            <a:ext cx="7309998" cy="5833306"/>
+            <a:off x="4827129" y="964734"/>
+            <a:ext cx="6471951" cy="5639685"/>
           </a:xfrm>
           <a:prstGeom prst="rect">
             <a:avLst/>
@@ -12795,7 +12795,7 @@
         </p:nvSpPr>
         <p:spPr>
           <a:xfrm>
-            <a:off x="1141413" y="106790"/>
+            <a:off x="1533041" y="90012"/>
             <a:ext cx="9905998" cy="874722"/>
           </a:xfrm>
         </p:spPr>
@@ -12824,8 +12824,8 @@
         </p:nvSpPr>
         <p:spPr>
           <a:xfrm>
-            <a:off x="1141413" y="813732"/>
-            <a:ext cx="2978092" cy="923330"/>
+            <a:off x="1312103" y="1260915"/>
+            <a:ext cx="3269228" cy="2308324"/>
           </a:xfrm>
           <a:prstGeom prst="rect">
             <a:avLst/>
@@ -12838,13 +12838,27 @@
           </a:bodyPr>
           <a:lstStyle/>
           <a:p>
-            <a:pPr algn="just"/>
             <a:r>
               <a:rPr lang="it-IT" dirty="0">
                 <a:latin typeface="Tw Cen MT (Corpo)"/>
                 <a:cs typeface="Calibri" panose="020F0502020204030204" pitchFamily="34" charset="0"/>
               </a:rPr>
-              <a:t>Aumentando la probabilità di rumore aumenta in maniera quasi lineare</a:t>
+              <a:t>La soglia minima di pumping aumenta approssimativamente linearmente con la probabilità di generazione di rumore.</a:t>
+            </a:r>
+          </a:p>
+          <a:p>
+            <a:endParaRPr lang="it-IT" dirty="0">
+              <a:latin typeface="Tw Cen MT (Corpo)"/>
+              <a:cs typeface="Calibri" panose="020F0502020204030204" pitchFamily="34" charset="0"/>
+            </a:endParaRPr>
+          </a:p>
+          <a:p>
+            <a:r>
+              <a:rPr lang="it-IT" dirty="0">
+                <a:latin typeface="Tw Cen MT (Corpo)"/>
+                <a:cs typeface="Calibri" panose="020F0502020204030204" pitchFamily="34" charset="0"/>
+              </a:rPr>
+              <a:t>Per la creazione di questo grafico è stato usato il modello semplificato di rumore.</a:t>
             </a:r>
           </a:p>
         </p:txBody>
@@ -12906,8 +12920,8 @@
         </p:blipFill>
         <p:spPr>
           <a:xfrm>
-            <a:off x="5234769" y="981512"/>
-            <a:ext cx="6150179" cy="5145543"/>
+            <a:off x="5126185" y="981512"/>
+            <a:ext cx="6507452" cy="5444455"/>
           </a:xfrm>
           <a:prstGeom prst="rect">
             <a:avLst/>
@@ -12932,8 +12946,8 @@
         </p:nvSpPr>
         <p:spPr>
           <a:xfrm>
-            <a:off x="1141413" y="106790"/>
-            <a:ext cx="9905998" cy="874722"/>
+            <a:off x="1412001" y="106790"/>
+            <a:ext cx="8618407" cy="874722"/>
           </a:xfrm>
         </p:spPr>
         <p:txBody>
@@ -12975,13 +12989,11 @@
           </a:bodyPr>
           <a:lstStyle/>
           <a:p>
-            <a:pPr algn="just"/>
             <a:r>
               <a:rPr lang="it-IT" dirty="0">
-                <a:latin typeface="Calibri" panose="020F0502020204030204" pitchFamily="34" charset="0"/>
                 <a:cs typeface="Calibri" panose="020F0502020204030204" pitchFamily="34" charset="0"/>
               </a:rPr>
-              <a:t>Al diminuire della probabilità di emissione stimolata, la soglia si alza</a:t>
+              <a:t>Al diminuire della probabilità di emissione stimolata, la soglia si alza.</a:t>
             </a:r>
           </a:p>
         </p:txBody>
@@ -13001,7 +13013,7 @@
         <p:spPr>
           <a:xfrm>
             <a:off x="1026276" y="1856234"/>
-            <a:ext cx="3984772" cy="1754326"/>
+            <a:ext cx="3984772" cy="3416320"/>
           </a:xfrm>
           <a:prstGeom prst="rect">
             <a:avLst/>
@@ -13014,10 +13026,18 @@
           </a:bodyPr>
           <a:lstStyle/>
           <a:p>
-            <a:pPr algn="just"/>
             <a:r>
               <a:rPr lang="it-IT" dirty="0"/>
-              <a:t>In base al modello del paper originale, non abbiamo esattamente una probabilità di emissione stimolata, ma una soglia di fotoni adiacenti. Aumentando tale soglia, diminuisce la probabilità di emissione stimolata</a:t>
+              <a:t>In base al modello del paper originale, non esiste una vera e propria probabilità di emissione stimolata, ma una soglia di fotoni adiacenti. Cioè quando il numero di fotoni nelle celle adiacenti a quella analizzata supera il valore di soglia impostato, viene generato un nuovo fotone. Aumentando tale soglia, aumenta la probabilità di emissione stimolata.</a:t>
+            </a:r>
+          </a:p>
+          <a:p>
+            <a:endParaRPr lang="it-IT" dirty="0"/>
+          </a:p>
+          <a:p>
+            <a:r>
+              <a:rPr lang="it-IT" dirty="0"/>
+              <a:t>Un valore di soglia superiore a 4 non è fisicamente riproducibile. </a:t>
             </a:r>
           </a:p>
         </p:txBody>
@@ -13070,7 +13090,7 @@
         </p:nvSpPr>
         <p:spPr>
           <a:xfrm>
-            <a:off x="1143001" y="115179"/>
+            <a:off x="1470172" y="172106"/>
             <a:ext cx="9905998" cy="836543"/>
           </a:xfrm>
         </p:spPr>
@@ -13107,7 +13127,7 @@
         </p:blipFill>
         <p:spPr>
           <a:xfrm>
-            <a:off x="1143001" y="1034376"/>
+            <a:off x="1143001" y="1017598"/>
             <a:ext cx="10017967" cy="5592308"/>
           </a:xfrm>
           <a:prstGeom prst="rect">
@@ -13115,6 +13135,215 @@
           </a:prstGeom>
         </p:spPr>
       </p:pic>
+      <p:sp>
+        <p:nvSpPr>
+          <p:cNvPr id="4" name="CasellaDiTesto 6">
+            <a:extLst>
+              <a:ext uri="{FF2B5EF4-FFF2-40B4-BE49-F238E27FC236}">
+                <a16:creationId xmlns:a16="http://schemas.microsoft.com/office/drawing/2014/main" id="{9177FD20-2EEF-4195-A114-48A87715620F}"/>
+              </a:ext>
+            </a:extLst>
+          </p:cNvPr>
+          <p:cNvSpPr txBox="1"/>
+          <p:nvPr/>
+        </p:nvSpPr>
+        <p:spPr>
+          <a:xfrm>
+            <a:off x="1755046" y="1376828"/>
+            <a:ext cx="3630683" cy="1477328"/>
+          </a:xfrm>
+          <a:prstGeom prst="rect">
+            <a:avLst/>
+          </a:prstGeom>
+          <a:noFill/>
+        </p:spPr>
+        <p:txBody>
+          <a:bodyPr wrap="square" rtlCol="0">
+            <a:spAutoFit/>
+          </a:bodyPr>
+          <a:lstStyle/>
+          <a:p>
+            <a:r>
+              <a:rPr lang="it-IT" dirty="0">
+                <a:solidFill>
+                  <a:schemeClr val="bg1">
+                    <a:lumMod val="95000"/>
+                    <a:lumOff val="5000"/>
+                  </a:schemeClr>
+                </a:solidFill>
+              </a:rPr>
+              <a:t>Rappresentazione della caratteristica luce-corrente del laser attraverso una curva che riporta il numero medio di fotoni emessi in funzione della probabilità di pompaggio</a:t>
+            </a:r>
+          </a:p>
+        </p:txBody>
+      </p:sp>
+      <p:sp>
+        <p:nvSpPr>
+          <p:cNvPr id="3" name="TextBox 2">
+            <a:extLst>
+              <a:ext uri="{FF2B5EF4-FFF2-40B4-BE49-F238E27FC236}">
+                <a16:creationId xmlns:a16="http://schemas.microsoft.com/office/drawing/2014/main" id="{E55930EE-E49D-480E-9612-D3F1D7645425}"/>
+              </a:ext>
+            </a:extLst>
+          </p:cNvPr>
+          <p:cNvSpPr txBox="1"/>
+          <p:nvPr/>
+        </p:nvSpPr>
+        <p:spPr>
+          <a:xfrm>
+            <a:off x="9571839" y="2115492"/>
+            <a:ext cx="1275670" cy="369332"/>
+          </a:xfrm>
+          <a:prstGeom prst="rect">
+            <a:avLst/>
+          </a:prstGeom>
+          <a:noFill/>
+        </p:spPr>
+        <p:txBody>
+          <a:bodyPr wrap="none" rtlCol="0">
+            <a:spAutoFit/>
+          </a:bodyPr>
+          <a:lstStyle/>
+          <a:p>
+            <a:r>
+              <a:rPr lang="it-IT" dirty="0">
+                <a:solidFill>
+                  <a:schemeClr val="bg1"/>
+                </a:solidFill>
+              </a:rPr>
+              <a:t>Saturazione</a:t>
+            </a:r>
+            <a:endParaRPr lang="en-GB" dirty="0">
+              <a:solidFill>
+                <a:schemeClr val="bg1"/>
+              </a:solidFill>
+            </a:endParaRPr>
+          </a:p>
+        </p:txBody>
+      </p:sp>
+      <p:sp>
+        <p:nvSpPr>
+          <p:cNvPr id="6" name="TextBox 5">
+            <a:extLst>
+              <a:ext uri="{FF2B5EF4-FFF2-40B4-BE49-F238E27FC236}">
+                <a16:creationId xmlns:a16="http://schemas.microsoft.com/office/drawing/2014/main" id="{205904CD-1659-4253-9F93-35DCB3DFD6B3}"/>
+              </a:ext>
+            </a:extLst>
+          </p:cNvPr>
+          <p:cNvSpPr txBox="1"/>
+          <p:nvPr/>
+        </p:nvSpPr>
+        <p:spPr>
+          <a:xfrm>
+            <a:off x="1755046" y="5556377"/>
+            <a:ext cx="2082621" cy="369332"/>
+          </a:xfrm>
+          <a:prstGeom prst="rect">
+            <a:avLst/>
+          </a:prstGeom>
+          <a:noFill/>
+        </p:spPr>
+        <p:txBody>
+          <a:bodyPr wrap="none" rtlCol="0">
+            <a:spAutoFit/>
+          </a:bodyPr>
+          <a:lstStyle/>
+          <a:p>
+            <a:r>
+              <a:rPr lang="it-IT" dirty="0">
+                <a:solidFill>
+                  <a:schemeClr val="bg1"/>
+                </a:solidFill>
+              </a:rPr>
+              <a:t>Emissione Spontanea</a:t>
+            </a:r>
+          </a:p>
+        </p:txBody>
+      </p:sp>
+      <p:cxnSp>
+        <p:nvCxnSpPr>
+          <p:cNvPr id="8" name="Straight Connector 7">
+            <a:extLst>
+              <a:ext uri="{FF2B5EF4-FFF2-40B4-BE49-F238E27FC236}">
+                <a16:creationId xmlns:a16="http://schemas.microsoft.com/office/drawing/2014/main" id="{10E06E80-F5E9-4A61-8416-090EF0C8115F}"/>
+              </a:ext>
+            </a:extLst>
+          </p:cNvPr>
+          <p:cNvCxnSpPr/>
+          <p:nvPr/>
+        </p:nvCxnSpPr>
+        <p:spPr>
+          <a:xfrm>
+            <a:off x="4647501" y="3120705"/>
+            <a:ext cx="0" cy="3061981"/>
+          </a:xfrm>
+          <a:prstGeom prst="line">
+            <a:avLst/>
+          </a:prstGeom>
+          <a:ln w="19050">
+            <a:solidFill>
+              <a:schemeClr val="bg2">
+                <a:lumMod val="20000"/>
+                <a:lumOff val="80000"/>
+              </a:schemeClr>
+            </a:solidFill>
+            <a:prstDash val="dash"/>
+          </a:ln>
+        </p:spPr>
+        <p:style>
+          <a:lnRef idx="1">
+            <a:schemeClr val="accent1"/>
+          </a:lnRef>
+          <a:fillRef idx="0">
+            <a:schemeClr val="accent1"/>
+          </a:fillRef>
+          <a:effectRef idx="0">
+            <a:schemeClr val="accent1"/>
+          </a:effectRef>
+          <a:fontRef idx="minor">
+            <a:schemeClr val="tx1"/>
+          </a:fontRef>
+        </p:style>
+      </p:cxnSp>
+      <p:sp>
+        <p:nvSpPr>
+          <p:cNvPr id="9" name="TextBox 8">
+            <a:extLst>
+              <a:ext uri="{FF2B5EF4-FFF2-40B4-BE49-F238E27FC236}">
+                <a16:creationId xmlns:a16="http://schemas.microsoft.com/office/drawing/2014/main" id="{023E3E48-AE8D-43A2-8072-8EF8DCBFFB27}"/>
+              </a:ext>
+            </a:extLst>
+          </p:cNvPr>
+          <p:cNvSpPr txBox="1"/>
+          <p:nvPr/>
+        </p:nvSpPr>
+        <p:spPr>
+          <a:xfrm>
+            <a:off x="4768093" y="4651695"/>
+            <a:ext cx="1045478" cy="646331"/>
+          </a:xfrm>
+          <a:prstGeom prst="rect">
+            <a:avLst/>
+          </a:prstGeom>
+          <a:noFill/>
+        </p:spPr>
+        <p:txBody>
+          <a:bodyPr wrap="square" rtlCol="0">
+            <a:spAutoFit/>
+          </a:bodyPr>
+          <a:lstStyle/>
+          <a:p>
+            <a:r>
+              <a:rPr lang="it-IT" dirty="0">
+                <a:solidFill>
+                  <a:schemeClr val="bg1"/>
+                </a:solidFill>
+              </a:rPr>
+              <a:t>Emissione Stimolata</a:t>
+            </a:r>
+          </a:p>
+        </p:txBody>
+      </p:sp>
     </p:spTree>
     <p:extLst>
       <p:ext uri="{BB962C8B-B14F-4D97-AF65-F5344CB8AC3E}">
@@ -13229,8 +13458,8 @@
         </p:nvSpPr>
         <p:spPr>
           <a:xfrm>
-            <a:off x="1452693" y="6013494"/>
-            <a:ext cx="1081671" cy="307777"/>
+            <a:off x="1972811" y="5887659"/>
+            <a:ext cx="1038837" cy="369332"/>
           </a:xfrm>
           <a:prstGeom prst="rect">
             <a:avLst/>
@@ -13244,14 +13473,13 @@
           <a:lstStyle/>
           <a:p>
             <a:r>
-              <a:rPr lang="it-IT" sz="1400" dirty="0">
+              <a:rPr lang="it-IT" dirty="0">
                 <a:solidFill>
                   <a:schemeClr val="bg1"/>
                 </a:solidFill>
-                <a:latin typeface="Calibri" panose="020F0502020204030204" pitchFamily="34" charset="0"/>
                 <a:cs typeface="Calibri" panose="020F0502020204030204" pitchFamily="34" charset="0"/>
               </a:rPr>
-              <a:t>QUIETE</a:t>
+              <a:t>Quiete</a:t>
             </a:r>
           </a:p>
         </p:txBody>
@@ -13271,7 +13499,7 @@
         <p:spPr>
           <a:xfrm>
             <a:off x="1469471" y="3405116"/>
-            <a:ext cx="1449897" cy="369332"/>
+            <a:ext cx="1542177" cy="369332"/>
           </a:xfrm>
           <a:prstGeom prst="rect">
             <a:avLst/>
@@ -13289,10 +13517,9 @@
                 <a:solidFill>
                   <a:schemeClr val="bg1"/>
                 </a:solidFill>
-                <a:latin typeface="Calibri" panose="020F0502020204030204" pitchFamily="34" charset="0"/>
                 <a:cs typeface="Calibri" panose="020F0502020204030204" pitchFamily="34" charset="0"/>
               </a:rPr>
-              <a:t>POMPAGGIO</a:t>
+              <a:t>Pompaggio</a:t>
             </a:r>
           </a:p>
         </p:txBody>
@@ -13311,8 +13538,8 @@
         </p:nvSpPr>
         <p:spPr>
           <a:xfrm>
-            <a:off x="5239433" y="3463136"/>
-            <a:ext cx="1709955" cy="461665"/>
+            <a:off x="4789731" y="3297394"/>
+            <a:ext cx="1745676" cy="584775"/>
           </a:xfrm>
           <a:prstGeom prst="rect">
             <a:avLst/>
@@ -13325,15 +13552,32 @@
           </a:bodyPr>
           <a:lstStyle/>
           <a:p>
-            <a:r>
-              <a:rPr lang="it-IT" sz="1200" dirty="0">
+            <a:pPr algn="ctr"/>
+            <a:r>
+              <a:rPr lang="it-IT" sz="1600" dirty="0">
                 <a:solidFill>
                   <a:schemeClr val="bg1"/>
                 </a:solidFill>
-                <a:latin typeface="Calibri" panose="020F0502020204030204" pitchFamily="34" charset="0"/>
                 <a:cs typeface="Calibri" panose="020F0502020204030204" pitchFamily="34" charset="0"/>
               </a:rPr>
-              <a:t>DOMINA EMISSIONE STIMOLATA</a:t>
+              <a:t>Domina </a:t>
+            </a:r>
+            <a:br>
+              <a:rPr lang="it-IT" sz="1600" dirty="0">
+                <a:solidFill>
+                  <a:schemeClr val="bg1"/>
+                </a:solidFill>
+                <a:cs typeface="Calibri" panose="020F0502020204030204" pitchFamily="34" charset="0"/>
+              </a:rPr>
+            </a:br>
+            <a:r>
+              <a:rPr lang="it-IT" sz="1600" dirty="0">
+                <a:solidFill>
+                  <a:schemeClr val="bg1"/>
+                </a:solidFill>
+                <a:cs typeface="Calibri" panose="020F0502020204030204" pitchFamily="34" charset="0"/>
+              </a:rPr>
+              <a:t>emissione stimolata</a:t>
             </a:r>
           </a:p>
         </p:txBody>
@@ -13371,55 +13615,13 @@
                 <a:solidFill>
                   <a:schemeClr val="bg1"/>
                 </a:solidFill>
-                <a:latin typeface="Calibri" panose="020F0502020204030204" pitchFamily="34" charset="0"/>
                 <a:cs typeface="Calibri" panose="020F0502020204030204" pitchFamily="34" charset="0"/>
               </a:rPr>
-              <a:t>EQUILIBRIO</a:t>
+              <a:t>Equilibrio</a:t>
             </a:r>
           </a:p>
         </p:txBody>
       </p:sp>
-      <p:cxnSp>
-        <p:nvCxnSpPr>
-          <p:cNvPr id="11" name="Connettore 2 10">
-            <a:extLst>
-              <a:ext uri="{FF2B5EF4-FFF2-40B4-BE49-F238E27FC236}">
-                <a16:creationId xmlns:a16="http://schemas.microsoft.com/office/drawing/2014/main" id="{7386E78F-2B63-4B44-B45F-E0FC601A80E5}"/>
-              </a:ext>
-            </a:extLst>
-          </p:cNvPr>
-          <p:cNvCxnSpPr>
-            <a:cxnSpLocks/>
-          </p:cNvCxnSpPr>
-          <p:nvPr/>
-        </p:nvCxnSpPr>
-        <p:spPr>
-          <a:xfrm>
-            <a:off x="5924401" y="3899425"/>
-            <a:ext cx="0" cy="404127"/>
-          </a:xfrm>
-          <a:prstGeom prst="straightConnector1">
-            <a:avLst/>
-          </a:prstGeom>
-          <a:ln>
-            <a:tailEnd type="triangle"/>
-          </a:ln>
-        </p:spPr>
-        <p:style>
-          <a:lnRef idx="1">
-            <a:schemeClr val="dk1"/>
-          </a:lnRef>
-          <a:fillRef idx="0">
-            <a:schemeClr val="dk1"/>
-          </a:fillRef>
-          <a:effectRef idx="0">
-            <a:schemeClr val="dk1"/>
-          </a:effectRef>
-          <a:fontRef idx="minor">
-            <a:schemeClr val="tx1"/>
-          </a:fontRef>
-        </p:style>
-      </p:cxnSp>
       <p:sp>
         <p:nvSpPr>
           <p:cNvPr id="13" name="CasellaDiTesto 12">
@@ -13454,27 +13656,97 @@
                   <a:schemeClr val="bg1"/>
                 </a:solidFill>
               </a:rPr>
-              <a:t>In questa simulazione, lo </a:t>
-            </a:r>
-            <a:r>
-              <a:rPr lang="it-IT" i="1" dirty="0" err="1">
-                <a:solidFill>
-                  <a:schemeClr val="bg1"/>
-                </a:solidFill>
-              </a:rPr>
-              <a:t>stimulatedEmissionThreshold</a:t>
-            </a:r>
+              <a:t>In questa simulazione, la soglia di emissione stimolata è stato aumentata per evidenziare il transitorio</a:t>
+            </a:r>
+          </a:p>
+        </p:txBody>
+      </p:sp>
+      <p:sp>
+        <p:nvSpPr>
+          <p:cNvPr id="10" name="CasellaDiTesto 6">
+            <a:extLst>
+              <a:ext uri="{FF2B5EF4-FFF2-40B4-BE49-F238E27FC236}">
+                <a16:creationId xmlns:a16="http://schemas.microsoft.com/office/drawing/2014/main" id="{C29EB350-09FC-41B9-BEA5-7D3B0021D507}"/>
+              </a:ext>
+            </a:extLst>
+          </p:cNvPr>
+          <p:cNvSpPr txBox="1"/>
+          <p:nvPr/>
+        </p:nvSpPr>
+        <p:spPr>
+          <a:xfrm>
+            <a:off x="8933508" y="1963294"/>
+            <a:ext cx="1352794" cy="369332"/>
+          </a:xfrm>
+          <a:prstGeom prst="rect">
+            <a:avLst/>
+          </a:prstGeom>
+          <a:noFill/>
+        </p:spPr>
+        <p:txBody>
+          <a:bodyPr wrap="square" rtlCol="0">
+            <a:spAutoFit/>
+          </a:bodyPr>
+          <a:lstStyle/>
+          <a:p>
             <a:r>
               <a:rPr lang="it-IT" dirty="0">
                 <a:solidFill>
                   <a:schemeClr val="bg1"/>
                 </a:solidFill>
+                <a:cs typeface="Calibri" panose="020F0502020204030204" pitchFamily="34" charset="0"/>
               </a:rPr>
-              <a:t> è stato aumentato per evidenziare il transitorio</a:t>
+              <a:t>Equilibrio</a:t>
             </a:r>
           </a:p>
         </p:txBody>
       </p:sp>
+      <p:cxnSp>
+        <p:nvCxnSpPr>
+          <p:cNvPr id="12" name="Straight Connector 11">
+            <a:extLst>
+              <a:ext uri="{FF2B5EF4-FFF2-40B4-BE49-F238E27FC236}">
+                <a16:creationId xmlns:a16="http://schemas.microsoft.com/office/drawing/2014/main" id="{8BD815E7-4939-488C-89C0-D4BBBCE298AA}"/>
+              </a:ext>
+            </a:extLst>
+          </p:cNvPr>
+          <p:cNvCxnSpPr>
+            <a:cxnSpLocks/>
+          </p:cNvCxnSpPr>
+          <p:nvPr/>
+        </p:nvCxnSpPr>
+        <p:spPr>
+          <a:xfrm>
+            <a:off x="5662569" y="3924801"/>
+            <a:ext cx="0" cy="2408238"/>
+          </a:xfrm>
+          <a:prstGeom prst="line">
+            <a:avLst/>
+          </a:prstGeom>
+          <a:ln w="19050">
+            <a:solidFill>
+              <a:schemeClr val="bg2">
+                <a:lumMod val="75000"/>
+              </a:schemeClr>
+            </a:solidFill>
+            <a:prstDash val="dash"/>
+          </a:ln>
+        </p:spPr>
+        <p:style>
+          <a:lnRef idx="1">
+            <a:schemeClr val="accent1"/>
+          </a:lnRef>
+          <a:fillRef idx="0">
+            <a:schemeClr val="accent1"/>
+          </a:fillRef>
+          <a:effectRef idx="0">
+            <a:schemeClr val="accent1"/>
+          </a:effectRef>
+          <a:fontRef idx="minor">
+            <a:schemeClr val="tx1"/>
+          </a:fontRef>
+        </p:style>
+      </p:cxnSp>
     </p:spTree>
     <p:extLst>
       <p:ext uri="{BB962C8B-B14F-4D97-AF65-F5344CB8AC3E}">
@@ -13553,7 +13825,7 @@
         </p:nvSpPr>
         <p:spPr>
           <a:xfrm>
-            <a:off x="1442907" y="555163"/>
+            <a:off x="1442907" y="451485"/>
             <a:ext cx="5067648" cy="713064"/>
           </a:xfrm>
         </p:spPr>
@@ -14474,8 +14746,8 @@
         </p:nvSpPr>
         <p:spPr>
           <a:xfrm>
-            <a:off x="4806892" y="1392838"/>
-            <a:ext cx="6240519" cy="2474487"/>
+            <a:off x="4806892" y="1578543"/>
+            <a:ext cx="6240519" cy="2288782"/>
           </a:xfrm>
         </p:spPr>
         <p:txBody>
@@ -14483,13 +14755,13 @@
           <a:lstStyle/>
           <a:p>
             <a:r>
-              <a:rPr lang="it-IT" dirty="0"/>
+              <a:rPr lang="it-IT" sz="2000" dirty="0"/>
               <a:t>Il modello fisico dei LASER è complesso da risolvere analiticamente.</a:t>
             </a:r>
           </a:p>
           <a:p>
             <a:r>
-              <a:rPr lang="it-IT" dirty="0"/>
+              <a:rPr lang="it-IT" sz="2000" dirty="0"/>
               <a:t>Gli automi cellulari sono modelli algoritmici semplici che si prestano bene a descrivere sistemi di equazioni differenziali di questo tipo.</a:t>
             </a:r>
           </a:p>
@@ -14726,8 +14998,8 @@
         </p:nvSpPr>
         <p:spPr>
           <a:xfrm>
-            <a:off x="1141413" y="0"/>
-            <a:ext cx="9905998" cy="889233"/>
+            <a:off x="1451806" y="142612"/>
+            <a:ext cx="8589816" cy="746620"/>
           </a:xfrm>
         </p:spPr>
         <p:txBody>
@@ -14759,8 +15031,8 @@
         </p:nvSpPr>
         <p:spPr>
           <a:xfrm>
-            <a:off x="4651596" y="889232"/>
-            <a:ext cx="6395816" cy="5629013"/>
+            <a:off x="5217952" y="889232"/>
+            <a:ext cx="6006518" cy="5629013"/>
           </a:xfrm>
         </p:spPr>
         <p:txBody>
@@ -14770,144 +15042,144 @@
           <a:lstStyle/>
           <a:p>
             <a:r>
-              <a:rPr lang="it-IT" dirty="0"/>
+              <a:rPr lang="it-IT" sz="2000" dirty="0"/>
               <a:t>Partiamo da un sistema a quattro livelli energetici ma consideriamo </a:t>
             </a:r>
             <a:r>
-              <a:rPr lang="it-IT" dirty="0" err="1"/>
+              <a:rPr lang="it-IT" sz="2000" dirty="0" err="1"/>
               <a:t>decay</a:t>
             </a:r>
             <a:r>
-              <a:rPr lang="it-IT" dirty="0"/>
+              <a:rPr lang="it-IT" sz="2000" dirty="0"/>
               <a:t> E</a:t>
             </a:r>
             <a:r>
-              <a:rPr lang="it-IT" sz="1000" dirty="0"/>
+              <a:rPr lang="it-IT" sz="2000" baseline="-25000" dirty="0"/>
               <a:t>3</a:t>
             </a:r>
             <a:r>
-              <a:rPr lang="it-IT" dirty="0"/>
+              <a:rPr lang="it-IT" sz="2000" dirty="0"/>
               <a:t>-E</a:t>
             </a:r>
             <a:r>
-              <a:rPr lang="it-IT" sz="1000" dirty="0"/>
-              <a:t>2 </a:t>
-            </a:r>
-            <a:r>
-              <a:rPr lang="it-IT" dirty="0"/>
-              <a:t>e E</a:t>
-            </a:r>
-            <a:r>
-              <a:rPr lang="it-IT" sz="1000" dirty="0"/>
+              <a:rPr lang="it-IT" sz="2000" baseline="-25000" dirty="0"/>
+              <a:t>2</a:t>
+            </a:r>
+            <a:r>
+              <a:rPr lang="it-IT" sz="2000" dirty="0"/>
+              <a:t> e E</a:t>
+            </a:r>
+            <a:r>
+              <a:rPr lang="it-IT" sz="2000" baseline="-25000" dirty="0"/>
               <a:t>1</a:t>
             </a:r>
             <a:r>
-              <a:rPr lang="it-IT" dirty="0"/>
+              <a:rPr lang="it-IT" sz="2000" dirty="0"/>
               <a:t>-E</a:t>
             </a:r>
             <a:r>
-              <a:rPr lang="it-IT" sz="1000" dirty="0"/>
+              <a:rPr lang="it-IT" sz="2000" baseline="-25000" dirty="0"/>
               <a:t>0</a:t>
             </a:r>
             <a:r>
-              <a:rPr lang="it-IT" dirty="0"/>
+              <a:rPr lang="it-IT" sz="2000" dirty="0"/>
               <a:t> istantanei e non radiativi.</a:t>
             </a:r>
           </a:p>
           <a:p>
             <a:r>
-              <a:rPr lang="it-IT" dirty="0"/>
-              <a:t> Modelliamo lo stato del sistema come automa cellulare bidimensionale che si evolve con semplici regole che simulano fenomeni quantistici.</a:t>
+              <a:rPr lang="it-IT" sz="2000" dirty="0"/>
+              <a:t>Modelliamo lo stato del sistema come automa cellulare bidimensionale che si evolve con semplici regole che simulano fenomeni quantistici.</a:t>
             </a:r>
           </a:p>
           <a:p>
             <a:pPr lvl="1"/>
             <a:r>
-              <a:rPr lang="it-IT" dirty="0" err="1"/>
+              <a:rPr lang="it-IT" i="1" dirty="0" err="1"/>
               <a:t>Stimulated</a:t>
             </a:r>
             <a:r>
-              <a:rPr lang="it-IT" dirty="0"/>
+              <a:rPr lang="it-IT" i="1" dirty="0"/>
               <a:t> </a:t>
             </a:r>
             <a:r>
-              <a:rPr lang="it-IT" dirty="0" err="1"/>
+              <a:rPr lang="it-IT" i="1" dirty="0" err="1"/>
               <a:t>emission</a:t>
             </a:r>
             <a:r>
-              <a:rPr lang="it-IT" dirty="0"/>
+              <a:rPr lang="it-IT" i="1" dirty="0"/>
               <a:t> rule</a:t>
             </a:r>
           </a:p>
           <a:p>
             <a:pPr lvl="1"/>
             <a:r>
-              <a:rPr lang="it-IT" dirty="0" err="1"/>
+              <a:rPr lang="it-IT" i="1" dirty="0" err="1"/>
               <a:t>Photon</a:t>
             </a:r>
             <a:r>
-              <a:rPr lang="it-IT" dirty="0"/>
+              <a:rPr lang="it-IT" i="1" dirty="0"/>
               <a:t> </a:t>
             </a:r>
             <a:r>
-              <a:rPr lang="it-IT" dirty="0" err="1"/>
+              <a:rPr lang="it-IT" i="1" dirty="0" err="1"/>
               <a:t>decay</a:t>
             </a:r>
             <a:r>
-              <a:rPr lang="it-IT" dirty="0"/>
+              <a:rPr lang="it-IT" i="1" dirty="0"/>
               <a:t> rule</a:t>
             </a:r>
           </a:p>
           <a:p>
             <a:pPr lvl="1"/>
             <a:r>
-              <a:rPr lang="it-IT" dirty="0"/>
+              <a:rPr lang="it-IT" i="1" dirty="0"/>
               <a:t>Electron </a:t>
             </a:r>
             <a:r>
-              <a:rPr lang="it-IT" dirty="0" err="1"/>
+              <a:rPr lang="it-IT" i="1" dirty="0" err="1"/>
               <a:t>decay</a:t>
             </a:r>
             <a:r>
-              <a:rPr lang="it-IT" dirty="0"/>
+              <a:rPr lang="it-IT" i="1" dirty="0"/>
               <a:t> rule</a:t>
             </a:r>
           </a:p>
           <a:p>
             <a:pPr lvl="1"/>
             <a:r>
-              <a:rPr lang="it-IT" dirty="0" err="1"/>
+              <a:rPr lang="it-IT" i="1" dirty="0" err="1"/>
               <a:t>Pumping</a:t>
             </a:r>
             <a:r>
-              <a:rPr lang="it-IT" dirty="0"/>
+              <a:rPr lang="it-IT" i="1" dirty="0"/>
               <a:t> rule</a:t>
             </a:r>
           </a:p>
           <a:p>
             <a:pPr lvl="1"/>
             <a:r>
-              <a:rPr lang="it-IT" dirty="0" err="1"/>
+              <a:rPr lang="it-IT" i="1" dirty="0" err="1"/>
               <a:t>Noise</a:t>
             </a:r>
             <a:r>
-              <a:rPr lang="it-IT" dirty="0"/>
+              <a:rPr lang="it-IT" i="1" dirty="0"/>
               <a:t> </a:t>
             </a:r>
             <a:r>
-              <a:rPr lang="it-IT" dirty="0" err="1"/>
+              <a:rPr lang="it-IT" i="1" dirty="0" err="1"/>
               <a:t>photon</a:t>
             </a:r>
             <a:r>
-              <a:rPr lang="it-IT" dirty="0"/>
+              <a:rPr lang="it-IT" i="1" dirty="0"/>
               <a:t> </a:t>
             </a:r>
             <a:r>
-              <a:rPr lang="it-IT" dirty="0" err="1"/>
+              <a:rPr lang="it-IT" i="1" dirty="0" err="1"/>
               <a:t>creation</a:t>
             </a:r>
             <a:r>
-              <a:rPr lang="it-IT" dirty="0"/>
+              <a:rPr lang="it-IT" i="1" dirty="0"/>
               <a:t> rule</a:t>
             </a:r>
           </a:p>
@@ -14942,8 +15214,8 @@
         </p:blipFill>
         <p:spPr>
           <a:xfrm>
-            <a:off x="847798" y="889233"/>
-            <a:ext cx="3803798" cy="3429000"/>
+            <a:off x="847797" y="889233"/>
+            <a:ext cx="3927101" cy="3540154"/>
           </a:xfrm>
           <a:prstGeom prst="rect">
             <a:avLst/>
@@ -15126,21 +15398,21 @@
           <a:p>
             <a:pPr lvl="1"/>
             <a:r>
-              <a:rPr lang="it-IT" dirty="0"/>
+              <a:rPr lang="it-IT" sz="2400" dirty="0"/>
               <a:t>Stato dell’elettrone (eccitato, ground state)</a:t>
             </a:r>
           </a:p>
           <a:p>
             <a:pPr lvl="1"/>
             <a:r>
-              <a:rPr lang="it-IT" dirty="0"/>
+              <a:rPr lang="it-IT" sz="2400" dirty="0"/>
               <a:t>Tempo di vita rimanente all’elettrone eccitato</a:t>
             </a:r>
           </a:p>
           <a:p>
             <a:pPr lvl="1"/>
             <a:r>
-              <a:rPr lang="it-IT" dirty="0"/>
+              <a:rPr lang="it-IT" sz="2400" dirty="0"/>
               <a:t>Un insieme di fotoni (limitati da un parametro di saturazione), ciascuno con un suo tempo di vita rimanente</a:t>
             </a:r>
           </a:p>
@@ -15239,8 +15511,8 @@
         </p:nvSpPr>
         <p:spPr>
           <a:xfrm>
-            <a:off x="679508" y="906012"/>
-            <a:ext cx="11332637" cy="5444454"/>
+            <a:off x="906011" y="1132515"/>
+            <a:ext cx="10695963" cy="5444454"/>
           </a:xfrm>
         </p:spPr>
         <p:txBody>
@@ -15414,8 +15686,8 @@
         </p:nvSpPr>
         <p:spPr>
           <a:xfrm>
-            <a:off x="1141412" y="109056"/>
-            <a:ext cx="9905998" cy="1207855"/>
+            <a:off x="1368806" y="264334"/>
+            <a:ext cx="9905998" cy="989740"/>
           </a:xfrm>
         </p:spPr>
         <p:txBody>
@@ -15447,8 +15719,8 @@
         </p:nvSpPr>
         <p:spPr>
           <a:xfrm>
-            <a:off x="783862" y="931179"/>
-            <a:ext cx="11408138" cy="5444454"/>
+            <a:off x="917196" y="1124126"/>
+            <a:ext cx="10490942" cy="4974670"/>
           </a:xfrm>
         </p:spPr>
         <p:txBody>
@@ -15635,7 +15907,7 @@
         </p:nvSpPr>
         <p:spPr>
           <a:xfrm>
-            <a:off x="1141413" y="157124"/>
+            <a:off x="1143001" y="14510"/>
             <a:ext cx="9905998" cy="975390"/>
           </a:xfrm>
         </p:spPr>
@@ -15650,200 +15922,298 @@
           </a:p>
         </p:txBody>
       </p:sp>
-      <p:sp>
-        <p:nvSpPr>
-          <p:cNvPr id="4" name="CasellaDiTesto 3">
-            <a:extLst>
-              <a:ext uri="{FF2B5EF4-FFF2-40B4-BE49-F238E27FC236}">
-                <a16:creationId xmlns:a16="http://schemas.microsoft.com/office/drawing/2014/main" id="{C839472A-FE7F-4A55-9D1C-B82A58B72CB4}"/>
-              </a:ext>
-            </a:extLst>
-          </p:cNvPr>
-          <p:cNvSpPr txBox="1"/>
-          <p:nvPr/>
-        </p:nvSpPr>
-        <p:spPr>
-          <a:xfrm>
-            <a:off x="7315898" y="1965290"/>
-            <a:ext cx="3731513" cy="923330"/>
-          </a:xfrm>
-          <a:prstGeom prst="rect">
-            <a:avLst/>
-          </a:prstGeom>
-          <a:noFill/>
-        </p:spPr>
-        <p:txBody>
-          <a:bodyPr wrap="square" rtlCol="0">
-            <a:spAutoFit/>
-          </a:bodyPr>
-          <a:lstStyle/>
-          <a:p>
-            <a:pPr algn="r"/>
-            <a:r>
-              <a:rPr lang="it-IT" dirty="0">
-                <a:solidFill>
-                  <a:schemeClr val="bg1">
-                    <a:lumMod val="95000"/>
-                    <a:lumOff val="5000"/>
-                  </a:schemeClr>
-                </a:solidFill>
-              </a:rPr>
-              <a:t>Per valori di </a:t>
-            </a:r>
-            <a:r>
-              <a:rPr lang="el-GR" dirty="0">
-                <a:solidFill>
-                  <a:schemeClr val="bg1">
-                    <a:lumMod val="95000"/>
-                    <a:lumOff val="5000"/>
-                  </a:schemeClr>
-                </a:solidFill>
-              </a:rPr>
-              <a:t>τ</a:t>
-            </a:r>
-            <a:r>
-              <a:rPr lang="en-US" sz="1200" dirty="0">
-                <a:solidFill>
-                  <a:schemeClr val="bg1">
-                    <a:lumMod val="95000"/>
-                    <a:lumOff val="5000"/>
-                  </a:schemeClr>
-                </a:solidFill>
-              </a:rPr>
-              <a:t>a </a:t>
-            </a:r>
-            <a:r>
-              <a:rPr lang="en-US" dirty="0">
-                <a:solidFill>
-                  <a:schemeClr val="bg1">
-                    <a:lumMod val="95000"/>
-                    <a:lumOff val="5000"/>
-                  </a:schemeClr>
-                </a:solidFill>
-              </a:rPr>
-              <a:t>e </a:t>
-            </a:r>
-            <a:r>
-              <a:rPr lang="el-GR" dirty="0">
-                <a:solidFill>
-                  <a:schemeClr val="bg1">
-                    <a:lumMod val="95000"/>
-                    <a:lumOff val="5000"/>
-                  </a:schemeClr>
-                </a:solidFill>
-              </a:rPr>
-              <a:t>τ</a:t>
-            </a:r>
-            <a:r>
-              <a:rPr lang="en-US" sz="1200" dirty="0">
-                <a:solidFill>
-                  <a:schemeClr val="bg1">
-                    <a:lumMod val="95000"/>
-                    <a:lumOff val="5000"/>
-                  </a:schemeClr>
-                </a:solidFill>
-              </a:rPr>
-              <a:t>c </a:t>
-            </a:r>
-            <a:r>
-              <a:rPr lang="en-US" dirty="0">
-                <a:solidFill>
-                  <a:schemeClr val="bg1">
-                    <a:lumMod val="95000"/>
-                    <a:lumOff val="5000"/>
-                  </a:schemeClr>
-                </a:solidFill>
-              </a:rPr>
-              <a:t>molto </a:t>
-            </a:r>
-            <a:r>
-              <a:rPr lang="en-US" dirty="0" err="1">
-                <a:solidFill>
-                  <a:schemeClr val="bg1">
-                    <a:lumMod val="95000"/>
-                    <a:lumOff val="5000"/>
-                  </a:schemeClr>
-                </a:solidFill>
-              </a:rPr>
-              <a:t>vicini</a:t>
-            </a:r>
-            <a:r>
-              <a:rPr lang="en-US" dirty="0">
-                <a:solidFill>
-                  <a:schemeClr val="bg1">
-                    <a:lumMod val="95000"/>
-                    <a:lumOff val="5000"/>
-                  </a:schemeClr>
-                </a:solidFill>
-              </a:rPr>
-              <a:t>, il regime di </a:t>
-            </a:r>
-            <a:r>
-              <a:rPr lang="en-US" dirty="0" err="1">
-                <a:solidFill>
-                  <a:schemeClr val="bg1">
-                    <a:lumMod val="95000"/>
-                    <a:lumOff val="5000"/>
-                  </a:schemeClr>
-                </a:solidFill>
-              </a:rPr>
-              <a:t>funzionamento</a:t>
-            </a:r>
-            <a:r>
-              <a:rPr lang="en-US" dirty="0">
-                <a:solidFill>
-                  <a:schemeClr val="bg1">
-                    <a:lumMod val="95000"/>
-                    <a:lumOff val="5000"/>
-                  </a:schemeClr>
-                </a:solidFill>
-              </a:rPr>
-              <a:t> </a:t>
-            </a:r>
-            <a:r>
-              <a:rPr lang="it-IT" dirty="0">
-                <a:solidFill>
-                  <a:schemeClr val="bg1">
-                    <a:lumMod val="95000"/>
-                    <a:lumOff val="5000"/>
-                  </a:schemeClr>
-                </a:solidFill>
-              </a:rPr>
-              <a:t>è «costante» o </a:t>
-            </a:r>
-            <a:r>
-              <a:rPr lang="it-IT" i="1" dirty="0">
-                <a:solidFill>
-                  <a:schemeClr val="bg1">
-                    <a:lumMod val="95000"/>
-                    <a:lumOff val="5000"/>
-                  </a:schemeClr>
-                </a:solidFill>
-              </a:rPr>
-              <a:t>non-</a:t>
-            </a:r>
-            <a:r>
-              <a:rPr lang="it-IT" i="1" dirty="0" err="1">
-                <a:solidFill>
-                  <a:schemeClr val="bg1">
-                    <a:lumMod val="95000"/>
-                    <a:lumOff val="5000"/>
-                  </a:schemeClr>
-                </a:solidFill>
-              </a:rPr>
-              <a:t>spiking</a:t>
-            </a:r>
-            <a:endParaRPr lang="it-IT" dirty="0">
-              <a:solidFill>
-                <a:schemeClr val="bg1">
-                  <a:lumMod val="95000"/>
-                  <a:lumOff val="5000"/>
-                </a:schemeClr>
-              </a:solidFill>
-            </a:endParaRPr>
-          </a:p>
-        </p:txBody>
-      </p:sp>
+      <mc:AlternateContent xmlns:mc="http://schemas.openxmlformats.org/markup-compatibility/2006" xmlns:a14="http://schemas.microsoft.com/office/drawing/2010/main">
+        <mc:Choice Requires="a14">
+          <p:sp>
+            <p:nvSpPr>
+              <p:cNvPr id="4" name="CasellaDiTesto 3">
+                <a:extLst>
+                  <a:ext uri="{FF2B5EF4-FFF2-40B4-BE49-F238E27FC236}">
+                    <a16:creationId xmlns:a16="http://schemas.microsoft.com/office/drawing/2014/main" id="{C839472A-FE7F-4A55-9D1C-B82A58B72CB4}"/>
+                  </a:ext>
+                </a:extLst>
+              </p:cNvPr>
+              <p:cNvSpPr txBox="1"/>
+              <p:nvPr/>
+            </p:nvSpPr>
+            <p:spPr>
+              <a:xfrm>
+                <a:off x="6463209" y="2260332"/>
+                <a:ext cx="4462053" cy="646331"/>
+              </a:xfrm>
+              <a:prstGeom prst="rect">
+                <a:avLst/>
+              </a:prstGeom>
+              <a:noFill/>
+            </p:spPr>
+            <p:txBody>
+              <a:bodyPr wrap="square" rtlCol="0">
+                <a:spAutoFit/>
+              </a:bodyPr>
+              <a:lstStyle/>
+              <a:p>
+                <a:pPr algn="r"/>
+                <a:r>
+                  <a:rPr lang="it-IT" dirty="0">
+                    <a:solidFill>
+                      <a:schemeClr val="bg1">
+                        <a:lumMod val="95000"/>
+                        <a:lumOff val="5000"/>
+                      </a:schemeClr>
+                    </a:solidFill>
+                  </a:rPr>
+                  <a:t>Per valori di </a:t>
+                </a:r>
+                <a14:m>
+                  <m:oMath xmlns:m="http://schemas.openxmlformats.org/officeDocument/2006/math">
+                    <m:sSub>
+                      <m:sSubPr>
+                        <m:ctrlPr>
+                          <a:rPr lang="it-IT" b="0" i="1" smtClean="0">
+                            <a:solidFill>
+                              <a:schemeClr val="bg1">
+                                <a:lumMod val="95000"/>
+                                <a:lumOff val="5000"/>
+                              </a:schemeClr>
+                            </a:solidFill>
+                            <a:latin typeface="Cambria Math" panose="02040503050406030204" pitchFamily="18" charset="0"/>
+                          </a:rPr>
+                        </m:ctrlPr>
+                      </m:sSubPr>
+                      <m:e>
+                        <m:r>
+                          <a:rPr lang="it-IT" b="0" i="1" smtClean="0">
+                            <a:solidFill>
+                              <a:schemeClr val="bg1">
+                                <a:lumMod val="95000"/>
+                                <a:lumOff val="5000"/>
+                              </a:schemeClr>
+                            </a:solidFill>
+                            <a:latin typeface="Cambria Math" panose="02040503050406030204" pitchFamily="18" charset="0"/>
+                          </a:rPr>
+                          <m:t>𝜏</m:t>
+                        </m:r>
+                      </m:e>
+                      <m:sub>
+                        <m:r>
+                          <a:rPr lang="it-IT" b="0" i="1" smtClean="0">
+                            <a:solidFill>
+                              <a:schemeClr val="bg1">
+                                <a:lumMod val="95000"/>
+                                <a:lumOff val="5000"/>
+                              </a:schemeClr>
+                            </a:solidFill>
+                            <a:latin typeface="Cambria Math" panose="02040503050406030204" pitchFamily="18" charset="0"/>
+                          </a:rPr>
+                          <m:t>𝑎</m:t>
+                        </m:r>
+                      </m:sub>
+                    </m:sSub>
+                  </m:oMath>
+                </a14:m>
+                <a:r>
+                  <a:rPr lang="en-US" dirty="0">
+                    <a:solidFill>
+                      <a:schemeClr val="bg1">
+                        <a:lumMod val="95000"/>
+                        <a:lumOff val="5000"/>
+                      </a:schemeClr>
+                    </a:solidFill>
+                  </a:rPr>
+                  <a:t> e </a:t>
+                </a:r>
+                <a14:m>
+                  <m:oMath xmlns:m="http://schemas.openxmlformats.org/officeDocument/2006/math">
+                    <m:sSub>
+                      <m:sSubPr>
+                        <m:ctrlPr>
+                          <a:rPr lang="it-IT" b="0" i="1" smtClean="0">
+                            <a:solidFill>
+                              <a:schemeClr val="bg1">
+                                <a:lumMod val="95000"/>
+                                <a:lumOff val="5000"/>
+                              </a:schemeClr>
+                            </a:solidFill>
+                            <a:latin typeface="Cambria Math" panose="02040503050406030204" pitchFamily="18" charset="0"/>
+                          </a:rPr>
+                        </m:ctrlPr>
+                      </m:sSubPr>
+                      <m:e>
+                        <m:r>
+                          <a:rPr lang="it-IT" b="0" i="1" smtClean="0">
+                            <a:solidFill>
+                              <a:schemeClr val="bg1">
+                                <a:lumMod val="95000"/>
+                                <a:lumOff val="5000"/>
+                              </a:schemeClr>
+                            </a:solidFill>
+                            <a:latin typeface="Cambria Math" panose="02040503050406030204" pitchFamily="18" charset="0"/>
+                          </a:rPr>
+                          <m:t>𝜏</m:t>
+                        </m:r>
+                      </m:e>
+                      <m:sub>
+                        <m:r>
+                          <a:rPr lang="it-IT" b="0" i="1" smtClean="0">
+                            <a:solidFill>
+                              <a:schemeClr val="bg1">
+                                <a:lumMod val="95000"/>
+                                <a:lumOff val="5000"/>
+                              </a:schemeClr>
+                            </a:solidFill>
+                            <a:latin typeface="Cambria Math" panose="02040503050406030204" pitchFamily="18" charset="0"/>
+                          </a:rPr>
+                          <m:t>𝑐</m:t>
+                        </m:r>
+                      </m:sub>
+                    </m:sSub>
+                  </m:oMath>
+                </a14:m>
+                <a:r>
+                  <a:rPr lang="en-US" dirty="0">
+                    <a:solidFill>
+                      <a:schemeClr val="bg1">
+                        <a:lumMod val="95000"/>
+                        <a:lumOff val="5000"/>
+                      </a:schemeClr>
+                    </a:solidFill>
+                  </a:rPr>
+                  <a:t> molto </a:t>
+                </a:r>
+                <a:r>
+                  <a:rPr lang="en-US" dirty="0" err="1">
+                    <a:solidFill>
+                      <a:schemeClr val="bg1">
+                        <a:lumMod val="95000"/>
+                        <a:lumOff val="5000"/>
+                      </a:schemeClr>
+                    </a:solidFill>
+                  </a:rPr>
+                  <a:t>vicini</a:t>
+                </a:r>
+                <a:r>
+                  <a:rPr lang="en-US" dirty="0">
+                    <a:solidFill>
+                      <a:schemeClr val="bg1">
+                        <a:lumMod val="95000"/>
+                        <a:lumOff val="5000"/>
+                      </a:schemeClr>
+                    </a:solidFill>
+                  </a:rPr>
+                  <a:t>, il regime di </a:t>
+                </a:r>
+                <a:r>
+                  <a:rPr lang="en-US" dirty="0" err="1">
+                    <a:solidFill>
+                      <a:schemeClr val="bg1">
+                        <a:lumMod val="95000"/>
+                        <a:lumOff val="5000"/>
+                      </a:schemeClr>
+                    </a:solidFill>
+                  </a:rPr>
+                  <a:t>funzionamento</a:t>
+                </a:r>
+                <a:r>
+                  <a:rPr lang="en-US" dirty="0">
+                    <a:solidFill>
+                      <a:schemeClr val="bg1">
+                        <a:lumMod val="95000"/>
+                        <a:lumOff val="5000"/>
+                      </a:schemeClr>
+                    </a:solidFill>
+                  </a:rPr>
+                  <a:t> </a:t>
+                </a:r>
+                <a:r>
+                  <a:rPr lang="it-IT" dirty="0">
+                    <a:solidFill>
+                      <a:schemeClr val="bg1">
+                        <a:lumMod val="95000"/>
+                        <a:lumOff val="5000"/>
+                      </a:schemeClr>
+                    </a:solidFill>
+                  </a:rPr>
+                  <a:t>è «costante» o </a:t>
+                </a:r>
+                <a:r>
+                  <a:rPr lang="it-IT" i="1" dirty="0">
+                    <a:solidFill>
+                      <a:schemeClr val="bg1">
+                        <a:lumMod val="95000"/>
+                        <a:lumOff val="5000"/>
+                      </a:schemeClr>
+                    </a:solidFill>
+                  </a:rPr>
+                  <a:t>non-</a:t>
+                </a:r>
+                <a:r>
+                  <a:rPr lang="it-IT" i="1" dirty="0" err="1">
+                    <a:solidFill>
+                      <a:schemeClr val="bg1">
+                        <a:lumMod val="95000"/>
+                        <a:lumOff val="5000"/>
+                      </a:schemeClr>
+                    </a:solidFill>
+                  </a:rPr>
+                  <a:t>spiking</a:t>
+                </a:r>
+                <a:endParaRPr lang="it-IT" dirty="0">
+                  <a:solidFill>
+                    <a:schemeClr val="bg1">
+                      <a:lumMod val="95000"/>
+                      <a:lumOff val="5000"/>
+                    </a:schemeClr>
+                  </a:solidFill>
+                </a:endParaRPr>
+              </a:p>
+            </p:txBody>
+          </p:sp>
+        </mc:Choice>
+        <mc:Fallback xmlns="">
+          <p:sp>
+            <p:nvSpPr>
+              <p:cNvPr id="4" name="CasellaDiTesto 3">
+                <a:extLst>
+                  <a:ext uri="{FF2B5EF4-FFF2-40B4-BE49-F238E27FC236}">
+                    <a16:creationId xmlns:a16="http://schemas.microsoft.com/office/drawing/2014/main" id="{C839472A-FE7F-4A55-9D1C-B82A58B72CB4}"/>
+                  </a:ext>
+                </a:extLst>
+              </p:cNvPr>
+              <p:cNvSpPr txBox="1">
+                <a:spLocks noRot="1" noChangeAspect="1" noMove="1" noResize="1" noEditPoints="1" noAdjustHandles="1" noChangeArrowheads="1" noChangeShapeType="1" noTextEdit="1"/>
+              </p:cNvSpPr>
+              <p:nvPr/>
+            </p:nvSpPr>
+            <p:spPr>
+              <a:xfrm>
+                <a:off x="6463209" y="2260332"/>
+                <a:ext cx="4462053" cy="646331"/>
+              </a:xfrm>
+              <a:prstGeom prst="rect">
+                <a:avLst/>
+              </a:prstGeom>
+              <a:blipFill>
+                <a:blip r:embed="rId3"/>
+                <a:stretch>
+                  <a:fillRect t="-5660" r="-2596" b="-14151"/>
+                </a:stretch>
+              </a:blipFill>
+            </p:spPr>
+            <p:txBody>
+              <a:bodyPr/>
+              <a:lstStyle/>
+              <a:p>
+                <a:r>
+                  <a:rPr lang="en-GB">
+                    <a:noFill/>
+                  </a:rPr>
+                  <a:t> </a:t>
+                </a:r>
+              </a:p>
+            </p:txBody>
+          </p:sp>
+        </mc:Fallback>
+      </mc:AlternateContent>
       <p:sp>
         <p:nvSpPr>
           <p:cNvPr id="3" name="CasellaDiTesto 2">
@@ -15858,7 +16228,7 @@
         </p:nvSpPr>
         <p:spPr>
           <a:xfrm>
-            <a:off x="7533314" y="2999885"/>
+            <a:off x="7121744" y="3064985"/>
             <a:ext cx="3144982" cy="1938992"/>
           </a:xfrm>
           <a:prstGeom prst="rect">
@@ -15880,8 +16250,8 @@
                     <a:lumOff val="5000"/>
                   </a:schemeClr>
                 </a:solidFill>
-                <a:latin typeface="Miriam Mono CLM" panose="02000503000000000000" pitchFamily="2" charset="-79"/>
-                <a:cs typeface="Miriam Mono CLM" panose="02000503000000000000" pitchFamily="2" charset="-79"/>
+                <a:latin typeface="Cascadia Code" pitchFamily="1" charset="0"/>
+                <a:cs typeface="Cascadia Code" pitchFamily="1" charset="0"/>
               </a:rPr>
               <a:t>TIME_STEPS = 200;</a:t>
             </a:r>
@@ -15895,8 +16265,8 @@
                     <a:lumOff val="5000"/>
                   </a:schemeClr>
                 </a:solidFill>
-                <a:latin typeface="Miriam Mono CLM" panose="02000503000000000000" pitchFamily="2" charset="-79"/>
-                <a:cs typeface="Miriam Mono CLM" panose="02000503000000000000" pitchFamily="2" charset="-79"/>
+                <a:latin typeface="Cascadia Code" pitchFamily="1" charset="0"/>
+                <a:cs typeface="Cascadia Code" pitchFamily="1" charset="0"/>
               </a:rPr>
               <a:t>LATTICE_WIDTH = 200;</a:t>
             </a:r>
@@ -15910,8 +16280,8 @@
                     <a:lumOff val="5000"/>
                   </a:schemeClr>
                 </a:solidFill>
-                <a:latin typeface="Miriam Mono CLM" panose="02000503000000000000" pitchFamily="2" charset="-79"/>
-                <a:cs typeface="Miriam Mono CLM" panose="02000503000000000000" pitchFamily="2" charset="-79"/>
+                <a:latin typeface="Cascadia Code" pitchFamily="1" charset="0"/>
+                <a:cs typeface="Cascadia Code" pitchFamily="1" charset="0"/>
               </a:rPr>
               <a:t>LATTICE_HEIGHT = 200;</a:t>
             </a:r>
@@ -15925,8 +16295,8 @@
                     <a:lumOff val="5000"/>
                   </a:schemeClr>
                 </a:solidFill>
-                <a:latin typeface="Miriam Mono CLM" panose="02000503000000000000" pitchFamily="2" charset="-79"/>
-                <a:cs typeface="Miriam Mono CLM" panose="02000503000000000000" pitchFamily="2" charset="-79"/>
+                <a:latin typeface="Cascadia Code" pitchFamily="1" charset="0"/>
+                <a:cs typeface="Cascadia Code" pitchFamily="1" charset="0"/>
               </a:rPr>
               <a:t>PHOTON_SATURATION = 25;</a:t>
             </a:r>
@@ -15939,8 +16309,8 @@
                   <a:lumOff val="5000"/>
                 </a:schemeClr>
               </a:solidFill>
-              <a:latin typeface="Miriam Mono CLM" panose="02000503000000000000" pitchFamily="2" charset="-79"/>
-              <a:cs typeface="Miriam Mono CLM" panose="02000503000000000000" pitchFamily="2" charset="-79"/>
+              <a:latin typeface="Cascadia Code" pitchFamily="1" charset="0"/>
+              <a:cs typeface="Cascadia Code" pitchFamily="1" charset="0"/>
             </a:endParaRPr>
           </a:p>
           <a:p>
@@ -15952,8 +16322,8 @@
                     <a:lumOff val="5000"/>
                   </a:schemeClr>
                 </a:solidFill>
-                <a:latin typeface="Miriam Mono CLM" panose="02000503000000000000" pitchFamily="2" charset="-79"/>
-                <a:cs typeface="Miriam Mono CLM" panose="02000503000000000000" pitchFamily="2" charset="-79"/>
+                <a:latin typeface="Cascadia Code" pitchFamily="1" charset="0"/>
+                <a:cs typeface="Cascadia Code" pitchFamily="1" charset="0"/>
               </a:rPr>
               <a:t>electronLifeTime</a:t>
             </a:r>
@@ -15965,8 +16335,8 @@
                     <a:lumOff val="5000"/>
                   </a:schemeClr>
                 </a:solidFill>
-                <a:latin typeface="Miriam Mono CLM" panose="02000503000000000000" pitchFamily="2" charset="-79"/>
-                <a:cs typeface="Miriam Mono CLM" panose="02000503000000000000" pitchFamily="2" charset="-79"/>
+                <a:latin typeface="Cascadia Code" pitchFamily="1" charset="0"/>
+                <a:cs typeface="Cascadia Code" pitchFamily="1" charset="0"/>
               </a:rPr>
               <a:t> = 30;</a:t>
             </a:r>
@@ -15980,8 +16350,8 @@
                     <a:lumOff val="5000"/>
                   </a:schemeClr>
                 </a:solidFill>
-                <a:latin typeface="Miriam Mono CLM" panose="02000503000000000000" pitchFamily="2" charset="-79"/>
-                <a:cs typeface="Miriam Mono CLM" panose="02000503000000000000" pitchFamily="2" charset="-79"/>
+                <a:latin typeface="Cascadia Code" pitchFamily="1" charset="0"/>
+                <a:cs typeface="Cascadia Code" pitchFamily="1" charset="0"/>
               </a:rPr>
               <a:t>photonLifeTime</a:t>
             </a:r>
@@ -15993,8 +16363,8 @@
                     <a:lumOff val="5000"/>
                   </a:schemeClr>
                 </a:solidFill>
-                <a:latin typeface="Miriam Mono CLM" panose="02000503000000000000" pitchFamily="2" charset="-79"/>
-                <a:cs typeface="Miriam Mono CLM" panose="02000503000000000000" pitchFamily="2" charset="-79"/>
+                <a:latin typeface="Cascadia Code" pitchFamily="1" charset="0"/>
+                <a:cs typeface="Cascadia Code" pitchFamily="1" charset="0"/>
               </a:rPr>
               <a:t> = 10;</a:t>
             </a:r>
@@ -16008,8 +16378,8 @@
                     <a:lumOff val="5000"/>
                   </a:schemeClr>
                 </a:solidFill>
-                <a:latin typeface="Miriam Mono CLM" panose="02000503000000000000" pitchFamily="2" charset="-79"/>
-                <a:cs typeface="Miriam Mono CLM" panose="02000503000000000000" pitchFamily="2" charset="-79"/>
+                <a:latin typeface="Cascadia Code" pitchFamily="1" charset="0"/>
+                <a:cs typeface="Cascadia Code" pitchFamily="1" charset="0"/>
               </a:rPr>
               <a:t>pumpingProbability</a:t>
             </a:r>
@@ -16021,8 +16391,8 @@
                     <a:lumOff val="5000"/>
                   </a:schemeClr>
                 </a:solidFill>
-                <a:latin typeface="Miriam Mono CLM" panose="02000503000000000000" pitchFamily="2" charset="-79"/>
-                <a:cs typeface="Miriam Mono CLM" panose="02000503000000000000" pitchFamily="2" charset="-79"/>
+                <a:latin typeface="Cascadia Code" pitchFamily="1" charset="0"/>
+                <a:cs typeface="Cascadia Code" pitchFamily="1" charset="0"/>
               </a:rPr>
               <a:t> = 0.192;</a:t>
             </a:r>
@@ -16036,8 +16406,8 @@
                     <a:lumOff val="5000"/>
                   </a:schemeClr>
                 </a:solidFill>
-                <a:latin typeface="Miriam Mono CLM" panose="02000503000000000000" pitchFamily="2" charset="-79"/>
-                <a:cs typeface="Miriam Mono CLM" panose="02000503000000000000" pitchFamily="2" charset="-79"/>
+                <a:latin typeface="Cascadia Code" pitchFamily="1" charset="0"/>
+                <a:cs typeface="Cascadia Code" pitchFamily="1" charset="0"/>
               </a:rPr>
               <a:t>noiseProbability</a:t>
             </a:r>
@@ -16049,8 +16419,8 @@
                     <a:lumOff val="5000"/>
                   </a:schemeClr>
                 </a:solidFill>
-                <a:latin typeface="Miriam Mono CLM" panose="02000503000000000000" pitchFamily="2" charset="-79"/>
-                <a:cs typeface="Miriam Mono CLM" panose="02000503000000000000" pitchFamily="2" charset="-79"/>
+                <a:latin typeface="Cascadia Code" pitchFamily="1" charset="0"/>
+                <a:cs typeface="Cascadia Code" pitchFamily="1" charset="0"/>
               </a:rPr>
               <a:t> = 0.009;</a:t>
             </a:r>
@@ -16064,8 +16434,8 @@
                     <a:lumOff val="5000"/>
                   </a:schemeClr>
                 </a:solidFill>
-                <a:latin typeface="Miriam Mono CLM" panose="02000503000000000000" pitchFamily="2" charset="-79"/>
-                <a:cs typeface="Miriam Mono CLM" panose="02000503000000000000" pitchFamily="2" charset="-79"/>
+                <a:latin typeface="Cascadia Code" pitchFamily="1" charset="0"/>
+                <a:cs typeface="Cascadia Code" pitchFamily="1" charset="0"/>
               </a:rPr>
               <a:t>stimulatedEmissionThreshold</a:t>
             </a:r>
@@ -16077,8 +16447,8 @@
                     <a:lumOff val="5000"/>
                   </a:schemeClr>
                 </a:solidFill>
-                <a:latin typeface="Miriam Mono CLM" panose="02000503000000000000" pitchFamily="2" charset="-79"/>
-                <a:cs typeface="Miriam Mono CLM" panose="02000503000000000000" pitchFamily="2" charset="-79"/>
+                <a:latin typeface="Cascadia Code" pitchFamily="1" charset="0"/>
+                <a:cs typeface="Cascadia Code" pitchFamily="1" charset="0"/>
               </a:rPr>
               <a:t> = 1;</a:t>
             </a:r>
@@ -16178,192 +16548,249 @@
           </a:p>
         </p:txBody>
       </p:sp>
-      <p:sp>
-        <p:nvSpPr>
-          <p:cNvPr id="5" name="CasellaDiTesto 4">
-            <a:extLst>
-              <a:ext uri="{FF2B5EF4-FFF2-40B4-BE49-F238E27FC236}">
-                <a16:creationId xmlns:a16="http://schemas.microsoft.com/office/drawing/2014/main" id="{4FB09F8A-BE90-4E97-8A0B-E9993E228375}"/>
-              </a:ext>
-            </a:extLst>
-          </p:cNvPr>
-          <p:cNvSpPr txBox="1"/>
-          <p:nvPr/>
-        </p:nvSpPr>
-        <p:spPr>
-          <a:xfrm>
-            <a:off x="4546833" y="378624"/>
-            <a:ext cx="5991136" cy="923330"/>
-          </a:xfrm>
-          <a:prstGeom prst="rect">
-            <a:avLst/>
-          </a:prstGeom>
-          <a:noFill/>
-        </p:spPr>
-        <p:txBody>
-          <a:bodyPr wrap="square" rtlCol="0">
-            <a:spAutoFit/>
-          </a:bodyPr>
-          <a:lstStyle/>
-          <a:p>
-            <a:pPr algn="r"/>
-            <a:r>
-              <a:rPr lang="it-IT" dirty="0">
-                <a:solidFill>
-                  <a:schemeClr val="bg1">
-                    <a:lumMod val="95000"/>
-                    <a:lumOff val="5000"/>
-                  </a:schemeClr>
-                </a:solidFill>
-              </a:rPr>
-              <a:t>Per valori di </a:t>
-            </a:r>
-            <a:r>
-              <a:rPr lang="el-GR" dirty="0">
-                <a:solidFill>
-                  <a:schemeClr val="bg1">
-                    <a:lumMod val="95000"/>
-                    <a:lumOff val="5000"/>
-                  </a:schemeClr>
-                </a:solidFill>
-              </a:rPr>
-              <a:t>τ</a:t>
-            </a:r>
-            <a:r>
-              <a:rPr lang="en-US" sz="1200" dirty="0">
-                <a:solidFill>
-                  <a:schemeClr val="bg1">
-                    <a:lumMod val="95000"/>
-                    <a:lumOff val="5000"/>
-                  </a:schemeClr>
-                </a:solidFill>
-              </a:rPr>
-              <a:t>a &gt;&gt;</a:t>
-            </a:r>
-            <a:r>
-              <a:rPr lang="en-US" dirty="0">
-                <a:solidFill>
-                  <a:schemeClr val="bg1">
-                    <a:lumMod val="95000"/>
-                    <a:lumOff val="5000"/>
-                  </a:schemeClr>
-                </a:solidFill>
-              </a:rPr>
-              <a:t> </a:t>
-            </a:r>
-            <a:r>
-              <a:rPr lang="el-GR" dirty="0">
-                <a:solidFill>
-                  <a:schemeClr val="bg1">
-                    <a:lumMod val="95000"/>
-                    <a:lumOff val="5000"/>
-                  </a:schemeClr>
-                </a:solidFill>
-              </a:rPr>
-              <a:t>τ</a:t>
-            </a:r>
-            <a:r>
-              <a:rPr lang="en-US" sz="1200" dirty="0">
-                <a:solidFill>
-                  <a:schemeClr val="bg1">
-                    <a:lumMod val="95000"/>
-                    <a:lumOff val="5000"/>
-                  </a:schemeClr>
-                </a:solidFill>
-              </a:rPr>
-              <a:t>c </a:t>
-            </a:r>
-            <a:r>
-              <a:rPr lang="en-US" dirty="0">
-                <a:solidFill>
-                  <a:schemeClr val="bg1">
-                    <a:lumMod val="95000"/>
-                    <a:lumOff val="5000"/>
-                  </a:schemeClr>
-                </a:solidFill>
-              </a:rPr>
-              <a:t>, il regime di </a:t>
-            </a:r>
-            <a:r>
-              <a:rPr lang="en-US" dirty="0" err="1">
-                <a:solidFill>
-                  <a:schemeClr val="bg1">
-                    <a:lumMod val="95000"/>
-                    <a:lumOff val="5000"/>
-                  </a:schemeClr>
-                </a:solidFill>
-              </a:rPr>
-              <a:t>funzionamento</a:t>
-            </a:r>
-            <a:r>
-              <a:rPr lang="en-US" dirty="0">
-                <a:solidFill>
-                  <a:schemeClr val="bg1">
-                    <a:lumMod val="95000"/>
-                    <a:lumOff val="5000"/>
-                  </a:schemeClr>
-                </a:solidFill>
-              </a:rPr>
-              <a:t> </a:t>
-            </a:r>
-            <a:r>
-              <a:rPr lang="it-IT" dirty="0">
-                <a:solidFill>
-                  <a:schemeClr val="bg1">
-                    <a:lumMod val="95000"/>
-                    <a:lumOff val="5000"/>
-                  </a:schemeClr>
-                </a:solidFill>
-              </a:rPr>
-              <a:t>è «oscillante» con </a:t>
-            </a:r>
-            <a:r>
-              <a:rPr lang="it-IT" i="1" dirty="0" err="1">
-                <a:solidFill>
-                  <a:schemeClr val="bg1">
-                    <a:lumMod val="95000"/>
-                    <a:lumOff val="5000"/>
-                  </a:schemeClr>
-                </a:solidFill>
-              </a:rPr>
-              <a:t>relaxation</a:t>
-            </a:r>
-            <a:r>
-              <a:rPr lang="it-IT" i="1" dirty="0">
-                <a:solidFill>
-                  <a:schemeClr val="bg1">
-                    <a:lumMod val="95000"/>
-                    <a:lumOff val="5000"/>
-                  </a:schemeClr>
-                </a:solidFill>
-              </a:rPr>
-              <a:t> </a:t>
-            </a:r>
-            <a:r>
-              <a:rPr lang="it-IT" i="1" dirty="0" err="1">
-                <a:solidFill>
-                  <a:schemeClr val="bg1">
-                    <a:lumMod val="95000"/>
-                    <a:lumOff val="5000"/>
-                  </a:schemeClr>
-                </a:solidFill>
-              </a:rPr>
-              <a:t>oscillations</a:t>
-            </a:r>
-            <a:r>
-              <a:rPr lang="it-IT" dirty="0">
-                <a:solidFill>
-                  <a:schemeClr val="bg1">
-                    <a:lumMod val="95000"/>
-                    <a:lumOff val="5000"/>
-                  </a:schemeClr>
-                </a:solidFill>
-              </a:rPr>
-              <a:t>. Le oscillazioni del transitorio si smorzano esponenzialmente, raggiungendo uno stato stabile.</a:t>
-            </a:r>
-          </a:p>
-        </p:txBody>
-      </p:sp>
+      <mc:AlternateContent xmlns:mc="http://schemas.openxmlformats.org/markup-compatibility/2006" xmlns:a14="http://schemas.microsoft.com/office/drawing/2010/main">
+        <mc:Choice Requires="a14">
+          <p:sp>
+            <p:nvSpPr>
+              <p:cNvPr id="5" name="CasellaDiTesto 4">
+                <a:extLst>
+                  <a:ext uri="{FF2B5EF4-FFF2-40B4-BE49-F238E27FC236}">
+                    <a16:creationId xmlns:a16="http://schemas.microsoft.com/office/drawing/2014/main" id="{4FB09F8A-BE90-4E97-8A0B-E9993E228375}"/>
+                  </a:ext>
+                </a:extLst>
+              </p:cNvPr>
+              <p:cNvSpPr txBox="1"/>
+              <p:nvPr/>
+            </p:nvSpPr>
+            <p:spPr>
+              <a:xfrm>
+                <a:off x="4546833" y="428116"/>
+                <a:ext cx="5991136" cy="923330"/>
+              </a:xfrm>
+              <a:prstGeom prst="rect">
+                <a:avLst/>
+              </a:prstGeom>
+              <a:noFill/>
+            </p:spPr>
+            <p:txBody>
+              <a:bodyPr wrap="square" rtlCol="0">
+                <a:spAutoFit/>
+              </a:bodyPr>
+              <a:lstStyle/>
+              <a:p>
+                <a:pPr algn="r"/>
+                <a:r>
+                  <a:rPr lang="it-IT" dirty="0">
+                    <a:solidFill>
+                      <a:schemeClr val="bg1">
+                        <a:lumMod val="95000"/>
+                        <a:lumOff val="5000"/>
+                      </a:schemeClr>
+                    </a:solidFill>
+                  </a:rPr>
+                  <a:t>Per valori di </a:t>
+                </a:r>
+                <a14:m>
+                  <m:oMath xmlns:m="http://schemas.openxmlformats.org/officeDocument/2006/math">
+                    <m:r>
+                      <a:rPr lang="el-GR" i="1" dirty="0" smtClean="0">
+                        <a:solidFill>
+                          <a:schemeClr val="bg1">
+                            <a:lumMod val="95000"/>
+                            <a:lumOff val="5000"/>
+                          </a:schemeClr>
+                        </a:solidFill>
+                        <a:latin typeface="Cambria Math" panose="02040503050406030204" pitchFamily="18" charset="0"/>
+                      </a:rPr>
+                      <m:t>𝜏</m:t>
+                    </m:r>
+                    <m:r>
+                      <a:rPr lang="en-US" sz="2000" i="1" baseline="-25000" dirty="0">
+                        <a:solidFill>
+                          <a:schemeClr val="bg1">
+                            <a:lumMod val="95000"/>
+                            <a:lumOff val="5000"/>
+                          </a:schemeClr>
+                        </a:solidFill>
+                        <a:latin typeface="Cambria Math" panose="02040503050406030204" pitchFamily="18" charset="0"/>
+                      </a:rPr>
+                      <m:t>𝑎</m:t>
+                    </m:r>
+                    <m:r>
+                      <a:rPr lang="it-IT" b="0" i="1" dirty="0" smtClean="0">
+                        <a:solidFill>
+                          <a:schemeClr val="bg1">
+                            <a:lumMod val="95000"/>
+                            <a:lumOff val="5000"/>
+                          </a:schemeClr>
+                        </a:solidFill>
+                        <a:latin typeface="Cambria Math" panose="02040503050406030204" pitchFamily="18" charset="0"/>
+                      </a:rPr>
+                      <m:t>≫</m:t>
+                    </m:r>
+                    <m:r>
+                      <a:rPr lang="el-GR" i="1" dirty="0">
+                        <a:solidFill>
+                          <a:schemeClr val="bg1">
+                            <a:lumMod val="95000"/>
+                            <a:lumOff val="5000"/>
+                          </a:schemeClr>
+                        </a:solidFill>
+                        <a:latin typeface="Cambria Math" panose="02040503050406030204" pitchFamily="18" charset="0"/>
+                      </a:rPr>
+                      <m:t>𝜏</m:t>
+                    </m:r>
+                    <m:r>
+                      <a:rPr lang="en-US" sz="2000" i="1" baseline="-25000" dirty="0">
+                        <a:solidFill>
+                          <a:schemeClr val="bg1">
+                            <a:lumMod val="95000"/>
+                            <a:lumOff val="5000"/>
+                          </a:schemeClr>
+                        </a:solidFill>
+                        <a:latin typeface="Cambria Math" panose="02040503050406030204" pitchFamily="18" charset="0"/>
+                      </a:rPr>
+                      <m:t>𝑐</m:t>
+                    </m:r>
+                  </m:oMath>
+                </a14:m>
+                <a:r>
+                  <a:rPr lang="en-US" dirty="0">
+                    <a:solidFill>
+                      <a:schemeClr val="bg1">
+                        <a:lumMod val="95000"/>
+                        <a:lumOff val="5000"/>
+                      </a:schemeClr>
+                    </a:solidFill>
+                  </a:rPr>
+                  <a:t> , il regime di </a:t>
+                </a:r>
+                <a:r>
+                  <a:rPr lang="en-US" dirty="0" err="1">
+                    <a:solidFill>
+                      <a:schemeClr val="bg1">
+                        <a:lumMod val="95000"/>
+                        <a:lumOff val="5000"/>
+                      </a:schemeClr>
+                    </a:solidFill>
+                  </a:rPr>
+                  <a:t>funzionamento</a:t>
+                </a:r>
+                <a:r>
+                  <a:rPr lang="en-US" dirty="0">
+                    <a:solidFill>
+                      <a:schemeClr val="bg1">
+                        <a:lumMod val="95000"/>
+                        <a:lumOff val="5000"/>
+                      </a:schemeClr>
+                    </a:solidFill>
+                  </a:rPr>
+                  <a:t> </a:t>
+                </a:r>
+                <a:r>
+                  <a:rPr lang="it-IT" dirty="0">
+                    <a:solidFill>
+                      <a:schemeClr val="bg1">
+                        <a:lumMod val="95000"/>
+                        <a:lumOff val="5000"/>
+                      </a:schemeClr>
+                    </a:solidFill>
+                  </a:rPr>
+                  <a:t>è «oscillante» con </a:t>
+                </a:r>
+                <a:r>
+                  <a:rPr lang="it-IT" i="1" dirty="0" err="1">
+                    <a:solidFill>
+                      <a:schemeClr val="bg1">
+                        <a:lumMod val="95000"/>
+                        <a:lumOff val="5000"/>
+                      </a:schemeClr>
+                    </a:solidFill>
+                  </a:rPr>
+                  <a:t>relaxation</a:t>
+                </a:r>
+                <a:r>
+                  <a:rPr lang="it-IT" i="1" dirty="0">
+                    <a:solidFill>
+                      <a:schemeClr val="bg1">
+                        <a:lumMod val="95000"/>
+                        <a:lumOff val="5000"/>
+                      </a:schemeClr>
+                    </a:solidFill>
+                  </a:rPr>
+                  <a:t> </a:t>
+                </a:r>
+                <a:r>
+                  <a:rPr lang="it-IT" i="1" dirty="0" err="1">
+                    <a:solidFill>
+                      <a:schemeClr val="bg1">
+                        <a:lumMod val="95000"/>
+                        <a:lumOff val="5000"/>
+                      </a:schemeClr>
+                    </a:solidFill>
+                  </a:rPr>
+                  <a:t>oscillations</a:t>
+                </a:r>
+                <a:r>
+                  <a:rPr lang="it-IT" dirty="0">
+                    <a:solidFill>
+                      <a:schemeClr val="bg1">
+                        <a:lumMod val="95000"/>
+                        <a:lumOff val="5000"/>
+                      </a:schemeClr>
+                    </a:solidFill>
+                  </a:rPr>
+                  <a:t>. Le oscillazioni del transitorio si smorzano esponenzialmente, raggiungendo uno stato stabile.</a:t>
+                </a:r>
+              </a:p>
+            </p:txBody>
+          </p:sp>
+        </mc:Choice>
+        <mc:Fallback xmlns="">
+          <p:sp>
+            <p:nvSpPr>
+              <p:cNvPr id="5" name="CasellaDiTesto 4">
+                <a:extLst>
+                  <a:ext uri="{FF2B5EF4-FFF2-40B4-BE49-F238E27FC236}">
+                    <a16:creationId xmlns:a16="http://schemas.microsoft.com/office/drawing/2014/main" id="{4FB09F8A-BE90-4E97-8A0B-E9993E228375}"/>
+                  </a:ext>
+                </a:extLst>
+              </p:cNvPr>
+              <p:cNvSpPr txBox="1">
+                <a:spLocks noRot="1" noChangeAspect="1" noMove="1" noResize="1" noEditPoints="1" noAdjustHandles="1" noChangeArrowheads="1" noChangeShapeType="1" noTextEdit="1"/>
+              </p:cNvSpPr>
+              <p:nvPr/>
+            </p:nvSpPr>
+            <p:spPr>
+              <a:xfrm>
+                <a:off x="4546833" y="428116"/>
+                <a:ext cx="5991136" cy="923330"/>
+              </a:xfrm>
+              <a:prstGeom prst="rect">
+                <a:avLst/>
+              </a:prstGeom>
+              <a:blipFill>
+                <a:blip r:embed="rId3"/>
+                <a:stretch>
+                  <a:fillRect l="-814" t="-3289" r="-1831" b="-9211"/>
+                </a:stretch>
+              </a:blipFill>
+            </p:spPr>
+            <p:txBody>
+              <a:bodyPr/>
+              <a:lstStyle/>
+              <a:p>
+                <a:r>
+                  <a:rPr lang="en-GB">
+                    <a:noFill/>
+                  </a:rPr>
+                  <a:t> </a:t>
+                </a:r>
+              </a:p>
+            </p:txBody>
+          </p:sp>
+        </mc:Fallback>
+      </mc:AlternateContent>
       <p:sp>
         <p:nvSpPr>
           <p:cNvPr id="10" name="CasellaDiTesto 9">
@@ -16400,13 +16827,208 @@
                     <a:lumOff val="5000"/>
                   </a:schemeClr>
                 </a:solidFill>
-                <a:latin typeface="Miriam Mono CLM" panose="02000503000000000000" pitchFamily="2" charset="-79"/>
-                <a:cs typeface="Miriam Mono CLM" panose="02000503000000000000" pitchFamily="2" charset="-79"/>
+                <a:latin typeface="Cascadia Code" pitchFamily="1" charset="0"/>
+                <a:cs typeface="Cascadia Code" pitchFamily="1" charset="0"/>
               </a:rPr>
               <a:t>TIME_STEPS = 1000;</a:t>
             </a:r>
           </a:p>
           <a:p>
+            <a:r>
+              <a:rPr lang="it-IT" sz="1200" dirty="0">
+                <a:solidFill>
+                  <a:schemeClr val="bg1">
+                    <a:lumMod val="95000"/>
+                    <a:lumOff val="5000"/>
+                  </a:schemeClr>
+                </a:solidFill>
+                <a:latin typeface="Cascadia Code" pitchFamily="1" charset="0"/>
+                <a:cs typeface="Cascadia Code" pitchFamily="1" charset="0"/>
+              </a:rPr>
+              <a:t>LATTICE_WIDTH = 150;</a:t>
+            </a:r>
+          </a:p>
+          <a:p>
+            <a:r>
+              <a:rPr lang="it-IT" sz="1200" dirty="0">
+                <a:solidFill>
+                  <a:schemeClr val="bg1">
+                    <a:lumMod val="95000"/>
+                    <a:lumOff val="5000"/>
+                  </a:schemeClr>
+                </a:solidFill>
+                <a:latin typeface="Cascadia Code" pitchFamily="1" charset="0"/>
+                <a:cs typeface="Cascadia Code" pitchFamily="1" charset="0"/>
+              </a:rPr>
+              <a:t>LATTICE_HEIGHT = 150;</a:t>
+            </a:r>
+          </a:p>
+          <a:p>
+            <a:r>
+              <a:rPr lang="it-IT" sz="1200" dirty="0">
+                <a:solidFill>
+                  <a:schemeClr val="bg1">
+                    <a:lumMod val="95000"/>
+                    <a:lumOff val="5000"/>
+                  </a:schemeClr>
+                </a:solidFill>
+                <a:latin typeface="Cascadia Code" pitchFamily="1" charset="0"/>
+                <a:cs typeface="Cascadia Code" pitchFamily="1" charset="0"/>
+              </a:rPr>
+              <a:t>PHOTON_SATURATION = 25;</a:t>
+            </a:r>
+          </a:p>
+          <a:p>
+            <a:endParaRPr lang="it-IT" sz="1200" dirty="0">
+              <a:solidFill>
+                <a:schemeClr val="bg1">
+                  <a:lumMod val="95000"/>
+                  <a:lumOff val="5000"/>
+                </a:schemeClr>
+              </a:solidFill>
+              <a:latin typeface="Cascadia Code" pitchFamily="1" charset="0"/>
+              <a:cs typeface="Cascadia Code" pitchFamily="1" charset="0"/>
+            </a:endParaRPr>
+          </a:p>
+          <a:p>
+            <a:r>
+              <a:rPr lang="it-IT" sz="1200" dirty="0" err="1">
+                <a:solidFill>
+                  <a:schemeClr val="bg1">
+                    <a:lumMod val="95000"/>
+                    <a:lumOff val="5000"/>
+                  </a:schemeClr>
+                </a:solidFill>
+                <a:latin typeface="Cascadia Code" pitchFamily="1" charset="0"/>
+                <a:cs typeface="Cascadia Code" pitchFamily="1" charset="0"/>
+              </a:rPr>
+              <a:t>electronLifeTime</a:t>
+            </a:r>
+            <a:r>
+              <a:rPr lang="it-IT" sz="1200" dirty="0">
+                <a:solidFill>
+                  <a:schemeClr val="bg1">
+                    <a:lumMod val="95000"/>
+                    <a:lumOff val="5000"/>
+                  </a:schemeClr>
+                </a:solidFill>
+                <a:latin typeface="Cascadia Code" pitchFamily="1" charset="0"/>
+                <a:cs typeface="Cascadia Code" pitchFamily="1" charset="0"/>
+              </a:rPr>
+              <a:t> = 180;</a:t>
+            </a:r>
+          </a:p>
+          <a:p>
+            <a:r>
+              <a:rPr lang="it-IT" sz="1200" dirty="0" err="1">
+                <a:solidFill>
+                  <a:schemeClr val="bg1">
+                    <a:lumMod val="95000"/>
+                    <a:lumOff val="5000"/>
+                  </a:schemeClr>
+                </a:solidFill>
+                <a:latin typeface="Cascadia Code" pitchFamily="1" charset="0"/>
+                <a:cs typeface="Cascadia Code" pitchFamily="1" charset="0"/>
+              </a:rPr>
+              <a:t>photonLifeTime</a:t>
+            </a:r>
+            <a:r>
+              <a:rPr lang="it-IT" sz="1200" dirty="0">
+                <a:solidFill>
+                  <a:schemeClr val="bg1">
+                    <a:lumMod val="95000"/>
+                    <a:lumOff val="5000"/>
+                  </a:schemeClr>
+                </a:solidFill>
+                <a:latin typeface="Cascadia Code" pitchFamily="1" charset="0"/>
+                <a:cs typeface="Cascadia Code" pitchFamily="1" charset="0"/>
+              </a:rPr>
+              <a:t> = 10;</a:t>
+            </a:r>
+          </a:p>
+          <a:p>
+            <a:r>
+              <a:rPr lang="it-IT" sz="1200" dirty="0" err="1">
+                <a:solidFill>
+                  <a:schemeClr val="bg1">
+                    <a:lumMod val="95000"/>
+                    <a:lumOff val="5000"/>
+                  </a:schemeClr>
+                </a:solidFill>
+                <a:latin typeface="Cascadia Code" pitchFamily="1" charset="0"/>
+                <a:cs typeface="Cascadia Code" pitchFamily="1" charset="0"/>
+              </a:rPr>
+              <a:t>pumpingProbability</a:t>
+            </a:r>
+            <a:r>
+              <a:rPr lang="it-IT" sz="1200" dirty="0">
+                <a:solidFill>
+                  <a:schemeClr val="bg1">
+                    <a:lumMod val="95000"/>
+                    <a:lumOff val="5000"/>
+                  </a:schemeClr>
+                </a:solidFill>
+                <a:latin typeface="Cascadia Code" pitchFamily="1" charset="0"/>
+                <a:cs typeface="Cascadia Code" pitchFamily="1" charset="0"/>
+              </a:rPr>
+              <a:t> = 0.0125;</a:t>
+            </a:r>
+          </a:p>
+          <a:p>
+            <a:r>
+              <a:rPr lang="it-IT" sz="1200" dirty="0" err="1">
+                <a:solidFill>
+                  <a:schemeClr val="bg1">
+                    <a:lumMod val="95000"/>
+                    <a:lumOff val="5000"/>
+                  </a:schemeClr>
+                </a:solidFill>
+                <a:latin typeface="Cascadia Code" pitchFamily="1" charset="0"/>
+                <a:cs typeface="Cascadia Code" pitchFamily="1" charset="0"/>
+              </a:rPr>
+              <a:t>noiseProbability</a:t>
+            </a:r>
+            <a:r>
+              <a:rPr lang="it-IT" sz="1200" dirty="0">
+                <a:solidFill>
+                  <a:schemeClr val="bg1">
+                    <a:lumMod val="95000"/>
+                    <a:lumOff val="5000"/>
+                  </a:schemeClr>
+                </a:solidFill>
+                <a:latin typeface="Cascadia Code" pitchFamily="1" charset="0"/>
+                <a:cs typeface="Cascadia Code" pitchFamily="1" charset="0"/>
+              </a:rPr>
+              <a:t> = 0.0001;</a:t>
+            </a:r>
+          </a:p>
+          <a:p>
+            <a:r>
+              <a:rPr lang="it-IT" sz="1200" dirty="0" err="1">
+                <a:solidFill>
+                  <a:schemeClr val="bg1">
+                    <a:lumMod val="95000"/>
+                    <a:lumOff val="5000"/>
+                  </a:schemeClr>
+                </a:solidFill>
+                <a:latin typeface="Cascadia Code" pitchFamily="1" charset="0"/>
+                <a:cs typeface="Cascadia Code" pitchFamily="1" charset="0"/>
+              </a:rPr>
+              <a:t>stimulatedEmissionThreshold</a:t>
+            </a:r>
+            <a:r>
+              <a:rPr lang="it-IT" sz="1200" dirty="0">
+                <a:solidFill>
+                  <a:schemeClr val="bg1">
+                    <a:lumMod val="95000"/>
+                    <a:lumOff val="5000"/>
+                  </a:schemeClr>
+                </a:solidFill>
+                <a:latin typeface="Cascadia Code" pitchFamily="1" charset="0"/>
+                <a:cs typeface="Cascadia Code" pitchFamily="1" charset="0"/>
+              </a:rPr>
+              <a:t> = 1</a:t>
+            </a:r>
             <a:r>
               <a:rPr lang="it-IT" sz="1200" dirty="0">
                 <a:solidFill>
@@ -16418,295 +17040,214 @@
                 <a:latin typeface="Miriam Mono CLM" panose="02000503000000000000" pitchFamily="2" charset="-79"/>
                 <a:cs typeface="Miriam Mono CLM" panose="02000503000000000000" pitchFamily="2" charset="-79"/>
               </a:rPr>
-              <a:t>LATTICE_WIDTH = 150;</a:t>
-            </a:r>
-          </a:p>
-          <a:p>
-            <a:r>
-              <a:rPr lang="it-IT" sz="1200" dirty="0">
-                <a:solidFill>
-                  <a:schemeClr val="bg1">
-                    <a:lumMod val="95000"/>
-                    <a:lumOff val="5000"/>
-                  </a:schemeClr>
-                </a:solidFill>
-                <a:latin typeface="Miriam Mono CLM" panose="02000503000000000000" pitchFamily="2" charset="-79"/>
-                <a:cs typeface="Miriam Mono CLM" panose="02000503000000000000" pitchFamily="2" charset="-79"/>
-              </a:rPr>
-              <a:t>LATTICE_HEIGHT = 150;</a:t>
-            </a:r>
-          </a:p>
-          <a:p>
-            <a:r>
-              <a:rPr lang="it-IT" sz="1200" dirty="0">
-                <a:solidFill>
-                  <a:schemeClr val="bg1">
-                    <a:lumMod val="95000"/>
-                    <a:lumOff val="5000"/>
-                  </a:schemeClr>
-                </a:solidFill>
-                <a:latin typeface="Miriam Mono CLM" panose="02000503000000000000" pitchFamily="2" charset="-79"/>
-                <a:cs typeface="Miriam Mono CLM" panose="02000503000000000000" pitchFamily="2" charset="-79"/>
-              </a:rPr>
-              <a:t>PHOTON_SATURATION = 25;</a:t>
-            </a:r>
-          </a:p>
-          <a:p>
-            <a:endParaRPr lang="it-IT" sz="1200" dirty="0">
-              <a:solidFill>
-                <a:schemeClr val="bg1">
-                  <a:lumMod val="95000"/>
-                  <a:lumOff val="5000"/>
-                </a:schemeClr>
-              </a:solidFill>
-              <a:latin typeface="Miriam Mono CLM" panose="02000503000000000000" pitchFamily="2" charset="-79"/>
-              <a:cs typeface="Miriam Mono CLM" panose="02000503000000000000" pitchFamily="2" charset="-79"/>
-            </a:endParaRPr>
-          </a:p>
-          <a:p>
-            <a:r>
-              <a:rPr lang="it-IT" sz="1200" dirty="0" err="1">
-                <a:solidFill>
-                  <a:schemeClr val="bg1">
-                    <a:lumMod val="95000"/>
-                    <a:lumOff val="5000"/>
-                  </a:schemeClr>
-                </a:solidFill>
-                <a:latin typeface="Miriam Mono CLM" panose="02000503000000000000" pitchFamily="2" charset="-79"/>
-                <a:cs typeface="Miriam Mono CLM" panose="02000503000000000000" pitchFamily="2" charset="-79"/>
-              </a:rPr>
-              <a:t>electronLifeTime</a:t>
-            </a:r>
-            <a:r>
-              <a:rPr lang="it-IT" sz="1200" dirty="0">
-                <a:solidFill>
-                  <a:schemeClr val="bg1">
-                    <a:lumMod val="95000"/>
-                    <a:lumOff val="5000"/>
-                  </a:schemeClr>
-                </a:solidFill>
-                <a:latin typeface="Miriam Mono CLM" panose="02000503000000000000" pitchFamily="2" charset="-79"/>
-                <a:cs typeface="Miriam Mono CLM" panose="02000503000000000000" pitchFamily="2" charset="-79"/>
-              </a:rPr>
-              <a:t> = 180;</a:t>
-            </a:r>
-          </a:p>
-          <a:p>
-            <a:r>
-              <a:rPr lang="it-IT" sz="1200" dirty="0" err="1">
-                <a:solidFill>
-                  <a:schemeClr val="bg1">
-                    <a:lumMod val="95000"/>
-                    <a:lumOff val="5000"/>
-                  </a:schemeClr>
-                </a:solidFill>
-                <a:latin typeface="Miriam Mono CLM" panose="02000503000000000000" pitchFamily="2" charset="-79"/>
-                <a:cs typeface="Miriam Mono CLM" panose="02000503000000000000" pitchFamily="2" charset="-79"/>
-              </a:rPr>
-              <a:t>photonLifeTime</a:t>
-            </a:r>
-            <a:r>
-              <a:rPr lang="it-IT" sz="1200" dirty="0">
-                <a:solidFill>
-                  <a:schemeClr val="bg1">
-                    <a:lumMod val="95000"/>
-                    <a:lumOff val="5000"/>
-                  </a:schemeClr>
-                </a:solidFill>
-                <a:latin typeface="Miriam Mono CLM" panose="02000503000000000000" pitchFamily="2" charset="-79"/>
-                <a:cs typeface="Miriam Mono CLM" panose="02000503000000000000" pitchFamily="2" charset="-79"/>
-              </a:rPr>
-              <a:t> = 10;</a:t>
-            </a:r>
-          </a:p>
-          <a:p>
-            <a:r>
-              <a:rPr lang="it-IT" sz="1200" dirty="0" err="1">
-                <a:solidFill>
-                  <a:schemeClr val="bg1">
-                    <a:lumMod val="95000"/>
-                    <a:lumOff val="5000"/>
-                  </a:schemeClr>
-                </a:solidFill>
-                <a:latin typeface="Miriam Mono CLM" panose="02000503000000000000" pitchFamily="2" charset="-79"/>
-                <a:cs typeface="Miriam Mono CLM" panose="02000503000000000000" pitchFamily="2" charset="-79"/>
-              </a:rPr>
-              <a:t>pumpingProbability</a:t>
-            </a:r>
-            <a:r>
-              <a:rPr lang="it-IT" sz="1200" dirty="0">
-                <a:solidFill>
-                  <a:schemeClr val="bg1">
-                    <a:lumMod val="95000"/>
-                    <a:lumOff val="5000"/>
-                  </a:schemeClr>
-                </a:solidFill>
-                <a:latin typeface="Miriam Mono CLM" panose="02000503000000000000" pitchFamily="2" charset="-79"/>
-                <a:cs typeface="Miriam Mono CLM" panose="02000503000000000000" pitchFamily="2" charset="-79"/>
-              </a:rPr>
-              <a:t> = 0.0125;</a:t>
-            </a:r>
-          </a:p>
-          <a:p>
-            <a:r>
-              <a:rPr lang="it-IT" sz="1200" dirty="0" err="1">
-                <a:solidFill>
-                  <a:schemeClr val="bg1">
-                    <a:lumMod val="95000"/>
-                    <a:lumOff val="5000"/>
-                  </a:schemeClr>
-                </a:solidFill>
-                <a:latin typeface="Miriam Mono CLM" panose="02000503000000000000" pitchFamily="2" charset="-79"/>
-                <a:cs typeface="Miriam Mono CLM" panose="02000503000000000000" pitchFamily="2" charset="-79"/>
-              </a:rPr>
-              <a:t>noiseProbability</a:t>
-            </a:r>
-            <a:r>
-              <a:rPr lang="it-IT" sz="1200" dirty="0">
-                <a:solidFill>
-                  <a:schemeClr val="bg1">
-                    <a:lumMod val="95000"/>
-                    <a:lumOff val="5000"/>
-                  </a:schemeClr>
-                </a:solidFill>
-                <a:latin typeface="Miriam Mono CLM" panose="02000503000000000000" pitchFamily="2" charset="-79"/>
-                <a:cs typeface="Miriam Mono CLM" panose="02000503000000000000" pitchFamily="2" charset="-79"/>
-              </a:rPr>
-              <a:t> = 0.0001;</a:t>
-            </a:r>
-          </a:p>
-          <a:p>
-            <a:r>
-              <a:rPr lang="it-IT" sz="1200" dirty="0" err="1">
-                <a:solidFill>
-                  <a:schemeClr val="bg1">
-                    <a:lumMod val="95000"/>
-                    <a:lumOff val="5000"/>
-                  </a:schemeClr>
-                </a:solidFill>
-                <a:latin typeface="Miriam Mono CLM" panose="02000503000000000000" pitchFamily="2" charset="-79"/>
-                <a:cs typeface="Miriam Mono CLM" panose="02000503000000000000" pitchFamily="2" charset="-79"/>
-              </a:rPr>
-              <a:t>stimulatedEmissionThreshold</a:t>
-            </a:r>
-            <a:r>
-              <a:rPr lang="it-IT" sz="1200" dirty="0">
-                <a:solidFill>
-                  <a:schemeClr val="bg1">
-                    <a:lumMod val="95000"/>
-                    <a:lumOff val="5000"/>
-                  </a:schemeClr>
-                </a:solidFill>
-                <a:latin typeface="Miriam Mono CLM" panose="02000503000000000000" pitchFamily="2" charset="-79"/>
-                <a:cs typeface="Miriam Mono CLM" panose="02000503000000000000" pitchFamily="2" charset="-79"/>
-              </a:rPr>
-              <a:t> = 1;</a:t>
+              <a:t>;</a:t>
             </a:r>
           </a:p>
         </p:txBody>
       </p:sp>
-      <p:sp>
-        <p:nvSpPr>
-          <p:cNvPr id="11" name="CasellaDiTesto 10">
-            <a:extLst>
-              <a:ext uri="{FF2B5EF4-FFF2-40B4-BE49-F238E27FC236}">
-                <a16:creationId xmlns:a16="http://schemas.microsoft.com/office/drawing/2014/main" id="{3DC3C07B-CE94-4C9E-8C40-AC1B285B67C0}"/>
-              </a:ext>
-            </a:extLst>
-          </p:cNvPr>
-          <p:cNvSpPr txBox="1"/>
-          <p:nvPr/>
-        </p:nvSpPr>
-        <p:spPr>
-          <a:xfrm>
-            <a:off x="4823670" y="1488201"/>
-            <a:ext cx="5645791" cy="523220"/>
-          </a:xfrm>
-          <a:prstGeom prst="rect">
-            <a:avLst/>
-          </a:prstGeom>
-          <a:noFill/>
-        </p:spPr>
-        <p:txBody>
-          <a:bodyPr wrap="square" rtlCol="0">
-            <a:spAutoFit/>
-          </a:bodyPr>
-          <a:lstStyle/>
-          <a:p>
-            <a:pPr algn="r"/>
-            <a:r>
-              <a:rPr lang="it-IT" sz="1400" dirty="0">
-                <a:solidFill>
-                  <a:schemeClr val="bg1">
-                    <a:lumMod val="95000"/>
-                    <a:lumOff val="5000"/>
-                  </a:schemeClr>
-                </a:solidFill>
-                <a:latin typeface="Tw Cen MT (Corpo)"/>
-                <a:ea typeface="Cambria" panose="02040503050406030204" pitchFamily="18" charset="0"/>
-                <a:cs typeface="JasmineUPC" panose="020B0502040204020203" pitchFamily="18" charset="-34"/>
-              </a:rPr>
-              <a:t>Più è alta la </a:t>
-            </a:r>
-            <a:r>
-              <a:rPr lang="it-IT" sz="1400" dirty="0" err="1">
-                <a:solidFill>
-                  <a:schemeClr val="bg1">
-                    <a:lumMod val="95000"/>
-                    <a:lumOff val="5000"/>
-                  </a:schemeClr>
-                </a:solidFill>
-                <a:latin typeface="Tw Cen MT (Corpo)"/>
-                <a:ea typeface="Cambria" panose="02040503050406030204" pitchFamily="18" charset="0"/>
-                <a:cs typeface="JasmineUPC" panose="020B0502040204020203" pitchFamily="18" charset="-34"/>
-              </a:rPr>
-              <a:t>pumping</a:t>
-            </a:r>
-            <a:r>
-              <a:rPr lang="it-IT" sz="1400" dirty="0">
-                <a:solidFill>
-                  <a:schemeClr val="bg1">
-                    <a:lumMod val="95000"/>
-                    <a:lumOff val="5000"/>
-                  </a:schemeClr>
-                </a:solidFill>
-                <a:latin typeface="Tw Cen MT (Corpo)"/>
-                <a:ea typeface="Cambria" panose="02040503050406030204" pitchFamily="18" charset="0"/>
-                <a:cs typeface="JasmineUPC" panose="020B0502040204020203" pitchFamily="18" charset="-34"/>
-              </a:rPr>
-              <a:t> rate, più deve aumentare il valore di </a:t>
-            </a:r>
-            <a:r>
-              <a:rPr lang="el-GR" sz="1400" dirty="0">
-                <a:solidFill>
-                  <a:schemeClr val="bg1">
-                    <a:lumMod val="95000"/>
-                    <a:lumOff val="5000"/>
-                  </a:schemeClr>
-                </a:solidFill>
-                <a:latin typeface="Tw Cen MT (Corpo)"/>
-                <a:ea typeface="Cambria" panose="02040503050406030204" pitchFamily="18" charset="0"/>
-                <a:cs typeface="JasmineUPC" panose="020B0502040204020203" pitchFamily="18" charset="-34"/>
-              </a:rPr>
-              <a:t>τ</a:t>
-            </a:r>
-            <a:r>
-              <a:rPr lang="it-IT" sz="1400" dirty="0">
-                <a:solidFill>
-                  <a:schemeClr val="bg1">
-                    <a:lumMod val="95000"/>
-                    <a:lumOff val="5000"/>
-                  </a:schemeClr>
-                </a:solidFill>
-                <a:latin typeface="Tw Cen MT (Corpo)"/>
-                <a:ea typeface="Cambria" panose="02040503050406030204" pitchFamily="18" charset="0"/>
-                <a:cs typeface="JasmineUPC" panose="020B0502040204020203" pitchFamily="18" charset="-34"/>
-              </a:rPr>
-              <a:t>a per rendere evidente il regime oscillatorio</a:t>
-            </a:r>
-          </a:p>
-        </p:txBody>
-      </p:sp>
+      <mc:AlternateContent xmlns:mc="http://schemas.openxmlformats.org/markup-compatibility/2006" xmlns:a14="http://schemas.microsoft.com/office/drawing/2010/main">
+        <mc:Choice Requires="a14">
+          <p:sp>
+            <p:nvSpPr>
+              <p:cNvPr id="11" name="CasellaDiTesto 10">
+                <a:extLst>
+                  <a:ext uri="{FF2B5EF4-FFF2-40B4-BE49-F238E27FC236}">
+                    <a16:creationId xmlns:a16="http://schemas.microsoft.com/office/drawing/2014/main" id="{3DC3C07B-CE94-4C9E-8C40-AC1B285B67C0}"/>
+                  </a:ext>
+                </a:extLst>
+              </p:cNvPr>
+              <p:cNvSpPr txBox="1"/>
+              <p:nvPr/>
+            </p:nvSpPr>
+            <p:spPr>
+              <a:xfrm>
+                <a:off x="4823670" y="1488201"/>
+                <a:ext cx="5645791" cy="523220"/>
+              </a:xfrm>
+              <a:prstGeom prst="rect">
+                <a:avLst/>
+              </a:prstGeom>
+              <a:noFill/>
+            </p:spPr>
+            <p:txBody>
+              <a:bodyPr wrap="square" rtlCol="0">
+                <a:spAutoFit/>
+              </a:bodyPr>
+              <a:lstStyle/>
+              <a:p>
+                <a:pPr algn="r"/>
+                <a:r>
+                  <a:rPr lang="it-IT" sz="1400" dirty="0">
+                    <a:solidFill>
+                      <a:schemeClr val="bg1">
+                        <a:lumMod val="95000"/>
+                        <a:lumOff val="5000"/>
+                      </a:schemeClr>
+                    </a:solidFill>
+                    <a:latin typeface="Tw Cen MT (Corpo)"/>
+                    <a:ea typeface="Cambria" panose="02040503050406030204" pitchFamily="18" charset="0"/>
+                    <a:cs typeface="JasmineUPC" panose="020B0502040204020203" pitchFamily="18" charset="-34"/>
+                  </a:rPr>
+                  <a:t>Più è alta la </a:t>
+                </a:r>
+                <a:r>
+                  <a:rPr lang="it-IT" sz="1400" dirty="0" err="1">
+                    <a:solidFill>
+                      <a:schemeClr val="bg1">
+                        <a:lumMod val="95000"/>
+                        <a:lumOff val="5000"/>
+                      </a:schemeClr>
+                    </a:solidFill>
+                    <a:latin typeface="Tw Cen MT (Corpo)"/>
+                    <a:ea typeface="Cambria" panose="02040503050406030204" pitchFamily="18" charset="0"/>
+                    <a:cs typeface="JasmineUPC" panose="020B0502040204020203" pitchFamily="18" charset="-34"/>
+                  </a:rPr>
+                  <a:t>pumping</a:t>
+                </a:r>
+                <a:r>
+                  <a:rPr lang="it-IT" sz="1400" dirty="0">
+                    <a:solidFill>
+                      <a:schemeClr val="bg1">
+                        <a:lumMod val="95000"/>
+                        <a:lumOff val="5000"/>
+                      </a:schemeClr>
+                    </a:solidFill>
+                    <a:latin typeface="Tw Cen MT (Corpo)"/>
+                    <a:ea typeface="Cambria" panose="02040503050406030204" pitchFamily="18" charset="0"/>
+                    <a:cs typeface="JasmineUPC" panose="020B0502040204020203" pitchFamily="18" charset="-34"/>
+                  </a:rPr>
+                  <a:t> rate, più deve aumentare il valore di </a:t>
+                </a:r>
+                <a14:m>
+                  <m:oMath xmlns:m="http://schemas.openxmlformats.org/officeDocument/2006/math">
+                    <m:sSub>
+                      <m:sSubPr>
+                        <m:ctrlPr>
+                          <a:rPr lang="it-IT" sz="1400" b="0" i="1" dirty="0" smtClean="0">
+                            <a:solidFill>
+                              <a:schemeClr val="bg1">
+                                <a:lumMod val="95000"/>
+                                <a:lumOff val="5000"/>
+                              </a:schemeClr>
+                            </a:solidFill>
+                            <a:latin typeface="Cambria Math" panose="02040503050406030204" pitchFamily="18" charset="0"/>
+                            <a:ea typeface="Cambria" panose="02040503050406030204" pitchFamily="18" charset="0"/>
+                            <a:cs typeface="JasmineUPC" panose="020B0502040204020203" pitchFamily="18" charset="-34"/>
+                          </a:rPr>
+                        </m:ctrlPr>
+                      </m:sSubPr>
+                      <m:e>
+                        <m:r>
+                          <a:rPr lang="it-IT" sz="1400" b="0" i="1" dirty="0" smtClean="0">
+                            <a:solidFill>
+                              <a:schemeClr val="bg1">
+                                <a:lumMod val="95000"/>
+                                <a:lumOff val="5000"/>
+                              </a:schemeClr>
+                            </a:solidFill>
+                            <a:latin typeface="Cambria Math" panose="02040503050406030204" pitchFamily="18" charset="0"/>
+                            <a:ea typeface="Cambria" panose="02040503050406030204" pitchFamily="18" charset="0"/>
+                            <a:cs typeface="JasmineUPC" panose="020B0502040204020203" pitchFamily="18" charset="-34"/>
+                          </a:rPr>
+                          <m:t>𝜏</m:t>
+                        </m:r>
+                      </m:e>
+                      <m:sub>
+                        <m:r>
+                          <a:rPr lang="it-IT" sz="1400" b="0" i="1" dirty="0" smtClean="0">
+                            <a:solidFill>
+                              <a:schemeClr val="bg1">
+                                <a:lumMod val="95000"/>
+                                <a:lumOff val="5000"/>
+                              </a:schemeClr>
+                            </a:solidFill>
+                            <a:latin typeface="Cambria Math" panose="02040503050406030204" pitchFamily="18" charset="0"/>
+                            <a:ea typeface="Cambria" panose="02040503050406030204" pitchFamily="18" charset="0"/>
+                            <a:cs typeface="JasmineUPC" panose="020B0502040204020203" pitchFamily="18" charset="-34"/>
+                          </a:rPr>
+                          <m:t>𝑎</m:t>
+                        </m:r>
+                      </m:sub>
+                    </m:sSub>
+                    <m:r>
+                      <a:rPr lang="it-IT" sz="1400" i="1" dirty="0">
+                        <a:solidFill>
+                          <a:schemeClr val="bg1">
+                            <a:lumMod val="95000"/>
+                            <a:lumOff val="5000"/>
+                          </a:schemeClr>
+                        </a:solidFill>
+                        <a:latin typeface="Cambria Math" panose="02040503050406030204" pitchFamily="18" charset="0"/>
+                        <a:ea typeface="Cambria" panose="02040503050406030204" pitchFamily="18" charset="0"/>
+                        <a:cs typeface="JasmineUPC" panose="020B0502040204020203" pitchFamily="18" charset="-34"/>
+                      </a:rPr>
+                      <m:t> </m:t>
+                    </m:r>
+                  </m:oMath>
+                </a14:m>
+                <a:r>
+                  <a:rPr lang="it-IT" sz="1400" dirty="0">
+                    <a:solidFill>
+                      <a:schemeClr val="bg1">
+                        <a:lumMod val="95000"/>
+                        <a:lumOff val="5000"/>
+                      </a:schemeClr>
+                    </a:solidFill>
+                    <a:latin typeface="Tw Cen MT (Corpo)"/>
+                    <a:ea typeface="Cambria" panose="02040503050406030204" pitchFamily="18" charset="0"/>
+                    <a:cs typeface="JasmineUPC" panose="020B0502040204020203" pitchFamily="18" charset="-34"/>
+                  </a:rPr>
+                  <a:t>per rendere evidente il regime oscillatorio</a:t>
+                </a:r>
+              </a:p>
+            </p:txBody>
+          </p:sp>
+        </mc:Choice>
+        <mc:Fallback xmlns="">
+          <p:sp>
+            <p:nvSpPr>
+              <p:cNvPr id="11" name="CasellaDiTesto 10">
+                <a:extLst>
+                  <a:ext uri="{FF2B5EF4-FFF2-40B4-BE49-F238E27FC236}">
+                    <a16:creationId xmlns:a16="http://schemas.microsoft.com/office/drawing/2014/main" id="{3DC3C07B-CE94-4C9E-8C40-AC1B285B67C0}"/>
+                  </a:ext>
+                </a:extLst>
+              </p:cNvPr>
+              <p:cNvSpPr txBox="1">
+                <a:spLocks noRot="1" noChangeAspect="1" noMove="1" noResize="1" noEditPoints="1" noAdjustHandles="1" noChangeArrowheads="1" noChangeShapeType="1" noTextEdit="1"/>
+              </p:cNvSpPr>
+              <p:nvPr/>
+            </p:nvSpPr>
+            <p:spPr>
+              <a:xfrm>
+                <a:off x="4823670" y="1488201"/>
+                <a:ext cx="5645791" cy="523220"/>
+              </a:xfrm>
+              <a:prstGeom prst="rect">
+                <a:avLst/>
+              </a:prstGeom>
+              <a:blipFill>
+                <a:blip r:embed="rId4"/>
+                <a:stretch>
+                  <a:fillRect t="-1163" r="-972" b="-12791"/>
+                </a:stretch>
+              </a:blipFill>
+            </p:spPr>
+            <p:txBody>
+              <a:bodyPr/>
+              <a:lstStyle/>
+              <a:p>
+                <a:r>
+                  <a:rPr lang="en-GB">
+                    <a:noFill/>
+                  </a:rPr>
+                  <a:t> </a:t>
+                </a:r>
+              </a:p>
+            </p:txBody>
+          </p:sp>
+        </mc:Fallback>
+      </mc:AlternateContent>
     </p:spTree>
     <p:extLst>
       <p:ext uri="{BB962C8B-B14F-4D97-AF65-F5344CB8AC3E}">
@@ -16803,8 +17344,8 @@
                     <a:lumOff val="5000"/>
                   </a:schemeClr>
                 </a:solidFill>
-                <a:latin typeface="Miriam Mono CLM" panose="02000503000000000000" pitchFamily="2" charset="-79"/>
-                <a:cs typeface="Miriam Mono CLM" panose="02000503000000000000" pitchFamily="2" charset="-79"/>
+                <a:latin typeface="Cascadia Code" pitchFamily="1" charset="0"/>
+                <a:cs typeface="Cascadia Code" pitchFamily="1" charset="0"/>
               </a:rPr>
               <a:t>TIME_STEPS = 200;</a:t>
             </a:r>
@@ -16818,8 +17359,8 @@
                     <a:lumOff val="5000"/>
                   </a:schemeClr>
                 </a:solidFill>
-                <a:latin typeface="Miriam Mono CLM" panose="02000503000000000000" pitchFamily="2" charset="-79"/>
-                <a:cs typeface="Miriam Mono CLM" panose="02000503000000000000" pitchFamily="2" charset="-79"/>
+                <a:latin typeface="Cascadia Code" pitchFamily="1" charset="0"/>
+                <a:cs typeface="Cascadia Code" pitchFamily="1" charset="0"/>
               </a:rPr>
               <a:t>LATTICE_WIDTH = 100;</a:t>
             </a:r>
@@ -16833,8 +17374,8 @@
                     <a:lumOff val="5000"/>
                   </a:schemeClr>
                 </a:solidFill>
-                <a:latin typeface="Miriam Mono CLM" panose="02000503000000000000" pitchFamily="2" charset="-79"/>
-                <a:cs typeface="Miriam Mono CLM" panose="02000503000000000000" pitchFamily="2" charset="-79"/>
+                <a:latin typeface="Cascadia Code" pitchFamily="1" charset="0"/>
+                <a:cs typeface="Cascadia Code" pitchFamily="1" charset="0"/>
               </a:rPr>
               <a:t>LATTICE_HEIGHT = 100;</a:t>
             </a:r>
@@ -16848,8 +17389,8 @@
                     <a:lumOff val="5000"/>
                   </a:schemeClr>
                 </a:solidFill>
-                <a:latin typeface="Miriam Mono CLM" panose="02000503000000000000" pitchFamily="2" charset="-79"/>
-                <a:cs typeface="Miriam Mono CLM" panose="02000503000000000000" pitchFamily="2" charset="-79"/>
+                <a:latin typeface="Cascadia Code" pitchFamily="1" charset="0"/>
+                <a:cs typeface="Cascadia Code" pitchFamily="1" charset="0"/>
               </a:rPr>
               <a:t>PHOTON_SATURATION = 40;</a:t>
             </a:r>
@@ -16862,8 +17403,8 @@
                   <a:lumOff val="5000"/>
                 </a:schemeClr>
               </a:solidFill>
-              <a:latin typeface="Miriam Mono CLM" panose="02000503000000000000" pitchFamily="2" charset="-79"/>
-              <a:cs typeface="Miriam Mono CLM" panose="02000503000000000000" pitchFamily="2" charset="-79"/>
+              <a:latin typeface="Cascadia Code" pitchFamily="1" charset="0"/>
+              <a:cs typeface="Cascadia Code" pitchFamily="1" charset="0"/>
             </a:endParaRPr>
           </a:p>
           <a:p>
@@ -16875,8 +17416,8 @@
                     <a:lumOff val="5000"/>
                   </a:schemeClr>
                 </a:solidFill>
-                <a:latin typeface="Miriam Mono CLM" panose="02000503000000000000" pitchFamily="2" charset="-79"/>
-                <a:cs typeface="Miriam Mono CLM" panose="02000503000000000000" pitchFamily="2" charset="-79"/>
+                <a:latin typeface="Cascadia Code" pitchFamily="1" charset="0"/>
+                <a:cs typeface="Cascadia Code" pitchFamily="1" charset="0"/>
               </a:rPr>
               <a:t>electronLifeTime</a:t>
             </a:r>
@@ -16888,8 +17429,8 @@
                     <a:lumOff val="5000"/>
                   </a:schemeClr>
                 </a:solidFill>
-                <a:latin typeface="Miriam Mono CLM" panose="02000503000000000000" pitchFamily="2" charset="-79"/>
-                <a:cs typeface="Miriam Mono CLM" panose="02000503000000000000" pitchFamily="2" charset="-79"/>
+                <a:latin typeface="Cascadia Code" pitchFamily="1" charset="0"/>
+                <a:cs typeface="Cascadia Code" pitchFamily="1" charset="0"/>
               </a:rPr>
               <a:t> = 30;</a:t>
             </a:r>
@@ -16903,8 +17444,8 @@
                     <a:lumOff val="5000"/>
                   </a:schemeClr>
                 </a:solidFill>
-                <a:latin typeface="Miriam Mono CLM" panose="02000503000000000000" pitchFamily="2" charset="-79"/>
-                <a:cs typeface="Miriam Mono CLM" panose="02000503000000000000" pitchFamily="2" charset="-79"/>
+                <a:latin typeface="Cascadia Code" pitchFamily="1" charset="0"/>
+                <a:cs typeface="Cascadia Code" pitchFamily="1" charset="0"/>
               </a:rPr>
               <a:t>photonLifeTime</a:t>
             </a:r>
@@ -16916,8 +17457,8 @@
                     <a:lumOff val="5000"/>
                   </a:schemeClr>
                 </a:solidFill>
-                <a:latin typeface="Miriam Mono CLM" panose="02000503000000000000" pitchFamily="2" charset="-79"/>
-                <a:cs typeface="Miriam Mono CLM" panose="02000503000000000000" pitchFamily="2" charset="-79"/>
+                <a:latin typeface="Cascadia Code" pitchFamily="1" charset="0"/>
+                <a:cs typeface="Cascadia Code" pitchFamily="1" charset="0"/>
               </a:rPr>
               <a:t> = 10;</a:t>
             </a:r>
@@ -16931,8 +17472,8 @@
                     <a:lumOff val="5000"/>
                   </a:schemeClr>
                 </a:solidFill>
-                <a:latin typeface="Miriam Mono CLM" panose="02000503000000000000" pitchFamily="2" charset="-79"/>
-                <a:cs typeface="Miriam Mono CLM" panose="02000503000000000000" pitchFamily="2" charset="-79"/>
+                <a:latin typeface="Cascadia Code" pitchFamily="1" charset="0"/>
+                <a:cs typeface="Cascadia Code" pitchFamily="1" charset="0"/>
               </a:rPr>
               <a:t>pumpingProbability</a:t>
             </a:r>
@@ -16944,8 +17485,8 @@
                     <a:lumOff val="5000"/>
                   </a:schemeClr>
                 </a:solidFill>
-                <a:latin typeface="Miriam Mono CLM" panose="02000503000000000000" pitchFamily="2" charset="-79"/>
-                <a:cs typeface="Miriam Mono CLM" panose="02000503000000000000" pitchFamily="2" charset="-79"/>
+                <a:latin typeface="Cascadia Code" pitchFamily="1" charset="0"/>
+                <a:cs typeface="Cascadia Code" pitchFamily="1" charset="0"/>
               </a:rPr>
               <a:t> = 0.2;</a:t>
             </a:r>
@@ -16959,8 +17500,8 @@
                     <a:lumOff val="5000"/>
                   </a:schemeClr>
                 </a:solidFill>
-                <a:latin typeface="Miriam Mono CLM" panose="02000503000000000000" pitchFamily="2" charset="-79"/>
-                <a:cs typeface="Miriam Mono CLM" panose="02000503000000000000" pitchFamily="2" charset="-79"/>
+                <a:latin typeface="Cascadia Code" pitchFamily="1" charset="0"/>
+                <a:cs typeface="Cascadia Code" pitchFamily="1" charset="0"/>
               </a:rPr>
               <a:t>noiseProbability</a:t>
             </a:r>
@@ -16972,8 +17513,8 @@
                     <a:lumOff val="5000"/>
                   </a:schemeClr>
                 </a:solidFill>
-                <a:latin typeface="Miriam Mono CLM" panose="02000503000000000000" pitchFamily="2" charset="-79"/>
-                <a:cs typeface="Miriam Mono CLM" panose="02000503000000000000" pitchFamily="2" charset="-79"/>
+                <a:latin typeface="Cascadia Code" pitchFamily="1" charset="0"/>
+                <a:cs typeface="Cascadia Code" pitchFamily="1" charset="0"/>
               </a:rPr>
               <a:t> = 0.01;</a:t>
             </a:r>
@@ -16987,8 +17528,8 @@
                     <a:lumOff val="5000"/>
                   </a:schemeClr>
                 </a:solidFill>
-                <a:latin typeface="Miriam Mono CLM" panose="02000503000000000000" pitchFamily="2" charset="-79"/>
-                <a:cs typeface="Miriam Mono CLM" panose="02000503000000000000" pitchFamily="2" charset="-79"/>
+                <a:latin typeface="Cascadia Code" pitchFamily="1" charset="0"/>
+                <a:cs typeface="Cascadia Code" pitchFamily="1" charset="0"/>
               </a:rPr>
               <a:t>stimulatedEmissionThreshold</a:t>
             </a:r>
@@ -17000,8 +17541,8 @@
                     <a:lumOff val="5000"/>
                   </a:schemeClr>
                 </a:solidFill>
-                <a:latin typeface="Miriam Mono CLM" panose="02000503000000000000" pitchFamily="2" charset="-79"/>
-                <a:cs typeface="Miriam Mono CLM" panose="02000503000000000000" pitchFamily="2" charset="-79"/>
+                <a:latin typeface="Cascadia Code" pitchFamily="1" charset="0"/>
+                <a:cs typeface="Cascadia Code" pitchFamily="1" charset="0"/>
               </a:rPr>
               <a:t> = 1;</a:t>
             </a:r>
@@ -17022,8 +17563,8 @@
         </p:nvSpPr>
         <p:spPr>
           <a:xfrm>
-            <a:off x="2114027" y="275591"/>
-            <a:ext cx="4110604" cy="461665"/>
+            <a:off x="2223083" y="183343"/>
+            <a:ext cx="9076888" cy="461665"/>
           </a:xfrm>
           <a:prstGeom prst="rect">
             <a:avLst/>
@@ -17038,7 +17579,7 @@
           <a:p>
             <a:r>
               <a:rPr lang="it-IT" sz="2400" dirty="0"/>
-              <a:t>Un altro esempio evidente</a:t>
+              <a:t>UN ALTRO ESEMPIO EVIDENTE DI REGIME OSCILLATORIO</a:t>
             </a:r>
           </a:p>
         </p:txBody>

--- a/Presentation/PresentazioneDispositivi.pptx
+++ b/Presentation/PresentazioneDispositivi.pptx
@@ -21,7 +21,8 @@
     <p:sldId id="266" r:id="rId15"/>
     <p:sldId id="262" r:id="rId16"/>
     <p:sldId id="264" r:id="rId17"/>
-    <p:sldId id="268" r:id="rId18"/>
+    <p:sldId id="273" r:id="rId18"/>
+    <p:sldId id="268" r:id="rId19"/>
   </p:sldIdLst>
   <p:sldSz cx="12192000" cy="6858000"/>
   <p:notesSz cx="6858000" cy="9144000"/>
@@ -186,7 +187,7 @@
           <a:noFill/>
           <a:extLst>
             <a:ext uri="{909E8E84-426E-40dd-AFC4-6F175D3DCCD1}">
-              <a14:hiddenFill xmlns:a14="http://schemas.microsoft.com/office/drawing/2010/main" xmlns="">
+              <a14:hiddenFill xmlns="" xmlns:a14="http://schemas.microsoft.com/office/drawing/2010/main">
                 <a:solidFill>
                   <a:srgbClr val="FFFFFF"/>
                 </a:solidFill>
@@ -246,7 +247,7 @@
             </a:ln>
             <a:extLst>
               <a:ext uri="{91240B29-F687-4f45-9708-019B960494DF}">
-                <a14:hiddenLine xmlns:a14="http://schemas.microsoft.com/office/drawing/2010/main" xmlns="" w="9525">
+                <a14:hiddenLine xmlns="" xmlns:a14="http://schemas.microsoft.com/office/drawing/2010/main" w="9525">
                   <a:solidFill>
                     <a:srgbClr val="000000"/>
                   </a:solidFill>
@@ -336,7 +337,7 @@
             </a:ln>
             <a:extLst>
               <a:ext uri="{91240B29-F687-4f45-9708-019B960494DF}">
-                <a14:hiddenLine xmlns:a14="http://schemas.microsoft.com/office/drawing/2010/main" xmlns="" w="9525">
+                <a14:hiddenLine xmlns="" xmlns:a14="http://schemas.microsoft.com/office/drawing/2010/main" w="9525">
                   <a:solidFill>
                     <a:srgbClr val="000000"/>
                   </a:solidFill>
@@ -426,7 +427,7 @@
             </a:ln>
             <a:extLst>
               <a:ext uri="{91240B29-F687-4f45-9708-019B960494DF}">
-                <a14:hiddenLine xmlns:a14="http://schemas.microsoft.com/office/drawing/2010/main" xmlns="" w="9525">
+                <a14:hiddenLine xmlns="" xmlns:a14="http://schemas.microsoft.com/office/drawing/2010/main" w="9525">
                   <a:solidFill>
                     <a:srgbClr val="000000"/>
                   </a:solidFill>
@@ -460,7 +461,7 @@
             </a:ln>
             <a:extLst>
               <a:ext uri="{91240B29-F687-4f45-9708-019B960494DF}">
-                <a14:hiddenLine xmlns:a14="http://schemas.microsoft.com/office/drawing/2010/main" xmlns="" w="9525">
+                <a14:hiddenLine xmlns="" xmlns:a14="http://schemas.microsoft.com/office/drawing/2010/main" w="9525">
                   <a:solidFill>
                     <a:srgbClr val="000000"/>
                   </a:solidFill>
@@ -550,7 +551,7 @@
             </a:ln>
             <a:extLst>
               <a:ext uri="{91240B29-F687-4f45-9708-019B960494DF}">
-                <a14:hiddenLine xmlns:a14="http://schemas.microsoft.com/office/drawing/2010/main" xmlns="" w="9525">
+                <a14:hiddenLine xmlns="" xmlns:a14="http://schemas.microsoft.com/office/drawing/2010/main" w="9525">
                   <a:solidFill>
                     <a:srgbClr val="000000"/>
                   </a:solidFill>
@@ -612,7 +613,7 @@
             </a:ln>
             <a:extLst>
               <a:ext uri="{91240B29-F687-4f45-9708-019B960494DF}">
-                <a14:hiddenLine xmlns:a14="http://schemas.microsoft.com/office/drawing/2010/main" xmlns="" w="9525">
+                <a14:hiddenLine xmlns="" xmlns:a14="http://schemas.microsoft.com/office/drawing/2010/main" w="9525">
                   <a:solidFill>
                     <a:srgbClr val="000000"/>
                   </a:solidFill>
@@ -674,7 +675,7 @@
             </a:ln>
             <a:extLst>
               <a:ext uri="{91240B29-F687-4f45-9708-019B960494DF}">
-                <a14:hiddenLine xmlns:a14="http://schemas.microsoft.com/office/drawing/2010/main" xmlns="" w="9525">
+                <a14:hiddenLine xmlns="" xmlns:a14="http://schemas.microsoft.com/office/drawing/2010/main" w="9525">
                   <a:solidFill>
                     <a:srgbClr val="000000"/>
                   </a:solidFill>
@@ -764,7 +765,7 @@
             </a:ln>
             <a:extLst>
               <a:ext uri="{91240B29-F687-4f45-9708-019B960494DF}">
-                <a14:hiddenLine xmlns:a14="http://schemas.microsoft.com/office/drawing/2010/main" xmlns="" w="9525">
+                <a14:hiddenLine xmlns="" xmlns:a14="http://schemas.microsoft.com/office/drawing/2010/main" w="9525">
                   <a:solidFill>
                     <a:srgbClr val="000000"/>
                   </a:solidFill>
@@ -826,7 +827,7 @@
             </a:ln>
             <a:extLst>
               <a:ext uri="{91240B29-F687-4f45-9708-019B960494DF}">
-                <a14:hiddenLine xmlns:a14="http://schemas.microsoft.com/office/drawing/2010/main" xmlns="" w="9525">
+                <a14:hiddenLine xmlns="" xmlns:a14="http://schemas.microsoft.com/office/drawing/2010/main" w="9525">
                   <a:solidFill>
                     <a:srgbClr val="000000"/>
                   </a:solidFill>
@@ -888,7 +889,7 @@
             </a:ln>
             <a:extLst>
               <a:ext uri="{91240B29-F687-4f45-9708-019B960494DF}">
-                <a14:hiddenLine xmlns:a14="http://schemas.microsoft.com/office/drawing/2010/main" xmlns="" w="9525">
+                <a14:hiddenLine xmlns="" xmlns:a14="http://schemas.microsoft.com/office/drawing/2010/main" w="9525">
                   <a:solidFill>
                     <a:srgbClr val="000000"/>
                   </a:solidFill>
@@ -978,7 +979,7 @@
             </a:ln>
             <a:extLst>
               <a:ext uri="{91240B29-F687-4f45-9708-019B960494DF}">
-                <a14:hiddenLine xmlns:a14="http://schemas.microsoft.com/office/drawing/2010/main" xmlns="" w="9525">
+                <a14:hiddenLine xmlns="" xmlns:a14="http://schemas.microsoft.com/office/drawing/2010/main" w="9525">
                   <a:solidFill>
                     <a:srgbClr val="000000"/>
                   </a:solidFill>
@@ -1068,7 +1069,7 @@
             </a:ln>
             <a:extLst>
               <a:ext uri="{91240B29-F687-4f45-9708-019B960494DF}">
-                <a14:hiddenLine xmlns:a14="http://schemas.microsoft.com/office/drawing/2010/main" xmlns="" w="9525">
+                <a14:hiddenLine xmlns="" xmlns:a14="http://schemas.microsoft.com/office/drawing/2010/main" w="9525">
                   <a:solidFill>
                     <a:srgbClr val="000000"/>
                   </a:solidFill>
@@ -1130,7 +1131,7 @@
             </a:ln>
             <a:extLst>
               <a:ext uri="{91240B29-F687-4f45-9708-019B960494DF}">
-                <a14:hiddenLine xmlns:a14="http://schemas.microsoft.com/office/drawing/2010/main" xmlns="" w="9525">
+                <a14:hiddenLine xmlns="" xmlns:a14="http://schemas.microsoft.com/office/drawing/2010/main" w="9525">
                   <a:solidFill>
                     <a:srgbClr val="000000"/>
                   </a:solidFill>
@@ -1240,7 +1241,7 @@
             </a:ln>
             <a:extLst>
               <a:ext uri="{91240B29-F687-4f45-9708-019B960494DF}">
-                <a14:hiddenLine xmlns:a14="http://schemas.microsoft.com/office/drawing/2010/main" xmlns="" w="9525">
+                <a14:hiddenLine xmlns="" xmlns:a14="http://schemas.microsoft.com/office/drawing/2010/main" w="9525">
                   <a:solidFill>
                     <a:srgbClr val="000000"/>
                   </a:solidFill>
@@ -1302,7 +1303,7 @@
             </a:ln>
             <a:extLst>
               <a:ext uri="{91240B29-F687-4f45-9708-019B960494DF}">
-                <a14:hiddenLine xmlns:a14="http://schemas.microsoft.com/office/drawing/2010/main" xmlns="" w="9525">
+                <a14:hiddenLine xmlns="" xmlns:a14="http://schemas.microsoft.com/office/drawing/2010/main" w="9525">
                   <a:solidFill>
                     <a:srgbClr val="000000"/>
                   </a:solidFill>
@@ -1392,7 +1393,7 @@
             </a:ln>
             <a:extLst>
               <a:ext uri="{91240B29-F687-4f45-9708-019B960494DF}">
-                <a14:hiddenLine xmlns:a14="http://schemas.microsoft.com/office/drawing/2010/main" xmlns="" w="9525">
+                <a14:hiddenLine xmlns="" xmlns:a14="http://schemas.microsoft.com/office/drawing/2010/main" w="9525">
                   <a:solidFill>
                     <a:srgbClr val="000000"/>
                   </a:solidFill>
@@ -1482,7 +1483,7 @@
             </a:ln>
             <a:extLst>
               <a:ext uri="{91240B29-F687-4f45-9708-019B960494DF}">
-                <a14:hiddenLine xmlns:a14="http://schemas.microsoft.com/office/drawing/2010/main" xmlns="" w="9525">
+                <a14:hiddenLine xmlns="" xmlns:a14="http://schemas.microsoft.com/office/drawing/2010/main" w="9525">
                   <a:solidFill>
                     <a:srgbClr val="000000"/>
                   </a:solidFill>
@@ -1544,7 +1545,7 @@
             </a:ln>
             <a:extLst>
               <a:ext uri="{91240B29-F687-4f45-9708-019B960494DF}">
-                <a14:hiddenLine xmlns:a14="http://schemas.microsoft.com/office/drawing/2010/main" xmlns="" w="9525">
+                <a14:hiddenLine xmlns="" xmlns:a14="http://schemas.microsoft.com/office/drawing/2010/main" w="9525">
                   <a:solidFill>
                     <a:srgbClr val="000000"/>
                   </a:solidFill>
@@ -1634,7 +1635,7 @@
             </a:ln>
             <a:extLst>
               <a:ext uri="{91240B29-F687-4f45-9708-019B960494DF}">
-                <a14:hiddenLine xmlns:a14="http://schemas.microsoft.com/office/drawing/2010/main" xmlns="" w="9525">
+                <a14:hiddenLine xmlns="" xmlns:a14="http://schemas.microsoft.com/office/drawing/2010/main" w="9525">
                   <a:solidFill>
                     <a:srgbClr val="000000"/>
                   </a:solidFill>
@@ -1724,7 +1725,7 @@
             </a:ln>
             <a:extLst>
               <a:ext uri="{91240B29-F687-4f45-9708-019B960494DF}">
-                <a14:hiddenLine xmlns:a14="http://schemas.microsoft.com/office/drawing/2010/main" xmlns="" w="9525">
+                <a14:hiddenLine xmlns="" xmlns:a14="http://schemas.microsoft.com/office/drawing/2010/main" w="9525">
                   <a:solidFill>
                     <a:srgbClr val="000000"/>
                   </a:solidFill>
@@ -1780,7 +1781,7 @@
             </a:ln>
             <a:extLst>
               <a:ext uri="{91240B29-F687-4f45-9708-019B960494DF}">
-                <a14:hiddenLine xmlns:a14="http://schemas.microsoft.com/office/drawing/2010/main" xmlns="" w="9525">
+                <a14:hiddenLine xmlns="" xmlns:a14="http://schemas.microsoft.com/office/drawing/2010/main" w="9525">
                   <a:solidFill>
                     <a:srgbClr val="000000"/>
                   </a:solidFill>
@@ -1870,7 +1871,7 @@
             </a:ln>
             <a:extLst>
               <a:ext uri="{91240B29-F687-4f45-9708-019B960494DF}">
-                <a14:hiddenLine xmlns:a14="http://schemas.microsoft.com/office/drawing/2010/main" xmlns="" w="9525">
+                <a14:hiddenLine xmlns="" xmlns:a14="http://schemas.microsoft.com/office/drawing/2010/main" w="9525">
                   <a:solidFill>
                     <a:srgbClr val="000000"/>
                   </a:solidFill>
@@ -1926,7 +1927,7 @@
             </a:ln>
             <a:extLst>
               <a:ext uri="{91240B29-F687-4f45-9708-019B960494DF}">
-                <a14:hiddenLine xmlns:a14="http://schemas.microsoft.com/office/drawing/2010/main" xmlns="" w="9525">
+                <a14:hiddenLine xmlns="" xmlns:a14="http://schemas.microsoft.com/office/drawing/2010/main" w="9525">
                   <a:solidFill>
                     <a:srgbClr val="000000"/>
                   </a:solidFill>
@@ -2016,7 +2017,7 @@
             </a:ln>
             <a:extLst>
               <a:ext uri="{91240B29-F687-4f45-9708-019B960494DF}">
-                <a14:hiddenLine xmlns:a14="http://schemas.microsoft.com/office/drawing/2010/main" xmlns="" w="9525">
+                <a14:hiddenLine xmlns="" xmlns:a14="http://schemas.microsoft.com/office/drawing/2010/main" w="9525">
                   <a:solidFill>
                     <a:srgbClr val="000000"/>
                   </a:solidFill>
@@ -2084,7 +2085,7 @@
             </a:ln>
             <a:extLst>
               <a:ext uri="{91240B29-F687-4f45-9708-019B960494DF}">
-                <a14:hiddenLine xmlns:a14="http://schemas.microsoft.com/office/drawing/2010/main" xmlns="" w="9525">
+                <a14:hiddenLine xmlns="" xmlns:a14="http://schemas.microsoft.com/office/drawing/2010/main" w="9525">
                   <a:solidFill>
                     <a:srgbClr val="000000"/>
                   </a:solidFill>
@@ -2174,7 +2175,7 @@
             </a:ln>
             <a:extLst>
               <a:ext uri="{91240B29-F687-4f45-9708-019B960494DF}">
-                <a14:hiddenLine xmlns:a14="http://schemas.microsoft.com/office/drawing/2010/main" xmlns="" w="9525">
+                <a14:hiddenLine xmlns="" xmlns:a14="http://schemas.microsoft.com/office/drawing/2010/main" w="9525">
                   <a:solidFill>
                     <a:srgbClr val="000000"/>
                   </a:solidFill>
@@ -2242,7 +2243,7 @@
             </a:ln>
             <a:extLst>
               <a:ext uri="{91240B29-F687-4f45-9708-019B960494DF}">
-                <a14:hiddenLine xmlns:a14="http://schemas.microsoft.com/office/drawing/2010/main" xmlns="" w="9525">
+                <a14:hiddenLine xmlns="" xmlns:a14="http://schemas.microsoft.com/office/drawing/2010/main" w="9525">
                   <a:solidFill>
                     <a:srgbClr val="000000"/>
                   </a:solidFill>
@@ -2332,7 +2333,7 @@
             </a:ln>
             <a:extLst>
               <a:ext uri="{91240B29-F687-4f45-9708-019B960494DF}">
-                <a14:hiddenLine xmlns:a14="http://schemas.microsoft.com/office/drawing/2010/main" xmlns="" w="9525">
+                <a14:hiddenLine xmlns="" xmlns:a14="http://schemas.microsoft.com/office/drawing/2010/main" w="9525">
                   <a:solidFill>
                     <a:srgbClr val="000000"/>
                   </a:solidFill>
@@ -2366,7 +2367,7 @@
             </a:ln>
             <a:extLst>
               <a:ext uri="{91240B29-F687-4f45-9708-019B960494DF}">
-                <a14:hiddenLine xmlns:a14="http://schemas.microsoft.com/office/drawing/2010/main" xmlns="" w="9525">
+                <a14:hiddenLine xmlns="" xmlns:a14="http://schemas.microsoft.com/office/drawing/2010/main" w="9525">
                   <a:solidFill>
                     <a:srgbClr val="000000"/>
                   </a:solidFill>
@@ -2456,7 +2457,7 @@
             </a:ln>
             <a:extLst>
               <a:ext uri="{91240B29-F687-4f45-9708-019B960494DF}">
-                <a14:hiddenLine xmlns:a14="http://schemas.microsoft.com/office/drawing/2010/main" xmlns="" w="9525">
+                <a14:hiddenLine xmlns="" xmlns:a14="http://schemas.microsoft.com/office/drawing/2010/main" w="9525">
                   <a:solidFill>
                     <a:srgbClr val="000000"/>
                   </a:solidFill>
@@ -2518,7 +2519,7 @@
             </a:ln>
             <a:extLst>
               <a:ext uri="{91240B29-F687-4f45-9708-019B960494DF}">
-                <a14:hiddenLine xmlns:a14="http://schemas.microsoft.com/office/drawing/2010/main" xmlns="" w="9525">
+                <a14:hiddenLine xmlns="" xmlns:a14="http://schemas.microsoft.com/office/drawing/2010/main" w="9525">
                   <a:solidFill>
                     <a:srgbClr val="000000"/>
                   </a:solidFill>
@@ -2580,7 +2581,7 @@
             </a:ln>
             <a:extLst>
               <a:ext uri="{91240B29-F687-4f45-9708-019B960494DF}">
-                <a14:hiddenLine xmlns:a14="http://schemas.microsoft.com/office/drawing/2010/main" xmlns="" w="9525">
+                <a14:hiddenLine xmlns="" xmlns:a14="http://schemas.microsoft.com/office/drawing/2010/main" w="9525">
                   <a:solidFill>
                     <a:srgbClr val="000000"/>
                   </a:solidFill>
@@ -2670,7 +2671,7 @@
             </a:ln>
             <a:extLst>
               <a:ext uri="{91240B29-F687-4f45-9708-019B960494DF}">
-                <a14:hiddenLine xmlns:a14="http://schemas.microsoft.com/office/drawing/2010/main" xmlns="" w="9525">
+                <a14:hiddenLine xmlns="" xmlns:a14="http://schemas.microsoft.com/office/drawing/2010/main" w="9525">
                   <a:solidFill>
                     <a:srgbClr val="000000"/>
                   </a:solidFill>
@@ -2738,7 +2739,7 @@
             </a:ln>
             <a:extLst>
               <a:ext uri="{91240B29-F687-4f45-9708-019B960494DF}">
-                <a14:hiddenLine xmlns:a14="http://schemas.microsoft.com/office/drawing/2010/main" xmlns="" w="9525">
+                <a14:hiddenLine xmlns="" xmlns:a14="http://schemas.microsoft.com/office/drawing/2010/main" w="9525">
                   <a:solidFill>
                     <a:srgbClr val="000000"/>
                   </a:solidFill>
@@ -2800,7 +2801,7 @@
             </a:ln>
             <a:extLst>
               <a:ext uri="{91240B29-F687-4f45-9708-019B960494DF}">
-                <a14:hiddenLine xmlns:a14="http://schemas.microsoft.com/office/drawing/2010/main" xmlns="" w="9525">
+                <a14:hiddenLine xmlns="" xmlns:a14="http://schemas.microsoft.com/office/drawing/2010/main" w="9525">
                   <a:solidFill>
                     <a:srgbClr val="000000"/>
                   </a:solidFill>
@@ -2890,7 +2891,7 @@
             </a:ln>
             <a:extLst>
               <a:ext uri="{91240B29-F687-4f45-9708-019B960494DF}">
-                <a14:hiddenLine xmlns:a14="http://schemas.microsoft.com/office/drawing/2010/main" xmlns="" w="9525">
+                <a14:hiddenLine xmlns="" xmlns:a14="http://schemas.microsoft.com/office/drawing/2010/main" w="9525">
                   <a:solidFill>
                     <a:srgbClr val="000000"/>
                   </a:solidFill>
@@ -2952,7 +2953,7 @@
             </a:ln>
             <a:extLst>
               <a:ext uri="{91240B29-F687-4f45-9708-019B960494DF}">
-                <a14:hiddenLine xmlns:a14="http://schemas.microsoft.com/office/drawing/2010/main" xmlns="" w="9525">
+                <a14:hiddenLine xmlns="" xmlns:a14="http://schemas.microsoft.com/office/drawing/2010/main" w="9525">
                   <a:solidFill>
                     <a:srgbClr val="000000"/>
                   </a:solidFill>
@@ -3042,7 +3043,7 @@
             </a:ln>
             <a:extLst>
               <a:ext uri="{91240B29-F687-4f45-9708-019B960494DF}">
-                <a14:hiddenLine xmlns:a14="http://schemas.microsoft.com/office/drawing/2010/main" xmlns="" w="9525">
+                <a14:hiddenLine xmlns="" xmlns:a14="http://schemas.microsoft.com/office/drawing/2010/main" w="9525">
                   <a:solidFill>
                     <a:srgbClr val="000000"/>
                   </a:solidFill>
@@ -3104,7 +3105,7 @@
             </a:ln>
             <a:extLst>
               <a:ext uri="{91240B29-F687-4f45-9708-019B960494DF}">
-                <a14:hiddenLine xmlns:a14="http://schemas.microsoft.com/office/drawing/2010/main" xmlns="" w="9525">
+                <a14:hiddenLine xmlns="" xmlns:a14="http://schemas.microsoft.com/office/drawing/2010/main" w="9525">
                   <a:solidFill>
                     <a:srgbClr val="000000"/>
                   </a:solidFill>
@@ -3194,7 +3195,7 @@
             </a:ln>
             <a:extLst>
               <a:ext uri="{91240B29-F687-4f45-9708-019B960494DF}">
-                <a14:hiddenLine xmlns:a14="http://schemas.microsoft.com/office/drawing/2010/main" xmlns="" w="9525">
+                <a14:hiddenLine xmlns="" xmlns:a14="http://schemas.microsoft.com/office/drawing/2010/main" w="9525">
                   <a:solidFill>
                     <a:srgbClr val="000000"/>
                   </a:solidFill>
@@ -3228,7 +3229,7 @@
             </a:ln>
             <a:extLst>
               <a:ext uri="{91240B29-F687-4f45-9708-019B960494DF}">
-                <a14:hiddenLine xmlns:a14="http://schemas.microsoft.com/office/drawing/2010/main" xmlns="" w="9525">
+                <a14:hiddenLine xmlns="" xmlns:a14="http://schemas.microsoft.com/office/drawing/2010/main" w="9525">
                   <a:solidFill>
                     <a:srgbClr val="000000"/>
                   </a:solidFill>
@@ -3293,7 +3294,7 @@
             </a:ln>
             <a:extLst>
               <a:ext uri="{91240B29-F687-4f45-9708-019B960494DF}">
-                <a14:hiddenLine xmlns:a14="http://schemas.microsoft.com/office/drawing/2010/main" xmlns="" w="9525">
+                <a14:hiddenLine xmlns="" xmlns:a14="http://schemas.microsoft.com/office/drawing/2010/main" w="9525">
                   <a:solidFill>
                     <a:srgbClr val="000000"/>
                   </a:solidFill>
@@ -3383,7 +3384,7 @@
             </a:ln>
             <a:extLst>
               <a:ext uri="{91240B29-F687-4f45-9708-019B960494DF}">
-                <a14:hiddenLine xmlns:a14="http://schemas.microsoft.com/office/drawing/2010/main" xmlns="" w="9525">
+                <a14:hiddenLine xmlns="" xmlns:a14="http://schemas.microsoft.com/office/drawing/2010/main" w="9525">
                   <a:solidFill>
                     <a:srgbClr val="000000"/>
                   </a:solidFill>
@@ -3445,7 +3446,7 @@
             </a:ln>
             <a:extLst>
               <a:ext uri="{91240B29-F687-4f45-9708-019B960494DF}">
-                <a14:hiddenLine xmlns:a14="http://schemas.microsoft.com/office/drawing/2010/main" xmlns="" w="9525">
+                <a14:hiddenLine xmlns="" xmlns:a14="http://schemas.microsoft.com/office/drawing/2010/main" w="9525">
                   <a:solidFill>
                     <a:srgbClr val="000000"/>
                   </a:solidFill>
@@ -3535,7 +3536,7 @@
             </a:ln>
             <a:extLst>
               <a:ext uri="{91240B29-F687-4f45-9708-019B960494DF}">
-                <a14:hiddenLine xmlns:a14="http://schemas.microsoft.com/office/drawing/2010/main" xmlns="" w="9525">
+                <a14:hiddenLine xmlns="" xmlns:a14="http://schemas.microsoft.com/office/drawing/2010/main" w="9525">
                   <a:solidFill>
                     <a:srgbClr val="000000"/>
                   </a:solidFill>
@@ -3625,7 +3626,7 @@
             </a:ln>
             <a:extLst>
               <a:ext uri="{91240B29-F687-4f45-9708-019B960494DF}">
-                <a14:hiddenLine xmlns:a14="http://schemas.microsoft.com/office/drawing/2010/main" xmlns="" w="9525">
+                <a14:hiddenLine xmlns="" xmlns:a14="http://schemas.microsoft.com/office/drawing/2010/main" w="9525">
                   <a:solidFill>
                     <a:srgbClr val="000000"/>
                   </a:solidFill>
@@ -3690,7 +3691,7 @@
             </a:ln>
             <a:extLst>
               <a:ext uri="{91240B29-F687-4f45-9708-019B960494DF}">
-                <a14:hiddenLine xmlns:a14="http://schemas.microsoft.com/office/drawing/2010/main" xmlns="" w="9525">
+                <a14:hiddenLine xmlns="" xmlns:a14="http://schemas.microsoft.com/office/drawing/2010/main" w="9525">
                   <a:solidFill>
                     <a:srgbClr val="000000"/>
                   </a:solidFill>
@@ -3752,7 +3753,7 @@
             </a:ln>
             <a:extLst>
               <a:ext uri="{91240B29-F687-4f45-9708-019B960494DF}">
-                <a14:hiddenLine xmlns:a14="http://schemas.microsoft.com/office/drawing/2010/main" xmlns="" w="9525">
+                <a14:hiddenLine xmlns="" xmlns:a14="http://schemas.microsoft.com/office/drawing/2010/main" w="9525">
                   <a:solidFill>
                     <a:srgbClr val="000000"/>
                   </a:solidFill>
@@ -3842,7 +3843,7 @@
             </a:ln>
             <a:extLst>
               <a:ext uri="{91240B29-F687-4f45-9708-019B960494DF}">
-                <a14:hiddenLine xmlns:a14="http://schemas.microsoft.com/office/drawing/2010/main" xmlns="" w="9525">
+                <a14:hiddenLine xmlns="" xmlns:a14="http://schemas.microsoft.com/office/drawing/2010/main" w="9525">
                   <a:solidFill>
                     <a:srgbClr val="000000"/>
                   </a:solidFill>
@@ -3932,7 +3933,7 @@
             </a:ln>
             <a:extLst>
               <a:ext uri="{91240B29-F687-4f45-9708-019B960494DF}">
-                <a14:hiddenLine xmlns:a14="http://schemas.microsoft.com/office/drawing/2010/main" xmlns="" w="9525">
+                <a14:hiddenLine xmlns="" xmlns:a14="http://schemas.microsoft.com/office/drawing/2010/main" w="9525">
                   <a:solidFill>
                     <a:srgbClr val="000000"/>
                   </a:solidFill>
@@ -3994,7 +3995,7 @@
             </a:ln>
             <a:extLst>
               <a:ext uri="{91240B29-F687-4f45-9708-019B960494DF}">
-                <a14:hiddenLine xmlns:a14="http://schemas.microsoft.com/office/drawing/2010/main" xmlns="" w="9525">
+                <a14:hiddenLine xmlns="" xmlns:a14="http://schemas.microsoft.com/office/drawing/2010/main" w="9525">
                   <a:solidFill>
                     <a:srgbClr val="000000"/>
                   </a:solidFill>
@@ -4114,7 +4115,7 @@
             </a:ln>
             <a:extLst>
               <a:ext uri="{91240B29-F687-4f45-9708-019B960494DF}">
-                <a14:hiddenLine xmlns:a14="http://schemas.microsoft.com/office/drawing/2010/main" xmlns="" w="9525">
+                <a14:hiddenLine xmlns="" xmlns:a14="http://schemas.microsoft.com/office/drawing/2010/main" w="9525">
                   <a:solidFill>
                     <a:srgbClr val="000000"/>
                   </a:solidFill>
@@ -4182,7 +4183,7 @@
             </a:ln>
             <a:extLst>
               <a:ext uri="{91240B29-F687-4f45-9708-019B960494DF}">
-                <a14:hiddenLine xmlns:a14="http://schemas.microsoft.com/office/drawing/2010/main" xmlns="" w="9525">
+                <a14:hiddenLine xmlns="" xmlns:a14="http://schemas.microsoft.com/office/drawing/2010/main" w="9525">
                   <a:solidFill>
                     <a:srgbClr val="000000"/>
                   </a:solidFill>
@@ -4272,7 +4273,7 @@
             </a:ln>
             <a:extLst>
               <a:ext uri="{91240B29-F687-4f45-9708-019B960494DF}">
-                <a14:hiddenLine xmlns:a14="http://schemas.microsoft.com/office/drawing/2010/main" xmlns="" w="9525">
+                <a14:hiddenLine xmlns="" xmlns:a14="http://schemas.microsoft.com/office/drawing/2010/main" w="9525">
                   <a:solidFill>
                     <a:srgbClr val="000000"/>
                   </a:solidFill>
@@ -4412,7 +4413,7 @@
           <a:p>
             <a:fld id="{7FDBF50C-4ABB-48C4-BC36-F12119FAB571}" type="datetimeFigureOut">
               <a:rPr lang="it-IT" smtClean="0"/>
-              <a:t>09/06/2021</a:t>
+              <a:t>10/06/2021</a:t>
             </a:fld>
             <a:endParaRPr lang="it-IT"/>
           </a:p>
@@ -4464,7 +4465,7 @@
           <a:p>
             <a:fld id="{06021973-6F29-4C3C-B47D-AFC1FE0FEEAE}" type="slidenum">
               <a:rPr lang="it-IT" smtClean="0"/>
-              <a:t>‹#›</a:t>
+              <a:t>‹N›</a:t>
             </a:fld>
             <a:endParaRPr lang="it-IT"/>
           </a:p>
@@ -4679,7 +4680,7 @@
           <a:p>
             <a:fld id="{7FDBF50C-4ABB-48C4-BC36-F12119FAB571}" type="datetimeFigureOut">
               <a:rPr lang="it-IT" smtClean="0"/>
-              <a:t>09/06/2021</a:t>
+              <a:t>10/06/2021</a:t>
             </a:fld>
             <a:endParaRPr lang="it-IT"/>
           </a:p>
@@ -4721,7 +4722,7 @@
           <a:p>
             <a:fld id="{06021973-6F29-4C3C-B47D-AFC1FE0FEEAE}" type="slidenum">
               <a:rPr lang="it-IT" smtClean="0"/>
-              <a:t>‹#›</a:t>
+              <a:t>‹N›</a:t>
             </a:fld>
             <a:endParaRPr lang="it-IT"/>
           </a:p>
@@ -4875,7 +4876,7 @@
           <a:p>
             <a:fld id="{7FDBF50C-4ABB-48C4-BC36-F12119FAB571}" type="datetimeFigureOut">
               <a:rPr lang="it-IT" smtClean="0"/>
-              <a:t>09/06/2021</a:t>
+              <a:t>10/06/2021</a:t>
             </a:fld>
             <a:endParaRPr lang="it-IT"/>
           </a:p>
@@ -4917,7 +4918,7 @@
           <a:p>
             <a:fld id="{06021973-6F29-4C3C-B47D-AFC1FE0FEEAE}" type="slidenum">
               <a:rPr lang="it-IT" smtClean="0"/>
-              <a:t>‹#›</a:t>
+              <a:t>‹N›</a:t>
             </a:fld>
             <a:endParaRPr lang="it-IT"/>
           </a:p>
@@ -5138,7 +5139,7 @@
           <a:p>
             <a:fld id="{7FDBF50C-4ABB-48C4-BC36-F12119FAB571}" type="datetimeFigureOut">
               <a:rPr lang="it-IT" smtClean="0"/>
-              <a:t>09/06/2021</a:t>
+              <a:t>10/06/2021</a:t>
             </a:fld>
             <a:endParaRPr lang="it-IT"/>
           </a:p>
@@ -5180,7 +5181,7 @@
           <a:p>
             <a:fld id="{06021973-6F29-4C3C-B47D-AFC1FE0FEEAE}" type="slidenum">
               <a:rPr lang="it-IT" smtClean="0"/>
-              <a:t>‹#›</a:t>
+              <a:t>‹N›</a:t>
             </a:fld>
             <a:endParaRPr lang="it-IT"/>
           </a:p>
@@ -5572,7 +5573,7 @@
           <a:p>
             <a:fld id="{7FDBF50C-4ABB-48C4-BC36-F12119FAB571}" type="datetimeFigureOut">
               <a:rPr lang="it-IT" smtClean="0"/>
-              <a:t>09/06/2021</a:t>
+              <a:t>10/06/2021</a:t>
             </a:fld>
             <a:endParaRPr lang="it-IT"/>
           </a:p>
@@ -5614,7 +5615,7 @@
           <a:p>
             <a:fld id="{06021973-6F29-4C3C-B47D-AFC1FE0FEEAE}" type="slidenum">
               <a:rPr lang="it-IT" smtClean="0"/>
-              <a:t>‹#›</a:t>
+              <a:t>‹N›</a:t>
             </a:fld>
             <a:endParaRPr lang="it-IT"/>
           </a:p>
@@ -6118,7 +6119,7 @@
           <a:p>
             <a:fld id="{7FDBF50C-4ABB-48C4-BC36-F12119FAB571}" type="datetimeFigureOut">
               <a:rPr lang="it-IT" smtClean="0"/>
-              <a:t>09/06/2021</a:t>
+              <a:t>10/06/2021</a:t>
             </a:fld>
             <a:endParaRPr lang="it-IT"/>
           </a:p>
@@ -6160,7 +6161,7 @@
           <a:p>
             <a:fld id="{06021973-6F29-4C3C-B47D-AFC1FE0FEEAE}" type="slidenum">
               <a:rPr lang="it-IT" smtClean="0"/>
-              <a:t>‹#›</a:t>
+              <a:t>‹N›</a:t>
             </a:fld>
             <a:endParaRPr lang="it-IT"/>
           </a:p>
@@ -6838,7 +6839,7 @@
           <a:p>
             <a:fld id="{7FDBF50C-4ABB-48C4-BC36-F12119FAB571}" type="datetimeFigureOut">
               <a:rPr lang="it-IT" smtClean="0"/>
-              <a:t>09/06/2021</a:t>
+              <a:t>10/06/2021</a:t>
             </a:fld>
             <a:endParaRPr lang="it-IT"/>
           </a:p>
@@ -6880,7 +6881,7 @@
           <a:p>
             <a:fld id="{06021973-6F29-4C3C-B47D-AFC1FE0FEEAE}" type="slidenum">
               <a:rPr lang="it-IT" smtClean="0"/>
-              <a:t>‹#›</a:t>
+              <a:t>‹N›</a:t>
             </a:fld>
             <a:endParaRPr lang="it-IT"/>
           </a:p>
@@ -7008,7 +7009,7 @@
           <a:p>
             <a:fld id="{7FDBF50C-4ABB-48C4-BC36-F12119FAB571}" type="datetimeFigureOut">
               <a:rPr lang="it-IT" smtClean="0"/>
-              <a:t>09/06/2021</a:t>
+              <a:t>10/06/2021</a:t>
             </a:fld>
             <a:endParaRPr lang="it-IT"/>
           </a:p>
@@ -7050,7 +7051,7 @@
           <a:p>
             <a:fld id="{06021973-6F29-4C3C-B47D-AFC1FE0FEEAE}" type="slidenum">
               <a:rPr lang="it-IT" smtClean="0"/>
-              <a:t>‹#›</a:t>
+              <a:t>‹N›</a:t>
             </a:fld>
             <a:endParaRPr lang="it-IT"/>
           </a:p>
@@ -7188,7 +7189,7 @@
           <a:p>
             <a:fld id="{7FDBF50C-4ABB-48C4-BC36-F12119FAB571}" type="datetimeFigureOut">
               <a:rPr lang="it-IT" smtClean="0"/>
-              <a:t>09/06/2021</a:t>
+              <a:t>10/06/2021</a:t>
             </a:fld>
             <a:endParaRPr lang="it-IT"/>
           </a:p>
@@ -7230,7 +7231,7 @@
           <a:p>
             <a:fld id="{06021973-6F29-4C3C-B47D-AFC1FE0FEEAE}" type="slidenum">
               <a:rPr lang="it-IT" smtClean="0"/>
-              <a:t>‹#›</a:t>
+              <a:t>‹N›</a:t>
             </a:fld>
             <a:endParaRPr lang="it-IT"/>
           </a:p>
@@ -7358,7 +7359,7 @@
           <a:p>
             <a:fld id="{7FDBF50C-4ABB-48C4-BC36-F12119FAB571}" type="datetimeFigureOut">
               <a:rPr lang="it-IT" smtClean="0"/>
-              <a:t>09/06/2021</a:t>
+              <a:t>10/06/2021</a:t>
             </a:fld>
             <a:endParaRPr lang="it-IT"/>
           </a:p>
@@ -7400,7 +7401,7 @@
           <a:p>
             <a:fld id="{06021973-6F29-4C3C-B47D-AFC1FE0FEEAE}" type="slidenum">
               <a:rPr lang="it-IT" smtClean="0"/>
-              <a:t>‹#›</a:t>
+              <a:t>‹N›</a:t>
             </a:fld>
             <a:endParaRPr lang="it-IT"/>
           </a:p>
@@ -7608,7 +7609,7 @@
           <a:p>
             <a:fld id="{7FDBF50C-4ABB-48C4-BC36-F12119FAB571}" type="datetimeFigureOut">
               <a:rPr lang="it-IT" smtClean="0"/>
-              <a:t>09/06/2021</a:t>
+              <a:t>10/06/2021</a:t>
             </a:fld>
             <a:endParaRPr lang="it-IT"/>
           </a:p>
@@ -7650,7 +7651,7 @@
           <a:p>
             <a:fld id="{06021973-6F29-4C3C-B47D-AFC1FE0FEEAE}" type="slidenum">
               <a:rPr lang="it-IT" smtClean="0"/>
-              <a:t>‹#›</a:t>
+              <a:t>‹N›</a:t>
             </a:fld>
             <a:endParaRPr lang="it-IT"/>
           </a:p>
@@ -7840,7 +7841,7 @@
           <a:p>
             <a:fld id="{7FDBF50C-4ABB-48C4-BC36-F12119FAB571}" type="datetimeFigureOut">
               <a:rPr lang="it-IT" smtClean="0"/>
-              <a:t>09/06/2021</a:t>
+              <a:t>10/06/2021</a:t>
             </a:fld>
             <a:endParaRPr lang="it-IT"/>
           </a:p>
@@ -7882,7 +7883,7 @@
           <a:p>
             <a:fld id="{06021973-6F29-4C3C-B47D-AFC1FE0FEEAE}" type="slidenum">
               <a:rPr lang="it-IT" smtClean="0"/>
-              <a:t>‹#›</a:t>
+              <a:t>‹N›</a:t>
             </a:fld>
             <a:endParaRPr lang="it-IT"/>
           </a:p>
@@ -8221,7 +8222,7 @@
           <a:p>
             <a:fld id="{7FDBF50C-4ABB-48C4-BC36-F12119FAB571}" type="datetimeFigureOut">
               <a:rPr lang="it-IT" smtClean="0"/>
-              <a:t>09/06/2021</a:t>
+              <a:t>10/06/2021</a:t>
             </a:fld>
             <a:endParaRPr lang="it-IT"/>
           </a:p>
@@ -8263,7 +8264,7 @@
           <a:p>
             <a:fld id="{06021973-6F29-4C3C-B47D-AFC1FE0FEEAE}" type="slidenum">
               <a:rPr lang="it-IT" smtClean="0"/>
-              <a:t>‹#›</a:t>
+              <a:t>‹N›</a:t>
             </a:fld>
             <a:endParaRPr lang="it-IT"/>
           </a:p>
@@ -8339,7 +8340,7 @@
           <a:p>
             <a:fld id="{7FDBF50C-4ABB-48C4-BC36-F12119FAB571}" type="datetimeFigureOut">
               <a:rPr lang="it-IT" smtClean="0"/>
-              <a:t>09/06/2021</a:t>
+              <a:t>10/06/2021</a:t>
             </a:fld>
             <a:endParaRPr lang="it-IT"/>
           </a:p>
@@ -8381,7 +8382,7 @@
           <a:p>
             <a:fld id="{06021973-6F29-4C3C-B47D-AFC1FE0FEEAE}" type="slidenum">
               <a:rPr lang="it-IT" smtClean="0"/>
-              <a:t>‹#›</a:t>
+              <a:t>‹N›</a:t>
             </a:fld>
             <a:endParaRPr lang="it-IT"/>
           </a:p>
@@ -8434,7 +8435,7 @@
           <a:p>
             <a:fld id="{7FDBF50C-4ABB-48C4-BC36-F12119FAB571}" type="datetimeFigureOut">
               <a:rPr lang="it-IT" smtClean="0"/>
-              <a:t>09/06/2021</a:t>
+              <a:t>10/06/2021</a:t>
             </a:fld>
             <a:endParaRPr lang="it-IT"/>
           </a:p>
@@ -8476,7 +8477,7 @@
           <a:p>
             <a:fld id="{06021973-6F29-4C3C-B47D-AFC1FE0FEEAE}" type="slidenum">
               <a:rPr lang="it-IT" smtClean="0"/>
-              <a:t>‹#›</a:t>
+              <a:t>‹N›</a:t>
             </a:fld>
             <a:endParaRPr lang="it-IT"/>
           </a:p>
@@ -8683,7 +8684,7 @@
           <a:p>
             <a:fld id="{7FDBF50C-4ABB-48C4-BC36-F12119FAB571}" type="datetimeFigureOut">
               <a:rPr lang="it-IT" smtClean="0"/>
-              <a:t>09/06/2021</a:t>
+              <a:t>10/06/2021</a:t>
             </a:fld>
             <a:endParaRPr lang="it-IT"/>
           </a:p>
@@ -8725,7 +8726,7 @@
           <a:p>
             <a:fld id="{06021973-6F29-4C3C-B47D-AFC1FE0FEEAE}" type="slidenum">
               <a:rPr lang="it-IT" smtClean="0"/>
-              <a:t>‹#›</a:t>
+              <a:t>‹N›</a:t>
             </a:fld>
             <a:endParaRPr lang="it-IT"/>
           </a:p>
@@ -8963,7 +8964,7 @@
           <a:p>
             <a:fld id="{7FDBF50C-4ABB-48C4-BC36-F12119FAB571}" type="datetimeFigureOut">
               <a:rPr lang="it-IT" smtClean="0"/>
-              <a:t>09/06/2021</a:t>
+              <a:t>10/06/2021</a:t>
             </a:fld>
             <a:endParaRPr lang="it-IT"/>
           </a:p>
@@ -9005,7 +9006,7 @@
           <a:p>
             <a:fld id="{06021973-6F29-4C3C-B47D-AFC1FE0FEEAE}" type="slidenum">
               <a:rPr lang="it-IT" smtClean="0"/>
-              <a:t>‹#›</a:t>
+              <a:t>‹N›</a:t>
             </a:fld>
             <a:endParaRPr lang="it-IT"/>
           </a:p>
@@ -9079,7 +9080,7 @@
           <a:noFill/>
           <a:extLst>
             <a:ext uri="{909E8E84-426E-40dd-AFC4-6F175D3DCCD1}">
-              <a14:hiddenFill xmlns:a14="http://schemas.microsoft.com/office/drawing/2010/main" xmlns="">
+              <a14:hiddenFill xmlns="" xmlns:a14="http://schemas.microsoft.com/office/drawing/2010/main">
                 <a:solidFill>
                   <a:srgbClr val="FFFFFF"/>
                 </a:solidFill>
@@ -9153,7 +9154,7 @@
               </a:ln>
               <a:extLst>
                 <a:ext uri="{91240B29-F687-4f45-9708-019B960494DF}">
-                  <a14:hiddenLine xmlns:a14="http://schemas.microsoft.com/office/drawing/2010/main" xmlns="" w="9525">
+                  <a14:hiddenLine xmlns="" xmlns:a14="http://schemas.microsoft.com/office/drawing/2010/main" w="9525">
                     <a:solidFill>
                       <a:srgbClr val="000000"/>
                     </a:solidFill>
@@ -9243,7 +9244,7 @@
               </a:ln>
               <a:extLst>
                 <a:ext uri="{91240B29-F687-4f45-9708-019B960494DF}">
-                  <a14:hiddenLine xmlns:a14="http://schemas.microsoft.com/office/drawing/2010/main" xmlns="" w="9525">
+                  <a14:hiddenLine xmlns="" xmlns:a14="http://schemas.microsoft.com/office/drawing/2010/main" w="9525">
                     <a:solidFill>
                       <a:srgbClr val="000000"/>
                     </a:solidFill>
@@ -9333,7 +9334,7 @@
               </a:ln>
               <a:extLst>
                 <a:ext uri="{91240B29-F687-4f45-9708-019B960494DF}">
-                  <a14:hiddenLine xmlns:a14="http://schemas.microsoft.com/office/drawing/2010/main" xmlns="" w="9525">
+                  <a14:hiddenLine xmlns="" xmlns:a14="http://schemas.microsoft.com/office/drawing/2010/main" w="9525">
                     <a:solidFill>
                       <a:srgbClr val="000000"/>
                     </a:solidFill>
@@ -9395,7 +9396,7 @@
               </a:ln>
               <a:extLst>
                 <a:ext uri="{91240B29-F687-4f45-9708-019B960494DF}">
-                  <a14:hiddenLine xmlns:a14="http://schemas.microsoft.com/office/drawing/2010/main" xmlns="" w="9525">
+                  <a14:hiddenLine xmlns="" xmlns:a14="http://schemas.microsoft.com/office/drawing/2010/main" w="9525">
                     <a:solidFill>
                       <a:srgbClr val="000000"/>
                     </a:solidFill>
@@ -9485,7 +9486,7 @@
               </a:ln>
               <a:extLst>
                 <a:ext uri="{91240B29-F687-4f45-9708-019B960494DF}">
-                  <a14:hiddenLine xmlns:a14="http://schemas.microsoft.com/office/drawing/2010/main" xmlns="" w="9525">
+                  <a14:hiddenLine xmlns="" xmlns:a14="http://schemas.microsoft.com/office/drawing/2010/main" w="9525">
                     <a:solidFill>
                       <a:srgbClr val="000000"/>
                     </a:solidFill>
@@ -9547,7 +9548,7 @@
               </a:ln>
               <a:extLst>
                 <a:ext uri="{91240B29-F687-4f45-9708-019B960494DF}">
-                  <a14:hiddenLine xmlns:a14="http://schemas.microsoft.com/office/drawing/2010/main" xmlns="" w="9525">
+                  <a14:hiddenLine xmlns="" xmlns:a14="http://schemas.microsoft.com/office/drawing/2010/main" w="9525">
                     <a:solidFill>
                       <a:srgbClr val="000000"/>
                     </a:solidFill>
@@ -9609,7 +9610,7 @@
               </a:ln>
               <a:extLst>
                 <a:ext uri="{91240B29-F687-4f45-9708-019B960494DF}">
-                  <a14:hiddenLine xmlns:a14="http://schemas.microsoft.com/office/drawing/2010/main" xmlns="" w="9525">
+                  <a14:hiddenLine xmlns="" xmlns:a14="http://schemas.microsoft.com/office/drawing/2010/main" w="9525">
                     <a:solidFill>
                       <a:srgbClr val="000000"/>
                     </a:solidFill>
@@ -9699,7 +9700,7 @@
               </a:ln>
               <a:extLst>
                 <a:ext uri="{91240B29-F687-4f45-9708-019B960494DF}">
-                  <a14:hiddenLine xmlns:a14="http://schemas.microsoft.com/office/drawing/2010/main" xmlns="" w="9525">
+                  <a14:hiddenLine xmlns="" xmlns:a14="http://schemas.microsoft.com/office/drawing/2010/main" w="9525">
                     <a:solidFill>
                       <a:srgbClr val="000000"/>
                     </a:solidFill>
@@ -9789,7 +9790,7 @@
               </a:ln>
               <a:extLst>
                 <a:ext uri="{91240B29-F687-4f45-9708-019B960494DF}">
-                  <a14:hiddenLine xmlns:a14="http://schemas.microsoft.com/office/drawing/2010/main" xmlns="" w="9525">
+                  <a14:hiddenLine xmlns="" xmlns:a14="http://schemas.microsoft.com/office/drawing/2010/main" w="9525">
                     <a:solidFill>
                       <a:srgbClr val="000000"/>
                     </a:solidFill>
@@ -9851,7 +9852,7 @@
               </a:ln>
               <a:extLst>
                 <a:ext uri="{91240B29-F687-4f45-9708-019B960494DF}">
-                  <a14:hiddenLine xmlns:a14="http://schemas.microsoft.com/office/drawing/2010/main" xmlns="" w="9525">
+                  <a14:hiddenLine xmlns="" xmlns:a14="http://schemas.microsoft.com/office/drawing/2010/main" w="9525">
                     <a:solidFill>
                       <a:srgbClr val="000000"/>
                     </a:solidFill>
@@ -9961,7 +9962,7 @@
               </a:ln>
               <a:extLst>
                 <a:ext uri="{91240B29-F687-4f45-9708-019B960494DF}">
-                  <a14:hiddenLine xmlns:a14="http://schemas.microsoft.com/office/drawing/2010/main" xmlns="" w="9525">
+                  <a14:hiddenLine xmlns="" xmlns:a14="http://schemas.microsoft.com/office/drawing/2010/main" w="9525">
                     <a:solidFill>
                       <a:srgbClr val="000000"/>
                     </a:solidFill>
@@ -10045,7 +10046,7 @@
               </a:ln>
               <a:extLst>
                 <a:ext uri="{91240B29-F687-4f45-9708-019B960494DF}">
-                  <a14:hiddenLine xmlns:a14="http://schemas.microsoft.com/office/drawing/2010/main" xmlns="" w="9525">
+                  <a14:hiddenLine xmlns="" xmlns:a14="http://schemas.microsoft.com/office/drawing/2010/main" w="9525">
                     <a:solidFill>
                       <a:srgbClr val="000000"/>
                     </a:solidFill>
@@ -10107,7 +10108,7 @@
               </a:ln>
               <a:extLst>
                 <a:ext uri="{91240B29-F687-4f45-9708-019B960494DF}">
-                  <a14:hiddenLine xmlns:a14="http://schemas.microsoft.com/office/drawing/2010/main" xmlns="" w="9525">
+                  <a14:hiddenLine xmlns="" xmlns:a14="http://schemas.microsoft.com/office/drawing/2010/main" w="9525">
                     <a:solidFill>
                       <a:srgbClr val="000000"/>
                     </a:solidFill>
@@ -10169,7 +10170,7 @@
               </a:ln>
               <a:extLst>
                 <a:ext uri="{91240B29-F687-4f45-9708-019B960494DF}">
-                  <a14:hiddenLine xmlns:a14="http://schemas.microsoft.com/office/drawing/2010/main" xmlns="" w="9525">
+                  <a14:hiddenLine xmlns="" xmlns:a14="http://schemas.microsoft.com/office/drawing/2010/main" w="9525">
                     <a:solidFill>
                       <a:srgbClr val="000000"/>
                     </a:solidFill>
@@ -10259,7 +10260,7 @@
               </a:ln>
               <a:extLst>
                 <a:ext uri="{91240B29-F687-4f45-9708-019B960494DF}">
-                  <a14:hiddenLine xmlns:a14="http://schemas.microsoft.com/office/drawing/2010/main" xmlns="" w="9525">
+                  <a14:hiddenLine xmlns="" xmlns:a14="http://schemas.microsoft.com/office/drawing/2010/main" w="9525">
                     <a:solidFill>
                       <a:srgbClr val="000000"/>
                     </a:solidFill>
@@ -10293,7 +10294,7 @@
               </a:ln>
               <a:extLst>
                 <a:ext uri="{91240B29-F687-4f45-9708-019B960494DF}">
-                  <a14:hiddenLine xmlns:a14="http://schemas.microsoft.com/office/drawing/2010/main" xmlns="" w="9525">
+                  <a14:hiddenLine xmlns="" xmlns:a14="http://schemas.microsoft.com/office/drawing/2010/main" w="9525">
                     <a:solidFill>
                       <a:srgbClr val="000000"/>
                     </a:solidFill>
@@ -10358,7 +10359,7 @@
               </a:ln>
               <a:extLst>
                 <a:ext uri="{91240B29-F687-4f45-9708-019B960494DF}">
-                  <a14:hiddenLine xmlns:a14="http://schemas.microsoft.com/office/drawing/2010/main" xmlns="" w="9525">
+                  <a14:hiddenLine xmlns="" xmlns:a14="http://schemas.microsoft.com/office/drawing/2010/main" w="9525">
                     <a:solidFill>
                       <a:srgbClr val="000000"/>
                     </a:solidFill>
@@ -10448,7 +10449,7 @@
               </a:ln>
               <a:extLst>
                 <a:ext uri="{91240B29-F687-4f45-9708-019B960494DF}">
-                  <a14:hiddenLine xmlns:a14="http://schemas.microsoft.com/office/drawing/2010/main" xmlns="" w="9525">
+                  <a14:hiddenLine xmlns="" xmlns:a14="http://schemas.microsoft.com/office/drawing/2010/main" w="9525">
                     <a:solidFill>
                       <a:srgbClr val="000000"/>
                     </a:solidFill>
@@ -10510,7 +10511,7 @@
               </a:ln>
               <a:extLst>
                 <a:ext uri="{91240B29-F687-4f45-9708-019B960494DF}">
-                  <a14:hiddenLine xmlns:a14="http://schemas.microsoft.com/office/drawing/2010/main" xmlns="" w="9525">
+                  <a14:hiddenLine xmlns="" xmlns:a14="http://schemas.microsoft.com/office/drawing/2010/main" w="9525">
                     <a:solidFill>
                       <a:srgbClr val="000000"/>
                     </a:solidFill>
@@ -10600,7 +10601,7 @@
               </a:ln>
               <a:extLst>
                 <a:ext uri="{91240B29-F687-4f45-9708-019B960494DF}">
-                  <a14:hiddenLine xmlns:a14="http://schemas.microsoft.com/office/drawing/2010/main" xmlns="" w="9525">
+                  <a14:hiddenLine xmlns="" xmlns:a14="http://schemas.microsoft.com/office/drawing/2010/main" w="9525">
                     <a:solidFill>
                       <a:srgbClr val="000000"/>
                     </a:solidFill>
@@ -10665,7 +10666,7 @@
               </a:ln>
               <a:extLst>
                 <a:ext uri="{91240B29-F687-4f45-9708-019B960494DF}">
-                  <a14:hiddenLine xmlns:a14="http://schemas.microsoft.com/office/drawing/2010/main" xmlns="" w="9525">
+                  <a14:hiddenLine xmlns="" xmlns:a14="http://schemas.microsoft.com/office/drawing/2010/main" w="9525">
                     <a:solidFill>
                       <a:srgbClr val="000000"/>
                     </a:solidFill>
@@ -10727,7 +10728,7 @@
               </a:ln>
               <a:extLst>
                 <a:ext uri="{91240B29-F687-4f45-9708-019B960494DF}">
-                  <a14:hiddenLine xmlns:a14="http://schemas.microsoft.com/office/drawing/2010/main" xmlns="" w="9525">
+                  <a14:hiddenLine xmlns="" xmlns:a14="http://schemas.microsoft.com/office/drawing/2010/main" w="9525">
                     <a:solidFill>
                       <a:srgbClr val="000000"/>
                     </a:solidFill>
@@ -10817,7 +10818,7 @@
               </a:ln>
               <a:extLst>
                 <a:ext uri="{91240B29-F687-4f45-9708-019B960494DF}">
-                  <a14:hiddenLine xmlns:a14="http://schemas.microsoft.com/office/drawing/2010/main" xmlns="" w="9525">
+                  <a14:hiddenLine xmlns="" xmlns:a14="http://schemas.microsoft.com/office/drawing/2010/main" w="9525">
                     <a:solidFill>
                       <a:srgbClr val="000000"/>
                     </a:solidFill>
@@ -10907,7 +10908,7 @@
               </a:ln>
               <a:extLst>
                 <a:ext uri="{91240B29-F687-4f45-9708-019B960494DF}">
-                  <a14:hiddenLine xmlns:a14="http://schemas.microsoft.com/office/drawing/2010/main" xmlns="" w="9525">
+                  <a14:hiddenLine xmlns="" xmlns:a14="http://schemas.microsoft.com/office/drawing/2010/main" w="9525">
                     <a:solidFill>
                       <a:srgbClr val="000000"/>
                     </a:solidFill>
@@ -10972,7 +10973,7 @@
               </a:ln>
               <a:extLst>
                 <a:ext uri="{91240B29-F687-4f45-9708-019B960494DF}">
-                  <a14:hiddenLine xmlns:a14="http://schemas.microsoft.com/office/drawing/2010/main" xmlns="" w="9525">
+                  <a14:hiddenLine xmlns="" xmlns:a14="http://schemas.microsoft.com/office/drawing/2010/main" w="9525">
                     <a:solidFill>
                       <a:srgbClr val="000000"/>
                     </a:solidFill>
@@ -11092,7 +11093,7 @@
               </a:ln>
               <a:extLst>
                 <a:ext uri="{91240B29-F687-4f45-9708-019B960494DF}">
-                  <a14:hiddenLine xmlns:a14="http://schemas.microsoft.com/office/drawing/2010/main" xmlns="" w="9525">
+                  <a14:hiddenLine xmlns="" xmlns:a14="http://schemas.microsoft.com/office/drawing/2010/main" w="9525">
                     <a:solidFill>
                       <a:srgbClr val="000000"/>
                     </a:solidFill>
@@ -11190,7 +11191,7 @@
               </a:ln>
               <a:extLst>
                 <a:ext uri="{91240B29-F687-4f45-9708-019B960494DF}">
-                  <a14:hiddenLine xmlns:a14="http://schemas.microsoft.com/office/drawing/2010/main" xmlns="" w="9525">
+                  <a14:hiddenLine xmlns="" xmlns:a14="http://schemas.microsoft.com/office/drawing/2010/main" w="9525">
                     <a:solidFill>
                       <a:srgbClr val="000000"/>
                     </a:solidFill>
@@ -11305,7 +11306,7 @@
               </a:ln>
               <a:extLst>
                 <a:ext uri="{91240B29-F687-4f45-9708-019B960494DF}">
-                  <a14:hiddenLine xmlns:a14="http://schemas.microsoft.com/office/drawing/2010/main" xmlns="" w="9525">
+                  <a14:hiddenLine xmlns="" xmlns:a14="http://schemas.microsoft.com/office/drawing/2010/main" w="9525">
                     <a:solidFill>
                       <a:srgbClr val="000000"/>
                     </a:solidFill>
@@ -11395,7 +11396,7 @@
               </a:ln>
               <a:extLst>
                 <a:ext uri="{91240B29-F687-4f45-9708-019B960494DF}">
-                  <a14:hiddenLine xmlns:a14="http://schemas.microsoft.com/office/drawing/2010/main" xmlns="" w="9525">
+                  <a14:hiddenLine xmlns="" xmlns:a14="http://schemas.microsoft.com/office/drawing/2010/main" w="9525">
                     <a:solidFill>
                       <a:srgbClr val="000000"/>
                     </a:solidFill>
@@ -11460,7 +11461,7 @@
               </a:ln>
               <a:extLst>
                 <a:ext uri="{91240B29-F687-4f45-9708-019B960494DF}">
-                  <a14:hiddenLine xmlns:a14="http://schemas.microsoft.com/office/drawing/2010/main" xmlns="" w="9525">
+                  <a14:hiddenLine xmlns="" xmlns:a14="http://schemas.microsoft.com/office/drawing/2010/main" w="9525">
                     <a:solidFill>
                       <a:srgbClr val="000000"/>
                     </a:solidFill>
@@ -11550,7 +11551,7 @@
               </a:ln>
               <a:extLst>
                 <a:ext uri="{91240B29-F687-4f45-9708-019B960494DF}">
-                  <a14:hiddenLine xmlns:a14="http://schemas.microsoft.com/office/drawing/2010/main" xmlns="" w="9525">
+                  <a14:hiddenLine xmlns="" xmlns:a14="http://schemas.microsoft.com/office/drawing/2010/main" w="9525">
                     <a:solidFill>
                       <a:srgbClr val="000000"/>
                     </a:solidFill>
@@ -11618,7 +11619,7 @@
               </a:ln>
               <a:extLst>
                 <a:ext uri="{91240B29-F687-4f45-9708-019B960494DF}">
-                  <a14:hiddenLine xmlns:a14="http://schemas.microsoft.com/office/drawing/2010/main" xmlns="" w="9525">
+                  <a14:hiddenLine xmlns="" xmlns:a14="http://schemas.microsoft.com/office/drawing/2010/main" w="9525">
                     <a:solidFill>
                       <a:srgbClr val="000000"/>
                     </a:solidFill>
@@ -11708,7 +11709,7 @@
               </a:ln>
               <a:extLst>
                 <a:ext uri="{91240B29-F687-4f45-9708-019B960494DF}">
-                  <a14:hiddenLine xmlns:a14="http://schemas.microsoft.com/office/drawing/2010/main" xmlns="" w="9525">
+                  <a14:hiddenLine xmlns="" xmlns:a14="http://schemas.microsoft.com/office/drawing/2010/main" w="9525">
                     <a:solidFill>
                       <a:srgbClr val="000000"/>
                     </a:solidFill>
@@ -11776,7 +11777,7 @@
               </a:ln>
               <a:extLst>
                 <a:ext uri="{91240B29-F687-4f45-9708-019B960494DF}">
-                  <a14:hiddenLine xmlns:a14="http://schemas.microsoft.com/office/drawing/2010/main" xmlns="" w="9525">
+                  <a14:hiddenLine xmlns="" xmlns:a14="http://schemas.microsoft.com/office/drawing/2010/main" w="9525">
                     <a:solidFill>
                       <a:srgbClr val="000000"/>
                     </a:solidFill>
@@ -11866,7 +11867,7 @@
               </a:ln>
               <a:extLst>
                 <a:ext uri="{91240B29-F687-4f45-9708-019B960494DF}">
-                  <a14:hiddenLine xmlns:a14="http://schemas.microsoft.com/office/drawing/2010/main" xmlns="" w="9525">
+                  <a14:hiddenLine xmlns="" xmlns:a14="http://schemas.microsoft.com/office/drawing/2010/main" w="9525">
                     <a:solidFill>
                       <a:srgbClr val="000000"/>
                     </a:solidFill>
@@ -11900,7 +11901,7 @@
               </a:ln>
               <a:extLst>
                 <a:ext uri="{91240B29-F687-4f45-9708-019B960494DF}">
-                  <a14:hiddenLine xmlns:a14="http://schemas.microsoft.com/office/drawing/2010/main" xmlns="" w="9525">
+                  <a14:hiddenLine xmlns="" xmlns:a14="http://schemas.microsoft.com/office/drawing/2010/main" w="9525">
                     <a:solidFill>
                       <a:srgbClr val="000000"/>
                     </a:solidFill>
@@ -12040,7 +12041,7 @@
           <a:p>
             <a:fld id="{7FDBF50C-4ABB-48C4-BC36-F12119FAB571}" type="datetimeFigureOut">
               <a:rPr lang="it-IT" smtClean="0"/>
-              <a:t>09/06/2021</a:t>
+              <a:t>10/06/2021</a:t>
             </a:fld>
             <a:endParaRPr lang="it-IT"/>
           </a:p>
@@ -12118,7 +12119,7 @@
           <a:p>
             <a:fld id="{06021973-6F29-4C3C-B47D-AFC1FE0FEEAE}" type="slidenum">
               <a:rPr lang="it-IT" smtClean="0"/>
-              <a:t>‹#›</a:t>
+              <a:t>‹N›</a:t>
             </a:fld>
             <a:endParaRPr lang="it-IT"/>
           </a:p>
@@ -13538,7 +13539,7 @@
         </p:nvSpPr>
         <p:spPr>
           <a:xfrm>
-            <a:off x="4789731" y="3297394"/>
+            <a:off x="5979569" y="5759159"/>
             <a:ext cx="1745676" cy="584775"/>
           </a:xfrm>
           <a:prstGeom prst="rect">
@@ -13703,10 +13704,10 @@
       </p:sp>
       <p:cxnSp>
         <p:nvCxnSpPr>
-          <p:cNvPr id="12" name="Straight Connector 11">
+          <p:cNvPr id="11" name="Straight Connector 11">
             <a:extLst>
               <a:ext uri="{FF2B5EF4-FFF2-40B4-BE49-F238E27FC236}">
-                <a16:creationId xmlns:a16="http://schemas.microsoft.com/office/drawing/2014/main" id="{8BD815E7-4939-488C-89C0-D4BBBCE298AA}"/>
+                <a16:creationId xmlns:a16="http://schemas.microsoft.com/office/drawing/2014/main" id="{170BBCF7-F867-498C-A676-3A770B46CFFE}"/>
               </a:ext>
             </a:extLst>
           </p:cNvPr>
@@ -13717,8 +13718,54 @@
         </p:nvCxnSpPr>
         <p:spPr>
           <a:xfrm>
-            <a:off x="5662569" y="3924801"/>
+            <a:off x="5814969" y="4077201"/>
             <a:ext cx="0" cy="2408238"/>
+          </a:xfrm>
+          <a:prstGeom prst="line">
+            <a:avLst/>
+          </a:prstGeom>
+          <a:ln w="19050">
+            <a:solidFill>
+              <a:schemeClr val="bg2">
+                <a:lumMod val="75000"/>
+              </a:schemeClr>
+            </a:solidFill>
+            <a:prstDash val="dash"/>
+          </a:ln>
+        </p:spPr>
+        <p:style>
+          <a:lnRef idx="1">
+            <a:schemeClr val="accent1"/>
+          </a:lnRef>
+          <a:fillRef idx="0">
+            <a:schemeClr val="accent1"/>
+          </a:fillRef>
+          <a:effectRef idx="0">
+            <a:schemeClr val="accent1"/>
+          </a:effectRef>
+          <a:fontRef idx="minor">
+            <a:schemeClr val="tx1"/>
+          </a:fontRef>
+        </p:style>
+      </p:cxnSp>
+      <p:cxnSp>
+        <p:nvCxnSpPr>
+          <p:cNvPr id="14" name="Straight Connector 11">
+            <a:extLst>
+              <a:ext uri="{FF2B5EF4-FFF2-40B4-BE49-F238E27FC236}">
+                <a16:creationId xmlns:a16="http://schemas.microsoft.com/office/drawing/2014/main" id="{65F99609-56CC-47F0-868E-AF85F671FA2D}"/>
+              </a:ext>
+            </a:extLst>
+          </p:cNvPr>
+          <p:cNvCxnSpPr>
+            <a:cxnSpLocks/>
+          </p:cNvCxnSpPr>
+          <p:nvPr/>
+        </p:nvCxnSpPr>
+        <p:spPr>
+          <a:xfrm>
+            <a:off x="7920605" y="1501629"/>
+            <a:ext cx="0" cy="4983810"/>
           </a:xfrm>
           <a:prstGeom prst="line">
             <a:avLst/>
@@ -13991,7 +14038,7 @@
                     <a:lumOff val="5000"/>
                   </a:schemeClr>
                 </a:solidFill>
-                <a:latin typeface="Miriam Mono CLM" panose="02000503000000000000" pitchFamily="2" charset="-79"/>
+                <a:latin typeface="Cascadia Code"/>
                 <a:cs typeface="Miriam Mono CLM" panose="02000503000000000000" pitchFamily="2" charset="-79"/>
               </a:rPr>
               <a:t>TIME_STEPS = 1000;</a:t>
@@ -14006,7 +14053,7 @@
                     <a:lumOff val="5000"/>
                   </a:schemeClr>
                 </a:solidFill>
-                <a:latin typeface="Miriam Mono CLM" panose="02000503000000000000" pitchFamily="2" charset="-79"/>
+                <a:latin typeface="Cascadia Code"/>
                 <a:cs typeface="Miriam Mono CLM" panose="02000503000000000000" pitchFamily="2" charset="-79"/>
               </a:rPr>
               <a:t>LATTICE_WIDTH = 150;</a:t>
@@ -14021,7 +14068,7 @@
                     <a:lumOff val="5000"/>
                   </a:schemeClr>
                 </a:solidFill>
-                <a:latin typeface="Miriam Mono CLM" panose="02000503000000000000" pitchFamily="2" charset="-79"/>
+                <a:latin typeface="Cascadia Code"/>
                 <a:cs typeface="Miriam Mono CLM" panose="02000503000000000000" pitchFamily="2" charset="-79"/>
               </a:rPr>
               <a:t>LATTICE_HEIGHT = 150;</a:t>
@@ -14036,7 +14083,7 @@
                     <a:lumOff val="5000"/>
                   </a:schemeClr>
                 </a:solidFill>
-                <a:latin typeface="Miriam Mono CLM" panose="02000503000000000000" pitchFamily="2" charset="-79"/>
+                <a:latin typeface="Cascadia Code"/>
                 <a:cs typeface="Miriam Mono CLM" panose="02000503000000000000" pitchFamily="2" charset="-79"/>
               </a:rPr>
               <a:t>PHOTON_SATURATION = 25;</a:t>
@@ -14050,7 +14097,7 @@
                   <a:lumOff val="5000"/>
                 </a:schemeClr>
               </a:solidFill>
-              <a:latin typeface="Miriam Mono CLM" panose="02000503000000000000" pitchFamily="2" charset="-79"/>
+              <a:latin typeface="Cascadia Code"/>
               <a:cs typeface="Miriam Mono CLM" panose="02000503000000000000" pitchFamily="2" charset="-79"/>
             </a:endParaRPr>
           </a:p>
@@ -14063,7 +14110,7 @@
                     <a:lumOff val="5000"/>
                   </a:schemeClr>
                 </a:solidFill>
-                <a:latin typeface="Miriam Mono CLM" panose="02000503000000000000" pitchFamily="2" charset="-79"/>
+                <a:latin typeface="Cascadia Code"/>
                 <a:cs typeface="Miriam Mono CLM" panose="02000503000000000000" pitchFamily="2" charset="-79"/>
               </a:rPr>
               <a:t>electronLifeTime</a:t>
@@ -14076,7 +14123,7 @@
                     <a:lumOff val="5000"/>
                   </a:schemeClr>
                 </a:solidFill>
-                <a:latin typeface="Miriam Mono CLM" panose="02000503000000000000" pitchFamily="2" charset="-79"/>
+                <a:latin typeface="Cascadia Code"/>
                 <a:cs typeface="Miriam Mono CLM" panose="02000503000000000000" pitchFamily="2" charset="-79"/>
               </a:rPr>
               <a:t> = 30;</a:t>
@@ -14091,7 +14138,7 @@
                     <a:lumOff val="5000"/>
                   </a:schemeClr>
                 </a:solidFill>
-                <a:latin typeface="Miriam Mono CLM" panose="02000503000000000000" pitchFamily="2" charset="-79"/>
+                <a:latin typeface="Cascadia Code"/>
                 <a:cs typeface="Miriam Mono CLM" panose="02000503000000000000" pitchFamily="2" charset="-79"/>
               </a:rPr>
               <a:t>photonLifeTime</a:t>
@@ -14104,7 +14151,7 @@
                     <a:lumOff val="5000"/>
                   </a:schemeClr>
                 </a:solidFill>
-                <a:latin typeface="Miriam Mono CLM" panose="02000503000000000000" pitchFamily="2" charset="-79"/>
+                <a:latin typeface="Cascadia Code"/>
                 <a:cs typeface="Miriam Mono CLM" panose="02000503000000000000" pitchFamily="2" charset="-79"/>
               </a:rPr>
               <a:t> = 10;</a:t>
@@ -14119,7 +14166,7 @@
                     <a:lumOff val="5000"/>
                   </a:schemeClr>
                 </a:solidFill>
-                <a:latin typeface="Miriam Mono CLM" panose="02000503000000000000" pitchFamily="2" charset="-79"/>
+                <a:latin typeface="Cascadia Code"/>
                 <a:cs typeface="Miriam Mono CLM" panose="02000503000000000000" pitchFamily="2" charset="-79"/>
               </a:rPr>
               <a:t>pumpingProbability</a:t>
@@ -14132,7 +14179,7 @@
                     <a:lumOff val="5000"/>
                   </a:schemeClr>
                 </a:solidFill>
-                <a:latin typeface="Miriam Mono CLM" panose="02000503000000000000" pitchFamily="2" charset="-79"/>
+                <a:latin typeface="Cascadia Code"/>
                 <a:cs typeface="Miriam Mono CLM" panose="02000503000000000000" pitchFamily="2" charset="-79"/>
               </a:rPr>
               <a:t> = 0.192;</a:t>
@@ -14147,7 +14194,7 @@
                     <a:lumOff val="5000"/>
                   </a:schemeClr>
                 </a:solidFill>
-                <a:latin typeface="Miriam Mono CLM" panose="02000503000000000000" pitchFamily="2" charset="-79"/>
+                <a:latin typeface="Cascadia Code"/>
                 <a:cs typeface="Miriam Mono CLM" panose="02000503000000000000" pitchFamily="2" charset="-79"/>
               </a:rPr>
               <a:t>stimulatedEmissionThreshold</a:t>
@@ -14160,7 +14207,7 @@
                     <a:lumOff val="5000"/>
                   </a:schemeClr>
                 </a:solidFill>
-                <a:latin typeface="Miriam Mono CLM" panose="02000503000000000000" pitchFamily="2" charset="-79"/>
+                <a:latin typeface="Cascadia Code"/>
                 <a:cs typeface="Miriam Mono CLM" panose="02000503000000000000" pitchFamily="2" charset="-79"/>
               </a:rPr>
               <a:t> = 1;</a:t>
@@ -14175,7 +14222,7 @@
                     <a:lumOff val="5000"/>
                   </a:schemeClr>
                 </a:solidFill>
-                <a:latin typeface="Miriam Mono CLM" panose="02000503000000000000" pitchFamily="2" charset="-79"/>
+                <a:latin typeface="Cascadia Code"/>
                 <a:cs typeface="Miriam Mono CLM" panose="02000503000000000000" pitchFamily="2" charset="-79"/>
               </a:rPr>
               <a:t>thermalExcitingProbability</a:t>
@@ -14188,7 +14235,7 @@
                     <a:lumOff val="5000"/>
                   </a:schemeClr>
                 </a:solidFill>
-                <a:latin typeface="Miriam Mono CLM" panose="02000503000000000000" pitchFamily="2" charset="-79"/>
+                <a:latin typeface="Cascadia Code"/>
                 <a:cs typeface="Miriam Mono CLM" panose="02000503000000000000" pitchFamily="2" charset="-79"/>
               </a:rPr>
               <a:t> = 0.001;</a:t>
@@ -14203,7 +14250,7 @@
                     <a:lumOff val="5000"/>
                   </a:schemeClr>
                 </a:solidFill>
-                <a:latin typeface="Miriam Mono CLM" panose="02000503000000000000" pitchFamily="2" charset="-79"/>
+                <a:latin typeface="Cascadia Code"/>
                 <a:cs typeface="Miriam Mono CLM" panose="02000503000000000000" pitchFamily="2" charset="-79"/>
               </a:rPr>
               <a:t>spontaneousEmissionProbability</a:t>
@@ -14216,7 +14263,7 @@
                     <a:lumOff val="5000"/>
                   </a:schemeClr>
                 </a:solidFill>
-                <a:latin typeface="Miriam Mono CLM" panose="02000503000000000000" pitchFamily="2" charset="-79"/>
+                <a:latin typeface="Cascadia Code"/>
                 <a:cs typeface="Miriam Mono CLM" panose="02000503000000000000" pitchFamily="2" charset="-79"/>
               </a:rPr>
               <a:t> = 0.02;</a:t>
@@ -14330,8 +14377,8 @@
           </a:p>
         </p:txBody>
       </p:sp>
-      <mc:AlternateContent xmlns:mc="http://schemas.openxmlformats.org/markup-compatibility/2006" xmlns:a14="http://schemas.microsoft.com/office/drawing/2010/main">
-        <mc:Choice Requires="a14">
+      <mc:AlternateContent xmlns:mc="http://schemas.openxmlformats.org/markup-compatibility/2006">
+        <mc:Choice xmlns:a14="http://schemas.microsoft.com/office/drawing/2010/main" Requires="a14">
           <p:sp>
             <p:nvSpPr>
               <p:cNvPr id="6" name="CasellaDiTesto 5">
@@ -14347,7 +14394,7 @@
             <p:spPr>
               <a:xfrm>
                 <a:off x="1258859" y="865463"/>
-                <a:ext cx="9905998" cy="923330"/>
+                <a:ext cx="9905998" cy="3978397"/>
               </a:xfrm>
               <a:prstGeom prst="rect">
                 <a:avLst/>
@@ -14366,31 +14413,98 @@
                 </a:r>
               </a:p>
               <a:p>
-                <a:r>
-                  <a:rPr lang="el-GR" dirty="0"/>
-                  <a:t>τ</a:t>
-                </a:r>
-                <a:r>
-                  <a:rPr lang="it-IT" sz="1400" dirty="0"/>
-                  <a:t>a</a:t>
-                </a:r>
-                <a:r>
-                  <a:rPr lang="it-IT" dirty="0"/>
-                  <a:t> = 100 </a:t>
-                </a:r>
-                <a:r>
-                  <a:rPr lang="it-IT" dirty="0" err="1"/>
-                  <a:t>ps</a:t>
-                </a:r>
+                <a14:m>
+                  <m:oMath xmlns:m="http://schemas.openxmlformats.org/officeDocument/2006/math">
+                    <m:sSub>
+                      <m:sSubPr>
+                        <m:ctrlPr>
+                          <a:rPr lang="it-IT" b="0" i="1" smtClean="0">
+                            <a:latin typeface="Cambria Math" panose="02040503050406030204" pitchFamily="18" charset="0"/>
+                          </a:rPr>
+                        </m:ctrlPr>
+                      </m:sSubPr>
+                      <m:e>
+                        <m:r>
+                          <a:rPr lang="it-IT" b="0" i="1" smtClean="0">
+                            <a:latin typeface="Cambria Math" panose="02040503050406030204" pitchFamily="18" charset="0"/>
+                          </a:rPr>
+                          <m:t>𝜏</m:t>
+                        </m:r>
+                      </m:e>
+                      <m:sub>
+                        <m:r>
+                          <a:rPr lang="it-IT" b="0" i="1" smtClean="0">
+                            <a:latin typeface="Cambria Math" panose="02040503050406030204" pitchFamily="18" charset="0"/>
+                          </a:rPr>
+                          <m:t>𝑎</m:t>
+                        </m:r>
+                      </m:sub>
+                    </m:sSub>
+                    <m:r>
+                      <a:rPr lang="it-IT" b="0" i="1" smtClean="0">
+                        <a:latin typeface="Cambria Math" panose="02040503050406030204" pitchFamily="18" charset="0"/>
+                      </a:rPr>
+                      <m:t>=100 </m:t>
+                    </m:r>
+                    <m:r>
+                      <a:rPr lang="it-IT" b="0" i="1" smtClean="0">
+                        <a:latin typeface="Cambria Math" panose="02040503050406030204" pitchFamily="18" charset="0"/>
+                      </a:rPr>
+                      <m:t>𝑝𝑠</m:t>
+                    </m:r>
+                  </m:oMath>
+                </a14:m>
                 <a:r>
                   <a:rPr lang="it-IT" dirty="0"/>
                   <a:t> [Tempo di vita dei portatori]</a:t>
                 </a:r>
               </a:p>
               <a:p>
+                <a14:m>
+                  <m:oMath xmlns:m="http://schemas.openxmlformats.org/officeDocument/2006/math">
+                    <m:r>
+                      <a:rPr lang="it-IT" i="1" dirty="0" smtClean="0">
+                        <a:latin typeface="Cambria Math" panose="02040503050406030204" pitchFamily="18" charset="0"/>
+                      </a:rPr>
+                      <m:t>𝐹𝑆𝑅</m:t>
+                    </m:r>
+                    <m:r>
+                      <a:rPr lang="it-IT" b="0" i="1" dirty="0" smtClean="0">
+                        <a:latin typeface="Cambria Math" panose="02040503050406030204" pitchFamily="18" charset="0"/>
+                      </a:rPr>
+                      <m:t>=107 </m:t>
+                    </m:r>
+                    <m:r>
+                      <a:rPr lang="it-IT" b="0" i="1" dirty="0" smtClean="0">
+                        <a:latin typeface="Cambria Math" panose="02040503050406030204" pitchFamily="18" charset="0"/>
+                      </a:rPr>
+                      <m:t>𝐺𝐻𝑧</m:t>
+                    </m:r>
+                  </m:oMath>
+                </a14:m>
                 <a:r>
                   <a:rPr lang="it-IT" dirty="0"/>
-                  <a:t>FSR = 107 GHz (0.6 nm) </a:t>
+                  <a:t> (</a:t>
+                </a:r>
+                <a14:m>
+                  <m:oMath xmlns:m="http://schemas.openxmlformats.org/officeDocument/2006/math">
+                    <m:r>
+                      <a:rPr lang="it-IT" i="1" dirty="0" smtClean="0">
+                        <a:latin typeface="Cambria Math" panose="02040503050406030204" pitchFamily="18" charset="0"/>
+                      </a:rPr>
+                      <m:t>0.6 </m:t>
+                    </m:r>
+                    <m:r>
+                      <a:rPr lang="it-IT" i="1" dirty="0" smtClean="0">
+                        <a:latin typeface="Cambria Math" panose="02040503050406030204" pitchFamily="18" charset="0"/>
+                      </a:rPr>
+                      <m:t>𝑛𝑚</m:t>
+                    </m:r>
+                  </m:oMath>
+                </a14:m>
+                <a:r>
+                  <a:rPr lang="it-IT" dirty="0"/>
+                  <a:t>) </a:t>
                 </a:r>
                 <a14:m>
                   <m:oMath xmlns:m="http://schemas.openxmlformats.org/officeDocument/2006/math">
@@ -14404,23 +14518,64 @@
                 </a14:m>
                 <a:r>
                   <a:rPr lang="it-IT" dirty="0"/>
-                  <a:t> B</a:t>
-                </a:r>
-                <a:r>
-                  <a:rPr lang="it-IT" sz="1200" dirty="0"/>
-                  <a:t>3dB</a:t>
-                </a:r>
-                <a:r>
-                  <a:rPr lang="it-IT" dirty="0"/>
-                  <a:t> =10.22 GHz </a:t>
+                  <a:t> </a:t>
                 </a:r>
                 <a14:m>
                   <m:oMath xmlns:m="http://schemas.openxmlformats.org/officeDocument/2006/math">
+                    <m:sSub>
+                      <m:sSubPr>
+                        <m:ctrlPr>
+                          <a:rPr lang="it-IT" b="0" i="0" dirty="0" smtClean="0">
+                            <a:latin typeface="Cambria Math" panose="02040503050406030204" pitchFamily="18" charset="0"/>
+                          </a:rPr>
+                        </m:ctrlPr>
+                      </m:sSubPr>
+                      <m:e>
+                        <m:r>
+                          <m:rPr>
+                            <m:sty m:val="p"/>
+                          </m:rPr>
+                          <a:rPr lang="it-IT" b="0" i="0" dirty="0" smtClean="0">
+                            <a:latin typeface="Cambria Math" panose="02040503050406030204" pitchFamily="18" charset="0"/>
+                          </a:rPr>
+                          <m:t>B</m:t>
+                        </m:r>
+                      </m:e>
+                      <m:sub>
+                        <m:r>
+                          <a:rPr lang="it-IT" b="0" i="0" dirty="0" smtClean="0">
+                            <a:latin typeface="Cambria Math" panose="02040503050406030204" pitchFamily="18" charset="0"/>
+                          </a:rPr>
+                          <m:t>3</m:t>
+                        </m:r>
+                        <m:r>
+                          <m:rPr>
+                            <m:sty m:val="p"/>
+                          </m:rPr>
+                          <a:rPr lang="it-IT" b="0" i="0" dirty="0" smtClean="0">
+                            <a:latin typeface="Cambria Math" panose="02040503050406030204" pitchFamily="18" charset="0"/>
+                          </a:rPr>
+                          <m:t>dB</m:t>
+                        </m:r>
+                      </m:sub>
+                    </m:sSub>
                     <m:r>
-                      <a:rPr lang="it-IT" i="1">
+                      <a:rPr lang="it-IT" i="1" dirty="0">
                         <a:latin typeface="Cambria Math" panose="02040503050406030204" pitchFamily="18" charset="0"/>
                       </a:rPr>
-                      <m:t>⇒</m:t>
+                      <m:t>=10.22 </m:t>
+                    </m:r>
+                    <m:r>
+                      <a:rPr lang="it-IT" i="1" dirty="0">
+                        <a:latin typeface="Cambria Math" panose="02040503050406030204" pitchFamily="18" charset="0"/>
+                      </a:rPr>
+                      <m:t>𝐺𝐻𝑧</m:t>
+                    </m:r>
+                    <m:r>
+                      <a:rPr lang="it-IT" i="1" dirty="0">
+                        <a:latin typeface="Cambria Math" panose="02040503050406030204" pitchFamily="18" charset="0"/>
+                      </a:rPr>
+                      <m:t> ⇒</m:t>
                     </m:r>
                   </m:oMath>
                 </a14:m>
@@ -14504,12 +14659,365 @@
                     </m:r>
                   </m:oMath>
                 </a14:m>
+                <a:endParaRPr lang="it-IT" b="0" dirty="0">
+                  <a:ea typeface="Cambria Math" panose="02040503050406030204" pitchFamily="18" charset="0"/>
+                </a:endParaRPr>
+              </a:p>
+              <a:p>
+                <a:endParaRPr lang="it-IT" dirty="0"/>
+              </a:p>
+              <a:p>
+                <a:r>
+                  <a:rPr lang="it-IT" dirty="0"/>
+                  <a:t>Dimensioni del reticolo: 150x150</a:t>
+                </a:r>
+              </a:p>
+              <a:p>
+                <a:endParaRPr lang="it-IT" dirty="0"/>
+              </a:p>
+              <a:p>
+                <a:r>
+                  <a:rPr lang="it-IT" dirty="0"/>
+                  <a:t>Probabilità di eccitazione termica: 0.00001 (</a:t>
+                </a:r>
+                <a14:m>
+                  <m:oMath xmlns:m="http://schemas.openxmlformats.org/officeDocument/2006/math">
+                    <m:r>
+                      <a:rPr lang="it-IT" i="1">
+                        <a:latin typeface="Cambria Math" panose="02040503050406030204" pitchFamily="18" charset="0"/>
+                      </a:rPr>
+                      <m:t>1</m:t>
+                    </m:r>
+                    <m:r>
+                      <a:rPr lang="it-IT" b="0" i="1" smtClean="0">
+                        <a:latin typeface="Cambria Math" panose="02040503050406030204" pitchFamily="18" charset="0"/>
+                      </a:rPr>
+                      <m:t>×</m:t>
+                    </m:r>
+                    <m:sSup>
+                      <m:sSupPr>
+                        <m:ctrlPr>
+                          <a:rPr lang="it-IT" b="0" i="1" smtClean="0">
+                            <a:latin typeface="Cambria Math" panose="02040503050406030204" pitchFamily="18" charset="0"/>
+                          </a:rPr>
+                        </m:ctrlPr>
+                      </m:sSupPr>
+                      <m:e>
+                        <m:r>
+                          <a:rPr lang="it-IT" b="0" i="1" smtClean="0">
+                            <a:latin typeface="Cambria Math" panose="02040503050406030204" pitchFamily="18" charset="0"/>
+                          </a:rPr>
+                          <m:t>10</m:t>
+                        </m:r>
+                      </m:e>
+                      <m:sup>
+                        <m:r>
+                          <a:rPr lang="it-IT" b="0" i="1" smtClean="0">
+                            <a:latin typeface="Cambria Math" panose="02040503050406030204" pitchFamily="18" charset="0"/>
+                          </a:rPr>
+                          <m:t>−5</m:t>
+                        </m:r>
+                      </m:sup>
+                    </m:sSup>
+                  </m:oMath>
+                </a14:m>
+                <a:r>
+                  <a:rPr lang="it-IT" dirty="0"/>
+                  <a:t>)</a:t>
+                </a:r>
+              </a:p>
+              <a:p>
+                <a:r>
+                  <a:rPr lang="it-IT" dirty="0"/>
+                  <a:t>Tasso di emissione spontanea di </a:t>
+                </a:r>
+                <a14:m>
+                  <m:oMath xmlns:m="http://schemas.openxmlformats.org/officeDocument/2006/math">
+                    <m:r>
+                      <a:rPr lang="it-IT" b="0" i="0" smtClean="0">
+                        <a:latin typeface="Cambria Math" panose="02040503050406030204" pitchFamily="18" charset="0"/>
+                      </a:rPr>
+                      <m:t>80</m:t>
+                    </m:r>
+                    <m:f>
+                      <m:fPr>
+                        <m:ctrlPr>
+                          <a:rPr lang="it-IT" b="0" i="1" smtClean="0">
+                            <a:latin typeface="Cambria Math" panose="02040503050406030204" pitchFamily="18" charset="0"/>
+                          </a:rPr>
+                        </m:ctrlPr>
+                      </m:fPr>
+                      <m:num>
+                        <m:r>
+                          <a:rPr lang="it-IT" b="0" i="1" smtClean="0">
+                            <a:latin typeface="Cambria Math" panose="02040503050406030204" pitchFamily="18" charset="0"/>
+                          </a:rPr>
+                          <m:t>𝑒𝑙𝑒𝑡𝑡𝑟𝑜𝑛𝑖</m:t>
+                        </m:r>
+                      </m:num>
+                      <m:den>
+                        <m:r>
+                          <a:rPr lang="it-IT" b="0" i="1" smtClean="0">
+                            <a:latin typeface="Cambria Math" panose="02040503050406030204" pitchFamily="18" charset="0"/>
+                          </a:rPr>
+                          <m:t>𝑝𝑠</m:t>
+                        </m:r>
+                      </m:den>
+                    </m:f>
+                    <m:r>
+                      <a:rPr lang="it-IT" b="0" i="1" smtClean="0">
+                        <a:latin typeface="Cambria Math" panose="02040503050406030204" pitchFamily="18" charset="0"/>
+                      </a:rPr>
+                      <m:t> </m:t>
+                    </m:r>
+                  </m:oMath>
+                </a14:m>
+                <a:r>
+                  <a:rPr lang="it-IT" dirty="0"/>
+                  <a:t>(su 400x400 = 160000):</a:t>
+                </a:r>
+              </a:p>
+              <a:p>
+                <a:pPr lvl="1"/>
+                <a14:m>
+                  <m:oMath xmlns:m="http://schemas.openxmlformats.org/officeDocument/2006/math">
+                    <m:r>
+                      <a:rPr lang="it-IT" i="1" smtClean="0">
+                        <a:latin typeface="Cambria Math" panose="02040503050406030204" pitchFamily="18" charset="0"/>
+                      </a:rPr>
+                      <m:t>⇒</m:t>
+                    </m:r>
+                    <m:r>
+                      <m:rPr>
+                        <m:sty m:val="p"/>
+                      </m:rPr>
+                      <a:rPr lang="it-IT" b="0" i="0" smtClean="0">
+                        <a:latin typeface="Cambria Math" panose="02040503050406030204" pitchFamily="18" charset="0"/>
+                      </a:rPr>
+                      <m:t>P</m:t>
+                    </m:r>
+                  </m:oMath>
+                </a14:m>
+                <a:r>
+                  <a:rPr lang="it-IT" dirty="0"/>
+                  <a:t>robabilità di emissione spontanea = 0.0005 (</a:t>
+                </a:r>
+                <a14:m>
+                  <m:oMath xmlns:m="http://schemas.openxmlformats.org/officeDocument/2006/math">
+                    <m:r>
+                      <a:rPr lang="it-IT" i="1">
+                        <a:latin typeface="Cambria Math" panose="02040503050406030204" pitchFamily="18" charset="0"/>
+                      </a:rPr>
+                      <m:t>5</m:t>
+                    </m:r>
+                    <m:r>
+                      <a:rPr lang="it-IT" b="0" i="1" smtClean="0">
+                        <a:latin typeface="Cambria Math" panose="02040503050406030204" pitchFamily="18" charset="0"/>
+                      </a:rPr>
+                      <m:t>×</m:t>
+                    </m:r>
+                    <m:sSup>
+                      <m:sSupPr>
+                        <m:ctrlPr>
+                          <a:rPr lang="it-IT" b="0" i="1" smtClean="0">
+                            <a:latin typeface="Cambria Math" panose="02040503050406030204" pitchFamily="18" charset="0"/>
+                          </a:rPr>
+                        </m:ctrlPr>
+                      </m:sSupPr>
+                      <m:e>
+                        <m:r>
+                          <a:rPr lang="it-IT" b="0" i="1" smtClean="0">
+                            <a:latin typeface="Cambria Math" panose="02040503050406030204" pitchFamily="18" charset="0"/>
+                          </a:rPr>
+                          <m:t>10</m:t>
+                        </m:r>
+                      </m:e>
+                      <m:sup>
+                        <m:r>
+                          <a:rPr lang="it-IT" b="0" i="1" smtClean="0">
+                            <a:latin typeface="Cambria Math" panose="02040503050406030204" pitchFamily="18" charset="0"/>
+                          </a:rPr>
+                          <m:t>−4</m:t>
+                        </m:r>
+                      </m:sup>
+                    </m:sSup>
+                  </m:oMath>
+                </a14:m>
+                <a:r>
+                  <a:rPr lang="it-IT" dirty="0"/>
+                  <a:t>)</a:t>
+                </a:r>
+              </a:p>
+              <a:p>
+                <a:endParaRPr lang="it-IT" dirty="0"/>
+              </a:p>
+              <a:p>
+                <a:r>
+                  <a:rPr lang="it-IT" dirty="0"/>
+                  <a:t>Il </a:t>
+                </a:r>
+                <a:r>
+                  <a:rPr lang="it-IT" i="1" dirty="0" err="1"/>
+                  <a:t>pumping</a:t>
+                </a:r>
+                <a:r>
+                  <a:rPr lang="it-IT" i="1" dirty="0"/>
+                  <a:t> </a:t>
+                </a:r>
+                <a:r>
+                  <a:rPr lang="it-IT" i="1" dirty="0" err="1"/>
+                  <a:t>threshold</a:t>
+                </a:r>
+                <a:r>
+                  <a:rPr lang="it-IT" i="1" dirty="0"/>
+                  <a:t> </a:t>
+                </a:r>
+                <a:r>
+                  <a:rPr lang="it-IT" dirty="0"/>
+                  <a:t>è 22 </a:t>
+                </a:r>
+                <a14:m>
+                  <m:oMath xmlns:m="http://schemas.openxmlformats.org/officeDocument/2006/math">
+                    <m:f>
+                      <m:fPr>
+                        <m:ctrlPr>
+                          <a:rPr lang="it-IT" i="1">
+                            <a:latin typeface="Cambria Math" panose="02040503050406030204" pitchFamily="18" charset="0"/>
+                          </a:rPr>
+                        </m:ctrlPr>
+                      </m:fPr>
+                      <m:num>
+                        <m:r>
+                          <a:rPr lang="it-IT" i="1">
+                            <a:latin typeface="Cambria Math" panose="02040503050406030204" pitchFamily="18" charset="0"/>
+                          </a:rPr>
+                          <m:t>𝑒𝑙𝑒𝑡𝑡𝑟𝑜𝑛𝑖</m:t>
+                        </m:r>
+                      </m:num>
+                      <m:den>
+                        <m:r>
+                          <a:rPr lang="it-IT" i="1">
+                            <a:latin typeface="Cambria Math" panose="02040503050406030204" pitchFamily="18" charset="0"/>
+                          </a:rPr>
+                          <m:t>𝑝𝑠</m:t>
+                        </m:r>
+                      </m:den>
+                    </m:f>
+                    <m:r>
+                      <a:rPr lang="it-IT" i="1">
+                        <a:latin typeface="Cambria Math" panose="02040503050406030204" pitchFamily="18" charset="0"/>
+                      </a:rPr>
+                      <m:t> </m:t>
+                    </m:r>
+                  </m:oMath>
+                </a14:m>
+                <a:r>
+                  <a:rPr lang="it-IT" dirty="0"/>
+                  <a:t> </a:t>
+                </a:r>
+                <a14:m>
+                  <m:oMath xmlns:m="http://schemas.openxmlformats.org/officeDocument/2006/math">
+                    <m:r>
+                      <a:rPr lang="it-IT" i="1" dirty="0" smtClean="0">
+                        <a:latin typeface="Cambria Math" panose="02040503050406030204" pitchFamily="18" charset="0"/>
+                      </a:rPr>
+                      <m:t>⇒</m:t>
+                    </m:r>
+                  </m:oMath>
+                </a14:m>
+                <a:r>
+                  <a:rPr lang="it-IT" dirty="0"/>
+                  <a:t> prendiamo il 10% in più, ovvero </a:t>
+                </a:r>
+                <a14:m>
+                  <m:oMath xmlns:m="http://schemas.openxmlformats.org/officeDocument/2006/math">
+                    <m:r>
+                      <a:rPr lang="it-IT" i="1" smtClean="0">
+                        <a:latin typeface="Cambria Math" panose="02040503050406030204" pitchFamily="18" charset="0"/>
+                        <a:ea typeface="Cambria Math" panose="02040503050406030204" pitchFamily="18" charset="0"/>
+                      </a:rPr>
+                      <m:t>≈</m:t>
+                    </m:r>
+                    <m:r>
+                      <a:rPr lang="it-IT" b="0" i="1" smtClean="0">
+                        <a:latin typeface="Cambria Math" panose="02040503050406030204" pitchFamily="18" charset="0"/>
+                        <a:ea typeface="Cambria Math" panose="02040503050406030204" pitchFamily="18" charset="0"/>
+                      </a:rPr>
+                      <m:t>24.25</m:t>
+                    </m:r>
+                  </m:oMath>
+                </a14:m>
+                <a:r>
+                  <a:rPr lang="it-IT" dirty="0"/>
+                  <a:t> </a:t>
+                </a:r>
+                <a14:m>
+                  <m:oMath xmlns:m="http://schemas.openxmlformats.org/officeDocument/2006/math">
+                    <m:f>
+                      <m:fPr>
+                        <m:ctrlPr>
+                          <a:rPr lang="it-IT" i="1">
+                            <a:latin typeface="Cambria Math" panose="02040503050406030204" pitchFamily="18" charset="0"/>
+                          </a:rPr>
+                        </m:ctrlPr>
+                      </m:fPr>
+                      <m:num>
+                        <m:r>
+                          <a:rPr lang="it-IT" i="1">
+                            <a:latin typeface="Cambria Math" panose="02040503050406030204" pitchFamily="18" charset="0"/>
+                          </a:rPr>
+                          <m:t>𝑒𝑙𝑒𝑡𝑡𝑟𝑜𝑛𝑖</m:t>
+                        </m:r>
+                      </m:num>
+                      <m:den>
+                        <m:r>
+                          <a:rPr lang="it-IT" i="1">
+                            <a:latin typeface="Cambria Math" panose="02040503050406030204" pitchFamily="18" charset="0"/>
+                          </a:rPr>
+                          <m:t>𝑝𝑠</m:t>
+                        </m:r>
+                      </m:den>
+                    </m:f>
+                    <m:r>
+                      <a:rPr lang="it-IT" i="1">
+                        <a:latin typeface="Cambria Math" panose="02040503050406030204" pitchFamily="18" charset="0"/>
+                      </a:rPr>
+                      <m:t> </m:t>
+                    </m:r>
+                  </m:oMath>
+                </a14:m>
+                <a:endParaRPr lang="it-IT" dirty="0"/>
+              </a:p>
+              <a:p>
+                <a:endParaRPr lang="it-IT" dirty="0"/>
+              </a:p>
+              <a:p>
+                <a:r>
+                  <a:rPr lang="it-IT" dirty="0"/>
+                  <a:t>Durata della simulazione: </a:t>
+                </a:r>
+                <a14:m>
+                  <m:oMath xmlns:m="http://schemas.openxmlformats.org/officeDocument/2006/math">
+                    <m:r>
+                      <a:rPr lang="it-IT" i="1" dirty="0" smtClean="0">
+                        <a:latin typeface="Cambria Math" panose="02040503050406030204" pitchFamily="18" charset="0"/>
+                      </a:rPr>
+                      <m:t>2500 </m:t>
+                    </m:r>
+                    <m:r>
+                      <a:rPr lang="it-IT" i="1" dirty="0" err="1" smtClean="0">
+                        <a:latin typeface="Cambria Math" panose="02040503050406030204" pitchFamily="18" charset="0"/>
+                      </a:rPr>
+                      <m:t>𝑝𝑠</m:t>
+                    </m:r>
+                  </m:oMath>
+                </a14:m>
                 <a:endParaRPr lang="it-IT" dirty="0"/>
               </a:p>
             </p:txBody>
           </p:sp>
         </mc:Choice>
-        <mc:Fallback xmlns="">
+        <mc:Fallback>
           <p:sp>
             <p:nvSpPr>
               <p:cNvPr id="6" name="CasellaDiTesto 5">
@@ -14527,7 +15035,7 @@
             <p:spPr>
               <a:xfrm>
                 <a:off x="1258859" y="865463"/>
-                <a:ext cx="9905998" cy="923330"/>
+                <a:ext cx="9905998" cy="3978397"/>
               </a:xfrm>
               <a:prstGeom prst="rect">
                 <a:avLst/>
@@ -14535,7 +15043,7 @@
               <a:blipFill>
                 <a:blip r:embed="rId2"/>
                 <a:stretch>
-                  <a:fillRect l="-554" t="-3974" b="-9934"/>
+                  <a:fillRect l="-554" t="-919" b="-2297"/>
                 </a:stretch>
               </a:blipFill>
             </p:spPr>
@@ -14584,6 +15092,99 @@
           <a:chExt cx="0" cy="0"/>
         </a:xfrm>
       </p:grpSpPr>
+      <p:pic>
+        <p:nvPicPr>
+          <p:cNvPr id="5" name="Immagine 4">
+            <a:extLst>
+              <a:ext uri="{FF2B5EF4-FFF2-40B4-BE49-F238E27FC236}">
+                <a16:creationId xmlns:a16="http://schemas.microsoft.com/office/drawing/2014/main" id="{2EA740AE-0DA6-4636-BEA5-76E524FA5ADF}"/>
+              </a:ext>
+            </a:extLst>
+          </p:cNvPr>
+          <p:cNvPicPr>
+            <a:picLocks noChangeAspect="1"/>
+          </p:cNvPicPr>
+          <p:nvPr/>
+        </p:nvPicPr>
+        <p:blipFill>
+          <a:blip r:embed="rId2"/>
+          <a:stretch>
+            <a:fillRect/>
+          </a:stretch>
+        </p:blipFill>
+        <p:spPr>
+          <a:xfrm>
+            <a:off x="682305" y="856582"/>
+            <a:ext cx="10827390" cy="5648174"/>
+          </a:xfrm>
+          <a:prstGeom prst="rect">
+            <a:avLst/>
+          </a:prstGeom>
+        </p:spPr>
+      </p:pic>
+      <p:sp>
+        <p:nvSpPr>
+          <p:cNvPr id="6" name="Titolo 1">
+            <a:extLst>
+              <a:ext uri="{FF2B5EF4-FFF2-40B4-BE49-F238E27FC236}">
+                <a16:creationId xmlns:a16="http://schemas.microsoft.com/office/drawing/2014/main" id="{42278162-8CD0-44B1-A658-23B5F4DC7B52}"/>
+              </a:ext>
+            </a:extLst>
+          </p:cNvPr>
+          <p:cNvSpPr>
+            <a:spLocks noGrp="1"/>
+          </p:cNvSpPr>
+          <p:nvPr>
+            <p:ph type="title"/>
+          </p:nvPr>
+        </p:nvSpPr>
+        <p:spPr>
+          <a:xfrm>
+            <a:off x="1258859" y="126794"/>
+            <a:ext cx="9905998" cy="968398"/>
+          </a:xfrm>
+        </p:spPr>
+        <p:txBody>
+          <a:bodyPr/>
+          <a:lstStyle/>
+          <a:p>
+            <a:r>
+              <a:rPr lang="it-IT" dirty="0"/>
+              <a:t>Dal modello alla realtà</a:t>
+            </a:r>
+          </a:p>
+        </p:txBody>
+      </p:sp>
+    </p:spTree>
+    <p:extLst>
+      <p:ext uri="{BB962C8B-B14F-4D97-AF65-F5344CB8AC3E}">
+        <p14:creationId xmlns:p14="http://schemas.microsoft.com/office/powerpoint/2010/main" val="3409278456"/>
+      </p:ext>
+    </p:extLst>
+  </p:cSld>
+  <p:clrMapOvr>
+    <a:masterClrMapping/>
+  </p:clrMapOvr>
+</p:sld>
+</file>
+
+<file path=ppt/slides/slide18.xml><?xml version="1.0" encoding="utf-8"?>
+<p:sld xmlns:a="http://schemas.openxmlformats.org/drawingml/2006/main" xmlns:r="http://schemas.openxmlformats.org/officeDocument/2006/relationships" xmlns:p="http://schemas.openxmlformats.org/presentationml/2006/main">
+  <p:cSld>
+    <p:spTree>
+      <p:nvGrpSpPr>
+        <p:cNvPr id="1" name=""/>
+        <p:cNvGrpSpPr/>
+        <p:nvPr/>
+      </p:nvGrpSpPr>
+      <p:grpSpPr>
+        <a:xfrm>
+          <a:off x="0" y="0"/>
+          <a:ext cx="0" cy="0"/>
+          <a:chOff x="0" y="0"/>
+          <a:chExt cx="0" cy="0"/>
+        </a:xfrm>
+      </p:grpSpPr>
       <p:sp>
         <p:nvSpPr>
           <p:cNvPr id="2" name="Titolo 1">
@@ -14628,7 +15229,12 @@
             <p:ph idx="1"/>
           </p:nvPr>
         </p:nvSpPr>
-        <p:spPr/>
+        <p:spPr>
+          <a:xfrm>
+            <a:off x="1141412" y="1909813"/>
+            <a:ext cx="9905999" cy="2536352"/>
+          </a:xfrm>
+        </p:spPr>
         <p:txBody>
           <a:bodyPr>
             <a:normAutofit/>
@@ -14662,6 +15268,55 @@
               <a:t>https://www.researchgate.net/publication/7525971_Cellular_automaton_model_for_the_simulation_of_laser_dynamics</a:t>
             </a:r>
             <a:endParaRPr lang="it-IT" sz="1600" dirty="0"/>
+          </a:p>
+        </p:txBody>
+      </p:sp>
+      <p:sp>
+        <p:nvSpPr>
+          <p:cNvPr id="4" name="CasellaDiTesto 3">
+            <a:extLst>
+              <a:ext uri="{FF2B5EF4-FFF2-40B4-BE49-F238E27FC236}">
+                <a16:creationId xmlns:a16="http://schemas.microsoft.com/office/drawing/2014/main" id="{4FC458D1-2D79-48C2-8760-C4634E24E164}"/>
+              </a:ext>
+            </a:extLst>
+          </p:cNvPr>
+          <p:cNvSpPr txBox="1"/>
+          <p:nvPr/>
+        </p:nvSpPr>
+        <p:spPr>
+          <a:xfrm>
+            <a:off x="4907560" y="5155195"/>
+            <a:ext cx="6316020" cy="369332"/>
+          </a:xfrm>
+          <a:prstGeom prst="rect">
+            <a:avLst/>
+          </a:prstGeom>
+          <a:noFill/>
+        </p:spPr>
+        <p:txBody>
+          <a:bodyPr wrap="square" rtlCol="0">
+            <a:spAutoFit/>
+          </a:bodyPr>
+          <a:lstStyle/>
+          <a:p>
+            <a:pPr algn="r"/>
+            <a:r>
+              <a:rPr lang="it-IT" dirty="0"/>
+              <a:t>Un progetto sviluppato da </a:t>
+            </a:r>
+            <a:r>
+              <a:rPr lang="it-IT" i="1" dirty="0"/>
+              <a:t>Francesco Panebianco </a:t>
+            </a:r>
+            <a:r>
+              <a:rPr lang="it-IT" dirty="0"/>
+              <a:t>e </a:t>
+            </a:r>
+            <a:r>
+              <a:rPr lang="it-IT" i="1" dirty="0"/>
+              <a:t>Simone Giampà</a:t>
+            </a:r>
+            <a:endParaRPr lang="it-IT" dirty="0"/>
           </a:p>
         </p:txBody>
       </p:sp>
@@ -14756,7 +15411,15 @@
           <a:p>
             <a:r>
               <a:rPr lang="it-IT" sz="2000" dirty="0"/>
-              <a:t>Il modello fisico dei LASER è complesso da risolvere analiticamente.</a:t>
+              <a:t>Il modello fisico dei </a:t>
+            </a:r>
+            <a:r>
+              <a:rPr lang="it-IT" sz="2000" i="1" dirty="0"/>
+              <a:t>LASER</a:t>
+            </a:r>
+            <a:r>
+              <a:rPr lang="it-IT" sz="2000" dirty="0"/>
+              <a:t> è complesso da risolvere analiticamente.</a:t>
             </a:r>
           </a:p>
           <a:p>
